--- a/ppt/Jin_Junfan.pptx
+++ b/ppt/Jin_Junfan.pptx
@@ -42,7 +42,7 @@
         <p:spPr>
           <a:xfrm>
             <a:off x="456840" y="549000"/>
-            <a:ext cx="7311240" cy="910440"/>
+            <a:ext cx="7310880" cy="910080"/>
           </a:xfrm>
           <a:prstGeom prst="rect">
             <a:avLst/>
@@ -83,7 +83,7 @@
         <p:spPr>
           <a:xfrm>
             <a:off x="456840" y="1828440"/>
-            <a:ext cx="9140040" cy="4568040"/>
+            <a:ext cx="9139680" cy="4567680"/>
           </a:xfrm>
           <a:prstGeom prst="rect">
             <a:avLst/>
@@ -151,8 +151,8 @@
         </p:nvSpPr>
         <p:spPr>
           <a:xfrm flipV="1">
-            <a:off x="236520" y="204480"/>
-            <a:ext cx="9540000" cy="153360"/>
+            <a:off x="236520" y="203400"/>
+            <a:ext cx="9539640" cy="153000"/>
           </a:xfrm>
           <a:prstGeom prst="rect">
             <a:avLst/>
@@ -211,8 +211,8 @@
         </p:nvSpPr>
         <p:spPr>
           <a:xfrm>
-            <a:off x="6703560" y="7078680"/>
-            <a:ext cx="694440" cy="256320"/>
+            <a:off x="5943600" y="7077600"/>
+            <a:ext cx="694080" cy="255960"/>
           </a:xfrm>
           <a:prstGeom prst="rect">
             <a:avLst/>
@@ -247,7 +247,7 @@
                 <a:tab algn="l" pos="0"/>
               </a:tabLst>
             </a:pPr>
-            <a:fld id="{DE7B2DA1-12C3-4086-BFEA-ABBBC8034379}" type="slidenum">
+            <a:fld id="{663BEBD3-F5E4-4C50-A6B4-E238E6B0BE74}" type="slidenum">
               <a:rPr b="0" lang="en-US" sz="1200" strike="noStrike" u="none">
                 <a:solidFill>
                   <a:srgbClr val="000000"/>
@@ -256,7 +256,7 @@
                 <a:latin typeface="Arial"/>
                 <a:ea typeface="DejaVu Sans"/>
               </a:rPr>
-              <a:t>1</a:t>
+              <a:t>&lt;编号&gt;</a:t>
             </a:fld>
             <a:endParaRPr b="0" lang="en-US" sz="1200" strike="noStrike" u="none">
               <a:solidFill>
@@ -367,7 +367,7 @@
         <p:spPr>
           <a:xfrm>
             <a:off x="7365960" y="7116840"/>
-            <a:ext cx="2358360" cy="378720"/>
+            <a:ext cx="2358000" cy="378360"/>
           </a:xfrm>
           <a:prstGeom prst="rect">
             <a:avLst/>
@@ -390,7 +390,7 @@
         <p:spPr>
           <a:xfrm>
             <a:off x="7845480" y="541440"/>
-            <a:ext cx="2220120" cy="916920"/>
+            <a:ext cx="2219760" cy="916560"/>
           </a:xfrm>
           <a:prstGeom prst="rect">
             <a:avLst/>
@@ -409,7 +409,7 @@
         <p:spPr>
           <a:xfrm>
             <a:off x="260280" y="7078680"/>
-            <a:ext cx="1083600" cy="266040"/>
+            <a:ext cx="1083240" cy="265680"/>
           </a:xfrm>
           <a:prstGeom prst="rect">
             <a:avLst/>
@@ -498,7 +498,7 @@
         <p:spPr>
           <a:xfrm>
             <a:off x="1158840" y="7078680"/>
-            <a:ext cx="3625200" cy="435960"/>
+            <a:ext cx="3624840" cy="435600"/>
           </a:xfrm>
           <a:prstGeom prst="rect">
             <a:avLst/>
@@ -524,7 +524,85 @@
                 <a:spcPct val="100000"/>
               </a:lnSpc>
               <a:spcBef>
-                <a:spcPts val="74"/>
+                <a:spcPts val="1191"/>
+              </a:spcBef>
+              <a:spcAft>
+                <a:spcPts val="992"/>
+              </a:spcAft>
+              <a:tabLst>
+                <a:tab algn="l" pos="0"/>
+                <a:tab algn="l" pos="914400"/>
+                <a:tab algn="l" pos="1828800"/>
+                <a:tab algn="l" pos="2743200"/>
+                <a:tab algn="l" pos="3657600"/>
+                <a:tab algn="l" pos="4572000"/>
+                <a:tab algn="l" pos="5486400"/>
+                <a:tab algn="l" pos="6400800"/>
+                <a:tab algn="l" pos="7315200"/>
+                <a:tab algn="l" pos="8229600"/>
+                <a:tab algn="l" pos="9144000"/>
+                <a:tab algn="l" pos="10058400"/>
+                <a:tab algn="l" pos="10333080"/>
+                <a:tab algn="l" pos="10782360"/>
+              </a:tabLst>
+            </a:pPr>
+            <a:r>
+              <a:rPr b="0" lang="en-US" sz="1200" strike="noStrike" u="none">
+                <a:solidFill>
+                  <a:srgbClr val="000000"/>
+                </a:solidFill>
+                <a:uFillTx/>
+                <a:latin typeface="Arial"/>
+                <a:ea typeface="DejaVu Sans"/>
+              </a:rPr>
+              <a:t>Charging Station Upgrade to OCPP Communication for Smart Charging </a:t>
+            </a:r>
+            <a:endParaRPr b="0" lang="en-US" sz="1200" strike="noStrike" u="none">
+              <a:solidFill>
+                <a:srgbClr val="000000"/>
+              </a:solidFill>
+              <a:uFillTx/>
+              <a:latin typeface="Arial"/>
+            </a:endParaRPr>
+          </a:p>
+        </p:txBody>
+      </p:sp>
+      <p:sp>
+        <p:nvSpPr>
+          <p:cNvPr id="8" name=""/>
+          <p:cNvSpPr/>
+          <p:nvPr/>
+        </p:nvSpPr>
+        <p:spPr>
+          <a:xfrm>
+            <a:off x="3620880" y="7077600"/>
+            <a:ext cx="1972440" cy="417960"/>
+          </a:xfrm>
+          <a:prstGeom prst="rect">
+            <a:avLst/>
+          </a:prstGeom>
+          <a:noFill/>
+          <a:ln w="0">
+            <a:noFill/>
+          </a:ln>
+        </p:spPr>
+        <p:style>
+          <a:lnRef idx="0"/>
+          <a:fillRef idx="0"/>
+          <a:effectRef idx="0"/>
+          <a:fontRef idx="minor"/>
+        </p:style>
+        <p:txBody>
+          <a:bodyPr wrap="none" lIns="90000" rIns="90000" tIns="45000" bIns="45000" anchor="t">
+            <a:noAutofit/>
+          </a:bodyPr>
+          <a:p>
+            <a:pPr>
+              <a:lnSpc>
+                <a:spcPct val="100000"/>
+              </a:lnSpc>
+              <a:spcBef>
+                <a:spcPts val="26"/>
               </a:spcBef>
               <a:spcAft>
                 <a:spcPts val="26"/>
@@ -555,7 +633,7 @@
                 <a:latin typeface="Arial"/>
                 <a:ea typeface="DejaVu Sans"/>
               </a:rPr>
-              <a:t>Ladesäulen-Aufrüstung auf OCPP-Kommunikation </a:t>
+              <a:t>| Junfan Jin, Can Zeng, </a:t>
             </a:r>
             <a:endParaRPr b="0" lang="en-US" sz="1200" strike="noStrike" u="none">
               <a:solidFill>
@@ -571,7 +649,7 @@
                 <a:spcPct val="100000"/>
               </a:lnSpc>
               <a:spcBef>
-                <a:spcPts val="74"/>
+                <a:spcPts val="26"/>
               </a:spcBef>
               <a:spcAft>
                 <a:spcPts val="26"/>
@@ -602,131 +680,6 @@
                 <a:latin typeface="Arial"/>
                 <a:ea typeface="DejaVu Sans"/>
               </a:rPr>
-              <a:t>für Intelligentes Laden</a:t>
-            </a:r>
-            <a:endParaRPr b="0" lang="en-US" sz="1200" strike="noStrike" u="none">
-              <a:solidFill>
-                <a:srgbClr val="000000"/>
-              </a:solidFill>
-              <a:uFillTx/>
-              <a:latin typeface="Arial"/>
-            </a:endParaRPr>
-          </a:p>
-        </p:txBody>
-      </p:sp>
-      <p:sp>
-        <p:nvSpPr>
-          <p:cNvPr id="8" name=""/>
-          <p:cNvSpPr/>
-          <p:nvPr/>
-        </p:nvSpPr>
-        <p:spPr>
-          <a:xfrm>
-            <a:off x="4619520" y="7078680"/>
-            <a:ext cx="1972800" cy="418320"/>
-          </a:xfrm>
-          <a:prstGeom prst="rect">
-            <a:avLst/>
-          </a:prstGeom>
-          <a:noFill/>
-          <a:ln w="0">
-            <a:noFill/>
-          </a:ln>
-        </p:spPr>
-        <p:style>
-          <a:lnRef idx="0"/>
-          <a:fillRef idx="0"/>
-          <a:effectRef idx="0"/>
-          <a:fontRef idx="minor"/>
-        </p:style>
-        <p:txBody>
-          <a:bodyPr wrap="none" lIns="90000" rIns="90000" tIns="45000" bIns="45000" anchor="t">
-            <a:noAutofit/>
-          </a:bodyPr>
-          <a:p>
-            <a:pPr>
-              <a:lnSpc>
-                <a:spcPct val="100000"/>
-              </a:lnSpc>
-              <a:spcBef>
-                <a:spcPts val="26"/>
-              </a:spcBef>
-              <a:spcAft>
-                <a:spcPts val="26"/>
-              </a:spcAft>
-              <a:tabLst>
-                <a:tab algn="l" pos="0"/>
-                <a:tab algn="l" pos="914400"/>
-                <a:tab algn="l" pos="1828800"/>
-                <a:tab algn="l" pos="2743200"/>
-                <a:tab algn="l" pos="3657600"/>
-                <a:tab algn="l" pos="4572000"/>
-                <a:tab algn="l" pos="5486400"/>
-                <a:tab algn="l" pos="6400800"/>
-                <a:tab algn="l" pos="7315200"/>
-                <a:tab algn="l" pos="8229600"/>
-                <a:tab algn="l" pos="9144000"/>
-                <a:tab algn="l" pos="10058400"/>
-                <a:tab algn="l" pos="10333080"/>
-                <a:tab algn="l" pos="10782360"/>
-              </a:tabLst>
-            </a:pPr>
-            <a:r>
-              <a:rPr b="0" lang="en-US" sz="1200" strike="noStrike" u="none">
-                <a:solidFill>
-                  <a:srgbClr val="000000"/>
-                </a:solidFill>
-                <a:uFillTx/>
-                <a:latin typeface="Arial"/>
-                <a:ea typeface="DejaVu Sans"/>
-              </a:rPr>
-              <a:t>| Junfan Jin, Can Zeng, </a:t>
-            </a:r>
-            <a:endParaRPr b="0" lang="en-US" sz="1200" strike="noStrike" u="none">
-              <a:solidFill>
-                <a:srgbClr val="000000"/>
-              </a:solidFill>
-              <a:uFillTx/>
-              <a:latin typeface="Arial"/>
-            </a:endParaRPr>
-          </a:p>
-          <a:p>
-            <a:pPr>
-              <a:lnSpc>
-                <a:spcPct val="100000"/>
-              </a:lnSpc>
-              <a:spcBef>
-                <a:spcPts val="26"/>
-              </a:spcBef>
-              <a:spcAft>
-                <a:spcPts val="26"/>
-              </a:spcAft>
-              <a:tabLst>
-                <a:tab algn="l" pos="0"/>
-                <a:tab algn="l" pos="914400"/>
-                <a:tab algn="l" pos="1828800"/>
-                <a:tab algn="l" pos="2743200"/>
-                <a:tab algn="l" pos="3657600"/>
-                <a:tab algn="l" pos="4572000"/>
-                <a:tab algn="l" pos="5486400"/>
-                <a:tab algn="l" pos="6400800"/>
-                <a:tab algn="l" pos="7315200"/>
-                <a:tab algn="l" pos="8229600"/>
-                <a:tab algn="l" pos="9144000"/>
-                <a:tab algn="l" pos="10058400"/>
-                <a:tab algn="l" pos="10333080"/>
-                <a:tab algn="l" pos="10782360"/>
-              </a:tabLst>
-            </a:pPr>
-            <a:r>
-              <a:rPr b="0" lang="en-US" sz="1200" strike="noStrike" u="none">
-                <a:solidFill>
-                  <a:srgbClr val="000000"/>
-                </a:solidFill>
-                <a:uFillTx/>
-                <a:latin typeface="Arial"/>
-                <a:ea typeface="DejaVu Sans"/>
-              </a:rPr>
               <a:t>  </a:t>
             </a:r>
             <a:r>
@@ -806,7 +759,7 @@
         <p:spPr>
           <a:xfrm>
             <a:off x="456840" y="549000"/>
-            <a:ext cx="7311240" cy="910440"/>
+            <a:ext cx="7310880" cy="910080"/>
           </a:xfrm>
           <a:prstGeom prst="rect">
             <a:avLst/>
@@ -857,7 +810,7 @@
         <p:spPr>
           <a:xfrm>
             <a:off x="456840" y="1828440"/>
-            <a:ext cx="9140040" cy="4568040"/>
+            <a:ext cx="9139680" cy="4567680"/>
           </a:xfrm>
           <a:prstGeom prst="rect">
             <a:avLst/>
@@ -1122,7 +1075,7 @@
         <p:spPr>
           <a:xfrm>
             <a:off x="382680" y="541440"/>
-            <a:ext cx="7470000" cy="943920"/>
+            <a:ext cx="7469640" cy="943560"/>
           </a:xfrm>
           <a:prstGeom prst="rect">
             <a:avLst/>
@@ -1163,7 +1116,7 @@
         <p:spPr>
           <a:xfrm>
             <a:off x="334440" y="1731600"/>
-            <a:ext cx="9378360" cy="5187240"/>
+            <a:ext cx="9378000" cy="5186880"/>
           </a:xfrm>
           <a:prstGeom prst="rect">
             <a:avLst/>

--- a/ppt/Jin_Junfan.pptx
+++ b/ppt/Jin_Junfan.pptx
@@ -6,6 +6,13 @@
   </p:sldMasterIdLst>
   <p:sldIdLst>
     <p:sldId id="256" r:id="rId3"/>
+    <p:sldId id="257" r:id="rId4"/>
+    <p:sldId id="258" r:id="rId5"/>
+    <p:sldId id="259" r:id="rId6"/>
+    <p:sldId id="260" r:id="rId7"/>
+    <p:sldId id="261" r:id="rId8"/>
+    <p:sldId id="262" r:id="rId9"/>
+    <p:sldId id="263" r:id="rId10"/>
   </p:sldIdLst>
   <p:sldSz cx="10080625" cy="7559675"/>
   <p:notesSz cx="7559675" cy="10691813"/>
@@ -42,7 +49,7 @@
         <p:spPr>
           <a:xfrm>
             <a:off x="456840" y="549000"/>
-            <a:ext cx="7310880" cy="910080"/>
+            <a:ext cx="7310520" cy="909720"/>
           </a:xfrm>
           <a:prstGeom prst="rect">
             <a:avLst/>
@@ -83,7 +90,7 @@
         <p:spPr>
           <a:xfrm>
             <a:off x="456840" y="1828440"/>
-            <a:ext cx="9139680" cy="4567680"/>
+            <a:ext cx="9139320" cy="4567320"/>
           </a:xfrm>
           <a:prstGeom prst="rect">
             <a:avLst/>
@@ -151,8 +158,8 @@
         </p:nvSpPr>
         <p:spPr>
           <a:xfrm flipV="1">
-            <a:off x="236520" y="203400"/>
-            <a:ext cx="9539640" cy="153000"/>
+            <a:off x="236520" y="203040"/>
+            <a:ext cx="9539280" cy="152640"/>
           </a:xfrm>
           <a:prstGeom prst="rect">
             <a:avLst/>
@@ -212,7 +219,7 @@
         <p:spPr>
           <a:xfrm>
             <a:off x="5943600" y="7077600"/>
-            <a:ext cx="694080" cy="255960"/>
+            <a:ext cx="693720" cy="255600"/>
           </a:xfrm>
           <a:prstGeom prst="rect">
             <a:avLst/>
@@ -247,7 +254,7 @@
                 <a:tab algn="l" pos="0"/>
               </a:tabLst>
             </a:pPr>
-            <a:fld id="{663BEBD3-F5E4-4C50-A6B4-E238E6B0BE74}" type="slidenum">
+            <a:fld id="{CE2584C2-00E9-4650-884B-FAC06116F170}" type="slidenum">
               <a:rPr b="0" lang="en-US" sz="1200" strike="noStrike" u="none">
                 <a:solidFill>
                   <a:srgbClr val="000000"/>
@@ -256,7 +263,7 @@
                 <a:latin typeface="Arial"/>
                 <a:ea typeface="DejaVu Sans"/>
               </a:rPr>
-              <a:t>&lt;编号&gt;</a:t>
+              <a:t>6</a:t>
             </a:fld>
             <a:endParaRPr b="0" lang="en-US" sz="1200" strike="noStrike" u="none">
               <a:solidFill>
@@ -367,7 +374,7 @@
         <p:spPr>
           <a:xfrm>
             <a:off x="7365960" y="7116840"/>
-            <a:ext cx="2358000" cy="378360"/>
+            <a:ext cx="2357640" cy="378000"/>
           </a:xfrm>
           <a:prstGeom prst="rect">
             <a:avLst/>
@@ -390,7 +397,7 @@
         <p:spPr>
           <a:xfrm>
             <a:off x="7845480" y="541440"/>
-            <a:ext cx="2219760" cy="916560"/>
+            <a:ext cx="2219400" cy="916200"/>
           </a:xfrm>
           <a:prstGeom prst="rect">
             <a:avLst/>
@@ -409,7 +416,7 @@
         <p:spPr>
           <a:xfrm>
             <a:off x="260280" y="7078680"/>
-            <a:ext cx="1083240" cy="265680"/>
+            <a:ext cx="1082880" cy="265320"/>
           </a:xfrm>
           <a:prstGeom prst="rect">
             <a:avLst/>
@@ -498,7 +505,7 @@
         <p:spPr>
           <a:xfrm>
             <a:off x="1158840" y="7078680"/>
-            <a:ext cx="3624840" cy="435600"/>
+            <a:ext cx="3624480" cy="435240"/>
           </a:xfrm>
           <a:prstGeom prst="rect">
             <a:avLst/>
@@ -576,7 +583,7 @@
         <p:spPr>
           <a:xfrm>
             <a:off x="3620880" y="7077600"/>
-            <a:ext cx="1972440" cy="417960"/>
+            <a:ext cx="1972080" cy="417600"/>
           </a:xfrm>
           <a:prstGeom prst="rect">
             <a:avLst/>
@@ -759,7 +766,7 @@
         <p:spPr>
           <a:xfrm>
             <a:off x="456840" y="549000"/>
-            <a:ext cx="7310880" cy="910080"/>
+            <a:ext cx="7310520" cy="909720"/>
           </a:xfrm>
           <a:prstGeom prst="rect">
             <a:avLst/>
@@ -810,7 +817,7 @@
         <p:spPr>
           <a:xfrm>
             <a:off x="456840" y="1828440"/>
-            <a:ext cx="9139680" cy="4567680"/>
+            <a:ext cx="9139320" cy="4567320"/>
           </a:xfrm>
           <a:prstGeom prst="rect">
             <a:avLst/>
@@ -1074,8 +1081,8 @@
         </p:nvSpPr>
         <p:spPr>
           <a:xfrm>
-            <a:off x="382680" y="541440"/>
-            <a:ext cx="7469640" cy="943560"/>
+            <a:off x="456840" y="548640"/>
+            <a:ext cx="7310520" cy="909720"/>
           </a:xfrm>
           <a:prstGeom prst="rect">
             <a:avLst/>
@@ -1090,10 +1097,147 @@
             <a:noAutofit/>
           </a:bodyPr>
           <a:p>
-            <a:pPr indent="0" algn="ctr">
+            <a:pPr indent="0">
+              <a:spcBef>
+                <a:spcPts val="1191"/>
+              </a:spcBef>
+              <a:spcAft>
+                <a:spcPts val="992"/>
+              </a:spcAft>
               <a:buNone/>
             </a:pPr>
-            <a:endParaRPr b="0" lang="en-US" sz="1800" strike="noStrike" u="none">
+            <a:r>
+              <a:rPr b="0" lang="en-US" sz="3600" strike="noStrike" u="none">
+                <a:solidFill>
+                  <a:srgbClr val="000000"/>
+                </a:solidFill>
+                <a:uFillTx/>
+                <a:latin typeface="Arial"/>
+              </a:rPr>
+              <a:t>System Architecture - Overview </a:t>
+            </a:r>
+            <a:endParaRPr b="0" lang="en-US" sz="3600" strike="noStrike" u="none">
+              <a:solidFill>
+                <a:srgbClr val="000000"/>
+              </a:solidFill>
+              <a:uFillTx/>
+              <a:latin typeface="Arial"/>
+            </a:endParaRPr>
+          </a:p>
+        </p:txBody>
+      </p:sp>
+      <p:pic>
+        <p:nvPicPr>
+          <p:cNvPr id="15" name="" descr=""/>
+          <p:cNvPicPr/>
+          <p:nvPr/>
+        </p:nvPicPr>
+        <p:blipFill>
+          <a:blip r:embed="rId1"/>
+          <a:stretch/>
+        </p:blipFill>
+        <p:spPr>
+          <a:xfrm>
+            <a:off x="0" y="1691280"/>
+            <a:ext cx="10080360" cy="5284440"/>
+          </a:xfrm>
+          <a:prstGeom prst="rect">
+            <a:avLst/>
+          </a:prstGeom>
+          <a:ln w="0">
+            <a:noFill/>
+          </a:ln>
+        </p:spPr>
+      </p:pic>
+    </p:spTree>
+  </p:cSld>
+  <mc:AlternateContent>
+    <mc:Choice Requires="p14">
+      <p:transition spd="slow" p14:dur="2000"/>
+    </mc:Choice>
+    <mc:Fallback>
+      <p:transition spd="slow"/>
+    </mc:Fallback>
+  </mc:AlternateContent>
+</p:sld>
+</file>
+
+<file path=ppt/slides/slide2.xml><?xml version="1.0" encoding="utf-8"?>
+<p:sld xmlns:a="http://schemas.openxmlformats.org/drawingml/2006/main" xmlns:p="http://schemas.openxmlformats.org/presentationml/2006/main" xmlns:r="http://schemas.openxmlformats.org/officeDocument/2006/relationships" xmlns:p14="http://schemas.microsoft.com/office/powerpoint/2010/main" xmlns:p15="http://schemas.microsoft.com/office/powerpoint/2012/main" xmlns:mc="http://schemas.openxmlformats.org/markup-compatibility/2006">
+  <p:cSld>
+    <p:spTree>
+      <p:nvGrpSpPr>
+        <p:cNvPr id="1" name=""/>
+        <p:cNvGrpSpPr/>
+        <p:nvPr/>
+      </p:nvGrpSpPr>
+      <p:grpSpPr>
+        <a:xfrm>
+          <a:off x="0" y="0"/>
+          <a:ext cx="0" cy="0"/>
+          <a:chOff x="0" y="0"/>
+          <a:chExt cx="0" cy="0"/>
+        </a:xfrm>
+      </p:grpSpPr>
+      <p:sp>
+        <p:nvSpPr>
+          <p:cNvPr id="16" name="PlaceHolder 1"/>
+          <p:cNvSpPr>
+            <a:spLocks noGrp="1"/>
+          </p:cNvSpPr>
+          <p:nvPr>
+            <p:ph type="title"/>
+          </p:nvPr>
+        </p:nvSpPr>
+        <p:spPr>
+          <a:xfrm>
+            <a:off x="457200" y="550800"/>
+            <a:ext cx="7800840" cy="943200"/>
+          </a:xfrm>
+          <a:prstGeom prst="rect">
+            <a:avLst/>
+          </a:prstGeom>
+          <a:noFill/>
+          <a:ln w="0">
+            <a:noFill/>
+          </a:ln>
+        </p:spPr>
+        <p:txBody>
+          <a:bodyPr lIns="0" rIns="0" tIns="0" bIns="0" anchor="ctr">
+            <a:noAutofit/>
+          </a:bodyPr>
+          <a:p>
+            <a:pPr indent="0">
+              <a:spcBef>
+                <a:spcPts val="1191"/>
+              </a:spcBef>
+              <a:spcAft>
+                <a:spcPts val="992"/>
+              </a:spcAft>
+              <a:buNone/>
+            </a:pPr>
+            <a:r>
+              <a:rPr b="0" lang="en-US" sz="3600" strike="noStrike" u="none">
+                <a:solidFill>
+                  <a:srgbClr val="000000"/>
+                </a:solidFill>
+                <a:uFillTx/>
+                <a:latin typeface="Arial"/>
+                <a:ea typeface="Noto Sans SC"/>
+              </a:rPr>
+              <a:t>System Architecture -</a:t>
+            </a:r>
+            <a:r>
+              <a:rPr b="0" lang="en-US" sz="3600" strike="noStrike" u="none">
+                <a:solidFill>
+                  <a:srgbClr val="000000"/>
+                </a:solidFill>
+                <a:uFillTx/>
+                <a:latin typeface="Arial"/>
+              </a:rPr>
+              <a:t> Requirements</a:t>
+            </a:r>
+            <a:endParaRPr b="0" lang="en-US" sz="3600" strike="noStrike" u="none">
               <a:solidFill>
                 <a:srgbClr val="000000"/>
               </a:solidFill>
@@ -1105,7 +1249,7 @@
       </p:sp>
       <p:sp>
         <p:nvSpPr>
-          <p:cNvPr id="15" name="PlaceHolder 2"/>
+          <p:cNvPr id="17" name="PlaceHolder 2"/>
           <p:cNvSpPr>
             <a:spLocks noGrp="1"/>
           </p:cNvSpPr>
@@ -1116,7 +1260,7 @@
         <p:spPr>
           <a:xfrm>
             <a:off x="334440" y="1731600"/>
-            <a:ext cx="9378000" cy="5186880"/>
+            <a:ext cx="9377640" cy="5186520"/>
           </a:xfrm>
           <a:prstGeom prst="rect">
             <a:avLst/>
@@ -1128,16 +1272,3895 @@
         </p:spPr>
         <p:txBody>
           <a:bodyPr lIns="0" rIns="0" tIns="28440" bIns="0" anchor="t">
+            <a:normAutofit fontScale="92500" lnSpcReduction="19999"/>
+          </a:bodyPr>
+          <a:p>
+            <a:pPr marL="432000" indent="-324000">
+              <a:spcBef>
+                <a:spcPts val="1417"/>
+              </a:spcBef>
+              <a:spcAft>
+                <a:spcPts val="283"/>
+              </a:spcAft>
+              <a:buClr>
+                <a:srgbClr val="000000"/>
+              </a:buClr>
+              <a:buSzPct val="45000"/>
+              <a:buFont typeface="Wingdings" charset="2"/>
+              <a:buChar char=""/>
+            </a:pPr>
+            <a:r>
+              <a:rPr b="0" lang="en-US" sz="2800" strike="noStrike" u="none">
+                <a:solidFill>
+                  <a:srgbClr val="000000"/>
+                </a:solidFill>
+                <a:uFillTx/>
+                <a:latin typeface="Arial"/>
+              </a:rPr>
+              <a:t>Communication Protocol Support</a:t>
+            </a:r>
+            <a:endParaRPr b="0" lang="en-US" sz="2800" strike="noStrike" u="none">
+              <a:solidFill>
+                <a:srgbClr val="000000"/>
+              </a:solidFill>
+              <a:uFillTx/>
+              <a:latin typeface="Arial"/>
+              <a:ea typeface="Noto Sans SC"/>
+            </a:endParaRPr>
+          </a:p>
+          <a:p>
+            <a:pPr lvl="1" marL="864000" indent="-324000">
+              <a:spcBef>
+                <a:spcPts val="1134"/>
+              </a:spcBef>
+              <a:spcAft>
+                <a:spcPts val="283"/>
+              </a:spcAft>
+              <a:buClr>
+                <a:srgbClr val="000000"/>
+              </a:buClr>
+              <a:buSzPct val="75000"/>
+              <a:buFont typeface="Symbol" charset="2"/>
+              <a:buChar char=""/>
+            </a:pPr>
+            <a:r>
+              <a:rPr b="0" lang="en-US" sz="2200" strike="noStrike" u="none">
+                <a:solidFill>
+                  <a:srgbClr val="000000"/>
+                </a:solidFill>
+                <a:uFillTx/>
+                <a:latin typeface="Arial"/>
+              </a:rPr>
+              <a:t>OCPP Protocol</a:t>
+            </a:r>
+            <a:endParaRPr b="0" lang="en-US" sz="2200" strike="noStrike" u="none">
+              <a:solidFill>
+                <a:srgbClr val="000000"/>
+              </a:solidFill>
+              <a:uFillTx/>
+              <a:latin typeface="Arial"/>
+              <a:ea typeface="Noto Sans SC"/>
+            </a:endParaRPr>
+          </a:p>
+          <a:p>
+            <a:pPr lvl="1" marL="864000" indent="-324000">
+              <a:spcBef>
+                <a:spcPts val="1134"/>
+              </a:spcBef>
+              <a:spcAft>
+                <a:spcPts val="283"/>
+              </a:spcAft>
+              <a:buClr>
+                <a:srgbClr val="000000"/>
+              </a:buClr>
+              <a:buSzPct val="75000"/>
+              <a:buFont typeface="Symbol" charset="2"/>
+              <a:buChar char=""/>
+            </a:pPr>
+            <a:r>
+              <a:rPr b="0" lang="en-US" sz="2200" strike="noStrike" u="none">
+                <a:solidFill>
+                  <a:srgbClr val="000000"/>
+                </a:solidFill>
+                <a:uFillTx/>
+                <a:latin typeface="Arial"/>
+              </a:rPr>
+              <a:t>WebSocket Communication</a:t>
+            </a:r>
+            <a:endParaRPr b="0" lang="en-US" sz="2200" strike="noStrike" u="none">
+              <a:solidFill>
+                <a:srgbClr val="000000"/>
+              </a:solidFill>
+              <a:uFillTx/>
+              <a:latin typeface="Arial"/>
+              <a:ea typeface="Noto Sans SC"/>
+            </a:endParaRPr>
+          </a:p>
+          <a:p>
+            <a:pPr marL="432000" indent="-324000">
+              <a:spcBef>
+                <a:spcPts val="1417"/>
+              </a:spcBef>
+              <a:spcAft>
+                <a:spcPts val="283"/>
+              </a:spcAft>
+              <a:buClr>
+                <a:srgbClr val="000000"/>
+              </a:buClr>
+              <a:buSzPct val="45000"/>
+              <a:buFont typeface="Wingdings" charset="2"/>
+              <a:buChar char=""/>
+            </a:pPr>
+            <a:r>
+              <a:rPr b="0" lang="en-US" sz="2800" strike="noStrike" u="none">
+                <a:solidFill>
+                  <a:srgbClr val="000000"/>
+                </a:solidFill>
+                <a:uFillTx/>
+                <a:latin typeface="Arial"/>
+                <a:ea typeface="Noto Sans SC"/>
+              </a:rPr>
+              <a:t>Concurrent Tasks Scheduling(Multithreading + Coroutines)</a:t>
+            </a:r>
+            <a:endParaRPr b="0" lang="en-US" sz="2800" strike="noStrike" u="none">
+              <a:solidFill>
+                <a:srgbClr val="000000"/>
+              </a:solidFill>
+              <a:uFillTx/>
+              <a:latin typeface="Arial"/>
+              <a:ea typeface="Noto Sans SC"/>
+            </a:endParaRPr>
+          </a:p>
+          <a:p>
+            <a:pPr lvl="1" marL="864000" indent="-324000">
+              <a:spcBef>
+                <a:spcPts val="1134"/>
+              </a:spcBef>
+              <a:spcAft>
+                <a:spcPts val="283"/>
+              </a:spcAft>
+              <a:buClr>
+                <a:srgbClr val="000000"/>
+              </a:buClr>
+              <a:buSzPct val="75000"/>
+              <a:buFont typeface="Symbol" charset="2"/>
+              <a:buChar char=""/>
+            </a:pPr>
+            <a:r>
+              <a:rPr b="0" lang="en-US" sz="2200" strike="noStrike" u="none">
+                <a:solidFill>
+                  <a:srgbClr val="000000"/>
+                </a:solidFill>
+                <a:uFillTx/>
+                <a:latin typeface="Arial"/>
+                <a:ea typeface="Noto Sans SC"/>
+              </a:rPr>
+              <a:t>Coroutine Isolation</a:t>
+            </a:r>
+            <a:endParaRPr b="0" lang="en-US" sz="2200" strike="noStrike" u="none">
+              <a:solidFill>
+                <a:srgbClr val="000000"/>
+              </a:solidFill>
+              <a:uFillTx/>
+              <a:latin typeface="Arial"/>
+              <a:ea typeface="Noto Sans SC"/>
+            </a:endParaRPr>
+          </a:p>
+          <a:p>
+            <a:pPr lvl="1" marL="864000" indent="-324000">
+              <a:spcBef>
+                <a:spcPts val="1134"/>
+              </a:spcBef>
+              <a:spcAft>
+                <a:spcPts val="283"/>
+              </a:spcAft>
+              <a:buClr>
+                <a:srgbClr val="000000"/>
+              </a:buClr>
+              <a:buSzPct val="75000"/>
+              <a:buFont typeface="Symbol" charset="2"/>
+              <a:buChar char=""/>
+            </a:pPr>
+            <a:r>
+              <a:rPr b="0" lang="en-US" sz="2200" strike="noStrike" u="none">
+                <a:solidFill>
+                  <a:srgbClr val="000000"/>
+                </a:solidFill>
+                <a:uFillTx/>
+                <a:latin typeface="Arial"/>
+                <a:ea typeface="Noto Sans SC"/>
+              </a:rPr>
+              <a:t>Coroutines: Message Communication Management</a:t>
+            </a:r>
+            <a:endParaRPr b="0" lang="en-US" sz="2200" strike="noStrike" u="none">
+              <a:solidFill>
+                <a:srgbClr val="000000"/>
+              </a:solidFill>
+              <a:uFillTx/>
+              <a:latin typeface="Arial"/>
+              <a:ea typeface="Noto Sans SC"/>
+            </a:endParaRPr>
+          </a:p>
+          <a:p>
+            <a:pPr lvl="1" marL="864000" indent="-324000">
+              <a:spcBef>
+                <a:spcPts val="1134"/>
+              </a:spcBef>
+              <a:spcAft>
+                <a:spcPts val="283"/>
+              </a:spcAft>
+              <a:buClr>
+                <a:srgbClr val="000000"/>
+              </a:buClr>
+              <a:buSzPct val="75000"/>
+              <a:buFont typeface="Symbol" charset="2"/>
+              <a:buChar char=""/>
+            </a:pPr>
+            <a:r>
+              <a:rPr b="0" lang="en-US" sz="2200" strike="noStrike" u="none">
+                <a:solidFill>
+                  <a:srgbClr val="000000"/>
+                </a:solidFill>
+                <a:uFillTx/>
+                <a:latin typeface="Arial"/>
+                <a:ea typeface="Noto Sans SC"/>
+              </a:rPr>
+              <a:t>Coroutines + Thread: GUI Remote Interaction Interface</a:t>
+            </a:r>
+            <a:endParaRPr b="0" lang="en-US" sz="2200" strike="noStrike" u="none">
+              <a:solidFill>
+                <a:srgbClr val="000000"/>
+              </a:solidFill>
+              <a:uFillTx/>
+              <a:latin typeface="Arial"/>
+              <a:ea typeface="Noto Sans SC"/>
+            </a:endParaRPr>
+          </a:p>
+          <a:p>
+            <a:pPr lvl="1" marL="864000" indent="-324000">
+              <a:spcBef>
+                <a:spcPts val="1134"/>
+              </a:spcBef>
+              <a:spcAft>
+                <a:spcPts val="283"/>
+              </a:spcAft>
+              <a:buClr>
+                <a:srgbClr val="000000"/>
+              </a:buClr>
+              <a:buSzPct val="75000"/>
+              <a:buFont typeface="Symbol" charset="2"/>
+              <a:buChar char=""/>
+            </a:pPr>
+            <a:r>
+              <a:rPr b="0" lang="en-US" sz="2200" strike="noStrike" u="none">
+                <a:solidFill>
+                  <a:srgbClr val="000000"/>
+                </a:solidFill>
+                <a:uFillTx/>
+                <a:latin typeface="Arial"/>
+                <a:ea typeface="Noto Sans SC"/>
+              </a:rPr>
+              <a:t>Thread: Real-time Data Collection and Monitoring</a:t>
+            </a:r>
+            <a:endParaRPr b="0" lang="en-US" sz="2200" strike="noStrike" u="none">
+              <a:solidFill>
+                <a:srgbClr val="000000"/>
+              </a:solidFill>
+              <a:uFillTx/>
+              <a:latin typeface="Arial"/>
+              <a:ea typeface="Noto Sans SC"/>
+            </a:endParaRPr>
+          </a:p>
+          <a:p>
+            <a:pPr lvl="1" marL="864000" indent="-324000">
+              <a:spcBef>
+                <a:spcPts val="1134"/>
+              </a:spcBef>
+              <a:spcAft>
+                <a:spcPts val="283"/>
+              </a:spcAft>
+              <a:buClr>
+                <a:srgbClr val="000000"/>
+              </a:buClr>
+              <a:buSzPct val="75000"/>
+              <a:buFont typeface="Symbol" charset="2"/>
+              <a:buChar char=""/>
+            </a:pPr>
+            <a:r>
+              <a:rPr b="0" lang="en-US" sz="2200" strike="noStrike" u="none">
+                <a:solidFill>
+                  <a:srgbClr val="000000"/>
+                </a:solidFill>
+                <a:uFillTx/>
+                <a:latin typeface="Arial"/>
+                <a:ea typeface="Noto Sans SC"/>
+              </a:rPr>
+              <a:t>Thread: Execution of Charging Control Logic</a:t>
+            </a:r>
+            <a:endParaRPr b="0" lang="en-US" sz="2200" strike="noStrike" u="none">
+              <a:solidFill>
+                <a:srgbClr val="000000"/>
+              </a:solidFill>
+              <a:uFillTx/>
+              <a:latin typeface="Arial"/>
+              <a:ea typeface="Noto Sans SC"/>
+            </a:endParaRPr>
+          </a:p>
+          <a:p>
+            <a:pPr marL="432000" indent="-324000">
+              <a:spcBef>
+                <a:spcPts val="1417"/>
+              </a:spcBef>
+              <a:spcAft>
+                <a:spcPts val="283"/>
+              </a:spcAft>
+              <a:buClr>
+                <a:srgbClr val="000000"/>
+              </a:buClr>
+              <a:buSzPct val="45000"/>
+              <a:buFont typeface="Wingdings" charset="2"/>
+              <a:buChar char=""/>
+            </a:pPr>
+            <a:r>
+              <a:rPr b="0" lang="en-US" sz="2800" strike="noStrike" u="none">
+                <a:solidFill>
+                  <a:srgbClr val="000000"/>
+                </a:solidFill>
+                <a:uFillTx/>
+                <a:latin typeface="Arial"/>
+              </a:rPr>
+              <a:t>System Scalability Design</a:t>
+            </a:r>
+            <a:endParaRPr b="0" lang="en-US" sz="2800" strike="noStrike" u="none">
+              <a:solidFill>
+                <a:srgbClr val="000000"/>
+              </a:solidFill>
+              <a:uFillTx/>
+              <a:latin typeface="Arial"/>
+              <a:ea typeface="Noto Sans SC"/>
+            </a:endParaRPr>
+          </a:p>
+          <a:p>
+            <a:pPr lvl="1" marL="864000" indent="-324000">
+              <a:spcBef>
+                <a:spcPts val="1134"/>
+              </a:spcBef>
+              <a:spcAft>
+                <a:spcPts val="283"/>
+              </a:spcAft>
+              <a:buClr>
+                <a:srgbClr val="000000"/>
+              </a:buClr>
+              <a:buSzPct val="75000"/>
+              <a:buFont typeface="Symbol" charset="2"/>
+              <a:buChar char=""/>
+            </a:pPr>
+            <a:r>
+              <a:rPr b="0" lang="en-US" sz="2200" strike="noStrike" u="none">
+                <a:solidFill>
+                  <a:srgbClr val="000000"/>
+                </a:solidFill>
+                <a:uFillTx/>
+                <a:latin typeface="Arial"/>
+              </a:rPr>
+              <a:t>Support for Multi-Port Charging Management</a:t>
+            </a:r>
+            <a:endParaRPr b="0" lang="en-US" sz="2200" strike="noStrike" u="none">
+              <a:solidFill>
+                <a:srgbClr val="000000"/>
+              </a:solidFill>
+              <a:uFillTx/>
+              <a:latin typeface="Arial"/>
+              <a:ea typeface="Noto Sans SC"/>
+            </a:endParaRPr>
+          </a:p>
+          <a:p>
+            <a:pPr lvl="1" marL="864000" indent="-324000">
+              <a:spcBef>
+                <a:spcPts val="1134"/>
+              </a:spcBef>
+              <a:spcAft>
+                <a:spcPts val="283"/>
+              </a:spcAft>
+              <a:buClr>
+                <a:srgbClr val="000000"/>
+              </a:buClr>
+              <a:buSzPct val="75000"/>
+              <a:buFont typeface="Symbol" charset="2"/>
+              <a:buChar char=""/>
+            </a:pPr>
+            <a:r>
+              <a:rPr b="0" lang="en-US" sz="2200" strike="noStrike" u="none">
+                <a:solidFill>
+                  <a:srgbClr val="000000"/>
+                </a:solidFill>
+                <a:uFillTx/>
+                <a:latin typeface="Arial"/>
+              </a:rPr>
+              <a:t>Data Storage and Analysis (Possibility of Providing Database Support)</a:t>
+            </a:r>
+            <a:endParaRPr b="0" lang="en-US" sz="2200" strike="noStrike" u="none">
+              <a:solidFill>
+                <a:srgbClr val="000000"/>
+              </a:solidFill>
+              <a:uFillTx/>
+              <a:latin typeface="Arial"/>
+              <a:ea typeface="Noto Sans SC"/>
+            </a:endParaRPr>
+          </a:p>
+        </p:txBody>
+      </p:sp>
+    </p:spTree>
+  </p:cSld>
+  <mc:AlternateContent>
+    <mc:Choice Requires="p14">
+      <p:transition spd="slow" p14:dur="2000"/>
+    </mc:Choice>
+    <mc:Fallback>
+      <p:transition spd="slow"/>
+    </mc:Fallback>
+  </mc:AlternateContent>
+</p:sld>
+</file>
+
+<file path=ppt/slides/slide3.xml><?xml version="1.0" encoding="utf-8"?>
+<p:sld xmlns:a="http://schemas.openxmlformats.org/drawingml/2006/main" xmlns:p="http://schemas.openxmlformats.org/presentationml/2006/main" xmlns:r="http://schemas.openxmlformats.org/officeDocument/2006/relationships" xmlns:p14="http://schemas.microsoft.com/office/powerpoint/2010/main" xmlns:p15="http://schemas.microsoft.com/office/powerpoint/2012/main" xmlns:mc="http://schemas.openxmlformats.org/markup-compatibility/2006">
+  <p:cSld>
+    <p:spTree>
+      <p:nvGrpSpPr>
+        <p:cNvPr id="1" name=""/>
+        <p:cNvGrpSpPr/>
+        <p:nvPr/>
+      </p:nvGrpSpPr>
+      <p:grpSpPr>
+        <a:xfrm>
+          <a:off x="0" y="0"/>
+          <a:ext cx="0" cy="0"/>
+          <a:chOff x="0" y="0"/>
+          <a:chExt cx="0" cy="0"/>
+        </a:xfrm>
+      </p:grpSpPr>
+      <p:sp>
+        <p:nvSpPr>
+          <p:cNvPr id="18" name=""/>
+          <p:cNvSpPr/>
+          <p:nvPr/>
+        </p:nvSpPr>
+        <p:spPr>
+          <a:xfrm>
+            <a:off x="552600" y="2724480"/>
+            <a:ext cx="4924440" cy="4267080"/>
+          </a:xfrm>
+          <a:prstGeom prst="rect">
+            <a:avLst/>
+          </a:prstGeom>
+          <a:solidFill>
+            <a:srgbClr val="afd095"/>
+          </a:solidFill>
+          <a:ln w="0">
+            <a:solidFill>
+              <a:srgbClr val="afd095"/>
+            </a:solidFill>
+          </a:ln>
+        </p:spPr>
+        <p:style>
+          <a:lnRef idx="0"/>
+          <a:fillRef idx="0"/>
+          <a:effectRef idx="0"/>
+          <a:fontRef idx="minor"/>
+        </p:style>
+        <p:txBody>
+          <a:bodyPr lIns="90000" rIns="90000" tIns="45000" bIns="45000" anchor="ctr">
+            <a:noAutofit/>
+          </a:bodyPr>
+          <a:p>
+            <a:endParaRPr b="0" lang="en-US" sz="1800" strike="noStrike" u="none">
+              <a:solidFill>
+                <a:srgbClr val="000000"/>
+              </a:solidFill>
+              <a:uFillTx/>
+              <a:latin typeface="Arial"/>
+            </a:endParaRPr>
+          </a:p>
+        </p:txBody>
+      </p:sp>
+      <p:sp>
+        <p:nvSpPr>
+          <p:cNvPr id="19" name="PlaceHolder 1"/>
+          <p:cNvSpPr>
+            <a:spLocks noGrp="1"/>
+          </p:cNvSpPr>
+          <p:nvPr>
+            <p:ph type="title"/>
+          </p:nvPr>
+        </p:nvSpPr>
+        <p:spPr>
+          <a:xfrm>
+            <a:off x="457200" y="491760"/>
+            <a:ext cx="8277120" cy="1024200"/>
+          </a:xfrm>
+          <a:prstGeom prst="rect">
+            <a:avLst/>
+          </a:prstGeom>
+          <a:noFill/>
+          <a:ln w="0">
+            <a:noFill/>
+          </a:ln>
+        </p:spPr>
+        <p:txBody>
+          <a:bodyPr lIns="0" rIns="0" tIns="0" bIns="0" anchor="ctr">
+            <a:noAutofit/>
+          </a:bodyPr>
+          <a:p>
+            <a:pPr indent="0">
+              <a:spcBef>
+                <a:spcPts val="1191"/>
+              </a:spcBef>
+              <a:spcAft>
+                <a:spcPts val="992"/>
+              </a:spcAft>
+              <a:buNone/>
+            </a:pPr>
+            <a:r>
+              <a:rPr b="0" lang="en-US" sz="3600" strike="noStrike" u="none">
+                <a:solidFill>
+                  <a:srgbClr val="000000"/>
+                </a:solidFill>
+                <a:uFillTx/>
+                <a:latin typeface="Arial"/>
+                <a:ea typeface="Noto Sans SC"/>
+              </a:rPr>
+              <a:t>System Architecture -</a:t>
+            </a:r>
+            <a:r>
+              <a:rPr b="0" lang="en-US" sz="3600" strike="noStrike" u="none">
+                <a:solidFill>
+                  <a:srgbClr val="000000"/>
+                </a:solidFill>
+                <a:uFillTx/>
+                <a:latin typeface="Arial"/>
+              </a:rPr>
+              <a:t> Implementation </a:t>
+            </a:r>
+            <a:endParaRPr b="0" lang="en-US" sz="3600" strike="noStrike" u="none">
+              <a:solidFill>
+                <a:srgbClr val="000000"/>
+              </a:solidFill>
+              <a:uFillTx/>
+              <a:latin typeface="Arial"/>
+            </a:endParaRPr>
+          </a:p>
+        </p:txBody>
+      </p:sp>
+      <p:sp>
+        <p:nvSpPr>
+          <p:cNvPr id="20" name="PlaceHolder 2"/>
+          <p:cNvSpPr>
+            <a:spLocks noGrp="1"/>
+          </p:cNvSpPr>
+          <p:nvPr>
+            <p:ph/>
+          </p:nvPr>
+        </p:nvSpPr>
+        <p:spPr>
+          <a:xfrm>
+            <a:off x="456840" y="2257560"/>
+            <a:ext cx="9139320" cy="561960"/>
+          </a:xfrm>
+          <a:prstGeom prst="rect">
+            <a:avLst/>
+          </a:prstGeom>
+          <a:noFill/>
+          <a:ln w="0">
+            <a:noFill/>
+          </a:ln>
+        </p:spPr>
+        <p:txBody>
+          <a:bodyPr lIns="0" rIns="0" tIns="0" bIns="0" anchor="t">
             <a:normAutofit/>
           </a:bodyPr>
           <a:p>
-            <a:pPr indent="0">
+            <a:pPr marL="432000" indent="-324000">
               <a:spcBef>
                 <a:spcPts val="1417"/>
               </a:spcBef>
+              <a:buClr>
+                <a:srgbClr val="000000"/>
+              </a:buClr>
+              <a:buSzPct val="45000"/>
+              <a:buFont typeface="Wingdings" charset="2"/>
+              <a:buChar char=""/>
+            </a:pPr>
+            <a:r>
+              <a:rPr b="0" lang="en-US" sz="2800" strike="noStrike" u="none">
+                <a:solidFill>
+                  <a:srgbClr val="000000"/>
+                </a:solidFill>
+                <a:uFillTx/>
+                <a:latin typeface="Arial"/>
+              </a:rPr>
+              <a:t>OCPP v2.0.1 Message (JSON)</a:t>
+            </a:r>
+            <a:endParaRPr b="0" lang="en-US" sz="2800" strike="noStrike" u="none">
+              <a:solidFill>
+                <a:srgbClr val="000000"/>
+              </a:solidFill>
+              <a:uFillTx/>
+              <a:latin typeface="Arial"/>
+            </a:endParaRPr>
+          </a:p>
+        </p:txBody>
+      </p:sp>
+      <p:sp>
+        <p:nvSpPr>
+          <p:cNvPr id="21" name=""/>
+          <p:cNvSpPr txBox="1"/>
+          <p:nvPr/>
+        </p:nvSpPr>
+        <p:spPr>
+          <a:xfrm>
+            <a:off x="619200" y="2724480"/>
+            <a:ext cx="4962600" cy="4267080"/>
+          </a:xfrm>
+          <a:prstGeom prst="rect">
+            <a:avLst/>
+          </a:prstGeom>
+          <a:noFill/>
+          <a:ln w="0">
+            <a:noFill/>
+          </a:ln>
+        </p:spPr>
+        <p:txBody>
+          <a:bodyPr lIns="90000" rIns="90000" tIns="45000" bIns="45000" anchor="t">
+            <a:noAutofit/>
+          </a:bodyPr>
+          <a:p>
+            <a:pPr>
+              <a:lnSpc>
+                <a:spcPct val="100000"/>
+              </a:lnSpc>
+              <a:spcBef>
+                <a:spcPts val="57"/>
+              </a:spcBef>
+            </a:pPr>
+            <a:r>
+              <a:rPr b="0" lang="en-US" sz="1500" strike="noStrike" u="none">
+                <a:solidFill>
+                  <a:srgbClr val="000000"/>
+                </a:solidFill>
+                <a:uFillTx/>
+                <a:latin typeface="Arial"/>
+                <a:ea typeface="Noto Sans SC"/>
+              </a:rPr>
+              <a:t>SetChargingProfileRequest {</a:t>
+            </a:r>
+            <a:endParaRPr b="0" lang="en-US" sz="1500" strike="noStrike" u="none">
+              <a:solidFill>
+                <a:srgbClr val="000000"/>
+              </a:solidFill>
+              <a:uFillTx/>
+              <a:latin typeface="Arial"/>
+              <a:ea typeface="Noto Sans SC"/>
+            </a:endParaRPr>
+          </a:p>
+          <a:p>
+            <a:pPr>
+              <a:lnSpc>
+                <a:spcPct val="100000"/>
+              </a:lnSpc>
+              <a:spcBef>
+                <a:spcPts val="57"/>
+              </a:spcBef>
+            </a:pPr>
+            <a:r>
+              <a:rPr b="0" lang="en-US" sz="1500" strike="noStrike" u="none">
+                <a:solidFill>
+                  <a:srgbClr val="000000"/>
+                </a:solidFill>
+                <a:uFillTx/>
+                <a:latin typeface="Arial"/>
+                <a:ea typeface="Noto Sans SC"/>
+              </a:rPr>
+              <a:t>    </a:t>
+            </a:r>
+            <a:r>
+              <a:rPr b="0" lang="en-US" sz="1500" strike="noStrike" u="none">
+                <a:solidFill>
+                  <a:srgbClr val="000000"/>
+                </a:solidFill>
+                <a:uFillTx/>
+                <a:latin typeface="Arial"/>
+                <a:ea typeface="Noto Sans SC"/>
+              </a:rPr>
+              <a:t>"evseId": 1,</a:t>
+            </a:r>
+            <a:endParaRPr b="0" lang="en-US" sz="1500" strike="noStrike" u="none">
+              <a:solidFill>
+                <a:srgbClr val="000000"/>
+              </a:solidFill>
+              <a:uFillTx/>
+              <a:latin typeface="Arial"/>
+              <a:ea typeface="Noto Sans SC"/>
+            </a:endParaRPr>
+          </a:p>
+          <a:p>
+            <a:pPr>
+              <a:lnSpc>
+                <a:spcPct val="100000"/>
+              </a:lnSpc>
+              <a:spcBef>
+                <a:spcPts val="57"/>
+              </a:spcBef>
+            </a:pPr>
+            <a:r>
+              <a:rPr b="0" lang="en-US" sz="1500" strike="noStrike" u="none">
+                <a:solidFill>
+                  <a:srgbClr val="000000"/>
+                </a:solidFill>
+                <a:uFillTx/>
+                <a:latin typeface="Arial"/>
+                <a:ea typeface="Noto Sans SC"/>
+              </a:rPr>
+              <a:t>    </a:t>
+            </a:r>
+            <a:r>
+              <a:rPr b="0" lang="en-US" sz="1500" strike="noStrike" u="none">
+                <a:solidFill>
+                  <a:srgbClr val="000000"/>
+                </a:solidFill>
+                <a:uFillTx/>
+                <a:latin typeface="Arial"/>
+                <a:ea typeface="Noto Sans SC"/>
+              </a:rPr>
+              <a:t>"chargingProfile": {</a:t>
+            </a:r>
+            <a:endParaRPr b="0" lang="en-US" sz="1500" strike="noStrike" u="none">
+              <a:solidFill>
+                <a:srgbClr val="000000"/>
+              </a:solidFill>
+              <a:uFillTx/>
+              <a:latin typeface="Arial"/>
+              <a:ea typeface="Noto Sans SC"/>
+            </a:endParaRPr>
+          </a:p>
+          <a:p>
+            <a:pPr>
+              <a:lnSpc>
+                <a:spcPct val="100000"/>
+              </a:lnSpc>
+              <a:spcBef>
+                <a:spcPts val="57"/>
+              </a:spcBef>
+            </a:pPr>
+            <a:r>
+              <a:rPr b="0" lang="en-US" sz="1500" strike="noStrike" u="none">
+                <a:solidFill>
+                  <a:srgbClr val="000000"/>
+                </a:solidFill>
+                <a:uFillTx/>
+                <a:latin typeface="Arial"/>
+                <a:ea typeface="Noto Sans SC"/>
+              </a:rPr>
+              <a:t>        </a:t>
+            </a:r>
+            <a:r>
+              <a:rPr b="0" lang="en-US" sz="1500" strike="noStrike" u="none">
+                <a:solidFill>
+                  <a:srgbClr val="000000"/>
+                </a:solidFill>
+                <a:uFillTx/>
+                <a:latin typeface="Arial"/>
+                <a:ea typeface="Noto Sans SC"/>
+              </a:rPr>
+              <a:t>"id": 1,</a:t>
+            </a:r>
+            <a:endParaRPr b="0" lang="en-US" sz="1500" strike="noStrike" u="none">
+              <a:solidFill>
+                <a:srgbClr val="000000"/>
+              </a:solidFill>
+              <a:uFillTx/>
+              <a:latin typeface="Arial"/>
+              <a:ea typeface="Noto Sans SC"/>
+            </a:endParaRPr>
+          </a:p>
+          <a:p>
+            <a:pPr>
+              <a:lnSpc>
+                <a:spcPct val="100000"/>
+              </a:lnSpc>
+              <a:spcBef>
+                <a:spcPts val="57"/>
+              </a:spcBef>
+            </a:pPr>
+            <a:r>
+              <a:rPr b="0" lang="en-US" sz="1500" strike="noStrike" u="none">
+                <a:solidFill>
+                  <a:srgbClr val="000000"/>
+                </a:solidFill>
+                <a:uFillTx/>
+                <a:latin typeface="Arial"/>
+                <a:ea typeface="Noto Sans SC"/>
+              </a:rPr>
+              <a:t>        </a:t>
+            </a:r>
+            <a:r>
+              <a:rPr b="0" lang="en-US" sz="1500" strike="noStrike" u="none">
+                <a:solidFill>
+                  <a:srgbClr val="000000"/>
+                </a:solidFill>
+                <a:uFillTx/>
+                <a:latin typeface="Arial"/>
+                <a:ea typeface="Noto Sans SC"/>
+              </a:rPr>
+              <a:t>"stackLevel": 1,</a:t>
+            </a:r>
+            <a:endParaRPr b="0" lang="en-US" sz="1500" strike="noStrike" u="none">
+              <a:solidFill>
+                <a:srgbClr val="000000"/>
+              </a:solidFill>
+              <a:uFillTx/>
+              <a:latin typeface="Arial"/>
+              <a:ea typeface="Noto Sans SC"/>
+            </a:endParaRPr>
+          </a:p>
+          <a:p>
+            <a:pPr>
+              <a:lnSpc>
+                <a:spcPct val="100000"/>
+              </a:lnSpc>
+              <a:spcBef>
+                <a:spcPts val="57"/>
+              </a:spcBef>
+            </a:pPr>
+            <a:r>
+              <a:rPr b="0" lang="en-US" sz="1500" strike="noStrike" u="none">
+                <a:solidFill>
+                  <a:srgbClr val="000000"/>
+                </a:solidFill>
+                <a:uFillTx/>
+                <a:latin typeface="Arial"/>
+                <a:ea typeface="Noto Sans SC"/>
+              </a:rPr>
+              <a:t>        </a:t>
+            </a:r>
+            <a:r>
+              <a:rPr b="0" lang="en-US" sz="1500" strike="noStrike" u="none">
+                <a:solidFill>
+                  <a:srgbClr val="000000"/>
+                </a:solidFill>
+                <a:uFillTx/>
+                <a:latin typeface="Arial"/>
+                <a:ea typeface="Noto Sans SC"/>
+              </a:rPr>
+              <a:t>"chargingProfilePurpose": "TxProfile",</a:t>
+            </a:r>
+            <a:endParaRPr b="0" lang="en-US" sz="1500" strike="noStrike" u="none">
+              <a:solidFill>
+                <a:srgbClr val="000000"/>
+              </a:solidFill>
+              <a:uFillTx/>
+              <a:latin typeface="Arial"/>
+              <a:ea typeface="Noto Sans SC"/>
+            </a:endParaRPr>
+          </a:p>
+          <a:p>
+            <a:pPr>
+              <a:lnSpc>
+                <a:spcPct val="100000"/>
+              </a:lnSpc>
+              <a:spcBef>
+                <a:spcPts val="57"/>
+              </a:spcBef>
+            </a:pPr>
+            <a:r>
+              <a:rPr b="0" lang="en-US" sz="1500" strike="noStrike" u="none">
+                <a:solidFill>
+                  <a:srgbClr val="000000"/>
+                </a:solidFill>
+                <a:uFillTx/>
+                <a:latin typeface="Arial"/>
+                <a:ea typeface="Noto Sans SC"/>
+              </a:rPr>
+              <a:t>        </a:t>
+            </a:r>
+            <a:r>
+              <a:rPr b="0" lang="en-US" sz="1500" strike="noStrike" u="none">
+                <a:solidFill>
+                  <a:srgbClr val="000000"/>
+                </a:solidFill>
+                <a:uFillTx/>
+                <a:latin typeface="Arial"/>
+                <a:ea typeface="Noto Sans SC"/>
+              </a:rPr>
+              <a:t>"chargingProfileKind": "Absolute",</a:t>
+            </a:r>
+            <a:endParaRPr b="0" lang="en-US" sz="1500" strike="noStrike" u="none">
+              <a:solidFill>
+                <a:srgbClr val="000000"/>
+              </a:solidFill>
+              <a:uFillTx/>
+              <a:latin typeface="Arial"/>
+              <a:ea typeface="Noto Sans SC"/>
+            </a:endParaRPr>
+          </a:p>
+          <a:p>
+            <a:pPr>
+              <a:lnSpc>
+                <a:spcPct val="100000"/>
+              </a:lnSpc>
+              <a:spcBef>
+                <a:spcPts val="57"/>
+              </a:spcBef>
+            </a:pPr>
+            <a:r>
+              <a:rPr b="0" lang="en-US" sz="1500" strike="noStrike" u="none">
+                <a:solidFill>
+                  <a:srgbClr val="000000"/>
+                </a:solidFill>
+                <a:uFillTx/>
+                <a:latin typeface="Arial"/>
+                <a:ea typeface="Noto Sans SC"/>
+              </a:rPr>
+              <a:t>        </a:t>
+            </a:r>
+            <a:r>
+              <a:rPr b="0" lang="en-US" sz="1500" strike="noStrike" u="none">
+                <a:solidFill>
+                  <a:srgbClr val="000000"/>
+                </a:solidFill>
+                <a:uFillTx/>
+                <a:latin typeface="Arial"/>
+                <a:ea typeface="Noto Sans SC"/>
+              </a:rPr>
+              <a:t>"chargingSchedule": [{</a:t>
+            </a:r>
+            <a:endParaRPr b="0" lang="en-US" sz="1500" strike="noStrike" u="none">
+              <a:solidFill>
+                <a:srgbClr val="000000"/>
+              </a:solidFill>
+              <a:uFillTx/>
+              <a:latin typeface="Arial"/>
+              <a:ea typeface="Noto Sans SC"/>
+            </a:endParaRPr>
+          </a:p>
+          <a:p>
+            <a:pPr>
+              <a:lnSpc>
+                <a:spcPct val="100000"/>
+              </a:lnSpc>
+              <a:spcBef>
+                <a:spcPts val="57"/>
+              </a:spcBef>
+            </a:pPr>
+            <a:r>
+              <a:rPr b="0" lang="en-US" sz="1500" strike="noStrike" u="none">
+                <a:solidFill>
+                  <a:srgbClr val="000000"/>
+                </a:solidFill>
+                <a:uFillTx/>
+                <a:latin typeface="Arial"/>
+                <a:ea typeface="Noto Sans SC"/>
+              </a:rPr>
+              <a:t>            </a:t>
+            </a:r>
+            <a:r>
+              <a:rPr b="0" lang="en-US" sz="1500" strike="noStrike" u="none">
+                <a:solidFill>
+                  <a:srgbClr val="000000"/>
+                </a:solidFill>
+                <a:uFillTx/>
+                <a:latin typeface="Arial"/>
+                <a:ea typeface="Noto Sans SC"/>
+              </a:rPr>
+              <a:t>"id": 1,</a:t>
+            </a:r>
+            <a:endParaRPr b="0" lang="en-US" sz="1500" strike="noStrike" u="none">
+              <a:solidFill>
+                <a:srgbClr val="000000"/>
+              </a:solidFill>
+              <a:uFillTx/>
+              <a:latin typeface="Arial"/>
+              <a:ea typeface="Noto Sans SC"/>
+            </a:endParaRPr>
+          </a:p>
+          <a:p>
+            <a:pPr>
+              <a:lnSpc>
+                <a:spcPct val="100000"/>
+              </a:lnSpc>
+              <a:spcBef>
+                <a:spcPts val="57"/>
+              </a:spcBef>
+            </a:pPr>
+            <a:r>
+              <a:rPr b="0" lang="en-US" sz="1500" strike="noStrike" u="none">
+                <a:solidFill>
+                  <a:srgbClr val="000000"/>
+                </a:solidFill>
+                <a:uFillTx/>
+                <a:latin typeface="Arial"/>
+                <a:ea typeface="Noto Sans SC"/>
+              </a:rPr>
+              <a:t>            </a:t>
+            </a:r>
+            <a:r>
+              <a:rPr b="0" lang="en-US" sz="1500" strike="noStrike" u="none">
+                <a:solidFill>
+                  <a:srgbClr val="000000"/>
+                </a:solidFill>
+                <a:uFillTx/>
+                <a:latin typeface="Arial"/>
+                <a:ea typeface="Noto Sans SC"/>
+              </a:rPr>
+              <a:t>"chargingRateUnit": "W",</a:t>
+            </a:r>
+            <a:endParaRPr b="0" lang="en-US" sz="1500" strike="noStrike" u="none">
+              <a:solidFill>
+                <a:srgbClr val="000000"/>
+              </a:solidFill>
+              <a:uFillTx/>
+              <a:latin typeface="Arial"/>
+              <a:ea typeface="Noto Sans SC"/>
+            </a:endParaRPr>
+          </a:p>
+          <a:p>
+            <a:pPr>
+              <a:lnSpc>
+                <a:spcPct val="100000"/>
+              </a:lnSpc>
+              <a:spcBef>
+                <a:spcPts val="57"/>
+              </a:spcBef>
+            </a:pPr>
+            <a:r>
+              <a:rPr b="0" lang="en-US" sz="1500" strike="noStrike" u="none">
+                <a:solidFill>
+                  <a:srgbClr val="000000"/>
+                </a:solidFill>
+                <a:uFillTx/>
+                <a:latin typeface="Arial"/>
+                <a:ea typeface="Noto Sans SC"/>
+              </a:rPr>
+              <a:t>            </a:t>
+            </a:r>
+            <a:r>
+              <a:rPr b="0" lang="en-US" sz="1500" strike="noStrike" u="none">
+                <a:solidFill>
+                  <a:srgbClr val="000000"/>
+                </a:solidFill>
+                <a:uFillTx/>
+                <a:latin typeface="Arial"/>
+                <a:ea typeface="Noto Sans SC"/>
+              </a:rPr>
+              <a:t>"chargingSchedulePeriod": [</a:t>
+            </a:r>
+            <a:endParaRPr b="0" lang="en-US" sz="1500" strike="noStrike" u="none">
+              <a:solidFill>
+                <a:srgbClr val="000000"/>
+              </a:solidFill>
+              <a:uFillTx/>
+              <a:latin typeface="Arial"/>
+              <a:ea typeface="Noto Sans SC"/>
+            </a:endParaRPr>
+          </a:p>
+          <a:p>
+            <a:pPr>
+              <a:lnSpc>
+                <a:spcPct val="100000"/>
+              </a:lnSpc>
+              <a:spcBef>
+                <a:spcPts val="57"/>
+              </a:spcBef>
+            </a:pPr>
+            <a:r>
+              <a:rPr b="0" lang="en-US" sz="1500" strike="noStrike" u="none">
+                <a:solidFill>
+                  <a:srgbClr val="000000"/>
+                </a:solidFill>
+                <a:uFillTx/>
+                <a:latin typeface="Arial"/>
+                <a:ea typeface="Noto Sans SC"/>
+              </a:rPr>
+              <a:t>                </a:t>
+            </a:r>
+            <a:r>
+              <a:rPr b="0" lang="en-US" sz="1500" strike="noStrike" u="none">
+                <a:solidFill>
+                  <a:srgbClr val="000000"/>
+                </a:solidFill>
+                <a:uFillTx/>
+                <a:latin typeface="Arial"/>
+                <a:ea typeface="Noto Sans SC"/>
+              </a:rPr>
+              <a:t>{ "startPeriod": 0, "limit": 2845 },</a:t>
+            </a:r>
+            <a:endParaRPr b="0" lang="en-US" sz="1500" strike="noStrike" u="none">
+              <a:solidFill>
+                <a:srgbClr val="000000"/>
+              </a:solidFill>
+              <a:uFillTx/>
+              <a:latin typeface="Arial"/>
+              <a:ea typeface="Noto Sans SC"/>
+            </a:endParaRPr>
+          </a:p>
+          <a:p>
+            <a:pPr>
+              <a:lnSpc>
+                <a:spcPct val="100000"/>
+              </a:lnSpc>
+              <a:spcBef>
+                <a:spcPts val="57"/>
+              </a:spcBef>
+            </a:pPr>
+            <a:r>
+              <a:rPr b="0" lang="en-US" sz="1500" strike="noStrike" u="none">
+                <a:solidFill>
+                  <a:srgbClr val="000000"/>
+                </a:solidFill>
+                <a:uFillTx/>
+                <a:latin typeface="Arial"/>
+                <a:ea typeface="Noto Sans SC"/>
+              </a:rPr>
+              <a:t>                </a:t>
+            </a:r>
+            <a:r>
+              <a:rPr b="0" lang="en-US" sz="1500" strike="noStrike" u="none">
+                <a:solidFill>
+                  <a:srgbClr val="000000"/>
+                </a:solidFill>
+                <a:uFillTx/>
+                <a:latin typeface="Arial"/>
+                <a:ea typeface="Noto Sans SC"/>
+              </a:rPr>
+              <a:t>{"startPeriod": 10, "limit": 2845 }, …</a:t>
+            </a:r>
+            <a:endParaRPr b="0" lang="en-US" sz="1500" strike="noStrike" u="none">
+              <a:solidFill>
+                <a:srgbClr val="000000"/>
+              </a:solidFill>
+              <a:uFillTx/>
+              <a:latin typeface="Arial"/>
+              <a:ea typeface="Noto Sans SC"/>
+            </a:endParaRPr>
+          </a:p>
+          <a:p>
+            <a:pPr>
+              <a:lnSpc>
+                <a:spcPct val="100000"/>
+              </a:lnSpc>
+              <a:spcBef>
+                <a:spcPts val="57"/>
+              </a:spcBef>
+            </a:pPr>
+            <a:r>
+              <a:rPr b="0" lang="en-US" sz="1500" strike="noStrike" u="none">
+                <a:solidFill>
+                  <a:srgbClr val="000000"/>
+                </a:solidFill>
+                <a:uFillTx/>
+                <a:latin typeface="Arial"/>
+                <a:ea typeface="Noto Sans SC"/>
+              </a:rPr>
+              <a:t>            </a:t>
+            </a:r>
+            <a:r>
+              <a:rPr b="0" lang="en-US" sz="1500" strike="noStrike" u="none">
+                <a:solidFill>
+                  <a:srgbClr val="000000"/>
+                </a:solidFill>
+                <a:uFillTx/>
+                <a:latin typeface="Arial"/>
+                <a:ea typeface="Noto Sans SC"/>
+              </a:rPr>
+              <a:t>],</a:t>
+            </a:r>
+            <a:endParaRPr b="0" lang="en-US" sz="1500" strike="noStrike" u="none">
+              <a:solidFill>
+                <a:srgbClr val="000000"/>
+              </a:solidFill>
+              <a:uFillTx/>
+              <a:latin typeface="Arial"/>
+              <a:ea typeface="Noto Sans SC"/>
+            </a:endParaRPr>
+          </a:p>
+          <a:p>
+            <a:pPr>
+              <a:lnSpc>
+                <a:spcPct val="100000"/>
+              </a:lnSpc>
+              <a:spcBef>
+                <a:spcPts val="57"/>
+              </a:spcBef>
+            </a:pPr>
+            <a:r>
+              <a:rPr b="0" lang="en-US" sz="1500" strike="noStrike" u="none">
+                <a:solidFill>
+                  <a:srgbClr val="000000"/>
+                </a:solidFill>
+                <a:uFillTx/>
+                <a:latin typeface="Arial"/>
+                <a:ea typeface="Noto Sans SC"/>
+              </a:rPr>
+              <a:t>            </a:t>
+            </a:r>
+            <a:r>
+              <a:rPr b="0" lang="en-US" sz="1500" strike="noStrike" u="none">
+                <a:solidFill>
+                  <a:srgbClr val="000000"/>
+                </a:solidFill>
+                <a:uFillTx/>
+                <a:latin typeface="Arial"/>
+                <a:ea typeface="Noto Sans SC"/>
+              </a:rPr>
+              <a:t>"startSchedule": "2025-04-28T15: 41: 53Z"}, … ],</a:t>
+            </a:r>
+            <a:endParaRPr b="0" lang="en-US" sz="1500" strike="noStrike" u="none">
+              <a:solidFill>
+                <a:srgbClr val="000000"/>
+              </a:solidFill>
+              <a:uFillTx/>
+              <a:latin typeface="Arial"/>
+              <a:ea typeface="Noto Sans SC"/>
+            </a:endParaRPr>
+          </a:p>
+          <a:p>
+            <a:pPr>
+              <a:lnSpc>
+                <a:spcPct val="100000"/>
+              </a:lnSpc>
+              <a:spcBef>
+                <a:spcPts val="57"/>
+              </a:spcBef>
+            </a:pPr>
+            <a:r>
+              <a:rPr b="0" lang="en-US" sz="1500" strike="noStrike" u="none">
+                <a:solidFill>
+                  <a:srgbClr val="000000"/>
+                </a:solidFill>
+                <a:uFillTx/>
+                <a:latin typeface="Arial"/>
+                <a:ea typeface="Noto Sans SC"/>
+              </a:rPr>
+              <a:t>        …</a:t>
+            </a:r>
+            <a:endParaRPr b="0" lang="en-US" sz="1500" strike="noStrike" u="none">
+              <a:solidFill>
+                <a:srgbClr val="000000"/>
+              </a:solidFill>
+              <a:uFillTx/>
+              <a:latin typeface="Arial"/>
+              <a:ea typeface="Noto Sans SC"/>
+            </a:endParaRPr>
+          </a:p>
+          <a:p>
+            <a:pPr>
+              <a:lnSpc>
+                <a:spcPct val="100000"/>
+              </a:lnSpc>
+              <a:spcBef>
+                <a:spcPts val="57"/>
+              </a:spcBef>
+            </a:pPr>
+            <a:r>
+              <a:rPr b="0" lang="en-US" sz="1500" strike="noStrike" u="none">
+                <a:solidFill>
+                  <a:srgbClr val="000000"/>
+                </a:solidFill>
+                <a:uFillTx/>
+                <a:latin typeface="Arial"/>
+                <a:ea typeface="Noto Sans SC"/>
+              </a:rPr>
+              <a:t>    </a:t>
+            </a:r>
+            <a:r>
+              <a:rPr b="0" lang="en-US" sz="1500" strike="noStrike" u="none">
+                <a:solidFill>
+                  <a:srgbClr val="000000"/>
+                </a:solidFill>
+                <a:uFillTx/>
+                <a:latin typeface="Arial"/>
+                <a:ea typeface="Noto Sans SC"/>
+              </a:rPr>
+              <a:t>},</a:t>
+            </a:r>
+            <a:endParaRPr b="0" lang="en-US" sz="1500" strike="noStrike" u="none">
+              <a:solidFill>
+                <a:srgbClr val="000000"/>
+              </a:solidFill>
+              <a:uFillTx/>
+              <a:latin typeface="Arial"/>
+              <a:ea typeface="Noto Sans SC"/>
+            </a:endParaRPr>
+          </a:p>
+          <a:p>
+            <a:pPr>
+              <a:lnSpc>
+                <a:spcPct val="100000"/>
+              </a:lnSpc>
+              <a:spcBef>
+                <a:spcPts val="57"/>
+              </a:spcBef>
+            </a:pPr>
+            <a:r>
+              <a:rPr b="0" lang="en-US" sz="1500" strike="noStrike" u="none">
+                <a:solidFill>
+                  <a:srgbClr val="000000"/>
+                </a:solidFill>
+                <a:uFillTx/>
+                <a:latin typeface="Arial"/>
+                <a:ea typeface="Noto Sans SC"/>
+              </a:rPr>
+              <a:t>    </a:t>
+            </a:r>
+            <a:r>
+              <a:rPr b="0" lang="en-US" sz="1500" strike="noStrike" u="none">
+                <a:solidFill>
+                  <a:srgbClr val="000000"/>
+                </a:solidFill>
+                <a:uFillTx/>
+                <a:latin typeface="Arial"/>
+                <a:ea typeface="Noto Sans SC"/>
+              </a:rPr>
+              <a:t>"customData": { "vendorId": "001" }</a:t>
+            </a:r>
+            <a:endParaRPr b="0" lang="en-US" sz="1500" strike="noStrike" u="none">
+              <a:solidFill>
+                <a:srgbClr val="000000"/>
+              </a:solidFill>
+              <a:uFillTx/>
+              <a:latin typeface="Arial"/>
+              <a:ea typeface="Noto Sans SC"/>
+            </a:endParaRPr>
+          </a:p>
+          <a:p>
+            <a:pPr>
+              <a:lnSpc>
+                <a:spcPct val="100000"/>
+              </a:lnSpc>
+              <a:spcBef>
+                <a:spcPts val="57"/>
+              </a:spcBef>
+            </a:pPr>
+            <a:r>
+              <a:rPr b="0" lang="en-US" sz="1500" strike="noStrike" u="none">
+                <a:solidFill>
+                  <a:srgbClr val="000000"/>
+                </a:solidFill>
+                <a:uFillTx/>
+                <a:latin typeface="Arial"/>
+                <a:ea typeface="Noto Sans SC"/>
+              </a:rPr>
+              <a:t>} </a:t>
+            </a:r>
+            <a:endParaRPr b="0" lang="en-US" sz="1500" strike="noStrike" u="none">
+              <a:solidFill>
+                <a:srgbClr val="000000"/>
+              </a:solidFill>
+              <a:uFillTx/>
+              <a:latin typeface="Arial"/>
+              <a:ea typeface="Noto Sans SC"/>
+            </a:endParaRPr>
+          </a:p>
+        </p:txBody>
+      </p:sp>
+      <p:sp>
+        <p:nvSpPr>
+          <p:cNvPr id="22" name=""/>
+          <p:cNvSpPr/>
+          <p:nvPr/>
+        </p:nvSpPr>
+        <p:spPr>
+          <a:xfrm>
+            <a:off x="5600880" y="3629160"/>
+            <a:ext cx="771840" cy="0"/>
+          </a:xfrm>
+          <a:prstGeom prst="line">
+            <a:avLst/>
+          </a:prstGeom>
+          <a:ln w="76320">
+            <a:solidFill>
+              <a:srgbClr val="3465a4"/>
+            </a:solidFill>
+            <a:round/>
+            <a:tailEnd len="med" type="triangle" w="med"/>
+          </a:ln>
+        </p:spPr>
+        <p:style>
+          <a:lnRef idx="0"/>
+          <a:fillRef idx="0"/>
+          <a:effectRef idx="0"/>
+          <a:fontRef idx="minor"/>
+        </p:style>
+        <p:txBody>
+          <a:bodyPr lIns="127800" rIns="127800" tIns="-82800" bIns="-82800" anchor="ctr">
+            <a:noAutofit/>
+          </a:bodyPr>
+          <a:p>
+            <a:endParaRPr b="0" lang="en-US" sz="1800" strike="noStrike" u="none">
+              <a:solidFill>
+                <a:srgbClr val="000000"/>
+              </a:solidFill>
+              <a:uFillTx/>
+              <a:latin typeface="Arial"/>
+            </a:endParaRPr>
+          </a:p>
+        </p:txBody>
+      </p:sp>
+      <p:sp>
+        <p:nvSpPr>
+          <p:cNvPr id="23" name=""/>
+          <p:cNvSpPr txBox="1"/>
+          <p:nvPr/>
+        </p:nvSpPr>
+        <p:spPr>
+          <a:xfrm>
+            <a:off x="6276600" y="3314160"/>
+            <a:ext cx="3543840" cy="2026080"/>
+          </a:xfrm>
+          <a:prstGeom prst="rect">
+            <a:avLst/>
+          </a:prstGeom>
+          <a:noFill/>
+          <a:ln w="0">
+            <a:noFill/>
+          </a:ln>
+        </p:spPr>
+        <p:txBody>
+          <a:bodyPr lIns="90000" rIns="90000" tIns="45000" bIns="45000" anchor="t">
+            <a:noAutofit/>
+          </a:bodyPr>
+          <a:p>
+            <a:pPr marL="216000" indent="-216000">
+              <a:lnSpc>
+                <a:spcPct val="100000"/>
+              </a:lnSpc>
+              <a:spcBef>
+                <a:spcPts val="283"/>
+              </a:spcBef>
+              <a:spcAft>
+                <a:spcPts val="283"/>
+              </a:spcAft>
+              <a:buClr>
+                <a:srgbClr val="000000"/>
+              </a:buClr>
+              <a:buSzPct val="45000"/>
+              <a:buFont typeface="Wingdings" charset="2"/>
+              <a:buChar char=""/>
+            </a:pPr>
+            <a:r>
+              <a:rPr b="0" lang="en-US" sz="1800" strike="noStrike" u="none">
+                <a:solidFill>
+                  <a:srgbClr val="000000"/>
+                </a:solidFill>
+                <a:uFillTx/>
+                <a:latin typeface="Arial"/>
+              </a:rPr>
+              <a:t>Complex hierarchical nesting, difficult to learn structure</a:t>
+            </a:r>
+            <a:endParaRPr b="0" lang="en-US" sz="1800" strike="noStrike" u="none">
+              <a:solidFill>
+                <a:srgbClr val="000000"/>
+              </a:solidFill>
+              <a:uFillTx/>
+              <a:latin typeface="Arial"/>
+              <a:ea typeface="Noto Sans SC"/>
+            </a:endParaRPr>
+          </a:p>
+          <a:p>
+            <a:pPr marL="216000" indent="-216000">
+              <a:lnSpc>
+                <a:spcPct val="100000"/>
+              </a:lnSpc>
+              <a:spcBef>
+                <a:spcPts val="283"/>
+              </a:spcBef>
+              <a:spcAft>
+                <a:spcPts val="283"/>
+              </a:spcAft>
+              <a:buClr>
+                <a:srgbClr val="000000"/>
+              </a:buClr>
+              <a:buSzPct val="45000"/>
+              <a:buFont typeface="Wingdings" charset="2"/>
+              <a:buChar char=""/>
+            </a:pPr>
+            <a:r>
+              <a:rPr b="0" lang="en-US" sz="1800" strike="noStrike" u="none">
+                <a:solidFill>
+                  <a:srgbClr val="000000"/>
+                </a:solidFill>
+                <a:uFillTx/>
+                <a:latin typeface="Arial"/>
+              </a:rPr>
+              <a:t>Frequent reference to the OCPP Standard is required when writing code</a:t>
+            </a:r>
+            <a:endParaRPr b="0" lang="en-US" sz="1800" strike="noStrike" u="none">
+              <a:solidFill>
+                <a:srgbClr val="000000"/>
+              </a:solidFill>
+              <a:uFillTx/>
+              <a:latin typeface="Arial"/>
+              <a:ea typeface="Noto Sans SC"/>
+            </a:endParaRPr>
+          </a:p>
+          <a:p>
+            <a:pPr marL="216000" indent="-216000">
+              <a:lnSpc>
+                <a:spcPct val="100000"/>
+              </a:lnSpc>
+              <a:spcBef>
+                <a:spcPts val="283"/>
+              </a:spcBef>
+              <a:spcAft>
+                <a:spcPts val="283"/>
+              </a:spcAft>
+              <a:buClr>
+                <a:srgbClr val="000000"/>
+              </a:buClr>
+              <a:buSzPct val="45000"/>
+              <a:buFont typeface="Wingdings" charset="2"/>
+              <a:buChar char=""/>
+            </a:pPr>
+            <a:r>
+              <a:rPr b="0" lang="en-US" sz="1800" strike="noStrike" u="none">
+                <a:solidFill>
+                  <a:srgbClr val="000000"/>
+                </a:solidFill>
+                <a:uFillTx/>
+                <a:latin typeface="Arial"/>
+              </a:rPr>
+              <a:t>High probability of error, with significant debugging costs</a:t>
+            </a:r>
+            <a:endParaRPr b="0" lang="en-US" sz="1800" strike="noStrike" u="none">
+              <a:solidFill>
+                <a:srgbClr val="000000"/>
+              </a:solidFill>
+              <a:uFillTx/>
+              <a:latin typeface="Arial"/>
+              <a:ea typeface="Noto Sans SC"/>
+            </a:endParaRPr>
+          </a:p>
+        </p:txBody>
+      </p:sp>
+      <p:sp>
+        <p:nvSpPr>
+          <p:cNvPr id="24" name=""/>
+          <p:cNvSpPr/>
+          <p:nvPr/>
+        </p:nvSpPr>
+        <p:spPr>
+          <a:xfrm>
+            <a:off x="432360" y="1728360"/>
+            <a:ext cx="2520000" cy="344160"/>
+          </a:xfrm>
+          <a:prstGeom prst="roundRect">
+            <a:avLst>
+              <a:gd name="adj" fmla="val 16667"/>
+            </a:avLst>
+          </a:prstGeom>
+          <a:solidFill>
+            <a:srgbClr val="729fcf"/>
+          </a:solidFill>
+          <a:ln w="0">
+            <a:solidFill>
+              <a:srgbClr val="3465a4"/>
+            </a:solidFill>
+          </a:ln>
+        </p:spPr>
+        <p:style>
+          <a:lnRef idx="0"/>
+          <a:fillRef idx="0"/>
+          <a:effectRef idx="0"/>
+          <a:fontRef idx="minor"/>
+        </p:style>
+        <p:txBody>
+          <a:bodyPr lIns="90000" rIns="90000" tIns="45000" bIns="45000" anchor="ctr">
+            <a:noAutofit/>
+          </a:bodyPr>
+          <a:p>
+            <a:pPr algn="ctr">
+              <a:lnSpc>
+                <a:spcPct val="100000"/>
+              </a:lnSpc>
+              <a:spcBef>
+                <a:spcPts val="1417"/>
+              </a:spcBef>
+            </a:pPr>
+            <a:r>
+              <a:rPr b="0" lang="en-US" sz="1800" strike="noStrike" u="none">
+                <a:solidFill>
+                  <a:srgbClr val="000000"/>
+                </a:solidFill>
+                <a:uFillTx/>
+                <a:latin typeface="Arial"/>
+              </a:rPr>
+              <a:t>Communication</a:t>
+            </a:r>
+            <a:endParaRPr b="0" lang="en-US" sz="1800" strike="noStrike" u="none">
+              <a:solidFill>
+                <a:srgbClr val="000000"/>
+              </a:solidFill>
+              <a:uFillTx/>
+              <a:latin typeface="Arial"/>
+            </a:endParaRPr>
+          </a:p>
+        </p:txBody>
+      </p:sp>
+      <p:sp>
+        <p:nvSpPr>
+          <p:cNvPr id="25" name=""/>
+          <p:cNvSpPr/>
+          <p:nvPr/>
+        </p:nvSpPr>
+        <p:spPr>
+          <a:xfrm>
+            <a:off x="6984360" y="1728360"/>
+            <a:ext cx="2520000" cy="344160"/>
+          </a:xfrm>
+          <a:prstGeom prst="roundRect">
+            <a:avLst>
+              <a:gd name="adj" fmla="val 16667"/>
+            </a:avLst>
+          </a:prstGeom>
+          <a:solidFill>
+            <a:srgbClr val="729fcf"/>
+          </a:solidFill>
+          <a:ln w="0">
+            <a:solidFill>
+              <a:srgbClr val="3465a4"/>
+            </a:solidFill>
+          </a:ln>
+        </p:spPr>
+        <p:style>
+          <a:lnRef idx="0"/>
+          <a:fillRef idx="0"/>
+          <a:effectRef idx="0"/>
+          <a:fontRef idx="minor"/>
+        </p:style>
+        <p:txBody>
+          <a:bodyPr lIns="90000" rIns="90000" tIns="45000" bIns="45000" anchor="ctr">
+            <a:noAutofit/>
+          </a:bodyPr>
+          <a:p>
+            <a:pPr algn="ctr">
+              <a:lnSpc>
+                <a:spcPct val="100000"/>
+              </a:lnSpc>
+              <a:spcBef>
+                <a:spcPts val="1417"/>
+              </a:spcBef>
+            </a:pPr>
+            <a:r>
+              <a:rPr b="0" lang="en-US" sz="1800" strike="noStrike" u="none">
+                <a:solidFill>
+                  <a:srgbClr val="000000"/>
+                </a:solidFill>
+                <a:uFillTx/>
+                <a:latin typeface="Arial"/>
+              </a:rPr>
+              <a:t>Scalability</a:t>
+            </a:r>
+            <a:endParaRPr b="0" lang="en-US" sz="1800" strike="noStrike" u="none">
+              <a:solidFill>
+                <a:srgbClr val="000000"/>
+              </a:solidFill>
+              <a:uFillTx/>
+              <a:latin typeface="Arial"/>
+            </a:endParaRPr>
+          </a:p>
+        </p:txBody>
+      </p:sp>
+      <p:sp>
+        <p:nvSpPr>
+          <p:cNvPr id="26" name=""/>
+          <p:cNvSpPr/>
+          <p:nvPr/>
+        </p:nvSpPr>
+        <p:spPr>
+          <a:xfrm>
+            <a:off x="3672360" y="1728360"/>
+            <a:ext cx="2520000" cy="344160"/>
+          </a:xfrm>
+          <a:prstGeom prst="roundRect">
+            <a:avLst>
+              <a:gd name="adj" fmla="val 16667"/>
+            </a:avLst>
+          </a:prstGeom>
+          <a:solidFill>
+            <a:srgbClr val="729fcf"/>
+          </a:solidFill>
+          <a:ln w="0">
+            <a:solidFill>
+              <a:srgbClr val="3465a4"/>
+            </a:solidFill>
+          </a:ln>
+        </p:spPr>
+        <p:style>
+          <a:lnRef idx="0"/>
+          <a:fillRef idx="0"/>
+          <a:effectRef idx="0"/>
+          <a:fontRef idx="minor"/>
+        </p:style>
+        <p:txBody>
+          <a:bodyPr lIns="90000" rIns="90000" tIns="45000" bIns="45000" anchor="ctr">
+            <a:noAutofit/>
+          </a:bodyPr>
+          <a:p>
+            <a:pPr algn="ctr">
+              <a:lnSpc>
+                <a:spcPct val="100000"/>
+              </a:lnSpc>
+              <a:spcBef>
+                <a:spcPts val="1417"/>
+              </a:spcBef>
+            </a:pPr>
+            <a:r>
+              <a:rPr b="0" lang="en-US" sz="1800" strike="noStrike" u="none">
+                <a:solidFill>
+                  <a:srgbClr val="000000"/>
+                </a:solidFill>
+                <a:uFillTx/>
+                <a:latin typeface="Arial"/>
+              </a:rPr>
+              <a:t>Concurrent Tasks</a:t>
+            </a:r>
+            <a:endParaRPr b="0" lang="en-US" sz="1800" strike="noStrike" u="none">
+              <a:solidFill>
+                <a:srgbClr val="000000"/>
+              </a:solidFill>
+              <a:uFillTx/>
+              <a:latin typeface="Arial"/>
+            </a:endParaRPr>
+          </a:p>
+        </p:txBody>
+      </p:sp>
+    </p:spTree>
+  </p:cSld>
+  <mc:AlternateContent>
+    <mc:Choice Requires="p14">
+      <p:transition spd="slow" p14:dur="2000"/>
+    </mc:Choice>
+    <mc:Fallback>
+      <p:transition spd="slow"/>
+    </mc:Fallback>
+  </mc:AlternateContent>
+</p:sld>
+</file>
+
+<file path=ppt/slides/slide4.xml><?xml version="1.0" encoding="utf-8"?>
+<p:sld xmlns:a="http://schemas.openxmlformats.org/drawingml/2006/main" xmlns:p="http://schemas.openxmlformats.org/presentationml/2006/main" xmlns:r="http://schemas.openxmlformats.org/officeDocument/2006/relationships" xmlns:p14="http://schemas.microsoft.com/office/powerpoint/2010/main" xmlns:p15="http://schemas.microsoft.com/office/powerpoint/2012/main" xmlns:mc="http://schemas.openxmlformats.org/markup-compatibility/2006">
+  <p:cSld>
+    <p:spTree>
+      <p:nvGrpSpPr>
+        <p:cNvPr id="1" name=""/>
+        <p:cNvGrpSpPr/>
+        <p:nvPr/>
+      </p:nvGrpSpPr>
+      <p:grpSpPr>
+        <a:xfrm>
+          <a:off x="0" y="0"/>
+          <a:ext cx="0" cy="0"/>
+          <a:chOff x="0" y="0"/>
+          <a:chExt cx="0" cy="0"/>
+        </a:xfrm>
+      </p:grpSpPr>
+      <p:sp>
+        <p:nvSpPr>
+          <p:cNvPr id="27" name=""/>
+          <p:cNvSpPr/>
+          <p:nvPr/>
+        </p:nvSpPr>
+        <p:spPr>
+          <a:xfrm>
+            <a:off x="505080" y="2781360"/>
+            <a:ext cx="7267320" cy="1219320"/>
+          </a:xfrm>
+          <a:prstGeom prst="rect">
+            <a:avLst/>
+          </a:prstGeom>
+          <a:solidFill>
+            <a:srgbClr val="afd095"/>
+          </a:solidFill>
+          <a:ln w="0">
+            <a:solidFill>
+              <a:srgbClr val="afd095"/>
+            </a:solidFill>
+          </a:ln>
+        </p:spPr>
+        <p:style>
+          <a:lnRef idx="0"/>
+          <a:fillRef idx="0"/>
+          <a:effectRef idx="0"/>
+          <a:fontRef idx="minor"/>
+        </p:style>
+        <p:txBody>
+          <a:bodyPr lIns="90000" rIns="90000" tIns="45000" bIns="45000" anchor="ctr">
+            <a:noAutofit/>
+          </a:bodyPr>
+          <a:p>
+            <a:endParaRPr b="0" lang="en-US" sz="1800" strike="noStrike" u="none">
+              <a:solidFill>
+                <a:srgbClr val="000000"/>
+              </a:solidFill>
+              <a:uFillTx/>
+              <a:latin typeface="Arial"/>
+            </a:endParaRPr>
+          </a:p>
+        </p:txBody>
+      </p:sp>
+      <p:sp>
+        <p:nvSpPr>
+          <p:cNvPr id="28" name="PlaceHolder 1"/>
+          <p:cNvSpPr>
+            <a:spLocks noGrp="1"/>
+          </p:cNvSpPr>
+          <p:nvPr>
+            <p:ph/>
+          </p:nvPr>
+        </p:nvSpPr>
+        <p:spPr>
+          <a:xfrm>
+            <a:off x="456840" y="2257560"/>
+            <a:ext cx="9139320" cy="523800"/>
+          </a:xfrm>
+          <a:prstGeom prst="rect">
+            <a:avLst/>
+          </a:prstGeom>
+          <a:noFill/>
+          <a:ln w="0">
+            <a:noFill/>
+          </a:ln>
+        </p:spPr>
+        <p:txBody>
+          <a:bodyPr lIns="0" rIns="0" tIns="0" bIns="0" anchor="t">
+            <a:normAutofit/>
+          </a:bodyPr>
+          <a:p>
+            <a:pPr marL="432000" indent="-324000">
+              <a:spcBef>
+                <a:spcPts val="1417"/>
+              </a:spcBef>
+              <a:buClr>
+                <a:srgbClr val="000000"/>
+              </a:buClr>
+              <a:buSzPct val="45000"/>
+              <a:buFont typeface="Wingdings" charset="2"/>
+              <a:buChar char=""/>
+            </a:pPr>
+            <a:r>
+              <a:rPr b="0" lang="en-US" sz="2800" strike="noStrike" u="none">
+                <a:solidFill>
+                  <a:srgbClr val="000000"/>
+                </a:solidFill>
+                <a:uFillTx/>
+                <a:latin typeface="Arial"/>
+              </a:rPr>
+              <a:t>OCPP Message Generator</a:t>
+            </a:r>
+            <a:endParaRPr b="0" lang="en-US" sz="2800" strike="noStrike" u="none">
+              <a:solidFill>
+                <a:srgbClr val="000000"/>
+              </a:solidFill>
+              <a:uFillTx/>
+              <a:latin typeface="Arial"/>
+            </a:endParaRPr>
+          </a:p>
+        </p:txBody>
+      </p:sp>
+      <p:sp>
+        <p:nvSpPr>
+          <p:cNvPr id="29" name=""/>
+          <p:cNvSpPr txBox="1"/>
+          <p:nvPr/>
+        </p:nvSpPr>
+        <p:spPr>
+          <a:xfrm>
+            <a:off x="581400" y="2781360"/>
+            <a:ext cx="8419680" cy="1170360"/>
+          </a:xfrm>
+          <a:prstGeom prst="rect">
+            <a:avLst/>
+          </a:prstGeom>
+          <a:noFill/>
+          <a:ln w="0">
+            <a:noFill/>
+          </a:ln>
+        </p:spPr>
+        <p:txBody>
+          <a:bodyPr lIns="90000" rIns="90000" tIns="45000" bIns="45000" anchor="t">
+            <a:noAutofit/>
+          </a:bodyPr>
+          <a:p>
+            <a:pPr>
+              <a:lnSpc>
+                <a:spcPct val="100000"/>
+              </a:lnSpc>
+            </a:pPr>
+            <a:r>
+              <a:rPr b="0" lang="en-US" sz="1500" strike="noStrike" u="none">
+                <a:solidFill>
+                  <a:srgbClr val="000000"/>
+                </a:solidFill>
+                <a:uFillTx/>
+                <a:latin typeface="Arial"/>
+              </a:rPr>
+              <a:t>OCPP_Message = GenSetChargingProfileRequest.</a:t>
+            </a:r>
+            <a:r>
+              <a:rPr b="1" lang="en-US" sz="1500" strike="noStrike" u="sng">
+                <a:solidFill>
+                  <a:srgbClr val="000000"/>
+                </a:solidFill>
+                <a:uFillTx/>
+                <a:latin typeface="Arial"/>
+              </a:rPr>
+              <a:t>generate</a:t>
+            </a:r>
+            <a:r>
+              <a:rPr b="0" lang="en-US" sz="1500" strike="noStrike" u="none">
+                <a:solidFill>
+                  <a:srgbClr val="000000"/>
+                </a:solidFill>
+                <a:uFillTx/>
+                <a:latin typeface="Arial"/>
+              </a:rPr>
+              <a:t>(</a:t>
+            </a:r>
+            <a:endParaRPr b="0" lang="en-US" sz="1500" strike="noStrike" u="none">
+              <a:solidFill>
+                <a:srgbClr val="000000"/>
+              </a:solidFill>
+              <a:uFillTx/>
+              <a:latin typeface="Arial"/>
+              <a:ea typeface="Noto Sans SC"/>
+            </a:endParaRPr>
+          </a:p>
+          <a:p>
+            <a:pPr>
+              <a:lnSpc>
+                <a:spcPct val="100000"/>
+              </a:lnSpc>
+            </a:pPr>
+            <a:r>
+              <a:rPr b="0" lang="en-US" sz="1500" strike="noStrike" u="none">
+                <a:solidFill>
+                  <a:srgbClr val="000000"/>
+                </a:solidFill>
+                <a:uFillTx/>
+                <a:latin typeface="Arial"/>
+              </a:rPr>
+              <a:t>    </a:t>
+            </a:r>
+            <a:r>
+              <a:rPr b="0" lang="en-US" sz="1500" strike="noStrike" u="none">
+                <a:solidFill>
+                  <a:srgbClr val="000000"/>
+                </a:solidFill>
+                <a:uFillTx/>
+                <a:latin typeface="Arial"/>
+              </a:rPr>
+              <a:t>evse_id=1,</a:t>
+            </a:r>
+            <a:endParaRPr b="0" lang="en-US" sz="1500" strike="noStrike" u="none">
+              <a:solidFill>
+                <a:srgbClr val="000000"/>
+              </a:solidFill>
+              <a:uFillTx/>
+              <a:latin typeface="Arial"/>
+              <a:ea typeface="Noto Sans SC"/>
+            </a:endParaRPr>
+          </a:p>
+          <a:p>
+            <a:pPr>
+              <a:lnSpc>
+                <a:spcPct val="100000"/>
+              </a:lnSpc>
+              <a:spcBef>
+                <a:spcPts val="57"/>
+              </a:spcBef>
+            </a:pPr>
+            <a:r>
+              <a:rPr b="0" lang="en-US" sz="1500" strike="noStrike" u="none">
+                <a:solidFill>
+                  <a:srgbClr val="000000"/>
+                </a:solidFill>
+                <a:uFillTx/>
+                <a:latin typeface="Arial"/>
+                <a:ea typeface="Noto Sans SC"/>
+              </a:rPr>
+              <a:t>    </a:t>
+            </a:r>
+            <a:r>
+              <a:rPr b="0" lang="en-US" sz="1500" strike="noStrike" u="none">
+                <a:solidFill>
+                  <a:srgbClr val="000000"/>
+                </a:solidFill>
+                <a:uFillTx/>
+                <a:latin typeface="Arial"/>
+                <a:ea typeface="Noto Sans SC"/>
+              </a:rPr>
+              <a:t>charging_profile=   GenSetChargingProfileRequest.get_charging_profile(*args),</a:t>
+            </a:r>
+            <a:endParaRPr b="0" lang="en-US" sz="1500" strike="noStrike" u="none">
+              <a:solidFill>
+                <a:srgbClr val="000000"/>
+              </a:solidFill>
+              <a:uFillTx/>
+              <a:latin typeface="Arial"/>
+              <a:ea typeface="Noto Sans SC"/>
+            </a:endParaRPr>
+          </a:p>
+          <a:p>
+            <a:pPr>
+              <a:lnSpc>
+                <a:spcPct val="100000"/>
+              </a:lnSpc>
+              <a:spcBef>
+                <a:spcPts val="57"/>
+              </a:spcBef>
+            </a:pPr>
+            <a:r>
+              <a:rPr b="0" lang="en-US" sz="1500" strike="noStrike" u="none">
+                <a:solidFill>
+                  <a:srgbClr val="000000"/>
+                </a:solidFill>
+                <a:uFillTx/>
+                <a:latin typeface="Arial"/>
+                <a:ea typeface="Noto Sans SC"/>
+              </a:rPr>
+              <a:t>    </a:t>
+            </a:r>
+            <a:r>
+              <a:rPr b="0" lang="en-US" sz="1500" strike="noStrike" u="none">
+                <a:solidFill>
+                  <a:srgbClr val="000000"/>
+                </a:solidFill>
+                <a:uFillTx/>
+                <a:latin typeface="Arial"/>
+                <a:ea typeface="Noto Sans SC"/>
+              </a:rPr>
+              <a:t>custom_data=GenSetChargingProfileRequest. get_custom_data(*args)</a:t>
+            </a:r>
+            <a:endParaRPr b="0" lang="en-US" sz="1500" strike="noStrike" u="none">
+              <a:solidFill>
+                <a:srgbClr val="000000"/>
+              </a:solidFill>
+              <a:uFillTx/>
+              <a:latin typeface="Arial"/>
+              <a:ea typeface="Noto Sans SC"/>
+            </a:endParaRPr>
+          </a:p>
+          <a:p>
+            <a:pPr>
+              <a:lnSpc>
+                <a:spcPct val="100000"/>
+              </a:lnSpc>
+              <a:spcBef>
+                <a:spcPts val="57"/>
+              </a:spcBef>
+            </a:pPr>
+            <a:r>
+              <a:rPr b="0" lang="en-US" sz="1500" strike="noStrike" u="none">
+                <a:solidFill>
+                  <a:srgbClr val="000000"/>
+                </a:solidFill>
+                <a:uFillTx/>
+                <a:latin typeface="Arial"/>
+                <a:ea typeface="Noto Sans SC"/>
+              </a:rPr>
+              <a:t>)</a:t>
+            </a:r>
+            <a:endParaRPr b="0" lang="en-US" sz="1500" strike="noStrike" u="none">
+              <a:solidFill>
+                <a:srgbClr val="000000"/>
+              </a:solidFill>
+              <a:uFillTx/>
+              <a:latin typeface="Arial"/>
+              <a:ea typeface="Noto Sans SC"/>
+            </a:endParaRPr>
+          </a:p>
+        </p:txBody>
+      </p:sp>
+      <p:sp>
+        <p:nvSpPr>
+          <p:cNvPr id="30" name=""/>
+          <p:cNvSpPr txBox="1"/>
+          <p:nvPr/>
+        </p:nvSpPr>
+        <p:spPr>
+          <a:xfrm>
+            <a:off x="638280" y="4229280"/>
+            <a:ext cx="6822720" cy="346320"/>
+          </a:xfrm>
+          <a:prstGeom prst="rect">
+            <a:avLst/>
+          </a:prstGeom>
+          <a:noFill/>
+          <a:ln w="0">
+            <a:noFill/>
+          </a:ln>
+        </p:spPr>
+        <p:txBody>
+          <a:bodyPr wrap="none" lIns="90000" rIns="90000" tIns="45000" bIns="45000" anchor="t">
+            <a:noAutofit/>
+          </a:bodyPr>
+          <a:p>
+            <a:r>
+              <a:rPr b="0" lang="en-US" sz="1800" strike="noStrike" u="none">
+                <a:solidFill>
+                  <a:srgbClr val="000000"/>
+                </a:solidFill>
+                <a:uFillTx/>
+                <a:latin typeface="Arial"/>
+              </a:rPr>
+              <a:t>Use different generation functions to generate each message part</a:t>
+            </a:r>
+            <a:endParaRPr b="0" lang="en-US" sz="1800" strike="noStrike" u="none">
+              <a:solidFill>
+                <a:srgbClr val="000000"/>
+              </a:solidFill>
+              <a:uFillTx/>
+              <a:latin typeface="Arial"/>
+            </a:endParaRPr>
+          </a:p>
+        </p:txBody>
+      </p:sp>
+      <p:sp>
+        <p:nvSpPr>
+          <p:cNvPr id="31" name=""/>
+          <p:cNvSpPr/>
+          <p:nvPr/>
+        </p:nvSpPr>
+        <p:spPr>
+          <a:xfrm>
+            <a:off x="571680" y="5353200"/>
+            <a:ext cx="1847880" cy="0"/>
+          </a:xfrm>
+          <a:prstGeom prst="line">
+            <a:avLst/>
+          </a:prstGeom>
+          <a:ln w="76320">
+            <a:solidFill>
+              <a:srgbClr val="3465a4"/>
+            </a:solidFill>
+            <a:round/>
+            <a:tailEnd len="med" type="triangle" w="med"/>
+          </a:ln>
+        </p:spPr>
+        <p:style>
+          <a:lnRef idx="0"/>
+          <a:fillRef idx="0"/>
+          <a:effectRef idx="0"/>
+          <a:fontRef idx="minor"/>
+        </p:style>
+        <p:txBody>
+          <a:bodyPr lIns="128160" rIns="128160" tIns="-83160" bIns="-83160" anchor="ctr">
+            <a:noAutofit/>
+          </a:bodyPr>
+          <a:p>
+            <a:endParaRPr b="0" lang="en-US" sz="1800" strike="noStrike" u="none">
+              <a:solidFill>
+                <a:srgbClr val="000000"/>
+              </a:solidFill>
+              <a:uFillTx/>
+              <a:latin typeface="Arial"/>
+            </a:endParaRPr>
+          </a:p>
+        </p:txBody>
+      </p:sp>
+      <p:sp>
+        <p:nvSpPr>
+          <p:cNvPr id="32" name=""/>
+          <p:cNvSpPr txBox="1"/>
+          <p:nvPr/>
+        </p:nvSpPr>
+        <p:spPr>
+          <a:xfrm>
+            <a:off x="2714760" y="4905360"/>
+            <a:ext cx="7321680" cy="1337400"/>
+          </a:xfrm>
+          <a:prstGeom prst="rect">
+            <a:avLst/>
+          </a:prstGeom>
+          <a:noFill/>
+          <a:ln w="0">
+            <a:noFill/>
+          </a:ln>
+        </p:spPr>
+        <p:txBody>
+          <a:bodyPr wrap="none" lIns="90000" rIns="90000" tIns="45000" bIns="45000" anchor="t">
+            <a:noAutofit/>
+          </a:bodyPr>
+          <a:p>
+            <a:pPr marL="216000" indent="-216000">
+              <a:lnSpc>
+                <a:spcPct val="100000"/>
+              </a:lnSpc>
+              <a:spcBef>
+                <a:spcPts val="283"/>
+              </a:spcBef>
+              <a:spcAft>
+                <a:spcPts val="283"/>
+              </a:spcAft>
+              <a:buClr>
+                <a:srgbClr val="000000"/>
+              </a:buClr>
+              <a:buSzPct val="45000"/>
+              <a:buFont typeface="Wingdings" charset="2"/>
+              <a:buChar char=""/>
+            </a:pPr>
+            <a:r>
+              <a:rPr b="0" lang="en-US" sz="1800" strike="noStrike" u="none">
+                <a:solidFill>
+                  <a:srgbClr val="000000"/>
+                </a:solidFill>
+                <a:uFillTx/>
+                <a:latin typeface="Arial"/>
+              </a:rPr>
+              <a:t>IDE provides type hints and Docstring</a:t>
+            </a:r>
+            <a:endParaRPr b="0" lang="en-US" sz="1800" strike="noStrike" u="none">
+              <a:solidFill>
+                <a:srgbClr val="000000"/>
+              </a:solidFill>
+              <a:uFillTx/>
+              <a:latin typeface="Arial"/>
+              <a:ea typeface="Noto Sans SC"/>
+            </a:endParaRPr>
+          </a:p>
+          <a:p>
+            <a:pPr marL="216000" indent="-216000">
+              <a:lnSpc>
+                <a:spcPct val="100000"/>
+              </a:lnSpc>
+              <a:spcBef>
+                <a:spcPts val="283"/>
+              </a:spcBef>
+              <a:spcAft>
+                <a:spcPts val="283"/>
+              </a:spcAft>
+              <a:buClr>
+                <a:srgbClr val="000000"/>
+              </a:buClr>
+              <a:buSzPct val="45000"/>
+              <a:buFont typeface="Wingdings" charset="2"/>
+              <a:buChar char=""/>
+            </a:pPr>
+            <a:r>
+              <a:rPr b="0" lang="en-US" sz="1800" strike="noStrike" u="none">
+                <a:solidFill>
+                  <a:srgbClr val="000000"/>
+                </a:solidFill>
+                <a:uFillTx/>
+                <a:latin typeface="Arial"/>
+              </a:rPr>
+              <a:t>Reduces the learning cost of the OCPP Standard documentation</a:t>
+            </a:r>
+            <a:endParaRPr b="0" lang="en-US" sz="1800" strike="noStrike" u="none">
+              <a:solidFill>
+                <a:srgbClr val="000000"/>
+              </a:solidFill>
+              <a:uFillTx/>
+              <a:latin typeface="Arial"/>
+              <a:ea typeface="Noto Sans SC"/>
+            </a:endParaRPr>
+          </a:p>
+          <a:p>
+            <a:pPr marL="216000" indent="-216000">
+              <a:lnSpc>
+                <a:spcPct val="100000"/>
+              </a:lnSpc>
+              <a:spcBef>
+                <a:spcPts val="283"/>
+              </a:spcBef>
+              <a:spcAft>
+                <a:spcPts val="283"/>
+              </a:spcAft>
+              <a:buClr>
+                <a:srgbClr val="000000"/>
+              </a:buClr>
+              <a:buSzPct val="45000"/>
+              <a:buFont typeface="Wingdings" charset="2"/>
+              <a:buChar char=""/>
+            </a:pPr>
+            <a:r>
+              <a:rPr b="0" lang="en-US" sz="1800" strike="noStrike" u="none">
+                <a:solidFill>
+                  <a:srgbClr val="000000"/>
+                </a:solidFill>
+                <a:uFillTx/>
+                <a:latin typeface="Arial"/>
+              </a:rPr>
+              <a:t>Structure encapsulation significantly reduces the probability of errors</a:t>
+            </a:r>
+            <a:endParaRPr b="0" lang="en-US" sz="1800" strike="noStrike" u="none">
+              <a:solidFill>
+                <a:srgbClr val="000000"/>
+              </a:solidFill>
+              <a:uFillTx/>
+              <a:latin typeface="Arial"/>
+              <a:ea typeface="Noto Sans SC"/>
+            </a:endParaRPr>
+          </a:p>
+          <a:p>
+            <a:pPr marL="216000" indent="-216000">
+              <a:lnSpc>
+                <a:spcPct val="100000"/>
+              </a:lnSpc>
+              <a:spcBef>
+                <a:spcPts val="340"/>
+              </a:spcBef>
+              <a:spcAft>
+                <a:spcPts val="283"/>
+              </a:spcAft>
+              <a:buClr>
+                <a:srgbClr val="000000"/>
+              </a:buClr>
+              <a:buSzPct val="45000"/>
+              <a:buFont typeface="Wingdings" charset="2"/>
+              <a:buChar char=""/>
+            </a:pPr>
+            <a:r>
+              <a:rPr b="0" lang="en-US" sz="1800" strike="noStrike" u="none">
+                <a:solidFill>
+                  <a:srgbClr val="000000"/>
+                </a:solidFill>
+                <a:uFillTx/>
+                <a:latin typeface="Arial"/>
+              </a:rPr>
+              <a:t>Unified standard improve team collaboration efficiency</a:t>
+            </a:r>
+            <a:endParaRPr b="0" lang="en-US" sz="1800" strike="noStrike" u="none">
+              <a:solidFill>
+                <a:srgbClr val="000000"/>
+              </a:solidFill>
+              <a:uFillTx/>
+              <a:latin typeface="Arial"/>
+              <a:ea typeface="Noto Sans SC"/>
+            </a:endParaRPr>
+          </a:p>
+        </p:txBody>
+      </p:sp>
+      <p:sp>
+        <p:nvSpPr>
+          <p:cNvPr id="33" name=""/>
+          <p:cNvSpPr txBox="1"/>
+          <p:nvPr/>
+        </p:nvSpPr>
+        <p:spPr>
+          <a:xfrm>
+            <a:off x="628920" y="6610320"/>
+            <a:ext cx="3459240" cy="346320"/>
+          </a:xfrm>
+          <a:prstGeom prst="rect">
+            <a:avLst/>
+          </a:prstGeom>
+          <a:noFill/>
+          <a:ln w="0">
+            <a:noFill/>
+          </a:ln>
+        </p:spPr>
+        <p:txBody>
+          <a:bodyPr wrap="none" lIns="90000" rIns="90000" tIns="45000" bIns="45000" anchor="t">
+            <a:noAutofit/>
+          </a:bodyPr>
+          <a:p>
+            <a:r>
+              <a:rPr b="0" lang="en-US" sz="1800" strike="noStrike" u="none">
+                <a:solidFill>
+                  <a:srgbClr val="000000"/>
+                </a:solidFill>
+                <a:uFillTx/>
+                <a:latin typeface="Arial"/>
+              </a:rPr>
+              <a:t>V2.0.1 —&gt; 128         v1.6 —&gt;78 </a:t>
+            </a:r>
+            <a:endParaRPr b="0" lang="en-US" sz="1800" strike="noStrike" u="none">
+              <a:solidFill>
+                <a:srgbClr val="000000"/>
+              </a:solidFill>
+              <a:uFillTx/>
+              <a:latin typeface="Arial"/>
+            </a:endParaRPr>
+          </a:p>
+        </p:txBody>
+      </p:sp>
+      <p:sp>
+        <p:nvSpPr>
+          <p:cNvPr id="34" name=""/>
+          <p:cNvSpPr txBox="1"/>
+          <p:nvPr/>
+        </p:nvSpPr>
+        <p:spPr>
+          <a:xfrm>
+            <a:off x="457200" y="492120"/>
+            <a:ext cx="8277120" cy="1024200"/>
+          </a:xfrm>
+          <a:prstGeom prst="rect">
+            <a:avLst/>
+          </a:prstGeom>
+          <a:noFill/>
+          <a:ln w="0">
+            <a:noFill/>
+          </a:ln>
+        </p:spPr>
+        <p:txBody>
+          <a:bodyPr lIns="0" rIns="0" tIns="0" bIns="0" anchor="ctr">
+            <a:noAutofit/>
+          </a:bodyPr>
+          <a:p>
+            <a:r>
+              <a:rPr b="0" lang="en-US" sz="3600" strike="noStrike" u="none">
+                <a:solidFill>
+                  <a:srgbClr val="000000"/>
+                </a:solidFill>
+                <a:uFillTx/>
+                <a:latin typeface="Arial"/>
+                <a:ea typeface="Noto Sans SC"/>
+              </a:rPr>
+              <a:t>System Architecture -</a:t>
+            </a:r>
+            <a:r>
+              <a:rPr b="0" lang="en-US" sz="3600" strike="noStrike" u="none">
+                <a:solidFill>
+                  <a:srgbClr val="000000"/>
+                </a:solidFill>
+                <a:uFillTx/>
+                <a:latin typeface="Arial"/>
+              </a:rPr>
+              <a:t> Implementation </a:t>
+            </a:r>
+            <a:endParaRPr b="0" lang="en-US" sz="3600" strike="noStrike" u="none">
+              <a:solidFill>
+                <a:srgbClr val="000000"/>
+              </a:solidFill>
+              <a:uFillTx/>
+              <a:latin typeface="Arial"/>
+            </a:endParaRPr>
+          </a:p>
+        </p:txBody>
+      </p:sp>
+      <p:sp>
+        <p:nvSpPr>
+          <p:cNvPr id="35" name=""/>
+          <p:cNvSpPr/>
+          <p:nvPr/>
+        </p:nvSpPr>
+        <p:spPr>
+          <a:xfrm>
+            <a:off x="432360" y="1728360"/>
+            <a:ext cx="2520000" cy="344160"/>
+          </a:xfrm>
+          <a:prstGeom prst="roundRect">
+            <a:avLst>
+              <a:gd name="adj" fmla="val 16667"/>
+            </a:avLst>
+          </a:prstGeom>
+          <a:solidFill>
+            <a:srgbClr val="729fcf"/>
+          </a:solidFill>
+          <a:ln w="0">
+            <a:solidFill>
+              <a:srgbClr val="3465a4"/>
+            </a:solidFill>
+          </a:ln>
+        </p:spPr>
+        <p:style>
+          <a:lnRef idx="0"/>
+          <a:fillRef idx="0"/>
+          <a:effectRef idx="0"/>
+          <a:fontRef idx="minor"/>
+        </p:style>
+        <p:txBody>
+          <a:bodyPr lIns="90000" rIns="90000" tIns="45000" bIns="45000" anchor="ctr">
+            <a:noAutofit/>
+          </a:bodyPr>
+          <a:p>
+            <a:pPr algn="ctr">
+              <a:lnSpc>
+                <a:spcPct val="100000"/>
+              </a:lnSpc>
+              <a:spcBef>
+                <a:spcPts val="1417"/>
+              </a:spcBef>
+            </a:pPr>
+            <a:r>
+              <a:rPr b="0" lang="en-US" sz="1800" strike="noStrike" u="none">
+                <a:solidFill>
+                  <a:srgbClr val="000000"/>
+                </a:solidFill>
+                <a:uFillTx/>
+                <a:latin typeface="Arial"/>
+              </a:rPr>
+              <a:t>Communication</a:t>
+            </a:r>
+            <a:endParaRPr b="0" lang="en-US" sz="1800" strike="noStrike" u="none">
+              <a:solidFill>
+                <a:srgbClr val="000000"/>
+              </a:solidFill>
+              <a:uFillTx/>
+              <a:latin typeface="Arial"/>
+            </a:endParaRPr>
+          </a:p>
+        </p:txBody>
+      </p:sp>
+      <p:sp>
+        <p:nvSpPr>
+          <p:cNvPr id="36" name=""/>
+          <p:cNvSpPr/>
+          <p:nvPr/>
+        </p:nvSpPr>
+        <p:spPr>
+          <a:xfrm>
+            <a:off x="6984360" y="1728360"/>
+            <a:ext cx="2520000" cy="344160"/>
+          </a:xfrm>
+          <a:prstGeom prst="roundRect">
+            <a:avLst>
+              <a:gd name="adj" fmla="val 16667"/>
+            </a:avLst>
+          </a:prstGeom>
+          <a:solidFill>
+            <a:srgbClr val="729fcf"/>
+          </a:solidFill>
+          <a:ln w="0">
+            <a:solidFill>
+              <a:srgbClr val="3465a4"/>
+            </a:solidFill>
+          </a:ln>
+        </p:spPr>
+        <p:style>
+          <a:lnRef idx="0"/>
+          <a:fillRef idx="0"/>
+          <a:effectRef idx="0"/>
+          <a:fontRef idx="minor"/>
+        </p:style>
+        <p:txBody>
+          <a:bodyPr lIns="90000" rIns="90000" tIns="45000" bIns="45000" anchor="ctr">
+            <a:noAutofit/>
+          </a:bodyPr>
+          <a:p>
+            <a:pPr algn="ctr">
+              <a:lnSpc>
+                <a:spcPct val="100000"/>
+              </a:lnSpc>
+              <a:spcBef>
+                <a:spcPts val="1417"/>
+              </a:spcBef>
+            </a:pPr>
+            <a:r>
+              <a:rPr b="0" lang="en-US" sz="1800" strike="noStrike" u="none">
+                <a:solidFill>
+                  <a:srgbClr val="000000"/>
+                </a:solidFill>
+                <a:uFillTx/>
+                <a:latin typeface="Arial"/>
+              </a:rPr>
+              <a:t>Scalability</a:t>
+            </a:r>
+            <a:endParaRPr b="0" lang="en-US" sz="1800" strike="noStrike" u="none">
+              <a:solidFill>
+                <a:srgbClr val="000000"/>
+              </a:solidFill>
+              <a:uFillTx/>
+              <a:latin typeface="Arial"/>
+            </a:endParaRPr>
+          </a:p>
+        </p:txBody>
+      </p:sp>
+      <p:sp>
+        <p:nvSpPr>
+          <p:cNvPr id="37" name=""/>
+          <p:cNvSpPr/>
+          <p:nvPr/>
+        </p:nvSpPr>
+        <p:spPr>
+          <a:xfrm>
+            <a:off x="3672360" y="1728360"/>
+            <a:ext cx="2520000" cy="344160"/>
+          </a:xfrm>
+          <a:prstGeom prst="roundRect">
+            <a:avLst>
+              <a:gd name="adj" fmla="val 16667"/>
+            </a:avLst>
+          </a:prstGeom>
+          <a:solidFill>
+            <a:srgbClr val="729fcf"/>
+          </a:solidFill>
+          <a:ln w="0">
+            <a:solidFill>
+              <a:srgbClr val="3465a4"/>
+            </a:solidFill>
+          </a:ln>
+        </p:spPr>
+        <p:style>
+          <a:lnRef idx="0"/>
+          <a:fillRef idx="0"/>
+          <a:effectRef idx="0"/>
+          <a:fontRef idx="minor"/>
+        </p:style>
+        <p:txBody>
+          <a:bodyPr lIns="90000" rIns="90000" tIns="45000" bIns="45000" anchor="ctr">
+            <a:noAutofit/>
+          </a:bodyPr>
+          <a:p>
+            <a:pPr algn="ctr">
+              <a:lnSpc>
+                <a:spcPct val="100000"/>
+              </a:lnSpc>
+              <a:spcBef>
+                <a:spcPts val="1417"/>
+              </a:spcBef>
+            </a:pPr>
+            <a:r>
+              <a:rPr b="0" lang="en-US" sz="1800" strike="noStrike" u="none">
+                <a:solidFill>
+                  <a:srgbClr val="000000"/>
+                </a:solidFill>
+                <a:uFillTx/>
+                <a:latin typeface="Arial"/>
+              </a:rPr>
+              <a:t>Concurrent Tasks</a:t>
+            </a:r>
+            <a:endParaRPr b="0" lang="en-US" sz="1800" strike="noStrike" u="none">
+              <a:solidFill>
+                <a:srgbClr val="000000"/>
+              </a:solidFill>
+              <a:uFillTx/>
+              <a:latin typeface="Arial"/>
+            </a:endParaRPr>
+          </a:p>
+        </p:txBody>
+      </p:sp>
+    </p:spTree>
+  </p:cSld>
+  <mc:AlternateContent>
+    <mc:Choice Requires="p14">
+      <p:transition spd="slow" p14:dur="2000"/>
+    </mc:Choice>
+    <mc:Fallback>
+      <p:transition spd="slow"/>
+    </mc:Fallback>
+  </mc:AlternateContent>
+</p:sld>
+</file>
+
+<file path=ppt/slides/slide5.xml><?xml version="1.0" encoding="utf-8"?>
+<p:sld xmlns:a="http://schemas.openxmlformats.org/drawingml/2006/main" xmlns:p="http://schemas.openxmlformats.org/presentationml/2006/main" xmlns:r="http://schemas.openxmlformats.org/officeDocument/2006/relationships" xmlns:p14="http://schemas.microsoft.com/office/powerpoint/2010/main" xmlns:p15="http://schemas.microsoft.com/office/powerpoint/2012/main" xmlns:mc="http://schemas.openxmlformats.org/markup-compatibility/2006">
+  <p:cSld>
+    <p:spTree>
+      <p:nvGrpSpPr>
+        <p:cNvPr id="1" name=""/>
+        <p:cNvGrpSpPr/>
+        <p:nvPr/>
+      </p:nvGrpSpPr>
+      <p:grpSpPr>
+        <a:xfrm>
+          <a:off x="0" y="0"/>
+          <a:ext cx="0" cy="0"/>
+          <a:chOff x="0" y="0"/>
+          <a:chExt cx="0" cy="0"/>
+        </a:xfrm>
+      </p:grpSpPr>
+      <p:sp>
+        <p:nvSpPr>
+          <p:cNvPr id="38" name="PlaceHolder 1"/>
+          <p:cNvSpPr>
+            <a:spLocks noGrp="1"/>
+          </p:cNvSpPr>
+          <p:nvPr>
+            <p:ph/>
+          </p:nvPr>
+        </p:nvSpPr>
+        <p:spPr>
+          <a:xfrm>
+            <a:off x="360000" y="3240000"/>
+            <a:ext cx="9139320" cy="2333520"/>
+          </a:xfrm>
+          <a:prstGeom prst="rect">
+            <a:avLst/>
+          </a:prstGeom>
+          <a:noFill/>
+          <a:ln w="0">
+            <a:noFill/>
+          </a:ln>
+        </p:spPr>
+        <p:txBody>
+          <a:bodyPr lIns="0" rIns="0" tIns="0" bIns="0" anchor="t">
+            <a:normAutofit/>
+          </a:bodyPr>
+          <a:p>
+            <a:pPr marL="432000" indent="-324000">
+              <a:spcBef>
+                <a:spcPts val="283"/>
+              </a:spcBef>
+              <a:spcAft>
+                <a:spcPts val="283"/>
+              </a:spcAft>
+              <a:buClr>
+                <a:srgbClr val="000000"/>
+              </a:buClr>
+              <a:buSzPct val="45000"/>
+              <a:buFont typeface="Wingdings" charset="2"/>
+              <a:buChar char=""/>
+            </a:pPr>
+            <a:r>
+              <a:rPr b="0" lang="en-US" sz="2800" strike="noStrike" u="none">
+                <a:solidFill>
+                  <a:srgbClr val="000000"/>
+                </a:solidFill>
+                <a:uFillTx/>
+                <a:latin typeface="Arial"/>
+              </a:rPr>
+              <a:t>Signal Class -- Decoupling</a:t>
+            </a:r>
+            <a:endParaRPr b="0" lang="en-US" sz="2800" strike="noStrike" u="none">
+              <a:solidFill>
+                <a:srgbClr val="000000"/>
+              </a:solidFill>
+              <a:uFillTx/>
+              <a:latin typeface="Arial"/>
+              <a:ea typeface="Noto Sans SC"/>
+            </a:endParaRPr>
+          </a:p>
+          <a:p>
+            <a:pPr lvl="1" marL="864000" indent="-324000">
+              <a:spcBef>
+                <a:spcPts val="283"/>
+              </a:spcBef>
+              <a:spcAft>
+                <a:spcPts val="283"/>
+              </a:spcAft>
+              <a:buClr>
+                <a:srgbClr val="000000"/>
+              </a:buClr>
+              <a:buSzPct val="75000"/>
+              <a:buFont typeface="Symbol" charset="2"/>
+              <a:buChar char=""/>
+            </a:pPr>
+            <a:r>
+              <a:rPr b="0" lang="en-US" sz="2400" strike="noStrike" u="none">
+                <a:solidFill>
+                  <a:srgbClr val="000000"/>
+                </a:solidFill>
+                <a:uFillTx/>
+                <a:latin typeface="Arial"/>
+              </a:rPr>
+              <a:t>Supports synchronous/asynchronous calls</a:t>
+            </a:r>
+            <a:endParaRPr b="0" lang="en-US" sz="2400" strike="noStrike" u="none">
+              <a:solidFill>
+                <a:srgbClr val="000000"/>
+              </a:solidFill>
+              <a:uFillTx/>
+              <a:latin typeface="Arial"/>
+              <a:ea typeface="Noto Sans SC"/>
+            </a:endParaRPr>
+          </a:p>
+          <a:p>
+            <a:pPr lvl="1" marL="864000" indent="-324000">
+              <a:spcBef>
+                <a:spcPts val="283"/>
+              </a:spcBef>
+              <a:spcAft>
+                <a:spcPts val="283"/>
+              </a:spcAft>
+              <a:buClr>
+                <a:srgbClr val="000000"/>
+              </a:buClr>
+              <a:buSzPct val="75000"/>
+              <a:buFont typeface="Symbol" charset="2"/>
+              <a:buChar char=""/>
+            </a:pPr>
+            <a:r>
+              <a:rPr b="0" lang="en-US" sz="2400" strike="noStrike" u="none">
+                <a:solidFill>
+                  <a:srgbClr val="000000"/>
+                </a:solidFill>
+                <a:uFillTx/>
+                <a:latin typeface="Arial"/>
+              </a:rPr>
+              <a:t>No need for fixed callback functions</a:t>
+            </a:r>
+            <a:endParaRPr b="0" lang="en-US" sz="2400" strike="noStrike" u="none">
+              <a:solidFill>
+                <a:srgbClr val="000000"/>
+              </a:solidFill>
+              <a:uFillTx/>
+              <a:latin typeface="Arial"/>
+              <a:ea typeface="Noto Sans SC"/>
+            </a:endParaRPr>
+          </a:p>
+          <a:p>
+            <a:pPr lvl="1" marL="864000" indent="-324000">
+              <a:spcBef>
+                <a:spcPts val="283"/>
+              </a:spcBef>
+              <a:spcAft>
+                <a:spcPts val="283"/>
+              </a:spcAft>
+              <a:buClr>
+                <a:srgbClr val="000000"/>
+              </a:buClr>
+              <a:buSzPct val="75000"/>
+              <a:buFont typeface="Symbol" charset="2"/>
+              <a:buChar char=""/>
+            </a:pPr>
+            <a:r>
+              <a:rPr b="0" lang="en-US" sz="2400" strike="noStrike" u="none">
+                <a:solidFill>
+                  <a:srgbClr val="000000"/>
+                </a:solidFill>
+                <a:uFillTx/>
+                <a:latin typeface="Arial"/>
+              </a:rPr>
+              <a:t>Facilitates testing, debugging </a:t>
+            </a:r>
+            <a:endParaRPr b="0" lang="en-US" sz="2400" strike="noStrike" u="none">
+              <a:solidFill>
+                <a:srgbClr val="000000"/>
+              </a:solidFill>
+              <a:uFillTx/>
+              <a:latin typeface="Arial"/>
+              <a:ea typeface="Noto Sans SC"/>
+            </a:endParaRPr>
+          </a:p>
+          <a:p>
+            <a:pPr lvl="1" marL="864000" indent="0">
+              <a:spcBef>
+                <a:spcPts val="283"/>
+              </a:spcBef>
+              <a:spcAft>
+                <a:spcPts val="283"/>
+              </a:spcAft>
               <a:buNone/>
             </a:pPr>
+            <a:r>
+              <a:rPr b="0" lang="en-US" sz="2400" strike="noStrike" u="none">
+                <a:solidFill>
+                  <a:srgbClr val="000000"/>
+                </a:solidFill>
+                <a:uFillTx/>
+                <a:latin typeface="Arial"/>
+              </a:rPr>
+              <a:t>and expansion</a:t>
+            </a:r>
+            <a:endParaRPr b="0" lang="en-US" sz="2400" strike="noStrike" u="none">
+              <a:solidFill>
+                <a:srgbClr val="000000"/>
+              </a:solidFill>
+              <a:uFillTx/>
+              <a:latin typeface="Arial"/>
+              <a:ea typeface="Noto Sans SC"/>
+            </a:endParaRPr>
+          </a:p>
+        </p:txBody>
+      </p:sp>
+      <p:sp>
+        <p:nvSpPr>
+          <p:cNvPr id="39" name=""/>
+          <p:cNvSpPr/>
+          <p:nvPr/>
+        </p:nvSpPr>
+        <p:spPr>
+          <a:xfrm>
+            <a:off x="432000" y="1728000"/>
+            <a:ext cx="2520000" cy="344160"/>
+          </a:xfrm>
+          <a:prstGeom prst="roundRect">
+            <a:avLst>
+              <a:gd name="adj" fmla="val 16667"/>
+            </a:avLst>
+          </a:prstGeom>
+          <a:solidFill>
+            <a:srgbClr val="729fcf"/>
+          </a:solidFill>
+          <a:ln w="0">
+            <a:solidFill>
+              <a:srgbClr val="3465a4"/>
+            </a:solidFill>
+          </a:ln>
+        </p:spPr>
+        <p:style>
+          <a:lnRef idx="0"/>
+          <a:fillRef idx="0"/>
+          <a:effectRef idx="0"/>
+          <a:fontRef idx="minor"/>
+        </p:style>
+        <p:txBody>
+          <a:bodyPr lIns="90000" rIns="90000" tIns="45000" bIns="45000" anchor="ctr">
+            <a:noAutofit/>
+          </a:bodyPr>
+          <a:p>
+            <a:pPr algn="ctr">
+              <a:lnSpc>
+                <a:spcPct val="100000"/>
+              </a:lnSpc>
+              <a:spcBef>
+                <a:spcPts val="1417"/>
+              </a:spcBef>
+            </a:pPr>
+            <a:r>
+              <a:rPr b="0" lang="en-US" sz="1800" strike="noStrike" u="none">
+                <a:solidFill>
+                  <a:srgbClr val="000000"/>
+                </a:solidFill>
+                <a:uFillTx/>
+                <a:latin typeface="Arial"/>
+              </a:rPr>
+              <a:t>Communication</a:t>
+            </a:r>
             <a:endParaRPr b="0" lang="en-US" sz="1800" strike="noStrike" u="none">
+              <a:solidFill>
+                <a:srgbClr val="000000"/>
+              </a:solidFill>
+              <a:uFillTx/>
+              <a:latin typeface="Arial"/>
+            </a:endParaRPr>
+          </a:p>
+        </p:txBody>
+      </p:sp>
+      <p:sp>
+        <p:nvSpPr>
+          <p:cNvPr id="40" name=""/>
+          <p:cNvSpPr/>
+          <p:nvPr/>
+        </p:nvSpPr>
+        <p:spPr>
+          <a:xfrm>
+            <a:off x="6984000" y="1728000"/>
+            <a:ext cx="2520000" cy="344160"/>
+          </a:xfrm>
+          <a:prstGeom prst="roundRect">
+            <a:avLst>
+              <a:gd name="adj" fmla="val 16667"/>
+            </a:avLst>
+          </a:prstGeom>
+          <a:solidFill>
+            <a:srgbClr val="729fcf"/>
+          </a:solidFill>
+          <a:ln w="0">
+            <a:solidFill>
+              <a:srgbClr val="3465a4"/>
+            </a:solidFill>
+          </a:ln>
+        </p:spPr>
+        <p:style>
+          <a:lnRef idx="0"/>
+          <a:fillRef idx="0"/>
+          <a:effectRef idx="0"/>
+          <a:fontRef idx="minor"/>
+        </p:style>
+        <p:txBody>
+          <a:bodyPr lIns="90000" rIns="90000" tIns="45000" bIns="45000" anchor="ctr">
+            <a:noAutofit/>
+          </a:bodyPr>
+          <a:p>
+            <a:pPr algn="ctr">
+              <a:lnSpc>
+                <a:spcPct val="100000"/>
+              </a:lnSpc>
+              <a:spcBef>
+                <a:spcPts val="1417"/>
+              </a:spcBef>
+            </a:pPr>
+            <a:r>
+              <a:rPr b="0" lang="en-US" sz="1800" strike="noStrike" u="none">
+                <a:solidFill>
+                  <a:srgbClr val="000000"/>
+                </a:solidFill>
+                <a:uFillTx/>
+                <a:latin typeface="Arial"/>
+              </a:rPr>
+              <a:t>Scalability</a:t>
+            </a:r>
+            <a:endParaRPr b="0" lang="en-US" sz="1800" strike="noStrike" u="none">
+              <a:solidFill>
+                <a:srgbClr val="000000"/>
+              </a:solidFill>
+              <a:uFillTx/>
+              <a:latin typeface="Arial"/>
+            </a:endParaRPr>
+          </a:p>
+        </p:txBody>
+      </p:sp>
+      <p:sp>
+        <p:nvSpPr>
+          <p:cNvPr id="41" name=""/>
+          <p:cNvSpPr/>
+          <p:nvPr/>
+        </p:nvSpPr>
+        <p:spPr>
+          <a:xfrm>
+            <a:off x="3672000" y="1728000"/>
+            <a:ext cx="2520000" cy="344160"/>
+          </a:xfrm>
+          <a:prstGeom prst="roundRect">
+            <a:avLst>
+              <a:gd name="adj" fmla="val 16667"/>
+            </a:avLst>
+          </a:prstGeom>
+          <a:solidFill>
+            <a:srgbClr val="729fcf"/>
+          </a:solidFill>
+          <a:ln w="0">
+            <a:solidFill>
+              <a:srgbClr val="3465a4"/>
+            </a:solidFill>
+          </a:ln>
+        </p:spPr>
+        <p:style>
+          <a:lnRef idx="0"/>
+          <a:fillRef idx="0"/>
+          <a:effectRef idx="0"/>
+          <a:fontRef idx="minor"/>
+        </p:style>
+        <p:txBody>
+          <a:bodyPr lIns="90000" rIns="90000" tIns="45000" bIns="45000" anchor="ctr">
+            <a:noAutofit/>
+          </a:bodyPr>
+          <a:p>
+            <a:pPr algn="ctr">
+              <a:lnSpc>
+                <a:spcPct val="100000"/>
+              </a:lnSpc>
+              <a:spcBef>
+                <a:spcPts val="1417"/>
+              </a:spcBef>
+            </a:pPr>
+            <a:r>
+              <a:rPr b="0" lang="en-US" sz="1800" strike="noStrike" u="none">
+                <a:solidFill>
+                  <a:srgbClr val="000000"/>
+                </a:solidFill>
+                <a:uFillTx/>
+                <a:latin typeface="Arial"/>
+              </a:rPr>
+              <a:t>Concurrent Tasks</a:t>
+            </a:r>
+            <a:endParaRPr b="0" lang="en-US" sz="1800" strike="noStrike" u="none">
+              <a:solidFill>
+                <a:srgbClr val="000000"/>
+              </a:solidFill>
+              <a:uFillTx/>
+              <a:latin typeface="Arial"/>
+            </a:endParaRPr>
+          </a:p>
+        </p:txBody>
+      </p:sp>
+      <p:pic>
+        <p:nvPicPr>
+          <p:cNvPr id="42" name="" descr=""/>
+          <p:cNvPicPr/>
+          <p:nvPr/>
+        </p:nvPicPr>
+        <p:blipFill>
+          <a:blip r:embed="rId1"/>
+          <a:stretch/>
+        </p:blipFill>
+        <p:spPr>
+          <a:xfrm>
+            <a:off x="0" y="5746680"/>
+            <a:ext cx="10080360" cy="1079640"/>
+          </a:xfrm>
+          <a:prstGeom prst="rect">
+            <a:avLst/>
+          </a:prstGeom>
+          <a:ln w="0">
+            <a:noFill/>
+          </a:ln>
+        </p:spPr>
+      </p:pic>
+      <p:sp>
+        <p:nvSpPr>
+          <p:cNvPr id="43" name=""/>
+          <p:cNvSpPr txBox="1"/>
+          <p:nvPr/>
+        </p:nvSpPr>
+        <p:spPr>
+          <a:xfrm>
+            <a:off x="360000" y="2343240"/>
+            <a:ext cx="9360000" cy="883080"/>
+          </a:xfrm>
+          <a:prstGeom prst="rect">
+            <a:avLst/>
+          </a:prstGeom>
+          <a:noFill/>
+          <a:ln w="0">
+            <a:noFill/>
+          </a:ln>
+        </p:spPr>
+        <p:txBody>
+          <a:bodyPr lIns="90000" rIns="90000" tIns="45000" bIns="45000" anchor="t">
+            <a:noAutofit/>
+          </a:bodyPr>
+          <a:p>
+            <a:pPr marL="216000" indent="-216000">
+              <a:buClr>
+                <a:srgbClr val="000000"/>
+              </a:buClr>
+              <a:buSzPct val="45000"/>
+              <a:buFont typeface="Wingdings" charset="2"/>
+              <a:buChar char=""/>
+            </a:pPr>
+            <a:r>
+              <a:rPr b="0" lang="en-US" sz="2800" strike="noStrike" u="none">
+                <a:solidFill>
+                  <a:srgbClr val="000000"/>
+                </a:solidFill>
+                <a:uFillTx/>
+                <a:latin typeface="Arial"/>
+              </a:rPr>
+              <a:t>Problem: Multiple modules, complex calls, high coupling</a:t>
+            </a:r>
+            <a:endParaRPr b="0" lang="en-US" sz="2800" strike="noStrike" u="none">
+              <a:solidFill>
+                <a:srgbClr val="000000"/>
+              </a:solidFill>
+              <a:uFillTx/>
+              <a:latin typeface="Arial"/>
+            </a:endParaRPr>
+          </a:p>
+        </p:txBody>
+      </p:sp>
+      <p:sp>
+        <p:nvSpPr>
+          <p:cNvPr id="44" name=""/>
+          <p:cNvSpPr txBox="1"/>
+          <p:nvPr/>
+        </p:nvSpPr>
+        <p:spPr>
+          <a:xfrm>
+            <a:off x="457200" y="492120"/>
+            <a:ext cx="8277120" cy="1024200"/>
+          </a:xfrm>
+          <a:prstGeom prst="rect">
+            <a:avLst/>
+          </a:prstGeom>
+          <a:noFill/>
+          <a:ln w="0">
+            <a:noFill/>
+          </a:ln>
+        </p:spPr>
+        <p:txBody>
+          <a:bodyPr lIns="0" rIns="0" tIns="0" bIns="0" anchor="ctr">
+            <a:noAutofit/>
+          </a:bodyPr>
+          <a:p>
+            <a:r>
+              <a:rPr b="0" lang="en-US" sz="3600" strike="noStrike" u="none">
+                <a:solidFill>
+                  <a:srgbClr val="000000"/>
+                </a:solidFill>
+                <a:uFillTx/>
+                <a:latin typeface="Arial"/>
+                <a:ea typeface="Noto Sans SC"/>
+              </a:rPr>
+              <a:t>System Architecture -</a:t>
+            </a:r>
+            <a:r>
+              <a:rPr b="0" lang="en-US" sz="3600" strike="noStrike" u="none">
+                <a:solidFill>
+                  <a:srgbClr val="000000"/>
+                </a:solidFill>
+                <a:uFillTx/>
+                <a:latin typeface="Arial"/>
+              </a:rPr>
+              <a:t> Implementation </a:t>
+            </a:r>
+            <a:endParaRPr b="0" lang="en-US" sz="3600" strike="noStrike" u="none">
+              <a:solidFill>
+                <a:srgbClr val="000000"/>
+              </a:solidFill>
+              <a:uFillTx/>
+              <a:latin typeface="Arial"/>
+            </a:endParaRPr>
+          </a:p>
+        </p:txBody>
+      </p:sp>
+      <p:pic>
+        <p:nvPicPr>
+          <p:cNvPr id="45" name="" descr=""/>
+          <p:cNvPicPr/>
+          <p:nvPr/>
+        </p:nvPicPr>
+        <p:blipFill>
+          <a:blip r:embed="rId2"/>
+          <a:stretch/>
+        </p:blipFill>
+        <p:spPr>
+          <a:xfrm>
+            <a:off x="7056000" y="3312000"/>
+            <a:ext cx="2880000" cy="2160000"/>
+          </a:xfrm>
+          <a:prstGeom prst="rect">
+            <a:avLst/>
+          </a:prstGeom>
+          <a:ln w="0">
+            <a:noFill/>
+          </a:ln>
+        </p:spPr>
+      </p:pic>
+    </p:spTree>
+  </p:cSld>
+  <mc:AlternateContent>
+    <mc:Choice Requires="p14">
+      <p:transition spd="slow" p14:dur="2000"/>
+    </mc:Choice>
+    <mc:Fallback>
+      <p:transition spd="slow"/>
+    </mc:Fallback>
+  </mc:AlternateContent>
+</p:sld>
+</file>
+
+<file path=ppt/slides/slide6.xml><?xml version="1.0" encoding="utf-8"?>
+<p:sld xmlns:a="http://schemas.openxmlformats.org/drawingml/2006/main" xmlns:p="http://schemas.openxmlformats.org/presentationml/2006/main" xmlns:r="http://schemas.openxmlformats.org/officeDocument/2006/relationships" xmlns:p14="http://schemas.microsoft.com/office/powerpoint/2010/main" xmlns:p15="http://schemas.microsoft.com/office/powerpoint/2012/main" xmlns:mc="http://schemas.openxmlformats.org/markup-compatibility/2006">
+  <p:cSld>
+    <p:spTree>
+      <p:nvGrpSpPr>
+        <p:cNvPr id="1" name=""/>
+        <p:cNvGrpSpPr/>
+        <p:nvPr/>
+      </p:nvGrpSpPr>
+      <p:grpSpPr>
+        <a:xfrm>
+          <a:off x="0" y="0"/>
+          <a:ext cx="0" cy="0"/>
+          <a:chOff x="0" y="0"/>
+          <a:chExt cx="0" cy="0"/>
+        </a:xfrm>
+      </p:grpSpPr>
+      <p:sp>
+        <p:nvSpPr>
+          <p:cNvPr id="46" name="PlaceHolder 1"/>
+          <p:cNvSpPr>
+            <a:spLocks noGrp="1"/>
+          </p:cNvSpPr>
+          <p:nvPr>
+            <p:ph/>
+          </p:nvPr>
+        </p:nvSpPr>
+        <p:spPr>
+          <a:xfrm>
+            <a:off x="432000" y="2229120"/>
+            <a:ext cx="9468000" cy="3247920"/>
+          </a:xfrm>
+          <a:prstGeom prst="rect">
+            <a:avLst/>
+          </a:prstGeom>
+          <a:noFill/>
+          <a:ln w="0">
+            <a:noFill/>
+          </a:ln>
+        </p:spPr>
+        <p:txBody>
+          <a:bodyPr lIns="0" rIns="0" tIns="0" bIns="0" anchor="t">
+            <a:normAutofit/>
+          </a:bodyPr>
+          <a:p>
+            <a:pPr marL="432000" indent="-324000">
+              <a:spcBef>
+                <a:spcPts val="1417"/>
+              </a:spcBef>
+              <a:buClr>
+                <a:srgbClr val="000000"/>
+              </a:buClr>
+              <a:buSzPct val="45000"/>
+              <a:buFont typeface="Wingdings" charset="2"/>
+              <a:buChar char=""/>
+            </a:pPr>
+            <a:r>
+              <a:rPr b="0" lang="en-US" sz="2800" strike="noStrike" u="none">
+                <a:solidFill>
+                  <a:srgbClr val="000000"/>
+                </a:solidFill>
+                <a:uFillTx/>
+                <a:latin typeface="Arial"/>
+                <a:ea typeface="Noto Sans SC"/>
+              </a:rPr>
+              <a:t>System Scalability</a:t>
+            </a:r>
+            <a:endParaRPr b="0" lang="en-US" sz="2800" strike="noStrike" u="none">
+              <a:solidFill>
+                <a:srgbClr val="000000"/>
+              </a:solidFill>
+              <a:uFillTx/>
+              <a:latin typeface="Arial"/>
+            </a:endParaRPr>
+          </a:p>
+          <a:p>
+            <a:pPr lvl="1" marL="864000" indent="-324000">
+              <a:spcBef>
+                <a:spcPts val="1191"/>
+              </a:spcBef>
+              <a:spcAft>
+                <a:spcPts val="992"/>
+              </a:spcAft>
+              <a:buClr>
+                <a:srgbClr val="000000"/>
+              </a:buClr>
+              <a:buSzPct val="75000"/>
+              <a:buFont typeface="Symbol" charset="2"/>
+              <a:buChar char=""/>
+            </a:pPr>
+            <a:r>
+              <a:rPr b="0" lang="en-US" sz="2400" strike="noStrike" u="none">
+                <a:solidFill>
+                  <a:srgbClr val="000000"/>
+                </a:solidFill>
+                <a:uFillTx/>
+                <a:latin typeface="Arial"/>
+                <a:ea typeface="Noto Sans SC"/>
+              </a:rPr>
+              <a:t>Database Support: the foundation for data storage and analysis </a:t>
+            </a:r>
+            <a:endParaRPr b="0" lang="en-US" sz="2400" strike="noStrike" u="none">
+              <a:solidFill>
+                <a:srgbClr val="000000"/>
+              </a:solidFill>
+              <a:uFillTx/>
+              <a:latin typeface="Arial"/>
+            </a:endParaRPr>
+          </a:p>
+          <a:p>
+            <a:pPr lvl="1" marL="864000" indent="-324000">
+              <a:spcBef>
+                <a:spcPts val="1191"/>
+              </a:spcBef>
+              <a:spcAft>
+                <a:spcPts val="992"/>
+              </a:spcAft>
+              <a:buClr>
+                <a:srgbClr val="000000"/>
+              </a:buClr>
+              <a:buSzPct val="75000"/>
+              <a:buFont typeface="Symbol" charset="2"/>
+              <a:buChar char=""/>
+            </a:pPr>
+            <a:r>
+              <a:rPr b="0" lang="en-US" sz="2400" strike="noStrike" u="none">
+                <a:solidFill>
+                  <a:srgbClr val="000000"/>
+                </a:solidFill>
+                <a:uFillTx/>
+                <a:latin typeface="Arial"/>
+                <a:ea typeface="Noto Sans SC"/>
+              </a:rPr>
+              <a:t>Support for Multiple Devices (EVSEs, Shellies): Flexible hardware integration </a:t>
+            </a:r>
+            <a:endParaRPr b="0" lang="en-US" sz="2400" strike="noStrike" u="none">
+              <a:solidFill>
+                <a:srgbClr val="000000"/>
+              </a:solidFill>
+              <a:uFillTx/>
+              <a:latin typeface="Arial"/>
+            </a:endParaRPr>
+          </a:p>
+          <a:p>
+            <a:pPr lvl="1" marL="864000" indent="-324000">
+              <a:spcBef>
+                <a:spcPts val="1191"/>
+              </a:spcBef>
+              <a:spcAft>
+                <a:spcPts val="992"/>
+              </a:spcAft>
+              <a:buClr>
+                <a:srgbClr val="000000"/>
+              </a:buClr>
+              <a:buSzPct val="75000"/>
+              <a:buFont typeface="Symbol" charset="2"/>
+              <a:buChar char=""/>
+            </a:pPr>
+            <a:r>
+              <a:rPr b="0" lang="en-US" sz="2400" strike="noStrike" u="none">
+                <a:solidFill>
+                  <a:srgbClr val="000000"/>
+                </a:solidFill>
+                <a:uFillTx/>
+                <a:latin typeface="Arial"/>
+                <a:ea typeface="Noto Sans SC"/>
+              </a:rPr>
+              <a:t>Modular Architecture Design: Easy to combine and expand</a:t>
+            </a:r>
+            <a:endParaRPr b="0" lang="en-US" sz="2400" strike="noStrike" u="none">
+              <a:solidFill>
+                <a:srgbClr val="000000"/>
+              </a:solidFill>
+              <a:uFillTx/>
+              <a:latin typeface="Arial"/>
+            </a:endParaRPr>
+          </a:p>
+          <a:p>
+            <a:pPr lvl="1" marL="864000" indent="-324000">
+              <a:spcBef>
+                <a:spcPts val="1191"/>
+              </a:spcBef>
+              <a:spcAft>
+                <a:spcPts val="992"/>
+              </a:spcAft>
+              <a:buClr>
+                <a:srgbClr val="000000"/>
+              </a:buClr>
+              <a:buSzPct val="75000"/>
+              <a:buFont typeface="Symbol" charset="2"/>
+              <a:buChar char=""/>
+            </a:pPr>
+            <a:r>
+              <a:rPr b="0" lang="en-US" sz="2400" strike="noStrike" u="none">
+                <a:solidFill>
+                  <a:srgbClr val="000000"/>
+                </a:solidFill>
+                <a:uFillTx/>
+                <a:latin typeface="Arial"/>
+                <a:ea typeface="Noto Sans SC"/>
+              </a:rPr>
+              <a:t>Multi-Platform GUI Control Support: Unified Control </a:t>
+            </a:r>
+            <a:endParaRPr b="0" lang="en-US" sz="2400" strike="noStrike" u="none">
+              <a:solidFill>
+                <a:srgbClr val="000000"/>
+              </a:solidFill>
+              <a:uFillTx/>
+              <a:latin typeface="Arial"/>
+            </a:endParaRPr>
+          </a:p>
+        </p:txBody>
+      </p:sp>
+      <p:sp>
+        <p:nvSpPr>
+          <p:cNvPr id="47" name=""/>
+          <p:cNvSpPr txBox="1"/>
+          <p:nvPr/>
+        </p:nvSpPr>
+        <p:spPr>
+          <a:xfrm>
+            <a:off x="457200" y="492120"/>
+            <a:ext cx="8277120" cy="1024200"/>
+          </a:xfrm>
+          <a:prstGeom prst="rect">
+            <a:avLst/>
+          </a:prstGeom>
+          <a:noFill/>
+          <a:ln w="0">
+            <a:noFill/>
+          </a:ln>
+        </p:spPr>
+        <p:txBody>
+          <a:bodyPr lIns="0" rIns="0" tIns="0" bIns="0" anchor="ctr">
+            <a:noAutofit/>
+          </a:bodyPr>
+          <a:p>
+            <a:r>
+              <a:rPr b="0" lang="en-US" sz="3600" strike="noStrike" u="none">
+                <a:solidFill>
+                  <a:srgbClr val="000000"/>
+                </a:solidFill>
+                <a:uFillTx/>
+                <a:latin typeface="Arial"/>
+                <a:ea typeface="Noto Sans SC"/>
+              </a:rPr>
+              <a:t>System Architecture -</a:t>
+            </a:r>
+            <a:r>
+              <a:rPr b="0" lang="en-US" sz="3600" strike="noStrike" u="none">
+                <a:solidFill>
+                  <a:srgbClr val="000000"/>
+                </a:solidFill>
+                <a:uFillTx/>
+                <a:latin typeface="Arial"/>
+              </a:rPr>
+              <a:t> Implementation </a:t>
+            </a:r>
+            <a:endParaRPr b="0" lang="en-US" sz="3600" strike="noStrike" u="none">
+              <a:solidFill>
+                <a:srgbClr val="000000"/>
+              </a:solidFill>
+              <a:uFillTx/>
+              <a:latin typeface="Arial"/>
+            </a:endParaRPr>
+          </a:p>
+        </p:txBody>
+      </p:sp>
+      <p:sp>
+        <p:nvSpPr>
+          <p:cNvPr id="48" name=""/>
+          <p:cNvSpPr/>
+          <p:nvPr/>
+        </p:nvSpPr>
+        <p:spPr>
+          <a:xfrm>
+            <a:off x="432360" y="1728360"/>
+            <a:ext cx="2520000" cy="344160"/>
+          </a:xfrm>
+          <a:prstGeom prst="roundRect">
+            <a:avLst>
+              <a:gd name="adj" fmla="val 16667"/>
+            </a:avLst>
+          </a:prstGeom>
+          <a:solidFill>
+            <a:srgbClr val="729fcf"/>
+          </a:solidFill>
+          <a:ln w="0">
+            <a:solidFill>
+              <a:srgbClr val="3465a4"/>
+            </a:solidFill>
+          </a:ln>
+        </p:spPr>
+        <p:style>
+          <a:lnRef idx="0"/>
+          <a:fillRef idx="0"/>
+          <a:effectRef idx="0"/>
+          <a:fontRef idx="minor"/>
+        </p:style>
+        <p:txBody>
+          <a:bodyPr lIns="90000" rIns="90000" tIns="45000" bIns="45000" anchor="ctr">
+            <a:noAutofit/>
+          </a:bodyPr>
+          <a:p>
+            <a:pPr algn="ctr">
+              <a:lnSpc>
+                <a:spcPct val="100000"/>
+              </a:lnSpc>
+              <a:spcBef>
+                <a:spcPts val="1417"/>
+              </a:spcBef>
+            </a:pPr>
+            <a:r>
+              <a:rPr b="0" lang="en-US" sz="1800" strike="noStrike" u="none">
+                <a:solidFill>
+                  <a:srgbClr val="000000"/>
+                </a:solidFill>
+                <a:uFillTx/>
+                <a:latin typeface="Arial"/>
+              </a:rPr>
+              <a:t>Communication</a:t>
+            </a:r>
+            <a:endParaRPr b="0" lang="en-US" sz="1800" strike="noStrike" u="none">
+              <a:solidFill>
+                <a:srgbClr val="000000"/>
+              </a:solidFill>
+              <a:uFillTx/>
+              <a:latin typeface="Arial"/>
+            </a:endParaRPr>
+          </a:p>
+        </p:txBody>
+      </p:sp>
+      <p:sp>
+        <p:nvSpPr>
+          <p:cNvPr id="49" name=""/>
+          <p:cNvSpPr/>
+          <p:nvPr/>
+        </p:nvSpPr>
+        <p:spPr>
+          <a:xfrm>
+            <a:off x="6984360" y="1728360"/>
+            <a:ext cx="2520000" cy="344160"/>
+          </a:xfrm>
+          <a:prstGeom prst="roundRect">
+            <a:avLst>
+              <a:gd name="adj" fmla="val 16667"/>
+            </a:avLst>
+          </a:prstGeom>
+          <a:solidFill>
+            <a:srgbClr val="729fcf"/>
+          </a:solidFill>
+          <a:ln w="0">
+            <a:solidFill>
+              <a:srgbClr val="3465a4"/>
+            </a:solidFill>
+          </a:ln>
+        </p:spPr>
+        <p:style>
+          <a:lnRef idx="0"/>
+          <a:fillRef idx="0"/>
+          <a:effectRef idx="0"/>
+          <a:fontRef idx="minor"/>
+        </p:style>
+        <p:txBody>
+          <a:bodyPr lIns="90000" rIns="90000" tIns="45000" bIns="45000" anchor="ctr">
+            <a:noAutofit/>
+          </a:bodyPr>
+          <a:p>
+            <a:pPr algn="ctr">
+              <a:lnSpc>
+                <a:spcPct val="100000"/>
+              </a:lnSpc>
+              <a:spcBef>
+                <a:spcPts val="1417"/>
+              </a:spcBef>
+            </a:pPr>
+            <a:r>
+              <a:rPr b="0" lang="en-US" sz="1800" strike="noStrike" u="none">
+                <a:solidFill>
+                  <a:srgbClr val="000000"/>
+                </a:solidFill>
+                <a:uFillTx/>
+                <a:latin typeface="Arial"/>
+              </a:rPr>
+              <a:t>Scalability</a:t>
+            </a:r>
+            <a:endParaRPr b="0" lang="en-US" sz="1800" strike="noStrike" u="none">
+              <a:solidFill>
+                <a:srgbClr val="000000"/>
+              </a:solidFill>
+              <a:uFillTx/>
+              <a:latin typeface="Arial"/>
+            </a:endParaRPr>
+          </a:p>
+        </p:txBody>
+      </p:sp>
+      <p:sp>
+        <p:nvSpPr>
+          <p:cNvPr id="50" name=""/>
+          <p:cNvSpPr/>
+          <p:nvPr/>
+        </p:nvSpPr>
+        <p:spPr>
+          <a:xfrm>
+            <a:off x="3672360" y="1728360"/>
+            <a:ext cx="2520000" cy="344160"/>
+          </a:xfrm>
+          <a:prstGeom prst="roundRect">
+            <a:avLst>
+              <a:gd name="adj" fmla="val 16667"/>
+            </a:avLst>
+          </a:prstGeom>
+          <a:solidFill>
+            <a:srgbClr val="729fcf"/>
+          </a:solidFill>
+          <a:ln w="0">
+            <a:solidFill>
+              <a:srgbClr val="3465a4"/>
+            </a:solidFill>
+          </a:ln>
+        </p:spPr>
+        <p:style>
+          <a:lnRef idx="0"/>
+          <a:fillRef idx="0"/>
+          <a:effectRef idx="0"/>
+          <a:fontRef idx="minor"/>
+        </p:style>
+        <p:txBody>
+          <a:bodyPr lIns="90000" rIns="90000" tIns="45000" bIns="45000" anchor="ctr">
+            <a:noAutofit/>
+          </a:bodyPr>
+          <a:p>
+            <a:pPr algn="ctr">
+              <a:lnSpc>
+                <a:spcPct val="100000"/>
+              </a:lnSpc>
+              <a:spcBef>
+                <a:spcPts val="1417"/>
+              </a:spcBef>
+            </a:pPr>
+            <a:r>
+              <a:rPr b="0" lang="en-US" sz="1800" strike="noStrike" u="none">
+                <a:solidFill>
+                  <a:srgbClr val="000000"/>
+                </a:solidFill>
+                <a:uFillTx/>
+                <a:latin typeface="Arial"/>
+              </a:rPr>
+              <a:t>Concurrent Tasks</a:t>
+            </a:r>
+            <a:endParaRPr b="0" lang="en-US" sz="1800" strike="noStrike" u="none">
+              <a:solidFill>
+                <a:srgbClr val="000000"/>
+              </a:solidFill>
+              <a:uFillTx/>
+              <a:latin typeface="Arial"/>
+            </a:endParaRPr>
+          </a:p>
+        </p:txBody>
+      </p:sp>
+    </p:spTree>
+  </p:cSld>
+  <mc:AlternateContent>
+    <mc:Choice Requires="p14">
+      <p:transition spd="slow" p14:dur="2000"/>
+    </mc:Choice>
+    <mc:Fallback>
+      <p:transition spd="slow"/>
+    </mc:Fallback>
+  </mc:AlternateContent>
+</p:sld>
+</file>
+
+<file path=ppt/slides/slide7.xml><?xml version="1.0" encoding="utf-8"?>
+<p:sld xmlns:a="http://schemas.openxmlformats.org/drawingml/2006/main" xmlns:p="http://schemas.openxmlformats.org/presentationml/2006/main" xmlns:r="http://schemas.openxmlformats.org/officeDocument/2006/relationships" xmlns:p14="http://schemas.microsoft.com/office/powerpoint/2010/main" xmlns:p15="http://schemas.microsoft.com/office/powerpoint/2012/main" xmlns:mc="http://schemas.openxmlformats.org/markup-compatibility/2006">
+  <p:cSld>
+    <p:spTree>
+      <p:nvGrpSpPr>
+        <p:cNvPr id="1" name=""/>
+        <p:cNvGrpSpPr/>
+        <p:nvPr/>
+      </p:nvGrpSpPr>
+      <p:grpSpPr>
+        <a:xfrm>
+          <a:off x="0" y="0"/>
+          <a:ext cx="0" cy="0"/>
+          <a:chOff x="0" y="0"/>
+          <a:chExt cx="0" cy="0"/>
+        </a:xfrm>
+      </p:grpSpPr>
+      <p:pic>
+        <p:nvPicPr>
+          <p:cNvPr id="51" name="" descr=""/>
+          <p:cNvPicPr/>
+          <p:nvPr/>
+        </p:nvPicPr>
+        <p:blipFill>
+          <a:blip r:embed="rId1"/>
+          <a:stretch/>
+        </p:blipFill>
+        <p:spPr>
+          <a:xfrm>
+            <a:off x="360" y="1871280"/>
+            <a:ext cx="10080360" cy="5040000"/>
+          </a:xfrm>
+          <a:prstGeom prst="rect">
+            <a:avLst/>
+          </a:prstGeom>
+          <a:ln w="0">
+            <a:noFill/>
+          </a:ln>
+        </p:spPr>
+      </p:pic>
+      <p:sp>
+        <p:nvSpPr>
+          <p:cNvPr id="52" name=""/>
+          <p:cNvSpPr txBox="1"/>
+          <p:nvPr/>
+        </p:nvSpPr>
+        <p:spPr>
+          <a:xfrm>
+            <a:off x="457200" y="492480"/>
+            <a:ext cx="8277120" cy="1024200"/>
+          </a:xfrm>
+          <a:prstGeom prst="rect">
+            <a:avLst/>
+          </a:prstGeom>
+          <a:noFill/>
+          <a:ln w="0">
+            <a:noFill/>
+          </a:ln>
+        </p:spPr>
+        <p:txBody>
+          <a:bodyPr lIns="0" rIns="0" tIns="0" bIns="0" anchor="ctr">
+            <a:noAutofit/>
+          </a:bodyPr>
+          <a:p>
+            <a:r>
+              <a:rPr b="0" lang="en-US" sz="3600" strike="noStrike" u="none">
+                <a:solidFill>
+                  <a:srgbClr val="000000"/>
+                </a:solidFill>
+                <a:uFillTx/>
+                <a:latin typeface="Arial"/>
+                <a:ea typeface="Noto Sans SC"/>
+              </a:rPr>
+              <a:t>System Architecture –</a:t>
+            </a:r>
+            <a:r>
+              <a:rPr b="0" lang="en-US" sz="3600" strike="noStrike" u="none">
+                <a:solidFill>
+                  <a:srgbClr val="000000"/>
+                </a:solidFill>
+                <a:uFillTx/>
+                <a:latin typeface="Arial"/>
+              </a:rPr>
+              <a:t> Charge Point </a:t>
+            </a:r>
+            <a:endParaRPr b="0" lang="en-US" sz="3600" strike="noStrike" u="none">
+              <a:solidFill>
+                <a:srgbClr val="000000"/>
+              </a:solidFill>
+              <a:uFillTx/>
+              <a:latin typeface="Arial"/>
+            </a:endParaRPr>
+          </a:p>
+        </p:txBody>
+      </p:sp>
+    </p:spTree>
+  </p:cSld>
+  <mc:AlternateContent>
+    <mc:Choice Requires="p14">
+      <p:transition spd="slow" p14:dur="2000"/>
+    </mc:Choice>
+    <mc:Fallback>
+      <p:transition spd="slow"/>
+    </mc:Fallback>
+  </mc:AlternateContent>
+</p:sld>
+</file>
+
+<file path=ppt/slides/slide8.xml><?xml version="1.0" encoding="utf-8"?>
+<p:sld xmlns:a="http://schemas.openxmlformats.org/drawingml/2006/main" xmlns:p="http://schemas.openxmlformats.org/presentationml/2006/main" xmlns:r="http://schemas.openxmlformats.org/officeDocument/2006/relationships" xmlns:p14="http://schemas.microsoft.com/office/powerpoint/2010/main" xmlns:p15="http://schemas.microsoft.com/office/powerpoint/2012/main" xmlns:mc="http://schemas.openxmlformats.org/markup-compatibility/2006">
+  <p:cSld>
+    <p:spTree>
+      <p:nvGrpSpPr>
+        <p:cNvPr id="1" name=""/>
+        <p:cNvGrpSpPr/>
+        <p:nvPr/>
+      </p:nvGrpSpPr>
+      <p:grpSpPr>
+        <a:xfrm>
+          <a:off x="0" y="0"/>
+          <a:ext cx="0" cy="0"/>
+          <a:chOff x="0" y="0"/>
+          <a:chExt cx="0" cy="0"/>
+        </a:xfrm>
+      </p:grpSpPr>
+      <p:pic>
+        <p:nvPicPr>
+          <p:cNvPr id="53" name="" descr=""/>
+          <p:cNvPicPr/>
+          <p:nvPr/>
+        </p:nvPicPr>
+        <p:blipFill>
+          <a:blip r:embed="rId1"/>
+          <a:stretch/>
+        </p:blipFill>
+        <p:spPr>
+          <a:xfrm>
+            <a:off x="360" y="1956240"/>
+            <a:ext cx="10080360" cy="3440520"/>
+          </a:xfrm>
+          <a:prstGeom prst="rect">
+            <a:avLst/>
+          </a:prstGeom>
+          <a:ln w="0">
+            <a:noFill/>
+          </a:ln>
+        </p:spPr>
+      </p:pic>
+      <p:sp>
+        <p:nvSpPr>
+          <p:cNvPr id="54" name=""/>
+          <p:cNvSpPr txBox="1"/>
+          <p:nvPr/>
+        </p:nvSpPr>
+        <p:spPr>
+          <a:xfrm>
+            <a:off x="457200" y="492480"/>
+            <a:ext cx="8277120" cy="1024200"/>
+          </a:xfrm>
+          <a:prstGeom prst="rect">
+            <a:avLst/>
+          </a:prstGeom>
+          <a:noFill/>
+          <a:ln w="0">
+            <a:noFill/>
+          </a:ln>
+        </p:spPr>
+        <p:txBody>
+          <a:bodyPr lIns="0" rIns="0" tIns="0" bIns="0" anchor="ctr">
+            <a:noAutofit/>
+          </a:bodyPr>
+          <a:p>
+            <a:r>
+              <a:rPr b="0" lang="en-US" sz="3600" strike="noStrike" u="none">
+                <a:solidFill>
+                  <a:srgbClr val="000000"/>
+                </a:solidFill>
+                <a:uFillTx/>
+                <a:latin typeface="Arial"/>
+                <a:ea typeface="Noto Sans SC"/>
+              </a:rPr>
+              <a:t>System Architecture -</a:t>
+            </a:r>
+            <a:r>
+              <a:rPr b="0" lang="en-US" sz="3600" strike="noStrike" u="none">
+                <a:solidFill>
+                  <a:srgbClr val="000000"/>
+                </a:solidFill>
+                <a:uFillTx/>
+                <a:latin typeface="Arial"/>
+              </a:rPr>
+              <a:t> Project</a:t>
+            </a:r>
+            <a:endParaRPr b="0" lang="en-US" sz="3600" strike="noStrike" u="none">
               <a:solidFill>
                 <a:srgbClr val="000000"/>
               </a:solidFill>

--- a/ppt/Jin_Junfan.pptx
+++ b/ppt/Jin_Junfan.pptx
@@ -13,6 +13,7 @@
     <p:sldId id="261" r:id="rId8"/>
     <p:sldId id="262" r:id="rId9"/>
     <p:sldId id="263" r:id="rId10"/>
+    <p:sldId id="264" r:id="rId11"/>
   </p:sldIdLst>
   <p:sldSz cx="10080625" cy="7559675"/>
   <p:notesSz cx="7559675" cy="10691813"/>
@@ -49,7 +50,7 @@
         <p:spPr>
           <a:xfrm>
             <a:off x="456840" y="549000"/>
-            <a:ext cx="7310520" cy="909720"/>
+            <a:ext cx="7309800" cy="909000"/>
           </a:xfrm>
           <a:prstGeom prst="rect">
             <a:avLst/>
@@ -90,7 +91,7 @@
         <p:spPr>
           <a:xfrm>
             <a:off x="456840" y="1828440"/>
-            <a:ext cx="9139320" cy="4567320"/>
+            <a:ext cx="9138600" cy="4566600"/>
           </a:xfrm>
           <a:prstGeom prst="rect">
             <a:avLst/>
@@ -158,8 +159,8 @@
         </p:nvSpPr>
         <p:spPr>
           <a:xfrm flipV="1">
-            <a:off x="236520" y="203040"/>
-            <a:ext cx="9539280" cy="152640"/>
+            <a:off x="236520" y="201600"/>
+            <a:ext cx="9538560" cy="151920"/>
           </a:xfrm>
           <a:prstGeom prst="rect">
             <a:avLst/>
@@ -219,7 +220,7 @@
         <p:spPr>
           <a:xfrm>
             <a:off x="5943600" y="7077600"/>
-            <a:ext cx="693720" cy="255600"/>
+            <a:ext cx="693000" cy="254880"/>
           </a:xfrm>
           <a:prstGeom prst="rect">
             <a:avLst/>
@@ -254,7 +255,7 @@
                 <a:tab algn="l" pos="0"/>
               </a:tabLst>
             </a:pPr>
-            <a:fld id="{CE2584C2-00E9-4650-884B-FAC06116F170}" type="slidenum">
+            <a:fld id="{2E946A11-3204-444A-9290-9882CFCD3CC2}" type="slidenum">
               <a:rPr b="0" lang="en-US" sz="1200" strike="noStrike" u="none">
                 <a:solidFill>
                   <a:srgbClr val="000000"/>
@@ -263,7 +264,7 @@
                 <a:latin typeface="Arial"/>
                 <a:ea typeface="DejaVu Sans"/>
               </a:rPr>
-              <a:t>6</a:t>
+              <a:t>2</a:t>
             </a:fld>
             <a:endParaRPr b="0" lang="en-US" sz="1200" strike="noStrike" u="none">
               <a:solidFill>
@@ -374,7 +375,7 @@
         <p:spPr>
           <a:xfrm>
             <a:off x="7365960" y="7116840"/>
-            <a:ext cx="2357640" cy="378000"/>
+            <a:ext cx="2356920" cy="377280"/>
           </a:xfrm>
           <a:prstGeom prst="rect">
             <a:avLst/>
@@ -397,7 +398,7 @@
         <p:spPr>
           <a:xfrm>
             <a:off x="7845480" y="541440"/>
-            <a:ext cx="2219400" cy="916200"/>
+            <a:ext cx="2218680" cy="915480"/>
           </a:xfrm>
           <a:prstGeom prst="rect">
             <a:avLst/>
@@ -416,7 +417,7 @@
         <p:spPr>
           <a:xfrm>
             <a:off x="260280" y="7078680"/>
-            <a:ext cx="1082880" cy="265320"/>
+            <a:ext cx="1082160" cy="264600"/>
           </a:xfrm>
           <a:prstGeom prst="rect">
             <a:avLst/>
@@ -505,7 +506,7 @@
         <p:spPr>
           <a:xfrm>
             <a:off x="1158840" y="7078680"/>
-            <a:ext cx="3624480" cy="435240"/>
+            <a:ext cx="3623760" cy="434520"/>
           </a:xfrm>
           <a:prstGeom prst="rect">
             <a:avLst/>
@@ -583,7 +584,7 @@
         <p:spPr>
           <a:xfrm>
             <a:off x="3620880" y="7077600"/>
-            <a:ext cx="1972080" cy="417600"/>
+            <a:ext cx="1971360" cy="416880"/>
           </a:xfrm>
           <a:prstGeom prst="rect">
             <a:avLst/>
@@ -766,7 +767,7 @@
         <p:spPr>
           <a:xfrm>
             <a:off x="456840" y="549000"/>
-            <a:ext cx="7310520" cy="909720"/>
+            <a:ext cx="7309800" cy="909000"/>
           </a:xfrm>
           <a:prstGeom prst="rect">
             <a:avLst/>
@@ -817,7 +818,7 @@
         <p:spPr>
           <a:xfrm>
             <a:off x="456840" y="1828440"/>
-            <a:ext cx="9139320" cy="4567320"/>
+            <a:ext cx="9138600" cy="4566600"/>
           </a:xfrm>
           <a:prstGeom prst="rect">
             <a:avLst/>
@@ -1082,7 +1083,7 @@
         <p:spPr>
           <a:xfrm>
             <a:off x="456840" y="548640"/>
-            <a:ext cx="7310520" cy="909720"/>
+            <a:ext cx="7309800" cy="909000"/>
           </a:xfrm>
           <a:prstGeom prst="rect">
             <a:avLst/>
@@ -1098,6 +1099,9 @@
           </a:bodyPr>
           <a:p>
             <a:pPr indent="0">
+              <a:lnSpc>
+                <a:spcPct val="100000"/>
+              </a:lnSpc>
               <a:spcBef>
                 <a:spcPts val="1191"/>
               </a:spcBef>
@@ -1105,6 +1109,9 @@
                 <a:spcPts val="992"/>
               </a:spcAft>
               <a:buNone/>
+              <a:tabLst>
+                <a:tab algn="l" pos="0"/>
+              </a:tabLst>
             </a:pPr>
             <a:r>
               <a:rPr b="0" lang="en-US" sz="3600" strike="noStrike" u="none">
@@ -1139,7 +1146,7 @@
         <p:spPr>
           <a:xfrm>
             <a:off x="0" y="1691280"/>
-            <a:ext cx="10080360" cy="5284440"/>
+            <a:ext cx="10079640" cy="5283720"/>
           </a:xfrm>
           <a:prstGeom prst="rect">
             <a:avLst/>
@@ -1181,7 +1188,162 @@
       </p:grpSpPr>
       <p:sp>
         <p:nvSpPr>
-          <p:cNvPr id="16" name="PlaceHolder 1"/>
+          <p:cNvPr id="16" name=""/>
+          <p:cNvSpPr/>
+          <p:nvPr/>
+        </p:nvSpPr>
+        <p:spPr>
+          <a:xfrm>
+            <a:off x="6815160" y="2160000"/>
+            <a:ext cx="2904840" cy="4680000"/>
+          </a:xfrm>
+          <a:prstGeom prst="rect">
+            <a:avLst/>
+          </a:prstGeom>
+          <a:solidFill>
+            <a:srgbClr val="ffffff"/>
+          </a:solidFill>
+          <a:ln w="27360">
+            <a:solidFill>
+              <a:srgbClr val="3465a4"/>
+            </a:solidFill>
+            <a:round/>
+          </a:ln>
+        </p:spPr>
+        <p:style>
+          <a:lnRef idx="0"/>
+          <a:fillRef idx="0"/>
+          <a:effectRef idx="0"/>
+          <a:fontRef idx="minor"/>
+        </p:style>
+        <p:txBody>
+          <a:bodyPr lIns="103320" rIns="103320" tIns="58320" bIns="58320" anchor="ctr">
+            <a:noAutofit/>
+          </a:bodyPr>
+          <a:p>
+            <a:endParaRPr b="0" lang="en-US" sz="1800" strike="noStrike" u="none">
+              <a:solidFill>
+                <a:srgbClr val="000000"/>
+              </a:solidFill>
+              <a:uFillTx/>
+              <a:latin typeface="Arial"/>
+            </a:endParaRPr>
+          </a:p>
+        </p:txBody>
+      </p:sp>
+      <p:sp>
+        <p:nvSpPr>
+          <p:cNvPr id="17" name=""/>
+          <p:cNvSpPr/>
+          <p:nvPr/>
+        </p:nvSpPr>
+        <p:spPr>
+          <a:xfrm>
+            <a:off x="3587760" y="2160000"/>
+            <a:ext cx="2904480" cy="4680000"/>
+          </a:xfrm>
+          <a:prstGeom prst="rect">
+            <a:avLst/>
+          </a:prstGeom>
+          <a:solidFill>
+            <a:srgbClr val="ffffff"/>
+          </a:solidFill>
+          <a:ln w="27360">
+            <a:solidFill>
+              <a:srgbClr val="3465a4"/>
+            </a:solidFill>
+            <a:round/>
+          </a:ln>
+        </p:spPr>
+        <p:style>
+          <a:lnRef idx="0"/>
+          <a:fillRef idx="0"/>
+          <a:effectRef idx="0"/>
+          <a:fontRef idx="minor"/>
+        </p:style>
+        <p:txBody>
+          <a:bodyPr lIns="103320" rIns="103320" tIns="58320" bIns="58320" anchor="ctr">
+            <a:noAutofit/>
+          </a:bodyPr>
+          <a:p>
+            <a:endParaRPr b="0" lang="en-US" sz="1800" strike="noStrike" u="none">
+              <a:solidFill>
+                <a:srgbClr val="000000"/>
+              </a:solidFill>
+              <a:uFillTx/>
+              <a:latin typeface="Arial"/>
+            </a:endParaRPr>
+          </a:p>
+        </p:txBody>
+      </p:sp>
+      <p:sp>
+        <p:nvSpPr>
+          <p:cNvPr id="18" name=""/>
+          <p:cNvSpPr/>
+          <p:nvPr/>
+        </p:nvSpPr>
+        <p:spPr>
+          <a:xfrm>
+            <a:off x="360000" y="2160000"/>
+            <a:ext cx="2904840" cy="4680000"/>
+          </a:xfrm>
+          <a:prstGeom prst="rect">
+            <a:avLst/>
+          </a:prstGeom>
+          <a:solidFill>
+            <a:srgbClr val="ffffff"/>
+          </a:solidFill>
+          <a:ln w="27360">
+            <a:solidFill>
+              <a:srgbClr val="3465a4"/>
+            </a:solidFill>
+            <a:round/>
+          </a:ln>
+        </p:spPr>
+        <p:style>
+          <a:lnRef idx="0"/>
+          <a:fillRef idx="0"/>
+          <a:effectRef idx="0"/>
+          <a:fontRef idx="minor"/>
+        </p:style>
+        <p:txBody>
+          <a:bodyPr lIns="103320" rIns="103320" tIns="58320" bIns="58320" anchor="ctr">
+            <a:noAutofit/>
+          </a:bodyPr>
+          <a:p>
+            <a:pPr marL="216000" indent="-216000">
+              <a:lnSpc>
+                <a:spcPct val="100000"/>
+              </a:lnSpc>
+              <a:spcBef>
+                <a:spcPts val="1134"/>
+              </a:spcBef>
+              <a:spcAft>
+                <a:spcPts val="283"/>
+              </a:spcAft>
+              <a:buClr>
+                <a:srgbClr val="000000"/>
+              </a:buClr>
+              <a:buSzPct val="45000"/>
+              <a:buFont typeface="Wingdings" charset="2"/>
+              <a:buChar char=""/>
+              <a:tabLst>
+                <a:tab algn="l" pos="408240"/>
+              </a:tabLst>
+            </a:pPr>
+            <a:endParaRPr b="0" lang="en-US" sz="1800" strike="noStrike" u="none">
+              <a:solidFill>
+                <a:srgbClr val="000000"/>
+              </a:solidFill>
+              <a:uFillTx/>
+              <a:latin typeface="Arial"/>
+            </a:endParaRPr>
+          </a:p>
+        </p:txBody>
+      </p:sp>
+      <p:sp>
+        <p:nvSpPr>
+          <p:cNvPr id="19" name="PlaceHolder 1"/>
           <p:cNvSpPr>
             <a:spLocks noGrp="1"/>
           </p:cNvSpPr>
@@ -1192,7 +1354,7 @@
         <p:spPr>
           <a:xfrm>
             <a:off x="457200" y="550800"/>
-            <a:ext cx="7800840" cy="943200"/>
+            <a:ext cx="7800120" cy="942480"/>
           </a:xfrm>
           <a:prstGeom prst="rect">
             <a:avLst/>
@@ -1208,6 +1370,9 @@
           </a:bodyPr>
           <a:p>
             <a:pPr indent="0">
+              <a:lnSpc>
+                <a:spcPct val="100000"/>
+              </a:lnSpc>
               <a:spcBef>
                 <a:spcPts val="1191"/>
               </a:spcBef>
@@ -1215,6 +1380,9 @@
                 <a:spcPts val="992"/>
               </a:spcAft>
               <a:buNone/>
+              <a:tabLst>
+                <a:tab algn="l" pos="0"/>
+              </a:tabLst>
             </a:pPr>
             <a:r>
               <a:rPr b="0" lang="en-US" sz="3600" strike="noStrike" u="none">
@@ -1225,17 +1393,7 @@
                 <a:latin typeface="Arial"/>
                 <a:ea typeface="Noto Sans SC"/>
               </a:rPr>
-              <a:t>System Architecture -</a:t>
-            </a:r>
-            <a:r>
-              <a:rPr b="0" lang="en-US" sz="3600" strike="noStrike" u="none">
-                <a:solidFill>
-                  <a:srgbClr val="000000"/>
-                </a:solidFill>
-                <a:uFillTx/>
-                <a:latin typeface="Arial"/>
-              </a:rPr>
-              <a:t> Requirements</a:t>
+              <a:t>System Architecture - Requirements</a:t>
             </a:r>
             <a:endParaRPr b="0" lang="en-US" sz="3600" strike="noStrike" u="none">
               <a:solidFill>
@@ -1249,18 +1407,226 @@
       </p:sp>
       <p:sp>
         <p:nvSpPr>
-          <p:cNvPr id="17" name="PlaceHolder 2"/>
-          <p:cNvSpPr>
-            <a:spLocks noGrp="1"/>
-          </p:cNvSpPr>
-          <p:nvPr>
-            <p:ph/>
-          </p:nvPr>
+          <p:cNvPr id="20" name=""/>
+          <p:cNvSpPr/>
+          <p:nvPr/>
         </p:nvSpPr>
         <p:spPr>
           <a:xfrm>
-            <a:off x="334440" y="1731600"/>
-            <a:ext cx="9377640" cy="5186520"/>
+            <a:off x="785880" y="1908000"/>
+            <a:ext cx="2094120" cy="540000"/>
+          </a:xfrm>
+          <a:prstGeom prst="roundRect">
+            <a:avLst>
+              <a:gd name="adj" fmla="val 16667"/>
+            </a:avLst>
+          </a:prstGeom>
+          <a:solidFill>
+            <a:srgbClr val="0369a0"/>
+          </a:solidFill>
+          <a:ln w="0">
+            <a:solidFill>
+              <a:srgbClr val="3465a4"/>
+            </a:solidFill>
+          </a:ln>
+        </p:spPr>
+        <p:style>
+          <a:lnRef idx="0"/>
+          <a:fillRef idx="0"/>
+          <a:effectRef idx="0"/>
+          <a:fontRef idx="minor"/>
+        </p:style>
+        <p:txBody>
+          <a:bodyPr lIns="90000" rIns="90000" tIns="45000" bIns="45000" anchor="ctr">
+            <a:noAutofit/>
+          </a:bodyPr>
+          <a:p>
+            <a:pPr algn="ctr">
+              <a:lnSpc>
+                <a:spcPct val="100000"/>
+              </a:lnSpc>
+              <a:spcBef>
+                <a:spcPts val="1417"/>
+              </a:spcBef>
+              <a:spcAft>
+                <a:spcPts val="283"/>
+              </a:spcAft>
+              <a:tabLst>
+                <a:tab algn="l" pos="408240"/>
+              </a:tabLst>
+            </a:pPr>
+            <a:r>
+              <a:rPr b="0" lang="en-US" sz="1800" strike="noStrike" u="none">
+                <a:solidFill>
+                  <a:srgbClr val="ffffff"/>
+                </a:solidFill>
+                <a:uFillTx/>
+                <a:latin typeface="Arial"/>
+              </a:rPr>
+              <a:t>Communication Protocol Support</a:t>
+            </a:r>
+            <a:endParaRPr b="0" lang="en-US" sz="1800" strike="noStrike" u="none">
+              <a:solidFill>
+                <a:srgbClr val="ffffff"/>
+              </a:solidFill>
+              <a:uFillTx/>
+              <a:latin typeface="Arial"/>
+            </a:endParaRPr>
+          </a:p>
+        </p:txBody>
+      </p:sp>
+      <p:sp>
+        <p:nvSpPr>
+          <p:cNvPr id="21" name=""/>
+          <p:cNvSpPr/>
+          <p:nvPr/>
+        </p:nvSpPr>
+        <p:spPr>
+          <a:xfrm>
+            <a:off x="4013280" y="1908000"/>
+            <a:ext cx="2106720" cy="540000"/>
+          </a:xfrm>
+          <a:prstGeom prst="roundRect">
+            <a:avLst>
+              <a:gd name="adj" fmla="val 16667"/>
+            </a:avLst>
+          </a:prstGeom>
+          <a:solidFill>
+            <a:srgbClr val="0369a0"/>
+          </a:solidFill>
+          <a:ln w="0">
+            <a:solidFill>
+              <a:srgbClr val="3465a4"/>
+            </a:solidFill>
+          </a:ln>
+        </p:spPr>
+        <p:style>
+          <a:lnRef idx="0"/>
+          <a:fillRef idx="0"/>
+          <a:effectRef idx="0"/>
+          <a:fontRef idx="minor"/>
+        </p:style>
+        <p:txBody>
+          <a:bodyPr lIns="90000" rIns="90000" tIns="45000" bIns="45000" anchor="ctr">
+            <a:noAutofit/>
+          </a:bodyPr>
+          <a:p>
+            <a:pPr algn="ctr">
+              <a:lnSpc>
+                <a:spcPct val="100000"/>
+              </a:lnSpc>
+              <a:spcBef>
+                <a:spcPts val="1417"/>
+              </a:spcBef>
+              <a:spcAft>
+                <a:spcPts val="283"/>
+              </a:spcAft>
+              <a:tabLst>
+                <a:tab algn="l" pos="408240"/>
+              </a:tabLst>
+            </a:pPr>
+            <a:r>
+              <a:rPr b="0" lang="en-US" sz="1800" strike="noStrike" u="none">
+                <a:solidFill>
+                  <a:srgbClr val="ffffff"/>
+                </a:solidFill>
+                <a:uFillTx/>
+                <a:latin typeface="Arial"/>
+                <a:ea typeface="Noto Sans SC"/>
+              </a:rPr>
+              <a:t>Concurrent Tasks Scheduling</a:t>
+            </a:r>
+            <a:endParaRPr b="0" lang="en-US" sz="1800" strike="noStrike" u="none">
+              <a:solidFill>
+                <a:srgbClr val="ffffff"/>
+              </a:solidFill>
+              <a:uFillTx/>
+              <a:latin typeface="Arial"/>
+            </a:endParaRPr>
+          </a:p>
+        </p:txBody>
+      </p:sp>
+      <p:sp>
+        <p:nvSpPr>
+          <p:cNvPr id="22" name=""/>
+          <p:cNvSpPr/>
+          <p:nvPr/>
+        </p:nvSpPr>
+        <p:spPr>
+          <a:xfrm>
+            <a:off x="7241040" y="1908000"/>
+            <a:ext cx="2118960" cy="540000"/>
+          </a:xfrm>
+          <a:prstGeom prst="roundRect">
+            <a:avLst>
+              <a:gd name="adj" fmla="val 16667"/>
+            </a:avLst>
+          </a:prstGeom>
+          <a:solidFill>
+            <a:srgbClr val="0369a0"/>
+          </a:solidFill>
+          <a:ln w="0">
+            <a:solidFill>
+              <a:srgbClr val="3465a4"/>
+            </a:solidFill>
+          </a:ln>
+        </p:spPr>
+        <p:style>
+          <a:lnRef idx="0"/>
+          <a:fillRef idx="0"/>
+          <a:effectRef idx="0"/>
+          <a:fontRef idx="minor"/>
+        </p:style>
+        <p:txBody>
+          <a:bodyPr lIns="90000" rIns="90000" tIns="45000" bIns="45000" anchor="ctr">
+            <a:noAutofit/>
+          </a:bodyPr>
+          <a:p>
+            <a:pPr algn="ctr">
+              <a:lnSpc>
+                <a:spcPct val="100000"/>
+              </a:lnSpc>
+              <a:spcBef>
+                <a:spcPts val="1417"/>
+              </a:spcBef>
+              <a:spcAft>
+                <a:spcPts val="283"/>
+              </a:spcAft>
+              <a:tabLst>
+                <a:tab algn="l" pos="408240"/>
+              </a:tabLst>
+            </a:pPr>
+            <a:r>
+              <a:rPr b="0" lang="en-US" sz="1800" strike="noStrike" u="none">
+                <a:solidFill>
+                  <a:srgbClr val="ffffff"/>
+                </a:solidFill>
+                <a:uFillTx/>
+                <a:latin typeface="Arial"/>
+                <a:ea typeface="Noto Sans SC"/>
+              </a:rPr>
+              <a:t>System Expansion Design</a:t>
+            </a:r>
+            <a:endParaRPr b="0" lang="en-US" sz="1800" strike="noStrike" u="none">
+              <a:solidFill>
+                <a:srgbClr val="ffffff"/>
+              </a:solidFill>
+              <a:uFillTx/>
+              <a:latin typeface="Arial"/>
+            </a:endParaRPr>
+          </a:p>
+        </p:txBody>
+      </p:sp>
+      <p:sp>
+        <p:nvSpPr>
+          <p:cNvPr id="23" name=""/>
+          <p:cNvSpPr txBox="1"/>
+          <p:nvPr/>
+        </p:nvSpPr>
+        <p:spPr>
+          <a:xfrm>
+            <a:off x="720000" y="2700000"/>
+            <a:ext cx="2160000" cy="3960000"/>
           </a:xfrm>
           <a:prstGeom prst="rect">
             <a:avLst/>
@@ -1271,13 +1637,16 @@
           </a:ln>
         </p:spPr>
         <p:txBody>
-          <a:bodyPr lIns="0" rIns="0" tIns="28440" bIns="0" anchor="t">
-            <a:normAutofit fontScale="92500" lnSpcReduction="19999"/>
+          <a:bodyPr lIns="90000" rIns="90000" tIns="45000" bIns="45000" anchor="t">
+            <a:noAutofit/>
           </a:bodyPr>
           <a:p>
-            <a:pPr marL="432000" indent="-324000">
-              <a:spcBef>
-                <a:spcPts val="1417"/>
+            <a:pPr marL="216000" indent="-216000">
+              <a:lnSpc>
+                <a:spcPct val="100000"/>
+              </a:lnSpc>
+              <a:spcBef>
+                <a:spcPts val="1134"/>
               </a:spcBef>
               <a:spcAft>
                 <a:spcPts val="283"/>
@@ -1288,28 +1657,33 @@
               <a:buSzPct val="45000"/>
               <a:buFont typeface="Wingdings" charset="2"/>
               <a:buChar char=""/>
-            </a:pPr>
-            <a:r>
-              <a:rPr b="0" lang="en-US" sz="2800" strike="noStrike" u="none">
-                <a:solidFill>
-                  <a:srgbClr val="000000"/>
-                </a:solidFill>
-                <a:uFillTx/>
-                <a:latin typeface="Arial"/>
-              </a:rPr>
-              <a:t>Communication Protocol Support</a:t>
-            </a:r>
-            <a:endParaRPr b="0" lang="en-US" sz="2800" strike="noStrike" u="none">
-              <a:solidFill>
-                <a:srgbClr val="000000"/>
-              </a:solidFill>
-              <a:uFillTx/>
-              <a:latin typeface="Arial"/>
-              <a:ea typeface="Noto Sans SC"/>
-            </a:endParaRPr>
-          </a:p>
-          <a:p>
-            <a:pPr lvl="1" marL="864000" indent="-324000">
+              <a:tabLst>
+                <a:tab algn="l" pos="408240"/>
+              </a:tabLst>
+            </a:pPr>
+            <a:r>
+              <a:rPr b="0" lang="en-US" sz="1800" strike="noStrike" u="none">
+                <a:solidFill>
+                  <a:srgbClr val="000000"/>
+                </a:solidFill>
+                <a:uFillTx/>
+                <a:latin typeface="Arial"/>
+              </a:rPr>
+              <a:t>OCPP Protocol</a:t>
+            </a:r>
+            <a:endParaRPr b="0" lang="en-US" sz="1800" strike="noStrike" u="none">
+              <a:solidFill>
+                <a:srgbClr val="000000"/>
+              </a:solidFill>
+              <a:uFillTx/>
+              <a:latin typeface="Arial"/>
+            </a:endParaRPr>
+          </a:p>
+          <a:p>
+            <a:pPr marL="216000" indent="-216000">
+              <a:lnSpc>
+                <a:spcPct val="100000"/>
+              </a:lnSpc>
               <a:spcBef>
                 <a:spcPts val="1134"/>
               </a:spcBef>
@@ -1319,21 +1693,86 @@
               <a:buClr>
                 <a:srgbClr val="000000"/>
               </a:buClr>
-              <a:buSzPct val="75000"/>
-              <a:buFont typeface="Symbol" charset="2"/>
-              <a:buChar char=""/>
-            </a:pPr>
-            <a:r>
-              <a:rPr b="0" lang="en-US" sz="2200" strike="noStrike" u="none">
-                <a:solidFill>
-                  <a:srgbClr val="000000"/>
-                </a:solidFill>
-                <a:uFillTx/>
-                <a:latin typeface="Arial"/>
-              </a:rPr>
-              <a:t>OCPP Protocol</a:t>
-            </a:r>
-            <a:endParaRPr b="0" lang="en-US" sz="2200" strike="noStrike" u="none">
+              <a:buSzPct val="45000"/>
+              <a:buFont typeface="Wingdings" charset="2"/>
+              <a:buChar char=""/>
+              <a:tabLst>
+                <a:tab algn="l" pos="408240"/>
+              </a:tabLst>
+            </a:pPr>
+            <a:r>
+              <a:rPr b="0" lang="en-US" sz="1800" strike="noStrike" u="none">
+                <a:solidFill>
+                  <a:srgbClr val="000000"/>
+                </a:solidFill>
+                <a:uFillTx/>
+                <a:latin typeface="Arial"/>
+              </a:rPr>
+              <a:t>WebSocket Communication</a:t>
+            </a:r>
+            <a:endParaRPr b="0" lang="en-US" sz="1800" strike="noStrike" u="none">
+              <a:solidFill>
+                <a:srgbClr val="000000"/>
+              </a:solidFill>
+              <a:uFillTx/>
+              <a:latin typeface="Arial"/>
+            </a:endParaRPr>
+          </a:p>
+        </p:txBody>
+      </p:sp>
+      <p:sp>
+        <p:nvSpPr>
+          <p:cNvPr id="24" name=""/>
+          <p:cNvSpPr txBox="1"/>
+          <p:nvPr/>
+        </p:nvSpPr>
+        <p:spPr>
+          <a:xfrm>
+            <a:off x="3600000" y="2842920"/>
+            <a:ext cx="2880000" cy="3997080"/>
+          </a:xfrm>
+          <a:prstGeom prst="rect">
+            <a:avLst/>
+          </a:prstGeom>
+          <a:noFill/>
+          <a:ln w="0">
+            <a:noFill/>
+          </a:ln>
+        </p:spPr>
+        <p:txBody>
+          <a:bodyPr lIns="90000" rIns="90000" tIns="45000" bIns="45000" anchor="t">
+            <a:noAutofit/>
+          </a:bodyPr>
+          <a:p>
+            <a:pPr marL="216000" indent="-216000">
+              <a:lnSpc>
+                <a:spcPct val="100000"/>
+              </a:lnSpc>
+              <a:spcBef>
+                <a:spcPts val="567"/>
+              </a:spcBef>
+              <a:buClr>
+                <a:srgbClr val="000000"/>
+              </a:buClr>
+              <a:buSzPct val="45000"/>
+              <a:buFont typeface="Wingdings" charset="2"/>
+              <a:buChar char=""/>
+              <a:tabLst>
+                <a:tab algn="l" pos="408240"/>
+              </a:tabLst>
+            </a:pPr>
+            <a:r>
+              <a:rPr b="0" lang="en-US" sz="1800" strike="noStrike" u="none">
+                <a:solidFill>
+                  <a:srgbClr val="000000"/>
+                </a:solidFill>
+                <a:uFillTx/>
+                <a:latin typeface="Arial"/>
+                <a:ea typeface="Noto Sans SC"/>
+              </a:rPr>
+              <a:t>Coroutine Isolation</a:t>
+            </a:r>
+            <a:endParaRPr b="0" lang="en-US" sz="1800" strike="noStrike" u="none">
               <a:solidFill>
                 <a:srgbClr val="000000"/>
               </a:solidFill>
@@ -1343,7 +1782,253 @@
             </a:endParaRPr>
           </a:p>
           <a:p>
-            <a:pPr lvl="1" marL="864000" indent="-324000">
+            <a:pPr marL="216000" indent="-216000">
+              <a:lnSpc>
+                <a:spcPct val="100000"/>
+              </a:lnSpc>
+              <a:spcBef>
+                <a:spcPts val="567"/>
+              </a:spcBef>
+              <a:buClr>
+                <a:srgbClr val="000000"/>
+              </a:buClr>
+              <a:buSzPct val="45000"/>
+              <a:buFont typeface="Wingdings" charset="2"/>
+              <a:buChar char=""/>
+              <a:tabLst>
+                <a:tab algn="l" pos="408240"/>
+              </a:tabLst>
+            </a:pPr>
+            <a:r>
+              <a:rPr b="1" lang="en-US" sz="1800" strike="noStrike" u="none">
+                <a:solidFill>
+                  <a:srgbClr val="ff0000"/>
+                </a:solidFill>
+                <a:uFillTx/>
+                <a:latin typeface="Arial"/>
+                <a:ea typeface="Noto Sans SC"/>
+              </a:rPr>
+              <a:t>C</a:t>
+            </a:r>
+            <a:r>
+              <a:rPr b="0" lang="en-US" sz="1800" strike="noStrike" u="none">
+                <a:solidFill>
+                  <a:srgbClr val="000000"/>
+                </a:solidFill>
+                <a:uFillTx/>
+                <a:latin typeface="Arial"/>
+                <a:ea typeface="Noto Sans SC"/>
+              </a:rPr>
+              <a:t>: Message Communication Management</a:t>
+            </a:r>
+            <a:endParaRPr b="0" lang="en-US" sz="1800" strike="noStrike" u="none">
+              <a:solidFill>
+                <a:srgbClr val="000000"/>
+              </a:solidFill>
+              <a:uFillTx/>
+              <a:latin typeface="Arial"/>
+              <a:ea typeface="Noto Sans SC"/>
+            </a:endParaRPr>
+          </a:p>
+          <a:p>
+            <a:pPr marL="216000" indent="-216000">
+              <a:lnSpc>
+                <a:spcPct val="100000"/>
+              </a:lnSpc>
+              <a:spcBef>
+                <a:spcPts val="567"/>
+              </a:spcBef>
+              <a:buClr>
+                <a:srgbClr val="000000"/>
+              </a:buClr>
+              <a:buSzPct val="45000"/>
+              <a:buFont typeface="Wingdings" charset="2"/>
+              <a:buChar char=""/>
+              <a:tabLst>
+                <a:tab algn="l" pos="408240"/>
+              </a:tabLst>
+            </a:pPr>
+            <a:r>
+              <a:rPr b="1" lang="en-US" sz="1800" strike="noStrike" u="none">
+                <a:solidFill>
+                  <a:srgbClr val="ff0000"/>
+                </a:solidFill>
+                <a:uFillTx/>
+                <a:latin typeface="Arial"/>
+                <a:ea typeface="Noto Sans SC"/>
+              </a:rPr>
+              <a:t>C</a:t>
+            </a:r>
+            <a:r>
+              <a:rPr b="0" lang="en-US" sz="1800" strike="noStrike" u="none">
+                <a:solidFill>
+                  <a:srgbClr val="000000"/>
+                </a:solidFill>
+                <a:uFillTx/>
+                <a:latin typeface="Arial"/>
+                <a:ea typeface="Noto Sans SC"/>
+              </a:rPr>
+              <a:t>+</a:t>
+            </a:r>
+            <a:r>
+              <a:rPr b="1" lang="en-US" sz="1800" strike="noStrike" u="none">
+                <a:solidFill>
+                  <a:srgbClr val="468a1a"/>
+                </a:solidFill>
+                <a:uFillTx/>
+                <a:latin typeface="Arial"/>
+                <a:ea typeface="Noto Sans SC"/>
+              </a:rPr>
+              <a:t>T</a:t>
+            </a:r>
+            <a:r>
+              <a:rPr b="0" lang="en-US" sz="1800" strike="noStrike" u="none">
+                <a:solidFill>
+                  <a:srgbClr val="000000"/>
+                </a:solidFill>
+                <a:uFillTx/>
+                <a:latin typeface="Arial"/>
+                <a:ea typeface="Noto Sans SC"/>
+              </a:rPr>
+              <a:t>: GUI Remote Interaction Interface</a:t>
+            </a:r>
+            <a:endParaRPr b="0" lang="en-US" sz="1800" strike="noStrike" u="none">
+              <a:solidFill>
+                <a:srgbClr val="000000"/>
+              </a:solidFill>
+              <a:uFillTx/>
+              <a:latin typeface="Arial"/>
+              <a:ea typeface="Noto Sans SC"/>
+            </a:endParaRPr>
+          </a:p>
+          <a:p>
+            <a:pPr marL="216000" indent="-216000">
+              <a:lnSpc>
+                <a:spcPct val="100000"/>
+              </a:lnSpc>
+              <a:spcBef>
+                <a:spcPts val="567"/>
+              </a:spcBef>
+              <a:buClr>
+                <a:srgbClr val="000000"/>
+              </a:buClr>
+              <a:buSzPct val="45000"/>
+              <a:buFont typeface="Wingdings" charset="2"/>
+              <a:buChar char=""/>
+              <a:tabLst>
+                <a:tab algn="l" pos="408240"/>
+              </a:tabLst>
+            </a:pPr>
+            <a:r>
+              <a:rPr b="1" lang="en-US" sz="1800" strike="noStrike" u="none">
+                <a:solidFill>
+                  <a:srgbClr val="468a1a"/>
+                </a:solidFill>
+                <a:uFillTx/>
+                <a:latin typeface="Arial"/>
+                <a:ea typeface="Noto Sans SC"/>
+              </a:rPr>
+              <a:t>T</a:t>
+            </a:r>
+            <a:r>
+              <a:rPr b="0" lang="en-US" sz="1800" strike="noStrike" u="none">
+                <a:solidFill>
+                  <a:srgbClr val="000000"/>
+                </a:solidFill>
+                <a:uFillTx/>
+                <a:latin typeface="Arial"/>
+                <a:ea typeface="Noto Sans SC"/>
+              </a:rPr>
+              <a:t>: Real-time Data Collection and Monitoring</a:t>
+            </a:r>
+            <a:endParaRPr b="0" lang="en-US" sz="1800" strike="noStrike" u="none">
+              <a:solidFill>
+                <a:srgbClr val="000000"/>
+              </a:solidFill>
+              <a:uFillTx/>
+              <a:latin typeface="Arial"/>
+              <a:ea typeface="Noto Sans SC"/>
+            </a:endParaRPr>
+          </a:p>
+          <a:p>
+            <a:pPr marL="216000" indent="-216000">
+              <a:lnSpc>
+                <a:spcPct val="100000"/>
+              </a:lnSpc>
+              <a:spcBef>
+                <a:spcPts val="567"/>
+              </a:spcBef>
+              <a:buClr>
+                <a:srgbClr val="000000"/>
+              </a:buClr>
+              <a:buSzPct val="45000"/>
+              <a:buFont typeface="Wingdings" charset="2"/>
+              <a:buChar char=""/>
+              <a:tabLst>
+                <a:tab algn="l" pos="408240"/>
+              </a:tabLst>
+            </a:pPr>
+            <a:r>
+              <a:rPr b="1" lang="en-US" sz="1800" strike="noStrike" u="none">
+                <a:solidFill>
+                  <a:srgbClr val="468a1a"/>
+                </a:solidFill>
+                <a:uFillTx/>
+                <a:latin typeface="Arial"/>
+                <a:ea typeface="Noto Sans SC"/>
+              </a:rPr>
+              <a:t>T</a:t>
+            </a:r>
+            <a:r>
+              <a:rPr b="0" lang="en-US" sz="1800" strike="noStrike" u="none">
+                <a:solidFill>
+                  <a:srgbClr val="000000"/>
+                </a:solidFill>
+                <a:uFillTx/>
+                <a:latin typeface="Arial"/>
+                <a:ea typeface="Noto Sans SC"/>
+              </a:rPr>
+              <a:t>: Execution of Charging Control Logic</a:t>
+            </a:r>
+            <a:endParaRPr b="0" lang="en-US" sz="1800" strike="noStrike" u="none">
+              <a:solidFill>
+                <a:srgbClr val="000000"/>
+              </a:solidFill>
+              <a:uFillTx/>
+              <a:latin typeface="Arial"/>
+              <a:ea typeface="Noto Sans SC"/>
+            </a:endParaRPr>
+          </a:p>
+        </p:txBody>
+      </p:sp>
+      <p:sp>
+        <p:nvSpPr>
+          <p:cNvPr id="25" name=""/>
+          <p:cNvSpPr txBox="1"/>
+          <p:nvPr/>
+        </p:nvSpPr>
+        <p:spPr>
+          <a:xfrm>
+            <a:off x="7200000" y="2700000"/>
+            <a:ext cx="2160000" cy="3960000"/>
+          </a:xfrm>
+          <a:prstGeom prst="rect">
+            <a:avLst/>
+          </a:prstGeom>
+          <a:noFill/>
+          <a:ln w="0">
+            <a:noFill/>
+          </a:ln>
+        </p:spPr>
+        <p:txBody>
+          <a:bodyPr lIns="90000" rIns="90000" tIns="45000" bIns="45000" anchor="t">
+            <a:noAutofit/>
+          </a:bodyPr>
+          <a:p>
+            <a:pPr marL="216000" indent="-216000">
+              <a:lnSpc>
+                <a:spcPct val="100000"/>
+              </a:lnSpc>
               <a:spcBef>
                 <a:spcPts val="1134"/>
               </a:spcBef>
@@ -1353,33 +2038,39 @@
               <a:buClr>
                 <a:srgbClr val="000000"/>
               </a:buClr>
-              <a:buSzPct val="75000"/>
-              <a:buFont typeface="Symbol" charset="2"/>
-              <a:buChar char=""/>
-            </a:pPr>
-            <a:r>
-              <a:rPr b="0" lang="en-US" sz="2200" strike="noStrike" u="none">
-                <a:solidFill>
-                  <a:srgbClr val="000000"/>
-                </a:solidFill>
-                <a:uFillTx/>
-                <a:latin typeface="Arial"/>
-              </a:rPr>
-              <a:t>WebSocket Communication</a:t>
-            </a:r>
-            <a:endParaRPr b="0" lang="en-US" sz="2200" strike="noStrike" u="none">
-              <a:solidFill>
-                <a:srgbClr val="000000"/>
-              </a:solidFill>
-              <a:uFillTx/>
-              <a:latin typeface="Arial"/>
-              <a:ea typeface="Noto Sans SC"/>
-            </a:endParaRPr>
-          </a:p>
-          <a:p>
-            <a:pPr marL="432000" indent="-324000">
-              <a:spcBef>
-                <a:spcPts val="1417"/>
+              <a:buSzPct val="45000"/>
+              <a:buFont typeface="Wingdings" charset="2"/>
+              <a:buChar char=""/>
+              <a:tabLst>
+                <a:tab algn="l" pos="408240"/>
+              </a:tabLst>
+            </a:pPr>
+            <a:r>
+              <a:rPr b="0" lang="en-US" sz="1800" strike="noStrike" u="none">
+                <a:solidFill>
+                  <a:srgbClr val="000000"/>
+                </a:solidFill>
+                <a:uFillTx/>
+                <a:latin typeface="Arial"/>
+                <a:ea typeface="Noto Sans SC"/>
+              </a:rPr>
+              <a:t>Support for Multi-Port Charging Management</a:t>
+            </a:r>
+            <a:endParaRPr b="0" lang="en-US" sz="1800" strike="noStrike" u="none">
+              <a:solidFill>
+                <a:srgbClr val="000000"/>
+              </a:solidFill>
+              <a:uFillTx/>
+              <a:latin typeface="Arial"/>
+            </a:endParaRPr>
+          </a:p>
+          <a:p>
+            <a:pPr marL="216000" indent="-216000">
+              <a:lnSpc>
+                <a:spcPct val="100000"/>
+              </a:lnSpc>
+              <a:spcBef>
+                <a:spcPts val="1134"/>
               </a:spcBef>
               <a:spcAft>
                 <a:spcPts val="283"/>
@@ -1390,306 +2081,179 @@
               <a:buSzPct val="45000"/>
               <a:buFont typeface="Wingdings" charset="2"/>
               <a:buChar char=""/>
-            </a:pPr>
-            <a:r>
-              <a:rPr b="0" lang="en-US" sz="2800" strike="noStrike" u="none">
-                <a:solidFill>
-                  <a:srgbClr val="000000"/>
-                </a:solidFill>
-                <a:uFillTx/>
-                <a:latin typeface="Arial"/>
-                <a:ea typeface="Noto Sans SC"/>
-              </a:rPr>
-              <a:t>Concurrent Tasks Scheduling(Multithreading + Coroutines)</a:t>
-            </a:r>
-            <a:endParaRPr b="0" lang="en-US" sz="2800" strike="noStrike" u="none">
-              <a:solidFill>
-                <a:srgbClr val="000000"/>
-              </a:solidFill>
-              <a:uFillTx/>
-              <a:latin typeface="Arial"/>
-              <a:ea typeface="Noto Sans SC"/>
-            </a:endParaRPr>
-          </a:p>
-          <a:p>
-            <a:pPr lvl="1" marL="864000" indent="-324000">
-              <a:spcBef>
-                <a:spcPts val="1134"/>
-              </a:spcBef>
-              <a:spcAft>
-                <a:spcPts val="283"/>
-              </a:spcAft>
-              <a:buClr>
-                <a:srgbClr val="000000"/>
-              </a:buClr>
-              <a:buSzPct val="75000"/>
-              <a:buFont typeface="Symbol" charset="2"/>
-              <a:buChar char=""/>
-            </a:pPr>
-            <a:r>
-              <a:rPr b="0" lang="en-US" sz="2200" strike="noStrike" u="none">
-                <a:solidFill>
-                  <a:srgbClr val="000000"/>
-                </a:solidFill>
-                <a:uFillTx/>
-                <a:latin typeface="Arial"/>
-                <a:ea typeface="Noto Sans SC"/>
-              </a:rPr>
-              <a:t>Coroutine Isolation</a:t>
-            </a:r>
-            <a:endParaRPr b="0" lang="en-US" sz="2200" strike="noStrike" u="none">
-              <a:solidFill>
-                <a:srgbClr val="000000"/>
-              </a:solidFill>
-              <a:uFillTx/>
-              <a:latin typeface="Arial"/>
-              <a:ea typeface="Noto Sans SC"/>
-            </a:endParaRPr>
-          </a:p>
-          <a:p>
-            <a:pPr lvl="1" marL="864000" indent="-324000">
-              <a:spcBef>
-                <a:spcPts val="1134"/>
-              </a:spcBef>
-              <a:spcAft>
-                <a:spcPts val="283"/>
-              </a:spcAft>
-              <a:buClr>
-                <a:srgbClr val="000000"/>
-              </a:buClr>
-              <a:buSzPct val="75000"/>
-              <a:buFont typeface="Symbol" charset="2"/>
-              <a:buChar char=""/>
-            </a:pPr>
-            <a:r>
-              <a:rPr b="0" lang="en-US" sz="2200" strike="noStrike" u="none">
-                <a:solidFill>
-                  <a:srgbClr val="000000"/>
-                </a:solidFill>
-                <a:uFillTx/>
-                <a:latin typeface="Arial"/>
-                <a:ea typeface="Noto Sans SC"/>
-              </a:rPr>
-              <a:t>Coroutines: Message Communication Management</a:t>
-            </a:r>
-            <a:endParaRPr b="0" lang="en-US" sz="2200" strike="noStrike" u="none">
-              <a:solidFill>
-                <a:srgbClr val="000000"/>
-              </a:solidFill>
-              <a:uFillTx/>
-              <a:latin typeface="Arial"/>
-              <a:ea typeface="Noto Sans SC"/>
-            </a:endParaRPr>
-          </a:p>
-          <a:p>
-            <a:pPr lvl="1" marL="864000" indent="-324000">
-              <a:spcBef>
-                <a:spcPts val="1134"/>
-              </a:spcBef>
-              <a:spcAft>
-                <a:spcPts val="283"/>
-              </a:spcAft>
-              <a:buClr>
-                <a:srgbClr val="000000"/>
-              </a:buClr>
-              <a:buSzPct val="75000"/>
-              <a:buFont typeface="Symbol" charset="2"/>
-              <a:buChar char=""/>
-            </a:pPr>
-            <a:r>
-              <a:rPr b="0" lang="en-US" sz="2200" strike="noStrike" u="none">
-                <a:solidFill>
-                  <a:srgbClr val="000000"/>
-                </a:solidFill>
-                <a:uFillTx/>
-                <a:latin typeface="Arial"/>
-                <a:ea typeface="Noto Sans SC"/>
-              </a:rPr>
-              <a:t>Coroutines + Thread: GUI Remote Interaction Interface</a:t>
-            </a:r>
-            <a:endParaRPr b="0" lang="en-US" sz="2200" strike="noStrike" u="none">
-              <a:solidFill>
-                <a:srgbClr val="000000"/>
-              </a:solidFill>
-              <a:uFillTx/>
-              <a:latin typeface="Arial"/>
-              <a:ea typeface="Noto Sans SC"/>
-            </a:endParaRPr>
-          </a:p>
-          <a:p>
-            <a:pPr lvl="1" marL="864000" indent="-324000">
-              <a:spcBef>
-                <a:spcPts val="1134"/>
-              </a:spcBef>
-              <a:spcAft>
-                <a:spcPts val="283"/>
-              </a:spcAft>
-              <a:buClr>
-                <a:srgbClr val="000000"/>
-              </a:buClr>
-              <a:buSzPct val="75000"/>
-              <a:buFont typeface="Symbol" charset="2"/>
-              <a:buChar char=""/>
-            </a:pPr>
-            <a:r>
-              <a:rPr b="0" lang="en-US" sz="2200" strike="noStrike" u="none">
-                <a:solidFill>
-                  <a:srgbClr val="000000"/>
-                </a:solidFill>
-                <a:uFillTx/>
-                <a:latin typeface="Arial"/>
-                <a:ea typeface="Noto Sans SC"/>
-              </a:rPr>
-              <a:t>Thread: Real-time Data Collection and Monitoring</a:t>
-            </a:r>
-            <a:endParaRPr b="0" lang="en-US" sz="2200" strike="noStrike" u="none">
-              <a:solidFill>
-                <a:srgbClr val="000000"/>
-              </a:solidFill>
-              <a:uFillTx/>
-              <a:latin typeface="Arial"/>
-              <a:ea typeface="Noto Sans SC"/>
-            </a:endParaRPr>
-          </a:p>
-          <a:p>
-            <a:pPr lvl="1" marL="864000" indent="-324000">
-              <a:spcBef>
-                <a:spcPts val="1134"/>
-              </a:spcBef>
-              <a:spcAft>
-                <a:spcPts val="283"/>
-              </a:spcAft>
-              <a:buClr>
-                <a:srgbClr val="000000"/>
-              </a:buClr>
-              <a:buSzPct val="75000"/>
-              <a:buFont typeface="Symbol" charset="2"/>
-              <a:buChar char=""/>
-            </a:pPr>
-            <a:r>
-              <a:rPr b="0" lang="en-US" sz="2200" strike="noStrike" u="none">
-                <a:solidFill>
-                  <a:srgbClr val="000000"/>
-                </a:solidFill>
-                <a:uFillTx/>
-                <a:latin typeface="Arial"/>
-                <a:ea typeface="Noto Sans SC"/>
-              </a:rPr>
-              <a:t>Thread: Execution of Charging Control Logic</a:t>
-            </a:r>
-            <a:endParaRPr b="0" lang="en-US" sz="2200" strike="noStrike" u="none">
-              <a:solidFill>
-                <a:srgbClr val="000000"/>
-              </a:solidFill>
-              <a:uFillTx/>
-              <a:latin typeface="Arial"/>
-              <a:ea typeface="Noto Sans SC"/>
-            </a:endParaRPr>
-          </a:p>
-          <a:p>
-            <a:pPr marL="432000" indent="-324000">
-              <a:spcBef>
-                <a:spcPts val="1417"/>
-              </a:spcBef>
-              <a:spcAft>
-                <a:spcPts val="283"/>
-              </a:spcAft>
-              <a:buClr>
-                <a:srgbClr val="000000"/>
-              </a:buClr>
-              <a:buSzPct val="45000"/>
-              <a:buFont typeface="Wingdings" charset="2"/>
-              <a:buChar char=""/>
-            </a:pPr>
-            <a:r>
-              <a:rPr b="0" lang="en-US" sz="2800" strike="noStrike" u="none">
-                <a:solidFill>
-                  <a:srgbClr val="000000"/>
-                </a:solidFill>
-                <a:uFillTx/>
-                <a:latin typeface="Arial"/>
-              </a:rPr>
-              <a:t>System Scalability Design</a:t>
-            </a:r>
-            <a:endParaRPr b="0" lang="en-US" sz="2800" strike="noStrike" u="none">
-              <a:solidFill>
-                <a:srgbClr val="000000"/>
-              </a:solidFill>
-              <a:uFillTx/>
-              <a:latin typeface="Arial"/>
-              <a:ea typeface="Noto Sans SC"/>
-            </a:endParaRPr>
-          </a:p>
-          <a:p>
-            <a:pPr lvl="1" marL="864000" indent="-324000">
-              <a:spcBef>
-                <a:spcPts val="1134"/>
-              </a:spcBef>
-              <a:spcAft>
-                <a:spcPts val="283"/>
-              </a:spcAft>
-              <a:buClr>
-                <a:srgbClr val="000000"/>
-              </a:buClr>
-              <a:buSzPct val="75000"/>
-              <a:buFont typeface="Symbol" charset="2"/>
-              <a:buChar char=""/>
-            </a:pPr>
-            <a:r>
-              <a:rPr b="0" lang="en-US" sz="2200" strike="noStrike" u="none">
-                <a:solidFill>
-                  <a:srgbClr val="000000"/>
-                </a:solidFill>
-                <a:uFillTx/>
-                <a:latin typeface="Arial"/>
-              </a:rPr>
-              <a:t>Support for Multi-Port Charging Management</a:t>
-            </a:r>
-            <a:endParaRPr b="0" lang="en-US" sz="2200" strike="noStrike" u="none">
-              <a:solidFill>
-                <a:srgbClr val="000000"/>
-              </a:solidFill>
-              <a:uFillTx/>
-              <a:latin typeface="Arial"/>
-              <a:ea typeface="Noto Sans SC"/>
-            </a:endParaRPr>
-          </a:p>
-          <a:p>
-            <a:pPr lvl="1" marL="864000" indent="-324000">
-              <a:spcBef>
-                <a:spcPts val="1134"/>
-              </a:spcBef>
-              <a:spcAft>
-                <a:spcPts val="283"/>
-              </a:spcAft>
-              <a:buClr>
-                <a:srgbClr val="000000"/>
-              </a:buClr>
-              <a:buSzPct val="75000"/>
-              <a:buFont typeface="Symbol" charset="2"/>
-              <a:buChar char=""/>
-            </a:pPr>
-            <a:r>
-              <a:rPr b="0" lang="en-US" sz="2200" strike="noStrike" u="none">
-                <a:solidFill>
-                  <a:srgbClr val="000000"/>
-                </a:solidFill>
-                <a:uFillTx/>
-                <a:latin typeface="Arial"/>
+              <a:tabLst>
+                <a:tab algn="l" pos="408240"/>
+              </a:tabLst>
+            </a:pPr>
+            <a:r>
+              <a:rPr b="0" lang="en-US" sz="1800" strike="noStrike" u="none">
+                <a:solidFill>
+                  <a:srgbClr val="000000"/>
+                </a:solidFill>
+                <a:uFillTx/>
+                <a:latin typeface="Arial"/>
+                <a:ea typeface="Noto Sans SC"/>
               </a:rPr>
               <a:t>Data Storage and Analysis (Possibility of Providing Database Support)</a:t>
             </a:r>
-            <a:endParaRPr b="0" lang="en-US" sz="2200" strike="noStrike" u="none">
-              <a:solidFill>
-                <a:srgbClr val="000000"/>
-              </a:solidFill>
-              <a:uFillTx/>
-              <a:latin typeface="Arial"/>
-              <a:ea typeface="Noto Sans SC"/>
+            <a:endParaRPr b="0" lang="en-US" sz="1800" strike="noStrike" u="none">
+              <a:solidFill>
+                <a:srgbClr val="000000"/>
+              </a:solidFill>
+              <a:uFillTx/>
+              <a:latin typeface="Arial"/>
             </a:endParaRPr>
           </a:p>
         </p:txBody>
       </p:sp>
+      <p:sp>
+        <p:nvSpPr>
+          <p:cNvPr id="26" name=""/>
+          <p:cNvSpPr txBox="1"/>
+          <p:nvPr/>
+        </p:nvSpPr>
+        <p:spPr>
+          <a:xfrm>
+            <a:off x="3564000" y="2520000"/>
+            <a:ext cx="3096000" cy="541800"/>
+          </a:xfrm>
+          <a:prstGeom prst="rect">
+            <a:avLst/>
+          </a:prstGeom>
+          <a:noFill/>
+          <a:ln w="0">
+            <a:noFill/>
+          </a:ln>
+        </p:spPr>
+        <p:txBody>
+          <a:bodyPr lIns="90000" rIns="90000" tIns="45000" bIns="45000" anchor="t">
+            <a:noAutofit/>
+          </a:bodyPr>
+          <a:p>
+            <a:pPr algn="ctr">
+              <a:tabLst>
+                <a:tab algn="l" pos="408240"/>
+              </a:tabLst>
+            </a:pPr>
+            <a:r>
+              <a:rPr b="1" lang="en-US" sz="1400" strike="noStrike" u="none">
+                <a:solidFill>
+                  <a:srgbClr val="ff0000"/>
+                </a:solidFill>
+                <a:uFillTx/>
+                <a:latin typeface="Arial"/>
+              </a:rPr>
+              <a:t>Coroutine</a:t>
+            </a:r>
+            <a:r>
+              <a:rPr b="1" lang="en-US" sz="1500" strike="noStrike" u="none">
+                <a:solidFill>
+                  <a:srgbClr val="ff0000"/>
+                </a:solidFill>
+                <a:uFillTx/>
+                <a:latin typeface="Arial"/>
+              </a:rPr>
+              <a:t>(C)</a:t>
+            </a:r>
+            <a:r>
+              <a:rPr b="0" lang="en-US" sz="1500" strike="noStrike" u="none">
+                <a:solidFill>
+                  <a:srgbClr val="000000"/>
+                </a:solidFill>
+                <a:uFillTx/>
+                <a:latin typeface="Arial"/>
+              </a:rPr>
+              <a:t>,</a:t>
+            </a:r>
+            <a:r>
+              <a:rPr b="1" lang="en-US" sz="1500" strike="noStrike" u="none">
+                <a:solidFill>
+                  <a:srgbClr val="468a1a"/>
+                </a:solidFill>
+                <a:uFillTx/>
+                <a:latin typeface="Arial"/>
+              </a:rPr>
+              <a:t>Multithreading(T)</a:t>
+            </a:r>
+            <a:endParaRPr b="0" lang="en-US" sz="1500" strike="noStrike" u="none">
+              <a:solidFill>
+                <a:srgbClr val="000000"/>
+              </a:solidFill>
+              <a:uFillTx/>
+              <a:latin typeface="Arial"/>
+            </a:endParaRPr>
+          </a:p>
+        </p:txBody>
+      </p:sp>
+      <p:pic>
+        <p:nvPicPr>
+          <p:cNvPr id="27" name="" descr=""/>
+          <p:cNvPicPr/>
+          <p:nvPr/>
+        </p:nvPicPr>
+        <p:blipFill>
+          <a:blip r:embed="rId1"/>
+          <a:stretch/>
+        </p:blipFill>
+        <p:spPr>
+          <a:xfrm>
+            <a:off x="7776000" y="5688000"/>
+            <a:ext cx="1080000" cy="1080000"/>
+          </a:xfrm>
+          <a:prstGeom prst="rect">
+            <a:avLst/>
+          </a:prstGeom>
+          <a:ln w="0">
+            <a:noFill/>
+          </a:ln>
+        </p:spPr>
+      </p:pic>
+      <p:pic>
+        <p:nvPicPr>
+          <p:cNvPr id="28" name="" descr=""/>
+          <p:cNvPicPr/>
+          <p:nvPr/>
+        </p:nvPicPr>
+        <p:blipFill>
+          <a:blip r:embed="rId2"/>
+          <a:stretch/>
+        </p:blipFill>
+        <p:spPr>
+          <a:xfrm>
+            <a:off x="4608000" y="6048000"/>
+            <a:ext cx="720000" cy="720000"/>
+          </a:xfrm>
+          <a:prstGeom prst="rect">
+            <a:avLst/>
+          </a:prstGeom>
+          <a:ln w="0">
+            <a:noFill/>
+          </a:ln>
+        </p:spPr>
+      </p:pic>
+      <p:pic>
+        <p:nvPicPr>
+          <p:cNvPr id="29" name="" descr=""/>
+          <p:cNvPicPr/>
+          <p:nvPr/>
+        </p:nvPicPr>
+        <p:blipFill>
+          <a:blip r:embed="rId3"/>
+          <a:stretch/>
+        </p:blipFill>
+        <p:spPr>
+          <a:xfrm>
+            <a:off x="1152000" y="5940000"/>
+            <a:ext cx="1080000" cy="827640"/>
+          </a:xfrm>
+          <a:prstGeom prst="rect">
+            <a:avLst/>
+          </a:prstGeom>
+          <a:ln w="0">
+            <a:noFill/>
+          </a:ln>
+        </p:spPr>
+      </p:pic>
     </p:spTree>
   </p:cSld>
   <mc:AlternateContent>
@@ -1722,24 +2286,26 @@
       </p:grpSpPr>
       <p:sp>
         <p:nvSpPr>
-          <p:cNvPr id="18" name=""/>
+          <p:cNvPr id="30" name=""/>
           <p:cNvSpPr/>
           <p:nvPr/>
         </p:nvSpPr>
         <p:spPr>
           <a:xfrm>
-            <a:off x="552600" y="2724480"/>
-            <a:ext cx="4924440" cy="4267080"/>
-          </a:xfrm>
-          <a:prstGeom prst="rect">
-            <a:avLst/>
+            <a:off x="360000" y="2520000"/>
+            <a:ext cx="4680000" cy="4320000"/>
+          </a:xfrm>
+          <a:prstGeom prst="roundRect">
+            <a:avLst>
+              <a:gd name="adj" fmla="val 8749"/>
+            </a:avLst>
           </a:prstGeom>
           <a:solidFill>
             <a:srgbClr val="afd095"/>
           </a:solidFill>
           <a:ln w="0">
             <a:solidFill>
-              <a:srgbClr val="afd095"/>
+              <a:srgbClr val="3465a4"/>
             </a:solidFill>
           </a:ln>
         </p:spPr>
@@ -1754,7 +2320,706 @@
             <a:noAutofit/>
           </a:bodyPr>
           <a:p>
-            <a:endParaRPr b="0" lang="en-US" sz="1800" strike="noStrike" u="none">
+            <a:pPr>
+              <a:lnSpc>
+                <a:spcPct val="100000"/>
+              </a:lnSpc>
+              <a:spcBef>
+                <a:spcPts val="57"/>
+              </a:spcBef>
+            </a:pPr>
+            <a:r>
+              <a:rPr b="0" lang="en-US" sz="1400" strike="noStrike" u="none">
+                <a:solidFill>
+                  <a:srgbClr val="000000"/>
+                </a:solidFill>
+                <a:uFillTx/>
+                <a:latin typeface="Arial"/>
+                <a:ea typeface="Noto Sans SC"/>
+              </a:rPr>
+              <a:t>SetChargingProfileRequest {</a:t>
+            </a:r>
+            <a:endParaRPr b="0" lang="en-US" sz="1400" strike="noStrike" u="none">
+              <a:solidFill>
+                <a:srgbClr val="000000"/>
+              </a:solidFill>
+              <a:uFillTx/>
+              <a:latin typeface="Arial"/>
+            </a:endParaRPr>
+          </a:p>
+          <a:p>
+            <a:pPr>
+              <a:lnSpc>
+                <a:spcPct val="100000"/>
+              </a:lnSpc>
+              <a:spcBef>
+                <a:spcPts val="57"/>
+              </a:spcBef>
+            </a:pPr>
+            <a:r>
+              <a:rPr b="0" lang="en-US" sz="1400" strike="noStrike" u="none">
+                <a:solidFill>
+                  <a:srgbClr val="000000"/>
+                </a:solidFill>
+                <a:uFillTx/>
+                <a:latin typeface="Arial"/>
+                <a:ea typeface="Noto Sans SC"/>
+              </a:rPr>
+              <a:t>    </a:t>
+            </a:r>
+            <a:r>
+              <a:rPr b="0" lang="en-US" sz="1400" strike="noStrike" u="none">
+                <a:solidFill>
+                  <a:srgbClr val="000000"/>
+                </a:solidFill>
+                <a:uFillTx/>
+                <a:latin typeface="Arial"/>
+                <a:ea typeface="Noto Sans SC"/>
+              </a:rPr>
+              <a:t>"evseId": 1,</a:t>
+            </a:r>
+            <a:endParaRPr b="0" lang="en-US" sz="1400" strike="noStrike" u="none">
+              <a:solidFill>
+                <a:srgbClr val="000000"/>
+              </a:solidFill>
+              <a:uFillTx/>
+              <a:latin typeface="Arial"/>
+            </a:endParaRPr>
+          </a:p>
+          <a:p>
+            <a:pPr>
+              <a:lnSpc>
+                <a:spcPct val="100000"/>
+              </a:lnSpc>
+              <a:spcBef>
+                <a:spcPts val="57"/>
+              </a:spcBef>
+            </a:pPr>
+            <a:r>
+              <a:rPr b="0" lang="en-US" sz="1400" strike="noStrike" u="none">
+                <a:solidFill>
+                  <a:srgbClr val="000000"/>
+                </a:solidFill>
+                <a:uFillTx/>
+                <a:latin typeface="Arial"/>
+                <a:ea typeface="Noto Sans SC"/>
+              </a:rPr>
+              <a:t>    </a:t>
+            </a:r>
+            <a:r>
+              <a:rPr b="0" lang="en-US" sz="1400" strike="noStrike" u="none">
+                <a:solidFill>
+                  <a:srgbClr val="000000"/>
+                </a:solidFill>
+                <a:uFillTx/>
+                <a:latin typeface="Arial"/>
+                <a:ea typeface="Noto Sans SC"/>
+              </a:rPr>
+              <a:t>"chargingProfile": {</a:t>
+            </a:r>
+            <a:endParaRPr b="0" lang="en-US" sz="1400" strike="noStrike" u="none">
+              <a:solidFill>
+                <a:srgbClr val="000000"/>
+              </a:solidFill>
+              <a:uFillTx/>
+              <a:latin typeface="Arial"/>
+            </a:endParaRPr>
+          </a:p>
+          <a:p>
+            <a:pPr>
+              <a:lnSpc>
+                <a:spcPct val="100000"/>
+              </a:lnSpc>
+              <a:spcBef>
+                <a:spcPts val="57"/>
+              </a:spcBef>
+            </a:pPr>
+            <a:r>
+              <a:rPr b="0" lang="en-US" sz="1400" strike="noStrike" u="none">
+                <a:solidFill>
+                  <a:srgbClr val="000000"/>
+                </a:solidFill>
+                <a:uFillTx/>
+                <a:latin typeface="Arial"/>
+                <a:ea typeface="Noto Sans SC"/>
+              </a:rPr>
+              <a:t>        </a:t>
+            </a:r>
+            <a:r>
+              <a:rPr b="0" lang="en-US" sz="1400" strike="noStrike" u="none">
+                <a:solidFill>
+                  <a:srgbClr val="000000"/>
+                </a:solidFill>
+                <a:uFillTx/>
+                <a:latin typeface="Arial"/>
+                <a:ea typeface="Noto Sans SC"/>
+              </a:rPr>
+              <a:t>"id": 1,</a:t>
+            </a:r>
+            <a:endParaRPr b="0" lang="en-US" sz="1400" strike="noStrike" u="none">
+              <a:solidFill>
+                <a:srgbClr val="000000"/>
+              </a:solidFill>
+              <a:uFillTx/>
+              <a:latin typeface="Arial"/>
+            </a:endParaRPr>
+          </a:p>
+          <a:p>
+            <a:pPr>
+              <a:lnSpc>
+                <a:spcPct val="100000"/>
+              </a:lnSpc>
+              <a:spcBef>
+                <a:spcPts val="57"/>
+              </a:spcBef>
+            </a:pPr>
+            <a:r>
+              <a:rPr b="0" lang="en-US" sz="1400" strike="noStrike" u="none">
+                <a:solidFill>
+                  <a:srgbClr val="000000"/>
+                </a:solidFill>
+                <a:uFillTx/>
+                <a:latin typeface="Arial"/>
+                <a:ea typeface="Noto Sans SC"/>
+              </a:rPr>
+              <a:t>        </a:t>
+            </a:r>
+            <a:r>
+              <a:rPr b="0" lang="en-US" sz="1400" strike="noStrike" u="none">
+                <a:solidFill>
+                  <a:srgbClr val="000000"/>
+                </a:solidFill>
+                <a:uFillTx/>
+                <a:latin typeface="Arial"/>
+                <a:ea typeface="Noto Sans SC"/>
+              </a:rPr>
+              <a:t>"stackLevel": 1,</a:t>
+            </a:r>
+            <a:endParaRPr b="0" lang="en-US" sz="1400" strike="noStrike" u="none">
+              <a:solidFill>
+                <a:srgbClr val="000000"/>
+              </a:solidFill>
+              <a:uFillTx/>
+              <a:latin typeface="Arial"/>
+            </a:endParaRPr>
+          </a:p>
+          <a:p>
+            <a:pPr>
+              <a:lnSpc>
+                <a:spcPct val="100000"/>
+              </a:lnSpc>
+              <a:spcBef>
+                <a:spcPts val="57"/>
+              </a:spcBef>
+            </a:pPr>
+            <a:r>
+              <a:rPr b="0" lang="en-US" sz="1400" strike="noStrike" u="none">
+                <a:solidFill>
+                  <a:srgbClr val="000000"/>
+                </a:solidFill>
+                <a:uFillTx/>
+                <a:latin typeface="Arial"/>
+                <a:ea typeface="Noto Sans SC"/>
+              </a:rPr>
+              <a:t>        </a:t>
+            </a:r>
+            <a:r>
+              <a:rPr b="0" lang="en-US" sz="1400" strike="noStrike" u="none">
+                <a:solidFill>
+                  <a:srgbClr val="000000"/>
+                </a:solidFill>
+                <a:uFillTx/>
+                <a:latin typeface="Arial"/>
+                <a:ea typeface="Noto Sans SC"/>
+              </a:rPr>
+              <a:t>"chargingProfilePurpose": "TxProfile",</a:t>
+            </a:r>
+            <a:endParaRPr b="0" lang="en-US" sz="1400" strike="noStrike" u="none">
+              <a:solidFill>
+                <a:srgbClr val="000000"/>
+              </a:solidFill>
+              <a:uFillTx/>
+              <a:latin typeface="Arial"/>
+            </a:endParaRPr>
+          </a:p>
+          <a:p>
+            <a:pPr>
+              <a:lnSpc>
+                <a:spcPct val="100000"/>
+              </a:lnSpc>
+              <a:spcBef>
+                <a:spcPts val="57"/>
+              </a:spcBef>
+            </a:pPr>
+            <a:r>
+              <a:rPr b="0" lang="en-US" sz="1400" strike="noStrike" u="none">
+                <a:solidFill>
+                  <a:srgbClr val="000000"/>
+                </a:solidFill>
+                <a:uFillTx/>
+                <a:latin typeface="Arial"/>
+                <a:ea typeface="Noto Sans SC"/>
+              </a:rPr>
+              <a:t>        </a:t>
+            </a:r>
+            <a:r>
+              <a:rPr b="0" lang="en-US" sz="1400" strike="noStrike" u="none">
+                <a:solidFill>
+                  <a:srgbClr val="000000"/>
+                </a:solidFill>
+                <a:uFillTx/>
+                <a:latin typeface="Arial"/>
+                <a:ea typeface="Noto Sans SC"/>
+              </a:rPr>
+              <a:t>"chargingProfileKind": "Absolute",</a:t>
+            </a:r>
+            <a:endParaRPr b="0" lang="en-US" sz="1400" strike="noStrike" u="none">
+              <a:solidFill>
+                <a:srgbClr val="000000"/>
+              </a:solidFill>
+              <a:uFillTx/>
+              <a:latin typeface="Arial"/>
+            </a:endParaRPr>
+          </a:p>
+          <a:p>
+            <a:pPr>
+              <a:lnSpc>
+                <a:spcPct val="100000"/>
+              </a:lnSpc>
+              <a:spcBef>
+                <a:spcPts val="57"/>
+              </a:spcBef>
+            </a:pPr>
+            <a:r>
+              <a:rPr b="0" lang="en-US" sz="1400" strike="noStrike" u="none">
+                <a:solidFill>
+                  <a:srgbClr val="000000"/>
+                </a:solidFill>
+                <a:uFillTx/>
+                <a:latin typeface="Arial"/>
+                <a:ea typeface="Noto Sans SC"/>
+              </a:rPr>
+              <a:t>        </a:t>
+            </a:r>
+            <a:r>
+              <a:rPr b="0" lang="en-US" sz="1400" strike="noStrike" u="none">
+                <a:solidFill>
+                  <a:srgbClr val="000000"/>
+                </a:solidFill>
+                <a:uFillTx/>
+                <a:latin typeface="Arial"/>
+                <a:ea typeface="Noto Sans SC"/>
+              </a:rPr>
+              <a:t>"chargingSchedule": [{</a:t>
+            </a:r>
+            <a:endParaRPr b="0" lang="en-US" sz="1400" strike="noStrike" u="none">
+              <a:solidFill>
+                <a:srgbClr val="000000"/>
+              </a:solidFill>
+              <a:uFillTx/>
+              <a:latin typeface="Arial"/>
+            </a:endParaRPr>
+          </a:p>
+          <a:p>
+            <a:pPr>
+              <a:lnSpc>
+                <a:spcPct val="100000"/>
+              </a:lnSpc>
+              <a:spcBef>
+                <a:spcPts val="57"/>
+              </a:spcBef>
+            </a:pPr>
+            <a:r>
+              <a:rPr b="0" lang="en-US" sz="1400" strike="noStrike" u="none">
+                <a:solidFill>
+                  <a:srgbClr val="000000"/>
+                </a:solidFill>
+                <a:uFillTx/>
+                <a:latin typeface="Arial"/>
+                <a:ea typeface="Noto Sans SC"/>
+              </a:rPr>
+              <a:t>            </a:t>
+            </a:r>
+            <a:r>
+              <a:rPr b="0" lang="en-US" sz="1400" strike="noStrike" u="none">
+                <a:solidFill>
+                  <a:srgbClr val="000000"/>
+                </a:solidFill>
+                <a:uFillTx/>
+                <a:latin typeface="Arial"/>
+                <a:ea typeface="Noto Sans SC"/>
+              </a:rPr>
+              <a:t>"id": 1,</a:t>
+            </a:r>
+            <a:endParaRPr b="0" lang="en-US" sz="1400" strike="noStrike" u="none">
+              <a:solidFill>
+                <a:srgbClr val="000000"/>
+              </a:solidFill>
+              <a:uFillTx/>
+              <a:latin typeface="Arial"/>
+            </a:endParaRPr>
+          </a:p>
+          <a:p>
+            <a:pPr>
+              <a:lnSpc>
+                <a:spcPct val="100000"/>
+              </a:lnSpc>
+              <a:spcBef>
+                <a:spcPts val="57"/>
+              </a:spcBef>
+            </a:pPr>
+            <a:r>
+              <a:rPr b="0" lang="en-US" sz="1400" strike="noStrike" u="none">
+                <a:solidFill>
+                  <a:srgbClr val="000000"/>
+                </a:solidFill>
+                <a:uFillTx/>
+                <a:latin typeface="Arial"/>
+                <a:ea typeface="Noto Sans SC"/>
+              </a:rPr>
+              <a:t>            </a:t>
+            </a:r>
+            <a:r>
+              <a:rPr b="0" lang="en-US" sz="1400" strike="noStrike" u="none">
+                <a:solidFill>
+                  <a:srgbClr val="000000"/>
+                </a:solidFill>
+                <a:uFillTx/>
+                <a:latin typeface="Arial"/>
+                <a:ea typeface="Noto Sans SC"/>
+              </a:rPr>
+              <a:t>"chargingRateUnit": "W",</a:t>
+            </a:r>
+            <a:endParaRPr b="0" lang="en-US" sz="1400" strike="noStrike" u="none">
+              <a:solidFill>
+                <a:srgbClr val="000000"/>
+              </a:solidFill>
+              <a:uFillTx/>
+              <a:latin typeface="Arial"/>
+            </a:endParaRPr>
+          </a:p>
+          <a:p>
+            <a:pPr>
+              <a:lnSpc>
+                <a:spcPct val="100000"/>
+              </a:lnSpc>
+              <a:spcBef>
+                <a:spcPts val="57"/>
+              </a:spcBef>
+            </a:pPr>
+            <a:r>
+              <a:rPr b="0" lang="en-US" sz="1400" strike="noStrike" u="none">
+                <a:solidFill>
+                  <a:srgbClr val="000000"/>
+                </a:solidFill>
+                <a:uFillTx/>
+                <a:latin typeface="Arial"/>
+                <a:ea typeface="Noto Sans SC"/>
+              </a:rPr>
+              <a:t>            </a:t>
+            </a:r>
+            <a:r>
+              <a:rPr b="0" lang="en-US" sz="1400" strike="noStrike" u="none">
+                <a:solidFill>
+                  <a:srgbClr val="000000"/>
+                </a:solidFill>
+                <a:uFillTx/>
+                <a:latin typeface="Arial"/>
+                <a:ea typeface="Noto Sans SC"/>
+              </a:rPr>
+              <a:t>"chargingSchedulePeriod": [</a:t>
+            </a:r>
+            <a:endParaRPr b="0" lang="en-US" sz="1400" strike="noStrike" u="none">
+              <a:solidFill>
+                <a:srgbClr val="000000"/>
+              </a:solidFill>
+              <a:uFillTx/>
+              <a:latin typeface="Arial"/>
+            </a:endParaRPr>
+          </a:p>
+          <a:p>
+            <a:pPr>
+              <a:lnSpc>
+                <a:spcPct val="100000"/>
+              </a:lnSpc>
+              <a:spcBef>
+                <a:spcPts val="57"/>
+              </a:spcBef>
+            </a:pPr>
+            <a:r>
+              <a:rPr b="0" lang="en-US" sz="1400" strike="noStrike" u="none">
+                <a:solidFill>
+                  <a:srgbClr val="000000"/>
+                </a:solidFill>
+                <a:uFillTx/>
+                <a:latin typeface="Arial"/>
+                <a:ea typeface="Noto Sans SC"/>
+              </a:rPr>
+              <a:t>                </a:t>
+            </a:r>
+            <a:r>
+              <a:rPr b="0" lang="en-US" sz="1400" strike="noStrike" u="none">
+                <a:solidFill>
+                  <a:srgbClr val="000000"/>
+                </a:solidFill>
+                <a:uFillTx/>
+                <a:latin typeface="Arial"/>
+                <a:ea typeface="Noto Sans SC"/>
+              </a:rPr>
+              <a:t>{ "startPeriod": 0, "limit": 2845 },</a:t>
+            </a:r>
+            <a:endParaRPr b="0" lang="en-US" sz="1400" strike="noStrike" u="none">
+              <a:solidFill>
+                <a:srgbClr val="000000"/>
+              </a:solidFill>
+              <a:uFillTx/>
+              <a:latin typeface="Arial"/>
+            </a:endParaRPr>
+          </a:p>
+          <a:p>
+            <a:pPr>
+              <a:lnSpc>
+                <a:spcPct val="100000"/>
+              </a:lnSpc>
+              <a:spcBef>
+                <a:spcPts val="57"/>
+              </a:spcBef>
+            </a:pPr>
+            <a:r>
+              <a:rPr b="0" lang="en-US" sz="1400" strike="noStrike" u="none">
+                <a:solidFill>
+                  <a:srgbClr val="000000"/>
+                </a:solidFill>
+                <a:uFillTx/>
+                <a:latin typeface="Arial"/>
+                <a:ea typeface="Noto Sans SC"/>
+              </a:rPr>
+              <a:t>                </a:t>
+            </a:r>
+            <a:r>
+              <a:rPr b="0" lang="en-US" sz="1400" strike="noStrike" u="none">
+                <a:solidFill>
+                  <a:srgbClr val="000000"/>
+                </a:solidFill>
+                <a:uFillTx/>
+                <a:latin typeface="Arial"/>
+                <a:ea typeface="Noto Sans SC"/>
+              </a:rPr>
+              <a:t>{"startPeriod": 10, "limit": 2845 }, …</a:t>
+            </a:r>
+            <a:endParaRPr b="0" lang="en-US" sz="1400" strike="noStrike" u="none">
+              <a:solidFill>
+                <a:srgbClr val="000000"/>
+              </a:solidFill>
+              <a:uFillTx/>
+              <a:latin typeface="Arial"/>
+            </a:endParaRPr>
+          </a:p>
+          <a:p>
+            <a:pPr>
+              <a:lnSpc>
+                <a:spcPct val="100000"/>
+              </a:lnSpc>
+              <a:spcBef>
+                <a:spcPts val="57"/>
+              </a:spcBef>
+            </a:pPr>
+            <a:r>
+              <a:rPr b="0" lang="en-US" sz="1400" strike="noStrike" u="none">
+                <a:solidFill>
+                  <a:srgbClr val="000000"/>
+                </a:solidFill>
+                <a:uFillTx/>
+                <a:latin typeface="Arial"/>
+                <a:ea typeface="Noto Sans SC"/>
+              </a:rPr>
+              <a:t>            </a:t>
+            </a:r>
+            <a:r>
+              <a:rPr b="0" lang="en-US" sz="1400" strike="noStrike" u="none">
+                <a:solidFill>
+                  <a:srgbClr val="000000"/>
+                </a:solidFill>
+                <a:uFillTx/>
+                <a:latin typeface="Arial"/>
+                <a:ea typeface="Noto Sans SC"/>
+              </a:rPr>
+              <a:t>],</a:t>
+            </a:r>
+            <a:endParaRPr b="0" lang="en-US" sz="1400" strike="noStrike" u="none">
+              <a:solidFill>
+                <a:srgbClr val="000000"/>
+              </a:solidFill>
+              <a:uFillTx/>
+              <a:latin typeface="Arial"/>
+            </a:endParaRPr>
+          </a:p>
+          <a:p>
+            <a:pPr>
+              <a:lnSpc>
+                <a:spcPct val="100000"/>
+              </a:lnSpc>
+              <a:spcBef>
+                <a:spcPts val="57"/>
+              </a:spcBef>
+            </a:pPr>
+            <a:r>
+              <a:rPr b="0" lang="en-US" sz="1400" strike="noStrike" u="none">
+                <a:solidFill>
+                  <a:srgbClr val="000000"/>
+                </a:solidFill>
+                <a:uFillTx/>
+                <a:latin typeface="Arial"/>
+                <a:ea typeface="Noto Sans SC"/>
+              </a:rPr>
+              <a:t>            </a:t>
+            </a:r>
+            <a:r>
+              <a:rPr b="0" lang="en-US" sz="1400" strike="noStrike" u="none">
+                <a:solidFill>
+                  <a:srgbClr val="000000"/>
+                </a:solidFill>
+                <a:uFillTx/>
+                <a:latin typeface="Arial"/>
+                <a:ea typeface="Noto Sans SC"/>
+              </a:rPr>
+              <a:t>"startSchedule": "2025-04-28T15: 41: 53Z"}, … ],</a:t>
+            </a:r>
+            <a:endParaRPr b="0" lang="en-US" sz="1400" strike="noStrike" u="none">
+              <a:solidFill>
+                <a:srgbClr val="000000"/>
+              </a:solidFill>
+              <a:uFillTx/>
+              <a:latin typeface="Arial"/>
+            </a:endParaRPr>
+          </a:p>
+          <a:p>
+            <a:pPr>
+              <a:lnSpc>
+                <a:spcPct val="100000"/>
+              </a:lnSpc>
+              <a:spcBef>
+                <a:spcPts val="57"/>
+              </a:spcBef>
+            </a:pPr>
+            <a:r>
+              <a:rPr b="0" lang="en-US" sz="1400" strike="noStrike" u="none">
+                <a:solidFill>
+                  <a:srgbClr val="000000"/>
+                </a:solidFill>
+                <a:uFillTx/>
+                <a:latin typeface="Arial"/>
+                <a:ea typeface="Noto Sans SC"/>
+              </a:rPr>
+              <a:t>        …</a:t>
+            </a:r>
+            <a:endParaRPr b="0" lang="en-US" sz="1400" strike="noStrike" u="none">
+              <a:solidFill>
+                <a:srgbClr val="000000"/>
+              </a:solidFill>
+              <a:uFillTx/>
+              <a:latin typeface="Arial"/>
+            </a:endParaRPr>
+          </a:p>
+          <a:p>
+            <a:pPr>
+              <a:lnSpc>
+                <a:spcPct val="100000"/>
+              </a:lnSpc>
+              <a:spcBef>
+                <a:spcPts val="57"/>
+              </a:spcBef>
+            </a:pPr>
+            <a:r>
+              <a:rPr b="0" lang="en-US" sz="1400" strike="noStrike" u="none">
+                <a:solidFill>
+                  <a:srgbClr val="000000"/>
+                </a:solidFill>
+                <a:uFillTx/>
+                <a:latin typeface="Arial"/>
+                <a:ea typeface="Noto Sans SC"/>
+              </a:rPr>
+              <a:t>    </a:t>
+            </a:r>
+            <a:r>
+              <a:rPr b="0" lang="en-US" sz="1400" strike="noStrike" u="none">
+                <a:solidFill>
+                  <a:srgbClr val="000000"/>
+                </a:solidFill>
+                <a:uFillTx/>
+                <a:latin typeface="Arial"/>
+                <a:ea typeface="Noto Sans SC"/>
+              </a:rPr>
+              <a:t>},</a:t>
+            </a:r>
+            <a:endParaRPr b="0" lang="en-US" sz="1400" strike="noStrike" u="none">
+              <a:solidFill>
+                <a:srgbClr val="000000"/>
+              </a:solidFill>
+              <a:uFillTx/>
+              <a:latin typeface="Arial"/>
+            </a:endParaRPr>
+          </a:p>
+          <a:p>
+            <a:pPr>
+              <a:lnSpc>
+                <a:spcPct val="100000"/>
+              </a:lnSpc>
+              <a:spcBef>
+                <a:spcPts val="57"/>
+              </a:spcBef>
+            </a:pPr>
+            <a:r>
+              <a:rPr b="0" lang="en-US" sz="1400" strike="noStrike" u="none">
+                <a:solidFill>
+                  <a:srgbClr val="000000"/>
+                </a:solidFill>
+                <a:uFillTx/>
+                <a:latin typeface="Arial"/>
+                <a:ea typeface="Noto Sans SC"/>
+              </a:rPr>
+              <a:t>    </a:t>
+            </a:r>
+            <a:r>
+              <a:rPr b="0" lang="en-US" sz="1400" strike="noStrike" u="none">
+                <a:solidFill>
+                  <a:srgbClr val="000000"/>
+                </a:solidFill>
+                <a:uFillTx/>
+                <a:latin typeface="Arial"/>
+                <a:ea typeface="Noto Sans SC"/>
+              </a:rPr>
+              <a:t>"customData": { "vendorId": "001" }</a:t>
+            </a:r>
+            <a:endParaRPr b="0" lang="en-US" sz="1400" strike="noStrike" u="none">
+              <a:solidFill>
+                <a:srgbClr val="000000"/>
+              </a:solidFill>
+              <a:uFillTx/>
+              <a:latin typeface="Arial"/>
+            </a:endParaRPr>
+          </a:p>
+          <a:p>
+            <a:pPr>
+              <a:lnSpc>
+                <a:spcPct val="100000"/>
+              </a:lnSpc>
+              <a:spcBef>
+                <a:spcPts val="57"/>
+              </a:spcBef>
+            </a:pPr>
+            <a:r>
+              <a:rPr b="0" lang="en-US" sz="1400" strike="noStrike" u="none">
+                <a:solidFill>
+                  <a:srgbClr val="000000"/>
+                </a:solidFill>
+                <a:uFillTx/>
+                <a:latin typeface="Arial"/>
+                <a:ea typeface="Noto Sans SC"/>
+              </a:rPr>
+              <a:t>} </a:t>
+            </a:r>
+            <a:endParaRPr b="0" lang="en-US" sz="1400" strike="noStrike" u="none">
               <a:solidFill>
                 <a:srgbClr val="000000"/>
               </a:solidFill>
@@ -1766,7 +3031,7 @@
       </p:sp>
       <p:sp>
         <p:nvSpPr>
-          <p:cNvPr id="19" name="PlaceHolder 1"/>
+          <p:cNvPr id="31" name="PlaceHolder 1"/>
           <p:cNvSpPr>
             <a:spLocks noGrp="1"/>
           </p:cNvSpPr>
@@ -1777,7 +3042,7 @@
         <p:spPr>
           <a:xfrm>
             <a:off x="457200" y="491760"/>
-            <a:ext cx="8277120" cy="1024200"/>
+            <a:ext cx="8276400" cy="1023480"/>
           </a:xfrm>
           <a:prstGeom prst="rect">
             <a:avLst/>
@@ -1793,6 +3058,9 @@
           </a:bodyPr>
           <a:p>
             <a:pPr indent="0">
+              <a:lnSpc>
+                <a:spcPct val="100000"/>
+              </a:lnSpc>
               <a:spcBef>
                 <a:spcPts val="1191"/>
               </a:spcBef>
@@ -1800,6 +3068,9 @@
                 <a:spcPts val="992"/>
               </a:spcAft>
               <a:buNone/>
+              <a:tabLst>
+                <a:tab algn="l" pos="0"/>
+              </a:tabLst>
             </a:pPr>
             <a:r>
               <a:rPr b="0" lang="en-US" sz="3600" strike="noStrike" u="none">
@@ -1810,17 +3081,7 @@
                 <a:latin typeface="Arial"/>
                 <a:ea typeface="Noto Sans SC"/>
               </a:rPr>
-              <a:t>System Architecture -</a:t>
-            </a:r>
-            <a:r>
-              <a:rPr b="0" lang="en-US" sz="3600" strike="noStrike" u="none">
-                <a:solidFill>
-                  <a:srgbClr val="000000"/>
-                </a:solidFill>
-                <a:uFillTx/>
-                <a:latin typeface="Arial"/>
-              </a:rPr>
-              <a:t> Implementation </a:t>
+              <a:t>System Architecture - Implementation </a:t>
             </a:r>
             <a:endParaRPr b="0" lang="en-US" sz="3600" strike="noStrike" u="none">
               <a:solidFill>
@@ -1834,7 +3095,7 @@
       </p:sp>
       <p:sp>
         <p:nvSpPr>
-          <p:cNvPr id="20" name="PlaceHolder 2"/>
+          <p:cNvPr id="32" name="PlaceHolder 2"/>
           <p:cNvSpPr>
             <a:spLocks noGrp="1"/>
           </p:cNvSpPr>
@@ -1844,8 +3105,8 @@
         </p:nvSpPr>
         <p:spPr>
           <a:xfrm>
-            <a:off x="456840" y="2257560"/>
-            <a:ext cx="9139320" cy="561960"/>
+            <a:off x="456840" y="2185560"/>
+            <a:ext cx="3683160" cy="442440"/>
           </a:xfrm>
           <a:prstGeom prst="rect">
             <a:avLst/>
@@ -1861,6 +3122,9 @@
           </a:bodyPr>
           <a:p>
             <a:pPr marL="432000" indent="-324000">
+              <a:lnSpc>
+                <a:spcPct val="100000"/>
+              </a:lnSpc>
               <a:spcBef>
                 <a:spcPts val="1417"/>
               </a:spcBef>
@@ -1872,7 +3136,7 @@
               <a:buChar char=""/>
             </a:pPr>
             <a:r>
-              <a:rPr b="0" lang="en-US" sz="2800" strike="noStrike" u="none">
+              <a:rPr b="1" lang="en-US" sz="1800" strike="noStrike" u="none">
                 <a:solidFill>
                   <a:srgbClr val="000000"/>
                 </a:solidFill>
@@ -1881,7 +3145,7 @@
               </a:rPr>
               <a:t>OCPP v2.0.1 Message (JSON)</a:t>
             </a:r>
-            <a:endParaRPr b="0" lang="en-US" sz="2800" strike="noStrike" u="none">
+            <a:endParaRPr b="1" lang="en-US" sz="1800" strike="noStrike" u="none">
               <a:solidFill>
                 <a:srgbClr val="000000"/>
               </a:solidFill>
@@ -1893,766 +3157,14 @@
       </p:sp>
       <p:sp>
         <p:nvSpPr>
-          <p:cNvPr id="21" name=""/>
-          <p:cNvSpPr txBox="1"/>
-          <p:nvPr/>
-        </p:nvSpPr>
-        <p:spPr>
-          <a:xfrm>
-            <a:off x="619200" y="2724480"/>
-            <a:ext cx="4962600" cy="4267080"/>
-          </a:xfrm>
-          <a:prstGeom prst="rect">
-            <a:avLst/>
-          </a:prstGeom>
-          <a:noFill/>
-          <a:ln w="0">
-            <a:noFill/>
-          </a:ln>
-        </p:spPr>
-        <p:txBody>
-          <a:bodyPr lIns="90000" rIns="90000" tIns="45000" bIns="45000" anchor="t">
-            <a:noAutofit/>
-          </a:bodyPr>
-          <a:p>
-            <a:pPr>
-              <a:lnSpc>
-                <a:spcPct val="100000"/>
-              </a:lnSpc>
-              <a:spcBef>
-                <a:spcPts val="57"/>
-              </a:spcBef>
-            </a:pPr>
-            <a:r>
-              <a:rPr b="0" lang="en-US" sz="1500" strike="noStrike" u="none">
-                <a:solidFill>
-                  <a:srgbClr val="000000"/>
-                </a:solidFill>
-                <a:uFillTx/>
-                <a:latin typeface="Arial"/>
-                <a:ea typeface="Noto Sans SC"/>
-              </a:rPr>
-              <a:t>SetChargingProfileRequest {</a:t>
-            </a:r>
-            <a:endParaRPr b="0" lang="en-US" sz="1500" strike="noStrike" u="none">
-              <a:solidFill>
-                <a:srgbClr val="000000"/>
-              </a:solidFill>
-              <a:uFillTx/>
-              <a:latin typeface="Arial"/>
-              <a:ea typeface="Noto Sans SC"/>
-            </a:endParaRPr>
-          </a:p>
-          <a:p>
-            <a:pPr>
-              <a:lnSpc>
-                <a:spcPct val="100000"/>
-              </a:lnSpc>
-              <a:spcBef>
-                <a:spcPts val="57"/>
-              </a:spcBef>
-            </a:pPr>
-            <a:r>
-              <a:rPr b="0" lang="en-US" sz="1500" strike="noStrike" u="none">
-                <a:solidFill>
-                  <a:srgbClr val="000000"/>
-                </a:solidFill>
-                <a:uFillTx/>
-                <a:latin typeface="Arial"/>
-                <a:ea typeface="Noto Sans SC"/>
-              </a:rPr>
-              <a:t>    </a:t>
-            </a:r>
-            <a:r>
-              <a:rPr b="0" lang="en-US" sz="1500" strike="noStrike" u="none">
-                <a:solidFill>
-                  <a:srgbClr val="000000"/>
-                </a:solidFill>
-                <a:uFillTx/>
-                <a:latin typeface="Arial"/>
-                <a:ea typeface="Noto Sans SC"/>
-              </a:rPr>
-              <a:t>"evseId": 1,</a:t>
-            </a:r>
-            <a:endParaRPr b="0" lang="en-US" sz="1500" strike="noStrike" u="none">
-              <a:solidFill>
-                <a:srgbClr val="000000"/>
-              </a:solidFill>
-              <a:uFillTx/>
-              <a:latin typeface="Arial"/>
-              <a:ea typeface="Noto Sans SC"/>
-            </a:endParaRPr>
-          </a:p>
-          <a:p>
-            <a:pPr>
-              <a:lnSpc>
-                <a:spcPct val="100000"/>
-              </a:lnSpc>
-              <a:spcBef>
-                <a:spcPts val="57"/>
-              </a:spcBef>
-            </a:pPr>
-            <a:r>
-              <a:rPr b="0" lang="en-US" sz="1500" strike="noStrike" u="none">
-                <a:solidFill>
-                  <a:srgbClr val="000000"/>
-                </a:solidFill>
-                <a:uFillTx/>
-                <a:latin typeface="Arial"/>
-                <a:ea typeface="Noto Sans SC"/>
-              </a:rPr>
-              <a:t>    </a:t>
-            </a:r>
-            <a:r>
-              <a:rPr b="0" lang="en-US" sz="1500" strike="noStrike" u="none">
-                <a:solidFill>
-                  <a:srgbClr val="000000"/>
-                </a:solidFill>
-                <a:uFillTx/>
-                <a:latin typeface="Arial"/>
-                <a:ea typeface="Noto Sans SC"/>
-              </a:rPr>
-              <a:t>"chargingProfile": {</a:t>
-            </a:r>
-            <a:endParaRPr b="0" lang="en-US" sz="1500" strike="noStrike" u="none">
-              <a:solidFill>
-                <a:srgbClr val="000000"/>
-              </a:solidFill>
-              <a:uFillTx/>
-              <a:latin typeface="Arial"/>
-              <a:ea typeface="Noto Sans SC"/>
-            </a:endParaRPr>
-          </a:p>
-          <a:p>
-            <a:pPr>
-              <a:lnSpc>
-                <a:spcPct val="100000"/>
-              </a:lnSpc>
-              <a:spcBef>
-                <a:spcPts val="57"/>
-              </a:spcBef>
-            </a:pPr>
-            <a:r>
-              <a:rPr b="0" lang="en-US" sz="1500" strike="noStrike" u="none">
-                <a:solidFill>
-                  <a:srgbClr val="000000"/>
-                </a:solidFill>
-                <a:uFillTx/>
-                <a:latin typeface="Arial"/>
-                <a:ea typeface="Noto Sans SC"/>
-              </a:rPr>
-              <a:t>        </a:t>
-            </a:r>
-            <a:r>
-              <a:rPr b="0" lang="en-US" sz="1500" strike="noStrike" u="none">
-                <a:solidFill>
-                  <a:srgbClr val="000000"/>
-                </a:solidFill>
-                <a:uFillTx/>
-                <a:latin typeface="Arial"/>
-                <a:ea typeface="Noto Sans SC"/>
-              </a:rPr>
-              <a:t>"id": 1,</a:t>
-            </a:r>
-            <a:endParaRPr b="0" lang="en-US" sz="1500" strike="noStrike" u="none">
-              <a:solidFill>
-                <a:srgbClr val="000000"/>
-              </a:solidFill>
-              <a:uFillTx/>
-              <a:latin typeface="Arial"/>
-              <a:ea typeface="Noto Sans SC"/>
-            </a:endParaRPr>
-          </a:p>
-          <a:p>
-            <a:pPr>
-              <a:lnSpc>
-                <a:spcPct val="100000"/>
-              </a:lnSpc>
-              <a:spcBef>
-                <a:spcPts val="57"/>
-              </a:spcBef>
-            </a:pPr>
-            <a:r>
-              <a:rPr b="0" lang="en-US" sz="1500" strike="noStrike" u="none">
-                <a:solidFill>
-                  <a:srgbClr val="000000"/>
-                </a:solidFill>
-                <a:uFillTx/>
-                <a:latin typeface="Arial"/>
-                <a:ea typeface="Noto Sans SC"/>
-              </a:rPr>
-              <a:t>        </a:t>
-            </a:r>
-            <a:r>
-              <a:rPr b="0" lang="en-US" sz="1500" strike="noStrike" u="none">
-                <a:solidFill>
-                  <a:srgbClr val="000000"/>
-                </a:solidFill>
-                <a:uFillTx/>
-                <a:latin typeface="Arial"/>
-                <a:ea typeface="Noto Sans SC"/>
-              </a:rPr>
-              <a:t>"stackLevel": 1,</a:t>
-            </a:r>
-            <a:endParaRPr b="0" lang="en-US" sz="1500" strike="noStrike" u="none">
-              <a:solidFill>
-                <a:srgbClr val="000000"/>
-              </a:solidFill>
-              <a:uFillTx/>
-              <a:latin typeface="Arial"/>
-              <a:ea typeface="Noto Sans SC"/>
-            </a:endParaRPr>
-          </a:p>
-          <a:p>
-            <a:pPr>
-              <a:lnSpc>
-                <a:spcPct val="100000"/>
-              </a:lnSpc>
-              <a:spcBef>
-                <a:spcPts val="57"/>
-              </a:spcBef>
-            </a:pPr>
-            <a:r>
-              <a:rPr b="0" lang="en-US" sz="1500" strike="noStrike" u="none">
-                <a:solidFill>
-                  <a:srgbClr val="000000"/>
-                </a:solidFill>
-                <a:uFillTx/>
-                <a:latin typeface="Arial"/>
-                <a:ea typeface="Noto Sans SC"/>
-              </a:rPr>
-              <a:t>        </a:t>
-            </a:r>
-            <a:r>
-              <a:rPr b="0" lang="en-US" sz="1500" strike="noStrike" u="none">
-                <a:solidFill>
-                  <a:srgbClr val="000000"/>
-                </a:solidFill>
-                <a:uFillTx/>
-                <a:latin typeface="Arial"/>
-                <a:ea typeface="Noto Sans SC"/>
-              </a:rPr>
-              <a:t>"chargingProfilePurpose": "TxProfile",</a:t>
-            </a:r>
-            <a:endParaRPr b="0" lang="en-US" sz="1500" strike="noStrike" u="none">
-              <a:solidFill>
-                <a:srgbClr val="000000"/>
-              </a:solidFill>
-              <a:uFillTx/>
-              <a:latin typeface="Arial"/>
-              <a:ea typeface="Noto Sans SC"/>
-            </a:endParaRPr>
-          </a:p>
-          <a:p>
-            <a:pPr>
-              <a:lnSpc>
-                <a:spcPct val="100000"/>
-              </a:lnSpc>
-              <a:spcBef>
-                <a:spcPts val="57"/>
-              </a:spcBef>
-            </a:pPr>
-            <a:r>
-              <a:rPr b="0" lang="en-US" sz="1500" strike="noStrike" u="none">
-                <a:solidFill>
-                  <a:srgbClr val="000000"/>
-                </a:solidFill>
-                <a:uFillTx/>
-                <a:latin typeface="Arial"/>
-                <a:ea typeface="Noto Sans SC"/>
-              </a:rPr>
-              <a:t>        </a:t>
-            </a:r>
-            <a:r>
-              <a:rPr b="0" lang="en-US" sz="1500" strike="noStrike" u="none">
-                <a:solidFill>
-                  <a:srgbClr val="000000"/>
-                </a:solidFill>
-                <a:uFillTx/>
-                <a:latin typeface="Arial"/>
-                <a:ea typeface="Noto Sans SC"/>
-              </a:rPr>
-              <a:t>"chargingProfileKind": "Absolute",</a:t>
-            </a:r>
-            <a:endParaRPr b="0" lang="en-US" sz="1500" strike="noStrike" u="none">
-              <a:solidFill>
-                <a:srgbClr val="000000"/>
-              </a:solidFill>
-              <a:uFillTx/>
-              <a:latin typeface="Arial"/>
-              <a:ea typeface="Noto Sans SC"/>
-            </a:endParaRPr>
-          </a:p>
-          <a:p>
-            <a:pPr>
-              <a:lnSpc>
-                <a:spcPct val="100000"/>
-              </a:lnSpc>
-              <a:spcBef>
-                <a:spcPts val="57"/>
-              </a:spcBef>
-            </a:pPr>
-            <a:r>
-              <a:rPr b="0" lang="en-US" sz="1500" strike="noStrike" u="none">
-                <a:solidFill>
-                  <a:srgbClr val="000000"/>
-                </a:solidFill>
-                <a:uFillTx/>
-                <a:latin typeface="Arial"/>
-                <a:ea typeface="Noto Sans SC"/>
-              </a:rPr>
-              <a:t>        </a:t>
-            </a:r>
-            <a:r>
-              <a:rPr b="0" lang="en-US" sz="1500" strike="noStrike" u="none">
-                <a:solidFill>
-                  <a:srgbClr val="000000"/>
-                </a:solidFill>
-                <a:uFillTx/>
-                <a:latin typeface="Arial"/>
-                <a:ea typeface="Noto Sans SC"/>
-              </a:rPr>
-              <a:t>"chargingSchedule": [{</a:t>
-            </a:r>
-            <a:endParaRPr b="0" lang="en-US" sz="1500" strike="noStrike" u="none">
-              <a:solidFill>
-                <a:srgbClr val="000000"/>
-              </a:solidFill>
-              <a:uFillTx/>
-              <a:latin typeface="Arial"/>
-              <a:ea typeface="Noto Sans SC"/>
-            </a:endParaRPr>
-          </a:p>
-          <a:p>
-            <a:pPr>
-              <a:lnSpc>
-                <a:spcPct val="100000"/>
-              </a:lnSpc>
-              <a:spcBef>
-                <a:spcPts val="57"/>
-              </a:spcBef>
-            </a:pPr>
-            <a:r>
-              <a:rPr b="0" lang="en-US" sz="1500" strike="noStrike" u="none">
-                <a:solidFill>
-                  <a:srgbClr val="000000"/>
-                </a:solidFill>
-                <a:uFillTx/>
-                <a:latin typeface="Arial"/>
-                <a:ea typeface="Noto Sans SC"/>
-              </a:rPr>
-              <a:t>            </a:t>
-            </a:r>
-            <a:r>
-              <a:rPr b="0" lang="en-US" sz="1500" strike="noStrike" u="none">
-                <a:solidFill>
-                  <a:srgbClr val="000000"/>
-                </a:solidFill>
-                <a:uFillTx/>
-                <a:latin typeface="Arial"/>
-                <a:ea typeface="Noto Sans SC"/>
-              </a:rPr>
-              <a:t>"id": 1,</a:t>
-            </a:r>
-            <a:endParaRPr b="0" lang="en-US" sz="1500" strike="noStrike" u="none">
-              <a:solidFill>
-                <a:srgbClr val="000000"/>
-              </a:solidFill>
-              <a:uFillTx/>
-              <a:latin typeface="Arial"/>
-              <a:ea typeface="Noto Sans SC"/>
-            </a:endParaRPr>
-          </a:p>
-          <a:p>
-            <a:pPr>
-              <a:lnSpc>
-                <a:spcPct val="100000"/>
-              </a:lnSpc>
-              <a:spcBef>
-                <a:spcPts val="57"/>
-              </a:spcBef>
-            </a:pPr>
-            <a:r>
-              <a:rPr b="0" lang="en-US" sz="1500" strike="noStrike" u="none">
-                <a:solidFill>
-                  <a:srgbClr val="000000"/>
-                </a:solidFill>
-                <a:uFillTx/>
-                <a:latin typeface="Arial"/>
-                <a:ea typeface="Noto Sans SC"/>
-              </a:rPr>
-              <a:t>            </a:t>
-            </a:r>
-            <a:r>
-              <a:rPr b="0" lang="en-US" sz="1500" strike="noStrike" u="none">
-                <a:solidFill>
-                  <a:srgbClr val="000000"/>
-                </a:solidFill>
-                <a:uFillTx/>
-                <a:latin typeface="Arial"/>
-                <a:ea typeface="Noto Sans SC"/>
-              </a:rPr>
-              <a:t>"chargingRateUnit": "W",</a:t>
-            </a:r>
-            <a:endParaRPr b="0" lang="en-US" sz="1500" strike="noStrike" u="none">
-              <a:solidFill>
-                <a:srgbClr val="000000"/>
-              </a:solidFill>
-              <a:uFillTx/>
-              <a:latin typeface="Arial"/>
-              <a:ea typeface="Noto Sans SC"/>
-            </a:endParaRPr>
-          </a:p>
-          <a:p>
-            <a:pPr>
-              <a:lnSpc>
-                <a:spcPct val="100000"/>
-              </a:lnSpc>
-              <a:spcBef>
-                <a:spcPts val="57"/>
-              </a:spcBef>
-            </a:pPr>
-            <a:r>
-              <a:rPr b="0" lang="en-US" sz="1500" strike="noStrike" u="none">
-                <a:solidFill>
-                  <a:srgbClr val="000000"/>
-                </a:solidFill>
-                <a:uFillTx/>
-                <a:latin typeface="Arial"/>
-                <a:ea typeface="Noto Sans SC"/>
-              </a:rPr>
-              <a:t>            </a:t>
-            </a:r>
-            <a:r>
-              <a:rPr b="0" lang="en-US" sz="1500" strike="noStrike" u="none">
-                <a:solidFill>
-                  <a:srgbClr val="000000"/>
-                </a:solidFill>
-                <a:uFillTx/>
-                <a:latin typeface="Arial"/>
-                <a:ea typeface="Noto Sans SC"/>
-              </a:rPr>
-              <a:t>"chargingSchedulePeriod": [</a:t>
-            </a:r>
-            <a:endParaRPr b="0" lang="en-US" sz="1500" strike="noStrike" u="none">
-              <a:solidFill>
-                <a:srgbClr val="000000"/>
-              </a:solidFill>
-              <a:uFillTx/>
-              <a:latin typeface="Arial"/>
-              <a:ea typeface="Noto Sans SC"/>
-            </a:endParaRPr>
-          </a:p>
-          <a:p>
-            <a:pPr>
-              <a:lnSpc>
-                <a:spcPct val="100000"/>
-              </a:lnSpc>
-              <a:spcBef>
-                <a:spcPts val="57"/>
-              </a:spcBef>
-            </a:pPr>
-            <a:r>
-              <a:rPr b="0" lang="en-US" sz="1500" strike="noStrike" u="none">
-                <a:solidFill>
-                  <a:srgbClr val="000000"/>
-                </a:solidFill>
-                <a:uFillTx/>
-                <a:latin typeface="Arial"/>
-                <a:ea typeface="Noto Sans SC"/>
-              </a:rPr>
-              <a:t>                </a:t>
-            </a:r>
-            <a:r>
-              <a:rPr b="0" lang="en-US" sz="1500" strike="noStrike" u="none">
-                <a:solidFill>
-                  <a:srgbClr val="000000"/>
-                </a:solidFill>
-                <a:uFillTx/>
-                <a:latin typeface="Arial"/>
-                <a:ea typeface="Noto Sans SC"/>
-              </a:rPr>
-              <a:t>{ "startPeriod": 0, "limit": 2845 },</a:t>
-            </a:r>
-            <a:endParaRPr b="0" lang="en-US" sz="1500" strike="noStrike" u="none">
-              <a:solidFill>
-                <a:srgbClr val="000000"/>
-              </a:solidFill>
-              <a:uFillTx/>
-              <a:latin typeface="Arial"/>
-              <a:ea typeface="Noto Sans SC"/>
-            </a:endParaRPr>
-          </a:p>
-          <a:p>
-            <a:pPr>
-              <a:lnSpc>
-                <a:spcPct val="100000"/>
-              </a:lnSpc>
-              <a:spcBef>
-                <a:spcPts val="57"/>
-              </a:spcBef>
-            </a:pPr>
-            <a:r>
-              <a:rPr b="0" lang="en-US" sz="1500" strike="noStrike" u="none">
-                <a:solidFill>
-                  <a:srgbClr val="000000"/>
-                </a:solidFill>
-                <a:uFillTx/>
-                <a:latin typeface="Arial"/>
-                <a:ea typeface="Noto Sans SC"/>
-              </a:rPr>
-              <a:t>                </a:t>
-            </a:r>
-            <a:r>
-              <a:rPr b="0" lang="en-US" sz="1500" strike="noStrike" u="none">
-                <a:solidFill>
-                  <a:srgbClr val="000000"/>
-                </a:solidFill>
-                <a:uFillTx/>
-                <a:latin typeface="Arial"/>
-                <a:ea typeface="Noto Sans SC"/>
-              </a:rPr>
-              <a:t>{"startPeriod": 10, "limit": 2845 }, …</a:t>
-            </a:r>
-            <a:endParaRPr b="0" lang="en-US" sz="1500" strike="noStrike" u="none">
-              <a:solidFill>
-                <a:srgbClr val="000000"/>
-              </a:solidFill>
-              <a:uFillTx/>
-              <a:latin typeface="Arial"/>
-              <a:ea typeface="Noto Sans SC"/>
-            </a:endParaRPr>
-          </a:p>
-          <a:p>
-            <a:pPr>
-              <a:lnSpc>
-                <a:spcPct val="100000"/>
-              </a:lnSpc>
-              <a:spcBef>
-                <a:spcPts val="57"/>
-              </a:spcBef>
-            </a:pPr>
-            <a:r>
-              <a:rPr b="0" lang="en-US" sz="1500" strike="noStrike" u="none">
-                <a:solidFill>
-                  <a:srgbClr val="000000"/>
-                </a:solidFill>
-                <a:uFillTx/>
-                <a:latin typeface="Arial"/>
-                <a:ea typeface="Noto Sans SC"/>
-              </a:rPr>
-              <a:t>            </a:t>
-            </a:r>
-            <a:r>
-              <a:rPr b="0" lang="en-US" sz="1500" strike="noStrike" u="none">
-                <a:solidFill>
-                  <a:srgbClr val="000000"/>
-                </a:solidFill>
-                <a:uFillTx/>
-                <a:latin typeface="Arial"/>
-                <a:ea typeface="Noto Sans SC"/>
-              </a:rPr>
-              <a:t>],</a:t>
-            </a:r>
-            <a:endParaRPr b="0" lang="en-US" sz="1500" strike="noStrike" u="none">
-              <a:solidFill>
-                <a:srgbClr val="000000"/>
-              </a:solidFill>
-              <a:uFillTx/>
-              <a:latin typeface="Arial"/>
-              <a:ea typeface="Noto Sans SC"/>
-            </a:endParaRPr>
-          </a:p>
-          <a:p>
-            <a:pPr>
-              <a:lnSpc>
-                <a:spcPct val="100000"/>
-              </a:lnSpc>
-              <a:spcBef>
-                <a:spcPts val="57"/>
-              </a:spcBef>
-            </a:pPr>
-            <a:r>
-              <a:rPr b="0" lang="en-US" sz="1500" strike="noStrike" u="none">
-                <a:solidFill>
-                  <a:srgbClr val="000000"/>
-                </a:solidFill>
-                <a:uFillTx/>
-                <a:latin typeface="Arial"/>
-                <a:ea typeface="Noto Sans SC"/>
-              </a:rPr>
-              <a:t>            </a:t>
-            </a:r>
-            <a:r>
-              <a:rPr b="0" lang="en-US" sz="1500" strike="noStrike" u="none">
-                <a:solidFill>
-                  <a:srgbClr val="000000"/>
-                </a:solidFill>
-                <a:uFillTx/>
-                <a:latin typeface="Arial"/>
-                <a:ea typeface="Noto Sans SC"/>
-              </a:rPr>
-              <a:t>"startSchedule": "2025-04-28T15: 41: 53Z"}, … ],</a:t>
-            </a:r>
-            <a:endParaRPr b="0" lang="en-US" sz="1500" strike="noStrike" u="none">
-              <a:solidFill>
-                <a:srgbClr val="000000"/>
-              </a:solidFill>
-              <a:uFillTx/>
-              <a:latin typeface="Arial"/>
-              <a:ea typeface="Noto Sans SC"/>
-            </a:endParaRPr>
-          </a:p>
-          <a:p>
-            <a:pPr>
-              <a:lnSpc>
-                <a:spcPct val="100000"/>
-              </a:lnSpc>
-              <a:spcBef>
-                <a:spcPts val="57"/>
-              </a:spcBef>
-            </a:pPr>
-            <a:r>
-              <a:rPr b="0" lang="en-US" sz="1500" strike="noStrike" u="none">
-                <a:solidFill>
-                  <a:srgbClr val="000000"/>
-                </a:solidFill>
-                <a:uFillTx/>
-                <a:latin typeface="Arial"/>
-                <a:ea typeface="Noto Sans SC"/>
-              </a:rPr>
-              <a:t>        …</a:t>
-            </a:r>
-            <a:endParaRPr b="0" lang="en-US" sz="1500" strike="noStrike" u="none">
-              <a:solidFill>
-                <a:srgbClr val="000000"/>
-              </a:solidFill>
-              <a:uFillTx/>
-              <a:latin typeface="Arial"/>
-              <a:ea typeface="Noto Sans SC"/>
-            </a:endParaRPr>
-          </a:p>
-          <a:p>
-            <a:pPr>
-              <a:lnSpc>
-                <a:spcPct val="100000"/>
-              </a:lnSpc>
-              <a:spcBef>
-                <a:spcPts val="57"/>
-              </a:spcBef>
-            </a:pPr>
-            <a:r>
-              <a:rPr b="0" lang="en-US" sz="1500" strike="noStrike" u="none">
-                <a:solidFill>
-                  <a:srgbClr val="000000"/>
-                </a:solidFill>
-                <a:uFillTx/>
-                <a:latin typeface="Arial"/>
-                <a:ea typeface="Noto Sans SC"/>
-              </a:rPr>
-              <a:t>    </a:t>
-            </a:r>
-            <a:r>
-              <a:rPr b="0" lang="en-US" sz="1500" strike="noStrike" u="none">
-                <a:solidFill>
-                  <a:srgbClr val="000000"/>
-                </a:solidFill>
-                <a:uFillTx/>
-                <a:latin typeface="Arial"/>
-                <a:ea typeface="Noto Sans SC"/>
-              </a:rPr>
-              <a:t>},</a:t>
-            </a:r>
-            <a:endParaRPr b="0" lang="en-US" sz="1500" strike="noStrike" u="none">
-              <a:solidFill>
-                <a:srgbClr val="000000"/>
-              </a:solidFill>
-              <a:uFillTx/>
-              <a:latin typeface="Arial"/>
-              <a:ea typeface="Noto Sans SC"/>
-            </a:endParaRPr>
-          </a:p>
-          <a:p>
-            <a:pPr>
-              <a:lnSpc>
-                <a:spcPct val="100000"/>
-              </a:lnSpc>
-              <a:spcBef>
-                <a:spcPts val="57"/>
-              </a:spcBef>
-            </a:pPr>
-            <a:r>
-              <a:rPr b="0" lang="en-US" sz="1500" strike="noStrike" u="none">
-                <a:solidFill>
-                  <a:srgbClr val="000000"/>
-                </a:solidFill>
-                <a:uFillTx/>
-                <a:latin typeface="Arial"/>
-                <a:ea typeface="Noto Sans SC"/>
-              </a:rPr>
-              <a:t>    </a:t>
-            </a:r>
-            <a:r>
-              <a:rPr b="0" lang="en-US" sz="1500" strike="noStrike" u="none">
-                <a:solidFill>
-                  <a:srgbClr val="000000"/>
-                </a:solidFill>
-                <a:uFillTx/>
-                <a:latin typeface="Arial"/>
-                <a:ea typeface="Noto Sans SC"/>
-              </a:rPr>
-              <a:t>"customData": { "vendorId": "001" }</a:t>
-            </a:r>
-            <a:endParaRPr b="0" lang="en-US" sz="1500" strike="noStrike" u="none">
-              <a:solidFill>
-                <a:srgbClr val="000000"/>
-              </a:solidFill>
-              <a:uFillTx/>
-              <a:latin typeface="Arial"/>
-              <a:ea typeface="Noto Sans SC"/>
-            </a:endParaRPr>
-          </a:p>
-          <a:p>
-            <a:pPr>
-              <a:lnSpc>
-                <a:spcPct val="100000"/>
-              </a:lnSpc>
-              <a:spcBef>
-                <a:spcPts val="57"/>
-              </a:spcBef>
-            </a:pPr>
-            <a:r>
-              <a:rPr b="0" lang="en-US" sz="1500" strike="noStrike" u="none">
-                <a:solidFill>
-                  <a:srgbClr val="000000"/>
-                </a:solidFill>
-                <a:uFillTx/>
-                <a:latin typeface="Arial"/>
-                <a:ea typeface="Noto Sans SC"/>
-              </a:rPr>
-              <a:t>} </a:t>
-            </a:r>
-            <a:endParaRPr b="0" lang="en-US" sz="1500" strike="noStrike" u="none">
-              <a:solidFill>
-                <a:srgbClr val="000000"/>
-              </a:solidFill>
-              <a:uFillTx/>
-              <a:latin typeface="Arial"/>
-              <a:ea typeface="Noto Sans SC"/>
-            </a:endParaRPr>
-          </a:p>
-        </p:txBody>
-      </p:sp>
-      <p:sp>
-        <p:nvSpPr>
-          <p:cNvPr id="22" name=""/>
+          <p:cNvPr id="33" name=""/>
           <p:cNvSpPr/>
           <p:nvPr/>
         </p:nvSpPr>
         <p:spPr>
           <a:xfrm>
-            <a:off x="5600880" y="3629160"/>
-            <a:ext cx="771840" cy="0"/>
+            <a:off x="5220000" y="5940000"/>
+            <a:ext cx="771840" cy="360"/>
           </a:xfrm>
           <a:prstGeom prst="line">
             <a:avLst/>
@@ -2682,20 +3194,21 @@
               </a:solidFill>
               <a:uFillTx/>
               <a:latin typeface="Arial"/>
+              <a:ea typeface="DejaVu Sans"/>
             </a:endParaRPr>
           </a:p>
         </p:txBody>
       </p:sp>
       <p:sp>
         <p:nvSpPr>
-          <p:cNvPr id="23" name=""/>
-          <p:cNvSpPr txBox="1"/>
+          <p:cNvPr id="34" name=""/>
+          <p:cNvSpPr/>
           <p:nvPr/>
         </p:nvSpPr>
         <p:spPr>
           <a:xfrm>
-            <a:off x="6276600" y="3314160"/>
-            <a:ext cx="3543840" cy="2026080"/>
+            <a:off x="6120000" y="4860000"/>
+            <a:ext cx="3543120" cy="2025360"/>
           </a:xfrm>
           <a:prstGeom prst="rect">
             <a:avLst/>
@@ -2705,6 +3218,12 @@
             <a:noFill/>
           </a:ln>
         </p:spPr>
+        <p:style>
+          <a:lnRef idx="0"/>
+          <a:fillRef idx="0"/>
+          <a:effectRef idx="0"/>
+          <a:fontRef idx="minor"/>
+        </p:style>
         <p:txBody>
           <a:bodyPr lIns="90000" rIns="90000" tIns="45000" bIns="45000" anchor="t">
             <a:noAutofit/>
@@ -2726,6 +3245,9 @@
               <a:buSzPct val="45000"/>
               <a:buFont typeface="Wingdings" charset="2"/>
               <a:buChar char=""/>
+              <a:tabLst>
+                <a:tab algn="l" pos="408240"/>
+              </a:tabLst>
             </a:pPr>
             <a:r>
               <a:rPr b="0" lang="en-US" sz="1800" strike="noStrike" u="none">
@@ -2734,6 +3256,7 @@
                 </a:solidFill>
                 <a:uFillTx/>
                 <a:latin typeface="Arial"/>
+                <a:ea typeface="DejaVu Sans"/>
               </a:rPr>
               <a:t>Complex hierarchical nesting, difficult to learn structure</a:t>
             </a:r>
@@ -2743,7 +3266,6 @@
               </a:solidFill>
               <a:uFillTx/>
               <a:latin typeface="Arial"/>
-              <a:ea typeface="Noto Sans SC"/>
             </a:endParaRPr>
           </a:p>
           <a:p>
@@ -2763,6 +3285,9 @@
               <a:buSzPct val="45000"/>
               <a:buFont typeface="Wingdings" charset="2"/>
               <a:buChar char=""/>
+              <a:tabLst>
+                <a:tab algn="l" pos="408240"/>
+              </a:tabLst>
             </a:pPr>
             <a:r>
               <a:rPr b="0" lang="en-US" sz="1800" strike="noStrike" u="none">
@@ -2771,6 +3296,7 @@
                 </a:solidFill>
                 <a:uFillTx/>
                 <a:latin typeface="Arial"/>
+                <a:ea typeface="DejaVu Sans"/>
               </a:rPr>
               <a:t>Frequent reference to the OCPP Standard is required when writing code</a:t>
             </a:r>
@@ -2780,7 +3306,6 @@
               </a:solidFill>
               <a:uFillTx/>
               <a:latin typeface="Arial"/>
-              <a:ea typeface="Noto Sans SC"/>
             </a:endParaRPr>
           </a:p>
           <a:p>
@@ -2800,6 +3325,9 @@
               <a:buSzPct val="45000"/>
               <a:buFont typeface="Wingdings" charset="2"/>
               <a:buChar char=""/>
+              <a:tabLst>
+                <a:tab algn="l" pos="408240"/>
+              </a:tabLst>
             </a:pPr>
             <a:r>
               <a:rPr b="0" lang="en-US" sz="1800" strike="noStrike" u="none">
@@ -2808,6 +3336,7 @@
                 </a:solidFill>
                 <a:uFillTx/>
                 <a:latin typeface="Arial"/>
+                <a:ea typeface="DejaVu Sans"/>
               </a:rPr>
               <a:t>High probability of error, with significant debugging costs</a:t>
             </a:r>
@@ -2817,21 +3346,20 @@
               </a:solidFill>
               <a:uFillTx/>
               <a:latin typeface="Arial"/>
-              <a:ea typeface="Noto Sans SC"/>
             </a:endParaRPr>
           </a:p>
         </p:txBody>
       </p:sp>
       <p:sp>
         <p:nvSpPr>
-          <p:cNvPr id="24" name=""/>
+          <p:cNvPr id="35" name=""/>
           <p:cNvSpPr/>
           <p:nvPr/>
         </p:nvSpPr>
         <p:spPr>
           <a:xfrm>
             <a:off x="432360" y="1728360"/>
-            <a:ext cx="2520000" cy="344160"/>
+            <a:ext cx="2519280" cy="343440"/>
           </a:xfrm>
           <a:prstGeom prst="roundRect">
             <a:avLst>
@@ -2839,7 +3367,7 @@
             </a:avLst>
           </a:prstGeom>
           <a:solidFill>
-            <a:srgbClr val="729fcf"/>
+            <a:srgbClr val="ff860d"/>
           </a:solidFill>
           <a:ln w="0">
             <a:solidFill>
@@ -2865,6 +3393,9 @@
               <a:spcBef>
                 <a:spcPts val="1417"/>
               </a:spcBef>
+              <a:tabLst>
+                <a:tab algn="l" pos="408240"/>
+              </a:tabLst>
             </a:pPr>
             <a:r>
               <a:rPr b="0" lang="en-US" sz="1800" strike="noStrike" u="none">
@@ -2873,12 +3404,13 @@
                 </a:solidFill>
                 <a:uFillTx/>
                 <a:latin typeface="Arial"/>
+                <a:ea typeface="DejaVu Sans"/>
               </a:rPr>
               <a:t>Communication</a:t>
             </a:r>
             <a:endParaRPr b="0" lang="en-US" sz="1800" strike="noStrike" u="none">
               <a:solidFill>
-                <a:srgbClr val="000000"/>
+                <a:srgbClr val="ffffff"/>
               </a:solidFill>
               <a:uFillTx/>
               <a:latin typeface="Arial"/>
@@ -2888,14 +3420,14 @@
       </p:sp>
       <p:sp>
         <p:nvSpPr>
-          <p:cNvPr id="25" name=""/>
+          <p:cNvPr id="36" name=""/>
           <p:cNvSpPr/>
           <p:nvPr/>
         </p:nvSpPr>
         <p:spPr>
           <a:xfrm>
             <a:off x="6984360" y="1728360"/>
-            <a:ext cx="2520000" cy="344160"/>
+            <a:ext cx="2519280" cy="343440"/>
           </a:xfrm>
           <a:prstGeom prst="roundRect">
             <a:avLst>
@@ -2903,7 +3435,7 @@
             </a:avLst>
           </a:prstGeom>
           <a:solidFill>
-            <a:srgbClr val="729fcf"/>
+            <a:srgbClr val="0369a3"/>
           </a:solidFill>
           <a:ln w="0">
             <a:solidFill>
@@ -2929,6 +3461,9 @@
               <a:spcBef>
                 <a:spcPts val="1417"/>
               </a:spcBef>
+              <a:tabLst>
+                <a:tab algn="l" pos="408240"/>
+              </a:tabLst>
             </a:pPr>
             <a:r>
               <a:rPr b="0" lang="en-US" sz="1800" strike="noStrike" u="none">
@@ -2937,12 +3472,13 @@
                 </a:solidFill>
                 <a:uFillTx/>
                 <a:latin typeface="Arial"/>
-              </a:rPr>
-              <a:t>Scalability</a:t>
+                <a:ea typeface="DejaVu Sans"/>
+              </a:rPr>
+              <a:t>Expansion</a:t>
             </a:r>
             <a:endParaRPr b="0" lang="en-US" sz="1800" strike="noStrike" u="none">
               <a:solidFill>
-                <a:srgbClr val="000000"/>
+                <a:srgbClr val="ffffff"/>
               </a:solidFill>
               <a:uFillTx/>
               <a:latin typeface="Arial"/>
@@ -2952,14 +3488,14 @@
       </p:sp>
       <p:sp>
         <p:nvSpPr>
-          <p:cNvPr id="26" name=""/>
+          <p:cNvPr id="37" name=""/>
           <p:cNvSpPr/>
           <p:nvPr/>
         </p:nvSpPr>
         <p:spPr>
           <a:xfrm>
             <a:off x="3672360" y="1728360"/>
-            <a:ext cx="2520000" cy="344160"/>
+            <a:ext cx="2519280" cy="343440"/>
           </a:xfrm>
           <a:prstGeom prst="roundRect">
             <a:avLst>
@@ -2967,7 +3503,7 @@
             </a:avLst>
           </a:prstGeom>
           <a:solidFill>
-            <a:srgbClr val="729fcf"/>
+            <a:srgbClr val="0369a3"/>
           </a:solidFill>
           <a:ln w="0">
             <a:solidFill>
@@ -2993,6 +3529,9 @@
               <a:spcBef>
                 <a:spcPts val="1417"/>
               </a:spcBef>
+              <a:tabLst>
+                <a:tab algn="l" pos="408240"/>
+              </a:tabLst>
             </a:pPr>
             <a:r>
               <a:rPr b="0" lang="en-US" sz="1800" strike="noStrike" u="none">
@@ -3001,12 +3540,13 @@
                 </a:solidFill>
                 <a:uFillTx/>
                 <a:latin typeface="Arial"/>
+                <a:ea typeface="DejaVu Sans"/>
               </a:rPr>
               <a:t>Concurrent Tasks</a:t>
             </a:r>
             <a:endParaRPr b="0" lang="en-US" sz="1800" strike="noStrike" u="none">
               <a:solidFill>
-                <a:srgbClr val="000000"/>
+                <a:srgbClr val="ffffff"/>
               </a:solidFill>
               <a:uFillTx/>
               <a:latin typeface="Arial"/>
@@ -3014,6 +3554,52 @@
           </a:p>
         </p:txBody>
       </p:sp>
+      <p:pic>
+        <p:nvPicPr>
+          <p:cNvPr id="38" name="" descr=""/>
+          <p:cNvPicPr/>
+          <p:nvPr/>
+        </p:nvPicPr>
+        <p:blipFill>
+          <a:blip r:embed="rId1"/>
+          <a:stretch/>
+        </p:blipFill>
+        <p:spPr>
+          <a:xfrm>
+            <a:off x="6300000" y="2221920"/>
+            <a:ext cx="2880000" cy="2638080"/>
+          </a:xfrm>
+          <a:prstGeom prst="rect">
+            <a:avLst/>
+          </a:prstGeom>
+          <a:ln w="0">
+            <a:noFill/>
+          </a:ln>
+        </p:spPr>
+      </p:pic>
+      <p:pic>
+        <p:nvPicPr>
+          <p:cNvPr id="39" name="" descr=""/>
+          <p:cNvPicPr/>
+          <p:nvPr/>
+        </p:nvPicPr>
+        <p:blipFill>
+          <a:blip r:embed="rId2"/>
+          <a:stretch/>
+        </p:blipFill>
+        <p:spPr>
+          <a:xfrm>
+            <a:off x="5040000" y="4981680"/>
+            <a:ext cx="958320" cy="958320"/>
+          </a:xfrm>
+          <a:prstGeom prst="rect">
+            <a:avLst/>
+          </a:prstGeom>
+          <a:ln w="0">
+            <a:noFill/>
+          </a:ln>
+        </p:spPr>
+      </p:pic>
     </p:spTree>
   </p:cSld>
   <mc:AlternateContent>
@@ -3046,24 +3632,26 @@
       </p:grpSpPr>
       <p:sp>
         <p:nvSpPr>
-          <p:cNvPr id="27" name=""/>
+          <p:cNvPr id="40" name=""/>
           <p:cNvSpPr/>
           <p:nvPr/>
         </p:nvSpPr>
         <p:spPr>
           <a:xfrm>
-            <a:off x="505080" y="2781360"/>
-            <a:ext cx="7267320" cy="1219320"/>
-          </a:xfrm>
-          <a:prstGeom prst="rect">
-            <a:avLst/>
+            <a:off x="540000" y="2592000"/>
+            <a:ext cx="7020000" cy="1440000"/>
+          </a:xfrm>
+          <a:prstGeom prst="roundRect">
+            <a:avLst>
+              <a:gd name="adj" fmla="val 16667"/>
+            </a:avLst>
           </a:prstGeom>
           <a:solidFill>
             <a:srgbClr val="afd095"/>
           </a:solidFill>
           <a:ln w="0">
             <a:solidFill>
-              <a:srgbClr val="afd095"/>
+              <a:srgbClr val="3465a4"/>
             </a:solidFill>
           </a:ln>
         </p:spPr>
@@ -3078,7 +3666,329 @@
             <a:noAutofit/>
           </a:bodyPr>
           <a:p>
-            <a:endParaRPr b="0" lang="en-US" sz="1800" strike="noStrike" u="none">
+            <a:pPr>
+              <a:lnSpc>
+                <a:spcPct val="100000"/>
+              </a:lnSpc>
+              <a:tabLst>
+                <a:tab algn="l" pos="408240"/>
+              </a:tabLst>
+            </a:pPr>
+            <a:r>
+              <a:rPr b="1" i="1" lang="en-US" sz="1500" strike="noStrike" u="none">
+                <a:solidFill>
+                  <a:srgbClr val="000000"/>
+                </a:solidFill>
+                <a:uFillTx/>
+                <a:latin typeface="Arial"/>
+                <a:ea typeface="DejaVu Sans"/>
+              </a:rPr>
+              <a:t>g </a:t>
+            </a:r>
+            <a:r>
+              <a:rPr b="0" lang="en-US" sz="1500" strike="noStrike" u="none">
+                <a:solidFill>
+                  <a:srgbClr val="000000"/>
+                </a:solidFill>
+                <a:uFillTx/>
+                <a:latin typeface="Arial"/>
+                <a:ea typeface="DejaVu Sans"/>
+              </a:rPr>
+              <a:t>= </a:t>
+            </a:r>
+            <a:r>
+              <a:rPr b="1" i="1" lang="en-US" sz="1500" strike="noStrike" u="none">
+                <a:solidFill>
+                  <a:srgbClr val="000000"/>
+                </a:solidFill>
+                <a:uFillTx/>
+                <a:latin typeface="Arial"/>
+                <a:ea typeface="DejaVu Sans"/>
+              </a:rPr>
+              <a:t>GenSetChargingProfileRequest</a:t>
+            </a:r>
+            <a:endParaRPr b="0" lang="en-US" sz="1500" strike="noStrike" u="none">
+              <a:solidFill>
+                <a:srgbClr val="000000"/>
+              </a:solidFill>
+              <a:uFillTx/>
+              <a:latin typeface="Arial"/>
+            </a:endParaRPr>
+          </a:p>
+          <a:p>
+            <a:pPr>
+              <a:lnSpc>
+                <a:spcPct val="100000"/>
+              </a:lnSpc>
+              <a:tabLst>
+                <a:tab algn="l" pos="408240"/>
+              </a:tabLst>
+            </a:pPr>
+            <a:r>
+              <a:rPr b="0" lang="en-US" sz="1500" strike="noStrike" u="none">
+                <a:solidFill>
+                  <a:srgbClr val="000000"/>
+                </a:solidFill>
+                <a:uFillTx/>
+                <a:latin typeface="Arial"/>
+                <a:ea typeface="DejaVu Sans"/>
+              </a:rPr>
+              <a:t>OCPP_Message = </a:t>
+            </a:r>
+            <a:r>
+              <a:rPr b="1" i="1" lang="en-US" sz="1500" strike="noStrike" u="none">
+                <a:solidFill>
+                  <a:srgbClr val="000000"/>
+                </a:solidFill>
+                <a:uFillTx/>
+                <a:latin typeface="Arial"/>
+                <a:ea typeface="DejaVu Sans"/>
+              </a:rPr>
+              <a:t>g</a:t>
+            </a:r>
+            <a:r>
+              <a:rPr b="1" lang="en-US" sz="1500" strike="noStrike" u="none">
+                <a:solidFill>
+                  <a:srgbClr val="000000"/>
+                </a:solidFill>
+                <a:uFillTx/>
+                <a:latin typeface="Arial"/>
+                <a:ea typeface="DejaVu Sans"/>
+              </a:rPr>
+              <a:t>.generate</a:t>
+            </a:r>
+            <a:r>
+              <a:rPr b="0" lang="en-US" sz="1500" strike="noStrike" u="none">
+                <a:solidFill>
+                  <a:srgbClr val="000000"/>
+                </a:solidFill>
+                <a:uFillTx/>
+                <a:latin typeface="Arial"/>
+                <a:ea typeface="DejaVu Sans"/>
+              </a:rPr>
+              <a:t>(</a:t>
+            </a:r>
+            <a:endParaRPr b="0" lang="en-US" sz="1500" strike="noStrike" u="none">
+              <a:solidFill>
+                <a:srgbClr val="000000"/>
+              </a:solidFill>
+              <a:uFillTx/>
+              <a:latin typeface="Arial"/>
+            </a:endParaRPr>
+          </a:p>
+          <a:p>
+            <a:pPr>
+              <a:lnSpc>
+                <a:spcPct val="100000"/>
+              </a:lnSpc>
+              <a:tabLst>
+                <a:tab algn="l" pos="408240"/>
+              </a:tabLst>
+            </a:pPr>
+            <a:r>
+              <a:rPr b="0" lang="en-US" sz="1500" strike="noStrike" u="none">
+                <a:solidFill>
+                  <a:srgbClr val="000000"/>
+                </a:solidFill>
+                <a:uFillTx/>
+                <a:latin typeface="Arial"/>
+                <a:ea typeface="DejaVu Sans"/>
+              </a:rPr>
+              <a:t>    </a:t>
+            </a:r>
+            <a:r>
+              <a:rPr b="0" lang="en-US" sz="1500" strike="noStrike" u="none">
+                <a:solidFill>
+                  <a:srgbClr val="000000"/>
+                </a:solidFill>
+                <a:uFillTx/>
+                <a:latin typeface="Arial"/>
+                <a:ea typeface="DejaVu Sans"/>
+              </a:rPr>
+              <a:t>evse_id = 1,</a:t>
+            </a:r>
+            <a:endParaRPr b="0" lang="en-US" sz="1500" strike="noStrike" u="none">
+              <a:solidFill>
+                <a:srgbClr val="000000"/>
+              </a:solidFill>
+              <a:uFillTx/>
+              <a:latin typeface="Arial"/>
+            </a:endParaRPr>
+          </a:p>
+          <a:p>
+            <a:pPr>
+              <a:lnSpc>
+                <a:spcPct val="100000"/>
+              </a:lnSpc>
+              <a:spcBef>
+                <a:spcPts val="57"/>
+              </a:spcBef>
+              <a:tabLst>
+                <a:tab algn="l" pos="408240"/>
+              </a:tabLst>
+            </a:pPr>
+            <a:r>
+              <a:rPr b="0" lang="en-US" sz="1500" strike="noStrike" u="none">
+                <a:solidFill>
+                  <a:srgbClr val="000000"/>
+                </a:solidFill>
+                <a:uFillTx/>
+                <a:latin typeface="Arial"/>
+                <a:ea typeface="Noto Sans SC"/>
+              </a:rPr>
+              <a:t>    </a:t>
+            </a:r>
+            <a:r>
+              <a:rPr b="0" lang="en-US" sz="1500" strike="noStrike" u="none">
+                <a:solidFill>
+                  <a:srgbClr val="000000"/>
+                </a:solidFill>
+                <a:uFillTx/>
+                <a:latin typeface="Arial"/>
+                <a:ea typeface="Noto Sans SC"/>
+              </a:rPr>
+              <a:t>charging_profile = </a:t>
+            </a:r>
+            <a:r>
+              <a:rPr b="1" i="1" lang="en-US" sz="1500" strike="noStrike" u="none">
+                <a:solidFill>
+                  <a:srgbClr val="000000"/>
+                </a:solidFill>
+                <a:uFillTx/>
+                <a:latin typeface="Arial"/>
+                <a:ea typeface="DejaVu Sans"/>
+              </a:rPr>
+              <a:t>g</a:t>
+            </a:r>
+            <a:r>
+              <a:rPr b="1" lang="en-US" sz="1500" strike="noStrike" u="none">
+                <a:solidFill>
+                  <a:srgbClr val="000000"/>
+                </a:solidFill>
+                <a:uFillTx/>
+                <a:latin typeface="Arial"/>
+                <a:ea typeface="Noto Sans SC"/>
+              </a:rPr>
+              <a:t>.get_charging_profile</a:t>
+            </a:r>
+            <a:r>
+              <a:rPr b="0" lang="en-US" sz="1500" strike="noStrike" u="none">
+                <a:solidFill>
+                  <a:srgbClr val="000000"/>
+                </a:solidFill>
+                <a:uFillTx/>
+                <a:latin typeface="Arial"/>
+                <a:ea typeface="Noto Sans SC"/>
+              </a:rPr>
+              <a:t>(*args),</a:t>
+            </a:r>
+            <a:endParaRPr b="0" lang="en-US" sz="1500" strike="noStrike" u="none">
+              <a:solidFill>
+                <a:srgbClr val="000000"/>
+              </a:solidFill>
+              <a:uFillTx/>
+              <a:latin typeface="Arial"/>
+            </a:endParaRPr>
+          </a:p>
+          <a:p>
+            <a:pPr>
+              <a:lnSpc>
+                <a:spcPct val="100000"/>
+              </a:lnSpc>
+              <a:spcBef>
+                <a:spcPts val="57"/>
+              </a:spcBef>
+              <a:tabLst>
+                <a:tab algn="l" pos="408240"/>
+              </a:tabLst>
+            </a:pPr>
+            <a:r>
+              <a:rPr b="0" lang="en-US" sz="1500" strike="noStrike" u="none">
+                <a:solidFill>
+                  <a:srgbClr val="000000"/>
+                </a:solidFill>
+                <a:uFillTx/>
+                <a:latin typeface="Arial"/>
+                <a:ea typeface="Noto Sans SC"/>
+              </a:rPr>
+              <a:t>    </a:t>
+            </a:r>
+            <a:r>
+              <a:rPr b="0" lang="en-US" sz="1500" strike="noStrike" u="none">
+                <a:solidFill>
+                  <a:srgbClr val="000000"/>
+                </a:solidFill>
+                <a:uFillTx/>
+                <a:latin typeface="Arial"/>
+                <a:ea typeface="Noto Sans SC"/>
+              </a:rPr>
+              <a:t>custom_data = </a:t>
+            </a:r>
+            <a:r>
+              <a:rPr b="1" i="1" lang="en-US" sz="1500" strike="noStrike" u="none">
+                <a:solidFill>
+                  <a:srgbClr val="000000"/>
+                </a:solidFill>
+                <a:uFillTx/>
+                <a:latin typeface="Arial"/>
+                <a:ea typeface="DejaVu Sans"/>
+              </a:rPr>
+              <a:t>g</a:t>
+            </a:r>
+            <a:r>
+              <a:rPr b="1" lang="en-US" sz="1500" strike="noStrike" u="none">
+                <a:solidFill>
+                  <a:srgbClr val="000000"/>
+                </a:solidFill>
+                <a:uFillTx/>
+                <a:latin typeface="Arial"/>
+                <a:ea typeface="Noto Sans SC"/>
+              </a:rPr>
+              <a:t>.get_custom_data</a:t>
+            </a:r>
+            <a:r>
+              <a:rPr b="0" lang="en-US" sz="1500" strike="noStrike" u="none">
+                <a:solidFill>
+                  <a:srgbClr val="000000"/>
+                </a:solidFill>
+                <a:uFillTx/>
+                <a:latin typeface="Arial"/>
+                <a:ea typeface="Noto Sans SC"/>
+              </a:rPr>
+              <a:t>(*args)</a:t>
+            </a:r>
+            <a:endParaRPr b="0" lang="en-US" sz="1500" strike="noStrike" u="none">
+              <a:solidFill>
+                <a:srgbClr val="000000"/>
+              </a:solidFill>
+              <a:uFillTx/>
+              <a:latin typeface="Arial"/>
+            </a:endParaRPr>
+          </a:p>
+          <a:p>
+            <a:pPr>
+              <a:lnSpc>
+                <a:spcPct val="100000"/>
+              </a:lnSpc>
+              <a:spcBef>
+                <a:spcPts val="57"/>
+              </a:spcBef>
+              <a:tabLst>
+                <a:tab algn="l" pos="408240"/>
+              </a:tabLst>
+            </a:pPr>
+            <a:r>
+              <a:rPr b="0" lang="en-US" sz="1500" strike="noStrike" u="none">
+                <a:solidFill>
+                  <a:srgbClr val="000000"/>
+                </a:solidFill>
+                <a:uFillTx/>
+                <a:latin typeface="Arial"/>
+                <a:ea typeface="Noto Sans SC"/>
+              </a:rPr>
+              <a:t>)</a:t>
+            </a:r>
+            <a:endParaRPr b="0" lang="en-US" sz="1500" strike="noStrike" u="none">
               <a:solidFill>
                 <a:srgbClr val="000000"/>
               </a:solidFill>
@@ -3090,7 +4000,7 @@
       </p:sp>
       <p:sp>
         <p:nvSpPr>
-          <p:cNvPr id="28" name="PlaceHolder 1"/>
+          <p:cNvPr id="41" name="PlaceHolder 1"/>
           <p:cNvSpPr>
             <a:spLocks noGrp="1"/>
           </p:cNvSpPr>
@@ -3100,8 +4010,8 @@
         </p:nvSpPr>
         <p:spPr>
           <a:xfrm>
-            <a:off x="456840" y="2257560"/>
-            <a:ext cx="9139320" cy="523800"/>
+            <a:off x="456840" y="2185560"/>
+            <a:ext cx="3863160" cy="622440"/>
           </a:xfrm>
           <a:prstGeom prst="rect">
             <a:avLst/>
@@ -3117,6 +4027,9 @@
           </a:bodyPr>
           <a:p>
             <a:pPr marL="432000" indent="-324000">
+              <a:lnSpc>
+                <a:spcPct val="100000"/>
+              </a:lnSpc>
               <a:spcBef>
                 <a:spcPts val="1417"/>
               </a:spcBef>
@@ -3128,7 +4041,7 @@
               <a:buChar char=""/>
             </a:pPr>
             <a:r>
-              <a:rPr b="0" lang="en-US" sz="2800" strike="noStrike" u="none">
+              <a:rPr b="1" lang="en-US" sz="1800" strike="noStrike" u="none">
                 <a:solidFill>
                   <a:srgbClr val="000000"/>
                 </a:solidFill>
@@ -3137,7 +4050,7 @@
               </a:rPr>
               <a:t>OCPP Message Generator</a:t>
             </a:r>
-            <a:endParaRPr b="0" lang="en-US" sz="2800" strike="noStrike" u="none">
+            <a:endParaRPr b="1" lang="en-US" sz="1800" strike="noStrike" u="none">
               <a:solidFill>
                 <a:srgbClr val="000000"/>
               </a:solidFill>
@@ -3149,14 +4062,14 @@
       </p:sp>
       <p:sp>
         <p:nvSpPr>
-          <p:cNvPr id="29" name=""/>
-          <p:cNvSpPr txBox="1"/>
+          <p:cNvPr id="42" name=""/>
+          <p:cNvSpPr/>
           <p:nvPr/>
         </p:nvSpPr>
         <p:spPr>
           <a:xfrm>
-            <a:off x="581400" y="2781360"/>
-            <a:ext cx="8419680" cy="1170360"/>
+            <a:off x="638280" y="4229280"/>
+            <a:ext cx="6822000" cy="345600"/>
           </a:xfrm>
           <a:prstGeom prst="rect">
             <a:avLst/>
@@ -3166,8 +4079,14 @@
             <a:noFill/>
           </a:ln>
         </p:spPr>
+        <p:style>
+          <a:lnRef idx="0"/>
+          <a:fillRef idx="0"/>
+          <a:effectRef idx="0"/>
+          <a:fontRef idx="minor"/>
+        </p:style>
         <p:txBody>
-          <a:bodyPr lIns="90000" rIns="90000" tIns="45000" bIns="45000" anchor="t">
+          <a:bodyPr wrap="none" lIns="90000" rIns="90000" tIns="45000" bIns="45000" anchor="t">
             <a:noAutofit/>
           </a:bodyPr>
           <a:p>
@@ -3175,253 +4094,48 @@
               <a:lnSpc>
                 <a:spcPct val="100000"/>
               </a:lnSpc>
-            </a:pPr>
-            <a:r>
-              <a:rPr b="0" lang="en-US" sz="1500" strike="noStrike" u="none">
-                <a:solidFill>
-                  <a:srgbClr val="000000"/>
-                </a:solidFill>
-                <a:uFillTx/>
-                <a:latin typeface="Arial"/>
-              </a:rPr>
-              <a:t>OCPP_Message = GenSetChargingProfileRequest.</a:t>
-            </a:r>
-            <a:r>
-              <a:rPr b="1" lang="en-US" sz="1500" strike="noStrike" u="sng">
-                <a:solidFill>
-                  <a:srgbClr val="000000"/>
-                </a:solidFill>
-                <a:uFillTx/>
-                <a:latin typeface="Arial"/>
-              </a:rPr>
-              <a:t>generate</a:t>
-            </a:r>
-            <a:r>
-              <a:rPr b="0" lang="en-US" sz="1500" strike="noStrike" u="none">
-                <a:solidFill>
-                  <a:srgbClr val="000000"/>
-                </a:solidFill>
-                <a:uFillTx/>
-                <a:latin typeface="Arial"/>
-              </a:rPr>
-              <a:t>(</a:t>
-            </a:r>
-            <a:endParaRPr b="0" lang="en-US" sz="1500" strike="noStrike" u="none">
-              <a:solidFill>
-                <a:srgbClr val="000000"/>
-              </a:solidFill>
-              <a:uFillTx/>
-              <a:latin typeface="Arial"/>
-              <a:ea typeface="Noto Sans SC"/>
-            </a:endParaRPr>
-          </a:p>
-          <a:p>
-            <a:pPr>
-              <a:lnSpc>
-                <a:spcPct val="100000"/>
-              </a:lnSpc>
-            </a:pPr>
-            <a:r>
-              <a:rPr b="0" lang="en-US" sz="1500" strike="noStrike" u="none">
-                <a:solidFill>
-                  <a:srgbClr val="000000"/>
-                </a:solidFill>
-                <a:uFillTx/>
-                <a:latin typeface="Arial"/>
-              </a:rPr>
-              <a:t>    </a:t>
-            </a:r>
-            <a:r>
-              <a:rPr b="0" lang="en-US" sz="1500" strike="noStrike" u="none">
-                <a:solidFill>
-                  <a:srgbClr val="000000"/>
-                </a:solidFill>
-                <a:uFillTx/>
-                <a:latin typeface="Arial"/>
-              </a:rPr>
-              <a:t>evse_id=1,</a:t>
-            </a:r>
-            <a:endParaRPr b="0" lang="en-US" sz="1500" strike="noStrike" u="none">
-              <a:solidFill>
-                <a:srgbClr val="000000"/>
-              </a:solidFill>
-              <a:uFillTx/>
-              <a:latin typeface="Arial"/>
-              <a:ea typeface="Noto Sans SC"/>
-            </a:endParaRPr>
-          </a:p>
-          <a:p>
-            <a:pPr>
-              <a:lnSpc>
-                <a:spcPct val="100000"/>
-              </a:lnSpc>
-              <a:spcBef>
-                <a:spcPts val="57"/>
-              </a:spcBef>
-            </a:pPr>
-            <a:r>
-              <a:rPr b="0" lang="en-US" sz="1500" strike="noStrike" u="none">
-                <a:solidFill>
-                  <a:srgbClr val="000000"/>
-                </a:solidFill>
-                <a:uFillTx/>
-                <a:latin typeface="Arial"/>
-                <a:ea typeface="Noto Sans SC"/>
-              </a:rPr>
-              <a:t>    </a:t>
-            </a:r>
-            <a:r>
-              <a:rPr b="0" lang="en-US" sz="1500" strike="noStrike" u="none">
-                <a:solidFill>
-                  <a:srgbClr val="000000"/>
-                </a:solidFill>
-                <a:uFillTx/>
-                <a:latin typeface="Arial"/>
-                <a:ea typeface="Noto Sans SC"/>
-              </a:rPr>
-              <a:t>charging_profile=   GenSetChargingProfileRequest.get_charging_profile(*args),</a:t>
-            </a:r>
-            <a:endParaRPr b="0" lang="en-US" sz="1500" strike="noStrike" u="none">
-              <a:solidFill>
-                <a:srgbClr val="000000"/>
-              </a:solidFill>
-              <a:uFillTx/>
-              <a:latin typeface="Arial"/>
-              <a:ea typeface="Noto Sans SC"/>
-            </a:endParaRPr>
-          </a:p>
-          <a:p>
-            <a:pPr>
-              <a:lnSpc>
-                <a:spcPct val="100000"/>
-              </a:lnSpc>
-              <a:spcBef>
-                <a:spcPts val="57"/>
-              </a:spcBef>
-            </a:pPr>
-            <a:r>
-              <a:rPr b="0" lang="en-US" sz="1500" strike="noStrike" u="none">
-                <a:solidFill>
-                  <a:srgbClr val="000000"/>
-                </a:solidFill>
-                <a:uFillTx/>
-                <a:latin typeface="Arial"/>
-                <a:ea typeface="Noto Sans SC"/>
-              </a:rPr>
-              <a:t>    </a:t>
-            </a:r>
-            <a:r>
-              <a:rPr b="0" lang="en-US" sz="1500" strike="noStrike" u="none">
-                <a:solidFill>
-                  <a:srgbClr val="000000"/>
-                </a:solidFill>
-                <a:uFillTx/>
-                <a:latin typeface="Arial"/>
-                <a:ea typeface="Noto Sans SC"/>
-              </a:rPr>
-              <a:t>custom_data=GenSetChargingProfileRequest. get_custom_data(*args)</a:t>
-            </a:r>
-            <a:endParaRPr b="0" lang="en-US" sz="1500" strike="noStrike" u="none">
-              <a:solidFill>
-                <a:srgbClr val="000000"/>
-              </a:solidFill>
-              <a:uFillTx/>
-              <a:latin typeface="Arial"/>
-              <a:ea typeface="Noto Sans SC"/>
-            </a:endParaRPr>
-          </a:p>
-          <a:p>
-            <a:pPr>
-              <a:lnSpc>
-                <a:spcPct val="100000"/>
-              </a:lnSpc>
-              <a:spcBef>
-                <a:spcPts val="57"/>
-              </a:spcBef>
-            </a:pPr>
-            <a:r>
-              <a:rPr b="0" lang="en-US" sz="1500" strike="noStrike" u="none">
-                <a:solidFill>
-                  <a:srgbClr val="000000"/>
-                </a:solidFill>
-                <a:uFillTx/>
-                <a:latin typeface="Arial"/>
-                <a:ea typeface="Noto Sans SC"/>
-              </a:rPr>
-              <a:t>)</a:t>
-            </a:r>
-            <a:endParaRPr b="0" lang="en-US" sz="1500" strike="noStrike" u="none">
-              <a:solidFill>
-                <a:srgbClr val="000000"/>
-              </a:solidFill>
-              <a:uFillTx/>
-              <a:latin typeface="Arial"/>
-              <a:ea typeface="Noto Sans SC"/>
+              <a:tabLst>
+                <a:tab algn="l" pos="408240"/>
+              </a:tabLst>
+            </a:pPr>
+            <a:r>
+              <a:rPr b="0" lang="en-US" sz="1800" strike="noStrike" u="none">
+                <a:solidFill>
+                  <a:srgbClr val="000000"/>
+                </a:solidFill>
+                <a:uFillTx/>
+                <a:latin typeface="Arial"/>
+                <a:ea typeface="DejaVu Sans"/>
+              </a:rPr>
+              <a:t>Use different generation functions to generate each message part</a:t>
+            </a:r>
+            <a:endParaRPr b="0" lang="en-US" sz="1800" strike="noStrike" u="none">
+              <a:solidFill>
+                <a:srgbClr val="000000"/>
+              </a:solidFill>
+              <a:uFillTx/>
+              <a:latin typeface="Arial"/>
             </a:endParaRPr>
           </a:p>
         </p:txBody>
       </p:sp>
       <p:sp>
         <p:nvSpPr>
-          <p:cNvPr id="30" name=""/>
-          <p:cNvSpPr txBox="1"/>
-          <p:nvPr/>
-        </p:nvSpPr>
-        <p:spPr>
-          <a:xfrm>
-            <a:off x="638280" y="4229280"/>
-            <a:ext cx="6822720" cy="346320"/>
-          </a:xfrm>
-          <a:prstGeom prst="rect">
-            <a:avLst/>
-          </a:prstGeom>
-          <a:noFill/>
-          <a:ln w="0">
-            <a:noFill/>
-          </a:ln>
-        </p:spPr>
-        <p:txBody>
-          <a:bodyPr wrap="none" lIns="90000" rIns="90000" tIns="45000" bIns="45000" anchor="t">
-            <a:noAutofit/>
-          </a:bodyPr>
-          <a:p>
-            <a:r>
-              <a:rPr b="0" lang="en-US" sz="1800" strike="noStrike" u="none">
-                <a:solidFill>
-                  <a:srgbClr val="000000"/>
-                </a:solidFill>
-                <a:uFillTx/>
-                <a:latin typeface="Arial"/>
-              </a:rPr>
-              <a:t>Use different generation functions to generate each message part</a:t>
-            </a:r>
-            <a:endParaRPr b="0" lang="en-US" sz="1800" strike="noStrike" u="none">
-              <a:solidFill>
-                <a:srgbClr val="000000"/>
-              </a:solidFill>
-              <a:uFillTx/>
-              <a:latin typeface="Arial"/>
-            </a:endParaRPr>
-          </a:p>
-        </p:txBody>
-      </p:sp>
-      <p:sp>
-        <p:nvSpPr>
-          <p:cNvPr id="31" name=""/>
+          <p:cNvPr id="43" name=""/>
           <p:cNvSpPr/>
           <p:nvPr/>
         </p:nvSpPr>
         <p:spPr>
           <a:xfrm>
-            <a:off x="571680" y="5353200"/>
-            <a:ext cx="1847880" cy="0"/>
+            <a:off x="571680" y="5605200"/>
+            <a:ext cx="1847880" cy="360"/>
           </a:xfrm>
           <a:prstGeom prst="line">
             <a:avLst/>
           </a:prstGeom>
           <a:ln w="76320">
             <a:solidFill>
-              <a:srgbClr val="3465a4"/>
+              <a:srgbClr val="0369a3"/>
             </a:solidFill>
             <a:round/>
             <a:tailEnd len="med" type="triangle" w="med"/>
@@ -3444,20 +4158,21 @@
               </a:solidFill>
               <a:uFillTx/>
               <a:latin typeface="Arial"/>
+              <a:ea typeface="DejaVu Sans"/>
             </a:endParaRPr>
           </a:p>
         </p:txBody>
       </p:sp>
       <p:sp>
         <p:nvSpPr>
-          <p:cNvPr id="32" name=""/>
-          <p:cNvSpPr txBox="1"/>
+          <p:cNvPr id="44" name=""/>
+          <p:cNvSpPr/>
           <p:nvPr/>
         </p:nvSpPr>
         <p:spPr>
           <a:xfrm>
             <a:off x="2714760" y="4905360"/>
-            <a:ext cx="7321680" cy="1337400"/>
+            <a:ext cx="7320960" cy="1336680"/>
           </a:xfrm>
           <a:prstGeom prst="rect">
             <a:avLst/>
@@ -3467,6 +4182,12 @@
             <a:noFill/>
           </a:ln>
         </p:spPr>
+        <p:style>
+          <a:lnRef idx="0"/>
+          <a:fillRef idx="0"/>
+          <a:effectRef idx="0"/>
+          <a:fontRef idx="minor"/>
+        </p:style>
         <p:txBody>
           <a:bodyPr wrap="none" lIns="90000" rIns="90000" tIns="45000" bIns="45000" anchor="t">
             <a:noAutofit/>
@@ -3488,6 +4209,9 @@
               <a:buSzPct val="45000"/>
               <a:buFont typeface="Wingdings" charset="2"/>
               <a:buChar char=""/>
+              <a:tabLst>
+                <a:tab algn="l" pos="408240"/>
+              </a:tabLst>
             </a:pPr>
             <a:r>
               <a:rPr b="0" lang="en-US" sz="1800" strike="noStrike" u="none">
@@ -3496,6 +4220,7 @@
                 </a:solidFill>
                 <a:uFillTx/>
                 <a:latin typeface="Arial"/>
+                <a:ea typeface="DejaVu Sans"/>
               </a:rPr>
               <a:t>IDE provides type hints and Docstring</a:t>
             </a:r>
@@ -3505,7 +4230,6 @@
               </a:solidFill>
               <a:uFillTx/>
               <a:latin typeface="Arial"/>
-              <a:ea typeface="Noto Sans SC"/>
             </a:endParaRPr>
           </a:p>
           <a:p>
@@ -3525,6 +4249,9 @@
               <a:buSzPct val="45000"/>
               <a:buFont typeface="Wingdings" charset="2"/>
               <a:buChar char=""/>
+              <a:tabLst>
+                <a:tab algn="l" pos="408240"/>
+              </a:tabLst>
             </a:pPr>
             <a:r>
               <a:rPr b="0" lang="en-US" sz="1800" strike="noStrike" u="none">
@@ -3533,6 +4260,7 @@
                 </a:solidFill>
                 <a:uFillTx/>
                 <a:latin typeface="Arial"/>
+                <a:ea typeface="DejaVu Sans"/>
               </a:rPr>
               <a:t>Reduces the learning cost of the OCPP Standard documentation</a:t>
             </a:r>
@@ -3542,7 +4270,6 @@
               </a:solidFill>
               <a:uFillTx/>
               <a:latin typeface="Arial"/>
-              <a:ea typeface="Noto Sans SC"/>
             </a:endParaRPr>
           </a:p>
           <a:p>
@@ -3562,6 +4289,9 @@
               <a:buSzPct val="45000"/>
               <a:buFont typeface="Wingdings" charset="2"/>
               <a:buChar char=""/>
+              <a:tabLst>
+                <a:tab algn="l" pos="408240"/>
+              </a:tabLst>
             </a:pPr>
             <a:r>
               <a:rPr b="0" lang="en-US" sz="1800" strike="noStrike" u="none">
@@ -3570,6 +4300,7 @@
                 </a:solidFill>
                 <a:uFillTx/>
                 <a:latin typeface="Arial"/>
+                <a:ea typeface="DejaVu Sans"/>
               </a:rPr>
               <a:t>Structure encapsulation significantly reduces the probability of errors</a:t>
             </a:r>
@@ -3579,7 +4310,6 @@
               </a:solidFill>
               <a:uFillTx/>
               <a:latin typeface="Arial"/>
-              <a:ea typeface="Noto Sans SC"/>
             </a:endParaRPr>
           </a:p>
           <a:p>
@@ -3599,6 +4329,9 @@
               <a:buSzPct val="45000"/>
               <a:buFont typeface="Wingdings" charset="2"/>
               <a:buChar char=""/>
+              <a:tabLst>
+                <a:tab algn="l" pos="408240"/>
+              </a:tabLst>
             </a:pPr>
             <a:r>
               <a:rPr b="0" lang="en-US" sz="1800" strike="noStrike" u="none">
@@ -3607,6 +4340,7 @@
                 </a:solidFill>
                 <a:uFillTx/>
                 <a:latin typeface="Arial"/>
+                <a:ea typeface="DejaVu Sans"/>
               </a:rPr>
               <a:t>Unified standard improve team collaboration efficiency</a:t>
             </a:r>
@@ -3616,21 +4350,20 @@
               </a:solidFill>
               <a:uFillTx/>
               <a:latin typeface="Arial"/>
-              <a:ea typeface="Noto Sans SC"/>
             </a:endParaRPr>
           </a:p>
         </p:txBody>
       </p:sp>
       <p:sp>
         <p:nvSpPr>
-          <p:cNvPr id="33" name=""/>
-          <p:cNvSpPr txBox="1"/>
+          <p:cNvPr id="45" name=""/>
+          <p:cNvSpPr/>
           <p:nvPr/>
         </p:nvSpPr>
         <p:spPr>
           <a:xfrm>
-            <a:off x="628920" y="6610320"/>
-            <a:ext cx="3459240" cy="346320"/>
+            <a:off x="457200" y="492120"/>
+            <a:ext cx="8276400" cy="1023480"/>
           </a:xfrm>
           <a:prstGeom prst="rect">
             <a:avLst/>
@@ -3640,22 +4373,37 @@
             <a:noFill/>
           </a:ln>
         </p:spPr>
+        <p:style>
+          <a:lnRef idx="0"/>
+          <a:fillRef idx="0"/>
+          <a:effectRef idx="0"/>
+          <a:fontRef idx="minor"/>
+        </p:style>
         <p:txBody>
-          <a:bodyPr wrap="none" lIns="90000" rIns="90000" tIns="45000" bIns="45000" anchor="t">
+          <a:bodyPr lIns="0" rIns="0" tIns="0" bIns="0" anchor="ctr">
             <a:noAutofit/>
           </a:bodyPr>
           <a:p>
-            <a:r>
-              <a:rPr b="0" lang="en-US" sz="1800" strike="noStrike" u="none">
-                <a:solidFill>
-                  <a:srgbClr val="000000"/>
-                </a:solidFill>
-                <a:uFillTx/>
-                <a:latin typeface="Arial"/>
-              </a:rPr>
-              <a:t>V2.0.1 —&gt; 128         v1.6 —&gt;78 </a:t>
-            </a:r>
-            <a:endParaRPr b="0" lang="en-US" sz="1800" strike="noStrike" u="none">
+            <a:pPr>
+              <a:lnSpc>
+                <a:spcPct val="100000"/>
+              </a:lnSpc>
+              <a:tabLst>
+                <a:tab algn="l" pos="408240"/>
+              </a:tabLst>
+            </a:pPr>
+            <a:r>
+              <a:rPr b="0" lang="en-US" sz="3600" strike="noStrike" u="none">
+                <a:solidFill>
+                  <a:srgbClr val="000000"/>
+                </a:solidFill>
+                <a:uFillTx/>
+                <a:latin typeface="Arial"/>
+                <a:ea typeface="Noto Sans SC"/>
+              </a:rPr>
+              <a:t>System Architecture - Implementation </a:t>
+            </a:r>
+            <a:endParaRPr b="0" lang="en-US" sz="3600" strike="noStrike" u="none">
               <a:solidFill>
                 <a:srgbClr val="000000"/>
               </a:solidFill>
@@ -3667,69 +4415,14 @@
       </p:sp>
       <p:sp>
         <p:nvSpPr>
-          <p:cNvPr id="34" name=""/>
-          <p:cNvSpPr txBox="1"/>
-          <p:nvPr/>
-        </p:nvSpPr>
-        <p:spPr>
-          <a:xfrm>
-            <a:off x="457200" y="492120"/>
-            <a:ext cx="8277120" cy="1024200"/>
-          </a:xfrm>
-          <a:prstGeom prst="rect">
-            <a:avLst/>
-          </a:prstGeom>
-          <a:noFill/>
-          <a:ln w="0">
-            <a:noFill/>
-          </a:ln>
-        </p:spPr>
-        <p:txBody>
-          <a:bodyPr lIns="0" rIns="0" tIns="0" bIns="0" anchor="ctr">
-            <a:noAutofit/>
-          </a:bodyPr>
-          <a:p>
-            <a:r>
-              <a:rPr b="0" lang="en-US" sz="3600" strike="noStrike" u="none">
-                <a:solidFill>
-                  <a:srgbClr val="000000"/>
-                </a:solidFill>
-                <a:uFillTx/>
-                <a:latin typeface="Arial"/>
-                <a:ea typeface="Noto Sans SC"/>
-              </a:rPr>
-              <a:t>System Architecture -</a:t>
-            </a:r>
-            <a:r>
-              <a:rPr b="0" lang="en-US" sz="3600" strike="noStrike" u="none">
-                <a:solidFill>
-                  <a:srgbClr val="000000"/>
-                </a:solidFill>
-                <a:uFillTx/>
-                <a:latin typeface="Arial"/>
-              </a:rPr>
-              <a:t> Implementation </a:t>
-            </a:r>
-            <a:endParaRPr b="0" lang="en-US" sz="3600" strike="noStrike" u="none">
-              <a:solidFill>
-                <a:srgbClr val="000000"/>
-              </a:solidFill>
-              <a:uFillTx/>
-              <a:latin typeface="Arial"/>
-            </a:endParaRPr>
-          </a:p>
-        </p:txBody>
-      </p:sp>
-      <p:sp>
-        <p:nvSpPr>
-          <p:cNvPr id="35" name=""/>
+          <p:cNvPr id="46" name=""/>
           <p:cNvSpPr/>
           <p:nvPr/>
         </p:nvSpPr>
         <p:spPr>
           <a:xfrm>
             <a:off x="432360" y="1728360"/>
-            <a:ext cx="2520000" cy="344160"/>
+            <a:ext cx="2519280" cy="343440"/>
           </a:xfrm>
           <a:prstGeom prst="roundRect">
             <a:avLst>
@@ -3737,7 +4430,7 @@
             </a:avLst>
           </a:prstGeom>
           <a:solidFill>
-            <a:srgbClr val="729fcf"/>
+            <a:srgbClr val="ff860d"/>
           </a:solidFill>
           <a:ln w="0">
             <a:solidFill>
@@ -3763,6 +4456,9 @@
               <a:spcBef>
                 <a:spcPts val="1417"/>
               </a:spcBef>
+              <a:tabLst>
+                <a:tab algn="l" pos="408240"/>
+              </a:tabLst>
             </a:pPr>
             <a:r>
               <a:rPr b="0" lang="en-US" sz="1800" strike="noStrike" u="none">
@@ -3771,12 +4467,13 @@
                 </a:solidFill>
                 <a:uFillTx/>
                 <a:latin typeface="Arial"/>
+                <a:ea typeface="DejaVu Sans"/>
               </a:rPr>
               <a:t>Communication</a:t>
             </a:r>
             <a:endParaRPr b="0" lang="en-US" sz="1800" strike="noStrike" u="none">
               <a:solidFill>
-                <a:srgbClr val="000000"/>
+                <a:srgbClr val="ffffff"/>
               </a:solidFill>
               <a:uFillTx/>
               <a:latin typeface="Arial"/>
@@ -3786,14 +4483,14 @@
       </p:sp>
       <p:sp>
         <p:nvSpPr>
-          <p:cNvPr id="36" name=""/>
+          <p:cNvPr id="47" name=""/>
           <p:cNvSpPr/>
           <p:nvPr/>
         </p:nvSpPr>
         <p:spPr>
           <a:xfrm>
             <a:off x="6984360" y="1728360"/>
-            <a:ext cx="2520000" cy="344160"/>
+            <a:ext cx="2519280" cy="343440"/>
           </a:xfrm>
           <a:prstGeom prst="roundRect">
             <a:avLst>
@@ -3801,11 +4498,11 @@
             </a:avLst>
           </a:prstGeom>
           <a:solidFill>
-            <a:srgbClr val="729fcf"/>
+            <a:srgbClr val="0369a3"/>
           </a:solidFill>
           <a:ln w="0">
             <a:solidFill>
-              <a:srgbClr val="3465a4"/>
+              <a:srgbClr val="0369a3"/>
             </a:solidFill>
           </a:ln>
         </p:spPr>
@@ -3827,6 +4524,9 @@
               <a:spcBef>
                 <a:spcPts val="1417"/>
               </a:spcBef>
+              <a:tabLst>
+                <a:tab algn="l" pos="408240"/>
+              </a:tabLst>
             </a:pPr>
             <a:r>
               <a:rPr b="0" lang="en-US" sz="1800" strike="noStrike" u="none">
@@ -3835,12 +4535,13 @@
                 </a:solidFill>
                 <a:uFillTx/>
                 <a:latin typeface="Arial"/>
-              </a:rPr>
-              <a:t>Scalability</a:t>
+                <a:ea typeface="DejaVu Sans"/>
+              </a:rPr>
+              <a:t>Expansion</a:t>
             </a:r>
             <a:endParaRPr b="0" lang="en-US" sz="1800" strike="noStrike" u="none">
               <a:solidFill>
-                <a:srgbClr val="000000"/>
+                <a:srgbClr val="ffffff"/>
               </a:solidFill>
               <a:uFillTx/>
               <a:latin typeface="Arial"/>
@@ -3850,14 +4551,14 @@
       </p:sp>
       <p:sp>
         <p:nvSpPr>
-          <p:cNvPr id="37" name=""/>
+          <p:cNvPr id="48" name=""/>
           <p:cNvSpPr/>
           <p:nvPr/>
         </p:nvSpPr>
         <p:spPr>
           <a:xfrm>
             <a:off x="3672360" y="1728360"/>
-            <a:ext cx="2520000" cy="344160"/>
+            <a:ext cx="2519280" cy="343440"/>
           </a:xfrm>
           <a:prstGeom prst="roundRect">
             <a:avLst>
@@ -3865,7 +4566,7 @@
             </a:avLst>
           </a:prstGeom>
           <a:solidFill>
-            <a:srgbClr val="729fcf"/>
+            <a:srgbClr val="0369a3"/>
           </a:solidFill>
           <a:ln w="0">
             <a:solidFill>
@@ -3891,6 +4592,9 @@
               <a:spcBef>
                 <a:spcPts val="1417"/>
               </a:spcBef>
+              <a:tabLst>
+                <a:tab algn="l" pos="408240"/>
+              </a:tabLst>
             </a:pPr>
             <a:r>
               <a:rPr b="0" lang="en-US" sz="1800" strike="noStrike" u="none">
@@ -3899,12 +4603,13 @@
                 </a:solidFill>
                 <a:uFillTx/>
                 <a:latin typeface="Arial"/>
+                <a:ea typeface="DejaVu Sans"/>
               </a:rPr>
               <a:t>Concurrent Tasks</a:t>
             </a:r>
             <a:endParaRPr b="0" lang="en-US" sz="1800" strike="noStrike" u="none">
               <a:solidFill>
-                <a:srgbClr val="000000"/>
+                <a:srgbClr val="ffffff"/>
               </a:solidFill>
               <a:uFillTx/>
               <a:latin typeface="Arial"/>
@@ -3912,6 +4617,29 @@
           </a:p>
         </p:txBody>
       </p:sp>
+      <p:pic>
+        <p:nvPicPr>
+          <p:cNvPr id="49" name="" descr=""/>
+          <p:cNvPicPr/>
+          <p:nvPr/>
+        </p:nvPicPr>
+        <p:blipFill>
+          <a:blip r:embed="rId1"/>
+          <a:stretch/>
+        </p:blipFill>
+        <p:spPr>
+          <a:xfrm>
+            <a:off x="1080000" y="4932000"/>
+            <a:ext cx="540000" cy="540000"/>
+          </a:xfrm>
+          <a:prstGeom prst="rect">
+            <a:avLst/>
+          </a:prstGeom>
+          <a:ln w="0">
+            <a:noFill/>
+          </a:ln>
+        </p:spPr>
+      </p:pic>
     </p:spTree>
   </p:cSld>
   <mc:AlternateContent>
@@ -3942,20 +4670,39 @@
           <a:chExt cx="0" cy="0"/>
         </a:xfrm>
       </p:grpSpPr>
+      <p:pic>
+        <p:nvPicPr>
+          <p:cNvPr id="50" name="" descr=""/>
+          <p:cNvPicPr/>
+          <p:nvPr/>
+        </p:nvPicPr>
+        <p:blipFill>
+          <a:blip r:embed="rId1"/>
+          <a:stretch/>
+        </p:blipFill>
+        <p:spPr>
+          <a:xfrm>
+            <a:off x="-360" y="2520000"/>
+            <a:ext cx="10080360" cy="4034160"/>
+          </a:xfrm>
+          <a:prstGeom prst="rect">
+            <a:avLst/>
+          </a:prstGeom>
+          <a:ln w="0">
+            <a:noFill/>
+          </a:ln>
+        </p:spPr>
+      </p:pic>
       <p:sp>
         <p:nvSpPr>
-          <p:cNvPr id="38" name="PlaceHolder 1"/>
-          <p:cNvSpPr>
-            <a:spLocks noGrp="1"/>
-          </p:cNvSpPr>
-          <p:nvPr>
-            <p:ph/>
-          </p:nvPr>
+          <p:cNvPr id="51" name=""/>
+          <p:cNvSpPr/>
+          <p:nvPr/>
         </p:nvSpPr>
         <p:spPr>
           <a:xfrm>
-            <a:off x="360000" y="3240000"/>
-            <a:ext cx="9139320" cy="2333520"/>
+            <a:off x="628920" y="6610320"/>
+            <a:ext cx="3458520" cy="345600"/>
           </a:xfrm>
           <a:prstGeom prst="rect">
             <a:avLst/>
@@ -3965,187 +4712,115 @@
             <a:noFill/>
           </a:ln>
         </p:spPr>
+        <p:style>
+          <a:lnRef idx="0"/>
+          <a:fillRef idx="0"/>
+          <a:effectRef idx="0"/>
+          <a:fontRef idx="minor"/>
+        </p:style>
         <p:txBody>
-          <a:bodyPr lIns="0" rIns="0" tIns="0" bIns="0" anchor="t">
-            <a:normAutofit/>
+          <a:bodyPr wrap="none" lIns="90000" rIns="90000" tIns="45000" bIns="45000" anchor="t">
+            <a:noAutofit/>
           </a:bodyPr>
           <a:p>
-            <a:pPr marL="432000" indent="-324000">
-              <a:spcBef>
-                <a:spcPts val="283"/>
-              </a:spcBef>
-              <a:spcAft>
-                <a:spcPts val="283"/>
-              </a:spcAft>
-              <a:buClr>
-                <a:srgbClr val="000000"/>
-              </a:buClr>
-              <a:buSzPct val="45000"/>
-              <a:buFont typeface="Wingdings" charset="2"/>
-              <a:buChar char=""/>
-            </a:pPr>
-            <a:r>
-              <a:rPr b="0" lang="en-US" sz="2800" strike="noStrike" u="none">
-                <a:solidFill>
-                  <a:srgbClr val="000000"/>
-                </a:solidFill>
-                <a:uFillTx/>
-                <a:latin typeface="Arial"/>
-              </a:rPr>
-              <a:t>Signal Class -- Decoupling</a:t>
-            </a:r>
-            <a:endParaRPr b="0" lang="en-US" sz="2800" strike="noStrike" u="none">
-              <a:solidFill>
-                <a:srgbClr val="000000"/>
-              </a:solidFill>
-              <a:uFillTx/>
-              <a:latin typeface="Arial"/>
-              <a:ea typeface="Noto Sans SC"/>
-            </a:endParaRPr>
-          </a:p>
-          <a:p>
-            <a:pPr lvl="1" marL="864000" indent="-324000">
-              <a:spcBef>
-                <a:spcPts val="283"/>
-              </a:spcBef>
-              <a:spcAft>
-                <a:spcPts val="283"/>
-              </a:spcAft>
-              <a:buClr>
-                <a:srgbClr val="000000"/>
-              </a:buClr>
-              <a:buSzPct val="75000"/>
-              <a:buFont typeface="Symbol" charset="2"/>
-              <a:buChar char=""/>
-            </a:pPr>
-            <a:r>
-              <a:rPr b="0" lang="en-US" sz="2400" strike="noStrike" u="none">
-                <a:solidFill>
-                  <a:srgbClr val="000000"/>
-                </a:solidFill>
-                <a:uFillTx/>
-                <a:latin typeface="Arial"/>
-              </a:rPr>
-              <a:t>Supports synchronous/asynchronous calls</a:t>
-            </a:r>
-            <a:endParaRPr b="0" lang="en-US" sz="2400" strike="noStrike" u="none">
-              <a:solidFill>
-                <a:srgbClr val="000000"/>
-              </a:solidFill>
-              <a:uFillTx/>
-              <a:latin typeface="Arial"/>
-              <a:ea typeface="Noto Sans SC"/>
-            </a:endParaRPr>
-          </a:p>
-          <a:p>
-            <a:pPr lvl="1" marL="864000" indent="-324000">
-              <a:spcBef>
-                <a:spcPts val="283"/>
-              </a:spcBef>
-              <a:spcAft>
-                <a:spcPts val="283"/>
-              </a:spcAft>
-              <a:buClr>
-                <a:srgbClr val="000000"/>
-              </a:buClr>
-              <a:buSzPct val="75000"/>
-              <a:buFont typeface="Symbol" charset="2"/>
-              <a:buChar char=""/>
-            </a:pPr>
-            <a:r>
-              <a:rPr b="0" lang="en-US" sz="2400" strike="noStrike" u="none">
-                <a:solidFill>
-                  <a:srgbClr val="000000"/>
-                </a:solidFill>
-                <a:uFillTx/>
-                <a:latin typeface="Arial"/>
-              </a:rPr>
-              <a:t>No need for fixed callback functions</a:t>
-            </a:r>
-            <a:endParaRPr b="0" lang="en-US" sz="2400" strike="noStrike" u="none">
-              <a:solidFill>
-                <a:srgbClr val="000000"/>
-              </a:solidFill>
-              <a:uFillTx/>
-              <a:latin typeface="Arial"/>
-              <a:ea typeface="Noto Sans SC"/>
-            </a:endParaRPr>
-          </a:p>
-          <a:p>
-            <a:pPr lvl="1" marL="864000" indent="-324000">
-              <a:spcBef>
-                <a:spcPts val="283"/>
-              </a:spcBef>
-              <a:spcAft>
-                <a:spcPts val="283"/>
-              </a:spcAft>
-              <a:buClr>
-                <a:srgbClr val="000000"/>
-              </a:buClr>
-              <a:buSzPct val="75000"/>
-              <a:buFont typeface="Symbol" charset="2"/>
-              <a:buChar char=""/>
-            </a:pPr>
-            <a:r>
-              <a:rPr b="0" lang="en-US" sz="2400" strike="noStrike" u="none">
-                <a:solidFill>
-                  <a:srgbClr val="000000"/>
-                </a:solidFill>
-                <a:uFillTx/>
-                <a:latin typeface="Arial"/>
-              </a:rPr>
-              <a:t>Facilitates testing, debugging </a:t>
-            </a:r>
-            <a:endParaRPr b="0" lang="en-US" sz="2400" strike="noStrike" u="none">
-              <a:solidFill>
-                <a:srgbClr val="000000"/>
-              </a:solidFill>
-              <a:uFillTx/>
-              <a:latin typeface="Arial"/>
-              <a:ea typeface="Noto Sans SC"/>
-            </a:endParaRPr>
-          </a:p>
-          <a:p>
-            <a:pPr lvl="1" marL="864000" indent="0">
-              <a:spcBef>
-                <a:spcPts val="283"/>
-              </a:spcBef>
-              <a:spcAft>
-                <a:spcPts val="283"/>
-              </a:spcAft>
-              <a:buNone/>
-            </a:pPr>
-            <a:r>
-              <a:rPr b="0" lang="en-US" sz="2400" strike="noStrike" u="none">
-                <a:solidFill>
-                  <a:srgbClr val="000000"/>
-                </a:solidFill>
-                <a:uFillTx/>
-                <a:latin typeface="Arial"/>
-              </a:rPr>
-              <a:t>and expansion</a:t>
-            </a:r>
-            <a:endParaRPr b="0" lang="en-US" sz="2400" strike="noStrike" u="none">
-              <a:solidFill>
-                <a:srgbClr val="000000"/>
-              </a:solidFill>
-              <a:uFillTx/>
-              <a:latin typeface="Arial"/>
-              <a:ea typeface="Noto Sans SC"/>
+            <a:pPr>
+              <a:lnSpc>
+                <a:spcPct val="100000"/>
+              </a:lnSpc>
+              <a:tabLst>
+                <a:tab algn="l" pos="408240"/>
+              </a:tabLst>
+            </a:pPr>
+            <a:r>
+              <a:rPr b="0" lang="en-US" sz="1800" strike="noStrike" u="none">
+                <a:solidFill>
+                  <a:srgbClr val="000000"/>
+                </a:solidFill>
+                <a:uFillTx/>
+                <a:latin typeface="Arial"/>
+                <a:ea typeface="DejaVu Sans"/>
+              </a:rPr>
+              <a:t>V2.0.1 —&gt; 128         v1.6 —&gt;78 </a:t>
+            </a:r>
+            <a:endParaRPr b="0" lang="en-US" sz="1800" strike="noStrike" u="none">
+              <a:solidFill>
+                <a:srgbClr val="000000"/>
+              </a:solidFill>
+              <a:uFillTx/>
+              <a:latin typeface="Arial"/>
             </a:endParaRPr>
           </a:p>
         </p:txBody>
       </p:sp>
       <p:sp>
         <p:nvSpPr>
-          <p:cNvPr id="39" name=""/>
+          <p:cNvPr id="52" name=""/>
           <p:cNvSpPr/>
           <p:nvPr/>
         </p:nvSpPr>
         <p:spPr>
           <a:xfrm>
-            <a:off x="432000" y="1728000"/>
-            <a:ext cx="2520000" cy="344160"/>
+            <a:off x="457200" y="492120"/>
+            <a:ext cx="8276400" cy="1023480"/>
+          </a:xfrm>
+          <a:prstGeom prst="rect">
+            <a:avLst/>
+          </a:prstGeom>
+          <a:noFill/>
+          <a:ln w="0">
+            <a:noFill/>
+          </a:ln>
+        </p:spPr>
+        <p:style>
+          <a:lnRef idx="0"/>
+          <a:fillRef idx="0"/>
+          <a:effectRef idx="0"/>
+          <a:fontRef idx="minor"/>
+        </p:style>
+        <p:txBody>
+          <a:bodyPr lIns="0" rIns="0" tIns="0" bIns="0" anchor="ctr">
+            <a:noAutofit/>
+          </a:bodyPr>
+          <a:p>
+            <a:pPr>
+              <a:lnSpc>
+                <a:spcPct val="100000"/>
+              </a:lnSpc>
+              <a:tabLst>
+                <a:tab algn="l" pos="408240"/>
+              </a:tabLst>
+            </a:pPr>
+            <a:r>
+              <a:rPr b="0" lang="en-US" sz="3600" strike="noStrike" u="none">
+                <a:solidFill>
+                  <a:srgbClr val="000000"/>
+                </a:solidFill>
+                <a:uFillTx/>
+                <a:latin typeface="Arial"/>
+                <a:ea typeface="Noto Sans SC"/>
+              </a:rPr>
+              <a:t>System Architecture - Implementation </a:t>
+            </a:r>
+            <a:endParaRPr b="0" lang="en-US" sz="3600" strike="noStrike" u="none">
+              <a:solidFill>
+                <a:srgbClr val="000000"/>
+              </a:solidFill>
+              <a:uFillTx/>
+              <a:latin typeface="Arial"/>
+            </a:endParaRPr>
+          </a:p>
+        </p:txBody>
+      </p:sp>
+      <p:sp>
+        <p:nvSpPr>
+          <p:cNvPr id="53" name=""/>
+          <p:cNvSpPr/>
+          <p:nvPr/>
+        </p:nvSpPr>
+        <p:spPr>
+          <a:xfrm>
+            <a:off x="432720" y="1728720"/>
+            <a:ext cx="2519280" cy="343440"/>
           </a:xfrm>
           <a:prstGeom prst="roundRect">
             <a:avLst>
@@ -4153,7 +4828,7 @@
             </a:avLst>
           </a:prstGeom>
           <a:solidFill>
-            <a:srgbClr val="729fcf"/>
+            <a:srgbClr val="ff860d"/>
           </a:solidFill>
           <a:ln w="0">
             <a:solidFill>
@@ -4179,6 +4854,9 @@
               <a:spcBef>
                 <a:spcPts val="1417"/>
               </a:spcBef>
+              <a:tabLst>
+                <a:tab algn="l" pos="408240"/>
+              </a:tabLst>
             </a:pPr>
             <a:r>
               <a:rPr b="0" lang="en-US" sz="1800" strike="noStrike" u="none">
@@ -4187,12 +4865,13 @@
                 </a:solidFill>
                 <a:uFillTx/>
                 <a:latin typeface="Arial"/>
+                <a:ea typeface="DejaVu Sans"/>
               </a:rPr>
               <a:t>Communication</a:t>
             </a:r>
             <a:endParaRPr b="0" lang="en-US" sz="1800" strike="noStrike" u="none">
               <a:solidFill>
-                <a:srgbClr val="000000"/>
+                <a:srgbClr val="ffffff"/>
               </a:solidFill>
               <a:uFillTx/>
               <a:latin typeface="Arial"/>
@@ -4202,14 +4881,14 @@
       </p:sp>
       <p:sp>
         <p:nvSpPr>
-          <p:cNvPr id="40" name=""/>
+          <p:cNvPr id="54" name=""/>
           <p:cNvSpPr/>
           <p:nvPr/>
         </p:nvSpPr>
         <p:spPr>
           <a:xfrm>
-            <a:off x="6984000" y="1728000"/>
-            <a:ext cx="2520000" cy="344160"/>
+            <a:off x="6984720" y="1728720"/>
+            <a:ext cx="2519280" cy="343440"/>
           </a:xfrm>
           <a:prstGeom prst="roundRect">
             <a:avLst>
@@ -4217,11 +4896,11 @@
             </a:avLst>
           </a:prstGeom>
           <a:solidFill>
-            <a:srgbClr val="729fcf"/>
+            <a:srgbClr val="0369a3"/>
           </a:solidFill>
           <a:ln w="0">
             <a:solidFill>
-              <a:srgbClr val="3465a4"/>
+              <a:srgbClr val="0369a3"/>
             </a:solidFill>
           </a:ln>
         </p:spPr>
@@ -4243,6 +4922,9 @@
               <a:spcBef>
                 <a:spcPts val="1417"/>
               </a:spcBef>
+              <a:tabLst>
+                <a:tab algn="l" pos="408240"/>
+              </a:tabLst>
             </a:pPr>
             <a:r>
               <a:rPr b="0" lang="en-US" sz="1800" strike="noStrike" u="none">
@@ -4251,12 +4933,13 @@
                 </a:solidFill>
                 <a:uFillTx/>
                 <a:latin typeface="Arial"/>
-              </a:rPr>
-              <a:t>Scalability</a:t>
+                <a:ea typeface="DejaVu Sans"/>
+              </a:rPr>
+              <a:t>Expansion</a:t>
             </a:r>
             <a:endParaRPr b="0" lang="en-US" sz="1800" strike="noStrike" u="none">
               <a:solidFill>
-                <a:srgbClr val="000000"/>
+                <a:srgbClr val="ffffff"/>
               </a:solidFill>
               <a:uFillTx/>
               <a:latin typeface="Arial"/>
@@ -4266,14 +4949,14 @@
       </p:sp>
       <p:sp>
         <p:nvSpPr>
-          <p:cNvPr id="41" name=""/>
+          <p:cNvPr id="55" name=""/>
           <p:cNvSpPr/>
           <p:nvPr/>
         </p:nvSpPr>
         <p:spPr>
           <a:xfrm>
-            <a:off x="3672000" y="1728000"/>
-            <a:ext cx="2520000" cy="344160"/>
+            <a:off x="3672720" y="1728720"/>
+            <a:ext cx="2519280" cy="343440"/>
           </a:xfrm>
           <a:prstGeom prst="roundRect">
             <a:avLst>
@@ -4281,7 +4964,7 @@
             </a:avLst>
           </a:prstGeom>
           <a:solidFill>
-            <a:srgbClr val="729fcf"/>
+            <a:srgbClr val="0369a3"/>
           </a:solidFill>
           <a:ln w="0">
             <a:solidFill>
@@ -4307,6 +4990,9 @@
               <a:spcBef>
                 <a:spcPts val="1417"/>
               </a:spcBef>
+              <a:tabLst>
+                <a:tab algn="l" pos="408240"/>
+              </a:tabLst>
             </a:pPr>
             <a:r>
               <a:rPr b="0" lang="en-US" sz="1800" strike="noStrike" u="none">
@@ -4315,12 +5001,13 @@
                 </a:solidFill>
                 <a:uFillTx/>
                 <a:latin typeface="Arial"/>
+                <a:ea typeface="DejaVu Sans"/>
               </a:rPr>
               <a:t>Concurrent Tasks</a:t>
             </a:r>
             <a:endParaRPr b="0" lang="en-US" sz="1800" strike="noStrike" u="none">
               <a:solidFill>
-                <a:srgbClr val="000000"/>
+                <a:srgbClr val="ffffff"/>
               </a:solidFill>
               <a:uFillTx/>
               <a:latin typeface="Arial"/>
@@ -4328,39 +5015,16 @@
           </a:p>
         </p:txBody>
       </p:sp>
-      <p:pic>
-        <p:nvPicPr>
-          <p:cNvPr id="42" name="" descr=""/>
-          <p:cNvPicPr/>
-          <p:nvPr/>
-        </p:nvPicPr>
-        <p:blipFill>
-          <a:blip r:embed="rId1"/>
-          <a:stretch/>
-        </p:blipFill>
-        <p:spPr>
-          <a:xfrm>
-            <a:off x="0" y="5746680"/>
-            <a:ext cx="10080360" cy="1079640"/>
-          </a:xfrm>
-          <a:prstGeom prst="rect">
-            <a:avLst/>
-          </a:prstGeom>
-          <a:ln w="0">
-            <a:noFill/>
-          </a:ln>
-        </p:spPr>
-      </p:pic>
       <p:sp>
         <p:nvSpPr>
-          <p:cNvPr id="43" name=""/>
+          <p:cNvPr id="56" name="PlaceHolder 3"/>
           <p:cNvSpPr txBox="1"/>
           <p:nvPr/>
         </p:nvSpPr>
         <p:spPr>
           <a:xfrm>
-            <a:off x="360000" y="2343240"/>
-            <a:ext cx="9360000" cy="883080"/>
+            <a:off x="457200" y="2157120"/>
+            <a:ext cx="3862800" cy="722880"/>
           </a:xfrm>
           <a:prstGeom prst="rect">
             <a:avLst/>
@@ -4371,11 +5035,17 @@
           </a:ln>
         </p:spPr>
         <p:txBody>
-          <a:bodyPr lIns="90000" rIns="90000" tIns="45000" bIns="45000" anchor="t">
-            <a:noAutofit/>
+          <a:bodyPr lIns="0" rIns="0" tIns="0" bIns="0" anchor="t">
+            <a:normAutofit/>
           </a:bodyPr>
           <a:p>
-            <a:pPr marL="216000" indent="-216000">
+            <a:pPr marL="432000" indent="-324000">
+              <a:lnSpc>
+                <a:spcPct val="100000"/>
+              </a:lnSpc>
+              <a:spcBef>
+                <a:spcPts val="1417"/>
+              </a:spcBef>
               <a:buClr>
                 <a:srgbClr val="000000"/>
               </a:buClr>
@@ -4384,16 +5054,16 @@
               <a:buChar char=""/>
             </a:pPr>
             <a:r>
-              <a:rPr b="0" lang="en-US" sz="2800" strike="noStrike" u="none">
-                <a:solidFill>
-                  <a:srgbClr val="000000"/>
-                </a:solidFill>
-                <a:uFillTx/>
-                <a:latin typeface="Arial"/>
-              </a:rPr>
-              <a:t>Problem: Multiple modules, complex calls, high coupling</a:t>
-            </a:r>
-            <a:endParaRPr b="0" lang="en-US" sz="2800" strike="noStrike" u="none">
+              <a:rPr b="1" lang="en-US" sz="1800" strike="noStrike" u="none">
+                <a:solidFill>
+                  <a:srgbClr val="000000"/>
+                </a:solidFill>
+                <a:uFillTx/>
+                <a:latin typeface="Arial"/>
+              </a:rPr>
+              <a:t>OCPP Message Generator</a:t>
+            </a:r>
+            <a:endParaRPr b="1" lang="en-US" sz="1800" strike="noStrike" u="none">
               <a:solidFill>
                 <a:srgbClr val="000000"/>
               </a:solidFill>
@@ -4403,84 +5073,6 @@
           </a:p>
         </p:txBody>
       </p:sp>
-      <p:sp>
-        <p:nvSpPr>
-          <p:cNvPr id="44" name=""/>
-          <p:cNvSpPr txBox="1"/>
-          <p:nvPr/>
-        </p:nvSpPr>
-        <p:spPr>
-          <a:xfrm>
-            <a:off x="457200" y="492120"/>
-            <a:ext cx="8277120" cy="1024200"/>
-          </a:xfrm>
-          <a:prstGeom prst="rect">
-            <a:avLst/>
-          </a:prstGeom>
-          <a:noFill/>
-          <a:ln w="0">
-            <a:noFill/>
-          </a:ln>
-        </p:spPr>
-        <p:txBody>
-          <a:bodyPr lIns="0" rIns="0" tIns="0" bIns="0" anchor="ctr">
-            <a:noAutofit/>
-          </a:bodyPr>
-          <a:p>
-            <a:r>
-              <a:rPr b="0" lang="en-US" sz="3600" strike="noStrike" u="none">
-                <a:solidFill>
-                  <a:srgbClr val="000000"/>
-                </a:solidFill>
-                <a:uFillTx/>
-                <a:latin typeface="Arial"/>
-                <a:ea typeface="Noto Sans SC"/>
-              </a:rPr>
-              <a:t>System Architecture -</a:t>
-            </a:r>
-            <a:r>
-              <a:rPr b="0" lang="en-US" sz="3600" strike="noStrike" u="none">
-                <a:solidFill>
-                  <a:srgbClr val="000000"/>
-                </a:solidFill>
-                <a:uFillTx/>
-                <a:latin typeface="Arial"/>
-              </a:rPr>
-              <a:t> Implementation </a:t>
-            </a:r>
-            <a:endParaRPr b="0" lang="en-US" sz="3600" strike="noStrike" u="none">
-              <a:solidFill>
-                <a:srgbClr val="000000"/>
-              </a:solidFill>
-              <a:uFillTx/>
-              <a:latin typeface="Arial"/>
-            </a:endParaRPr>
-          </a:p>
-        </p:txBody>
-      </p:sp>
-      <p:pic>
-        <p:nvPicPr>
-          <p:cNvPr id="45" name="" descr=""/>
-          <p:cNvPicPr/>
-          <p:nvPr/>
-        </p:nvPicPr>
-        <p:blipFill>
-          <a:blip r:embed="rId2"/>
-          <a:stretch/>
-        </p:blipFill>
-        <p:spPr>
-          <a:xfrm>
-            <a:off x="7056000" y="3312000"/>
-            <a:ext cx="2880000" cy="2160000"/>
-          </a:xfrm>
-          <a:prstGeom prst="rect">
-            <a:avLst/>
-          </a:prstGeom>
-          <a:ln w="0">
-            <a:noFill/>
-          </a:ln>
-        </p:spPr>
-      </p:pic>
     </p:spTree>
   </p:cSld>
   <mc:AlternateContent>
@@ -4513,7 +5105,7 @@
       </p:grpSpPr>
       <p:sp>
         <p:nvSpPr>
-          <p:cNvPr id="46" name="PlaceHolder 1"/>
+          <p:cNvPr id="57" name="PlaceHolder 1"/>
           <p:cNvSpPr>
             <a:spLocks noGrp="1"/>
           </p:cNvSpPr>
@@ -4523,8 +5115,8 @@
         </p:nvSpPr>
         <p:spPr>
           <a:xfrm>
-            <a:off x="432000" y="2229120"/>
-            <a:ext cx="9468000" cy="3247920"/>
+            <a:off x="360000" y="3060000"/>
+            <a:ext cx="9138600" cy="2332800"/>
           </a:xfrm>
           <a:prstGeom prst="rect">
             <a:avLst/>
@@ -4540,9 +5132,15 @@
           </a:bodyPr>
           <a:p>
             <a:pPr marL="432000" indent="-324000">
-              <a:spcBef>
-                <a:spcPts val="1417"/>
-              </a:spcBef>
+              <a:lnSpc>
+                <a:spcPct val="100000"/>
+              </a:lnSpc>
+              <a:spcBef>
+                <a:spcPts val="283"/>
+              </a:spcBef>
+              <a:spcAft>
+                <a:spcPts val="283"/>
+              </a:spcAft>
               <a:buClr>
                 <a:srgbClr val="000000"/>
               </a:buClr>
@@ -4551,17 +5149,16 @@
               <a:buChar char=""/>
             </a:pPr>
             <a:r>
-              <a:rPr b="0" lang="en-US" sz="2800" strike="noStrike" u="none">
-                <a:solidFill>
-                  <a:srgbClr val="000000"/>
-                </a:solidFill>
-                <a:uFillTx/>
-                <a:latin typeface="Arial"/>
-                <a:ea typeface="Noto Sans SC"/>
-              </a:rPr>
-              <a:t>System Scalability</a:t>
-            </a:r>
-            <a:endParaRPr b="0" lang="en-US" sz="2800" strike="noStrike" u="none">
+              <a:rPr b="0" lang="en-US" sz="2000" strike="noStrike" u="none">
+                <a:solidFill>
+                  <a:srgbClr val="000000"/>
+                </a:solidFill>
+                <a:uFillTx/>
+                <a:latin typeface="Arial"/>
+              </a:rPr>
+              <a:t>Signal Class -- Decoupling</a:t>
+            </a:r>
+            <a:endParaRPr b="0" lang="en-US" sz="2000" strike="noStrike" u="none">
               <a:solidFill>
                 <a:srgbClr val="000000"/>
               </a:solidFill>
@@ -4571,11 +5168,14 @@
           </a:p>
           <a:p>
             <a:pPr lvl="1" marL="864000" indent="-324000">
-              <a:spcBef>
-                <a:spcPts val="1191"/>
+              <a:lnSpc>
+                <a:spcPct val="100000"/>
+              </a:lnSpc>
+              <a:spcBef>
+                <a:spcPts val="283"/>
               </a:spcBef>
               <a:spcAft>
-                <a:spcPts val="992"/>
+                <a:spcPts val="283"/>
               </a:spcAft>
               <a:buClr>
                 <a:srgbClr val="000000"/>
@@ -4585,17 +5185,16 @@
               <a:buChar char=""/>
             </a:pPr>
             <a:r>
-              <a:rPr b="0" lang="en-US" sz="2400" strike="noStrike" u="none">
-                <a:solidFill>
-                  <a:srgbClr val="000000"/>
-                </a:solidFill>
-                <a:uFillTx/>
-                <a:latin typeface="Arial"/>
-                <a:ea typeface="Noto Sans SC"/>
-              </a:rPr>
-              <a:t>Database Support: the foundation for data storage and analysis </a:t>
-            </a:r>
-            <a:endParaRPr b="0" lang="en-US" sz="2400" strike="noStrike" u="none">
+              <a:rPr b="0" lang="en-US" sz="1800" strike="noStrike" u="none">
+                <a:solidFill>
+                  <a:srgbClr val="000000"/>
+                </a:solidFill>
+                <a:uFillTx/>
+                <a:latin typeface="Arial"/>
+              </a:rPr>
+              <a:t>Supports synchronous/asynchronous calls</a:t>
+            </a:r>
+            <a:endParaRPr b="0" lang="en-US" sz="1800" strike="noStrike" u="none">
               <a:solidFill>
                 <a:srgbClr val="000000"/>
               </a:solidFill>
@@ -4605,11 +5204,14 @@
           </a:p>
           <a:p>
             <a:pPr lvl="1" marL="864000" indent="-324000">
-              <a:spcBef>
-                <a:spcPts val="1191"/>
+              <a:lnSpc>
+                <a:spcPct val="100000"/>
+              </a:lnSpc>
+              <a:spcBef>
+                <a:spcPts val="283"/>
               </a:spcBef>
               <a:spcAft>
-                <a:spcPts val="992"/>
+                <a:spcPts val="283"/>
               </a:spcAft>
               <a:buClr>
                 <a:srgbClr val="000000"/>
@@ -4619,17 +5221,16 @@
               <a:buChar char=""/>
             </a:pPr>
             <a:r>
-              <a:rPr b="0" lang="en-US" sz="2400" strike="noStrike" u="none">
-                <a:solidFill>
-                  <a:srgbClr val="000000"/>
-                </a:solidFill>
-                <a:uFillTx/>
-                <a:latin typeface="Arial"/>
-                <a:ea typeface="Noto Sans SC"/>
-              </a:rPr>
-              <a:t>Support for Multiple Devices (EVSEs, Shellies): Flexible hardware integration </a:t>
-            </a:r>
-            <a:endParaRPr b="0" lang="en-US" sz="2400" strike="noStrike" u="none">
+              <a:rPr b="0" lang="en-US" sz="1800" strike="noStrike" u="none">
+                <a:solidFill>
+                  <a:srgbClr val="000000"/>
+                </a:solidFill>
+                <a:uFillTx/>
+                <a:latin typeface="Arial"/>
+              </a:rPr>
+              <a:t>No need for fixed callback functions</a:t>
+            </a:r>
+            <a:endParaRPr b="0" lang="en-US" sz="1800" strike="noStrike" u="none">
               <a:solidFill>
                 <a:srgbClr val="000000"/>
               </a:solidFill>
@@ -4639,11 +5240,14 @@
           </a:p>
           <a:p>
             <a:pPr lvl="1" marL="864000" indent="-324000">
-              <a:spcBef>
-                <a:spcPts val="1191"/>
+              <a:lnSpc>
+                <a:spcPct val="100000"/>
+              </a:lnSpc>
+              <a:spcBef>
+                <a:spcPts val="283"/>
               </a:spcBef>
               <a:spcAft>
-                <a:spcPts val="992"/>
+                <a:spcPts val="283"/>
               </a:spcAft>
               <a:buClr>
                 <a:srgbClr val="000000"/>
@@ -4653,51 +5257,50 @@
               <a:buChar char=""/>
             </a:pPr>
             <a:r>
-              <a:rPr b="0" lang="en-US" sz="2400" strike="noStrike" u="none">
-                <a:solidFill>
-                  <a:srgbClr val="000000"/>
-                </a:solidFill>
-                <a:uFillTx/>
-                <a:latin typeface="Arial"/>
-                <a:ea typeface="Noto Sans SC"/>
-              </a:rPr>
-              <a:t>Modular Architecture Design: Easy to combine and expand</a:t>
-            </a:r>
-            <a:endParaRPr b="0" lang="en-US" sz="2400" strike="noStrike" u="none">
-              <a:solidFill>
-                <a:srgbClr val="000000"/>
-              </a:solidFill>
-              <a:uFillTx/>
-              <a:latin typeface="Arial"/>
-            </a:endParaRPr>
-          </a:p>
-          <a:p>
-            <a:pPr lvl="1" marL="864000" indent="-324000">
-              <a:spcBef>
-                <a:spcPts val="1191"/>
+              <a:rPr b="0" lang="en-US" sz="1800" strike="noStrike" u="none">
+                <a:solidFill>
+                  <a:srgbClr val="000000"/>
+                </a:solidFill>
+                <a:uFillTx/>
+                <a:latin typeface="Arial"/>
+              </a:rPr>
+              <a:t>Facilitates testing, debugging </a:t>
+            </a:r>
+            <a:endParaRPr b="0" lang="en-US" sz="1800" strike="noStrike" u="none">
+              <a:solidFill>
+                <a:srgbClr val="000000"/>
+              </a:solidFill>
+              <a:uFillTx/>
+              <a:latin typeface="Arial"/>
+            </a:endParaRPr>
+          </a:p>
+          <a:p>
+            <a:pPr marL="864000" indent="0">
+              <a:lnSpc>
+                <a:spcPct val="100000"/>
+              </a:lnSpc>
+              <a:spcBef>
+                <a:spcPts val="283"/>
               </a:spcBef>
               <a:spcAft>
-                <a:spcPts val="992"/>
+                <a:spcPts val="283"/>
               </a:spcAft>
-              <a:buClr>
-                <a:srgbClr val="000000"/>
-              </a:buClr>
-              <a:buSzPct val="75000"/>
-              <a:buFont typeface="Symbol" charset="2"/>
-              <a:buChar char=""/>
-            </a:pPr>
-            <a:r>
-              <a:rPr b="0" lang="en-US" sz="2400" strike="noStrike" u="none">
-                <a:solidFill>
-                  <a:srgbClr val="000000"/>
-                </a:solidFill>
-                <a:uFillTx/>
-                <a:latin typeface="Arial"/>
-                <a:ea typeface="Noto Sans SC"/>
-              </a:rPr>
-              <a:t>Multi-Platform GUI Control Support: Unified Control </a:t>
-            </a:r>
-            <a:endParaRPr b="0" lang="en-US" sz="2400" strike="noStrike" u="none">
+              <a:buNone/>
+              <a:tabLst>
+                <a:tab algn="l" pos="0"/>
+              </a:tabLst>
+            </a:pPr>
+            <a:r>
+              <a:rPr b="0" lang="en-US" sz="1800" strike="noStrike" u="none">
+                <a:solidFill>
+                  <a:srgbClr val="000000"/>
+                </a:solidFill>
+                <a:uFillTx/>
+                <a:latin typeface="Arial"/>
+              </a:rPr>
+              <a:t>and expansion</a:t>
+            </a:r>
+            <a:endParaRPr b="0" lang="en-US" sz="1800" strike="noStrike" u="none">
               <a:solidFill>
                 <a:srgbClr val="000000"/>
               </a:solidFill>
@@ -4709,69 +5312,14 @@
       </p:sp>
       <p:sp>
         <p:nvSpPr>
-          <p:cNvPr id="47" name=""/>
-          <p:cNvSpPr txBox="1"/>
-          <p:nvPr/>
-        </p:nvSpPr>
-        <p:spPr>
-          <a:xfrm>
-            <a:off x="457200" y="492120"/>
-            <a:ext cx="8277120" cy="1024200"/>
-          </a:xfrm>
-          <a:prstGeom prst="rect">
-            <a:avLst/>
-          </a:prstGeom>
-          <a:noFill/>
-          <a:ln w="0">
-            <a:noFill/>
-          </a:ln>
-        </p:spPr>
-        <p:txBody>
-          <a:bodyPr lIns="0" rIns="0" tIns="0" bIns="0" anchor="ctr">
-            <a:noAutofit/>
-          </a:bodyPr>
-          <a:p>
-            <a:r>
-              <a:rPr b="0" lang="en-US" sz="3600" strike="noStrike" u="none">
-                <a:solidFill>
-                  <a:srgbClr val="000000"/>
-                </a:solidFill>
-                <a:uFillTx/>
-                <a:latin typeface="Arial"/>
-                <a:ea typeface="Noto Sans SC"/>
-              </a:rPr>
-              <a:t>System Architecture -</a:t>
-            </a:r>
-            <a:r>
-              <a:rPr b="0" lang="en-US" sz="3600" strike="noStrike" u="none">
-                <a:solidFill>
-                  <a:srgbClr val="000000"/>
-                </a:solidFill>
-                <a:uFillTx/>
-                <a:latin typeface="Arial"/>
-              </a:rPr>
-              <a:t> Implementation </a:t>
-            </a:r>
-            <a:endParaRPr b="0" lang="en-US" sz="3600" strike="noStrike" u="none">
-              <a:solidFill>
-                <a:srgbClr val="000000"/>
-              </a:solidFill>
-              <a:uFillTx/>
-              <a:latin typeface="Arial"/>
-            </a:endParaRPr>
-          </a:p>
-        </p:txBody>
-      </p:sp>
-      <p:sp>
-        <p:nvSpPr>
-          <p:cNvPr id="48" name=""/>
+          <p:cNvPr id="58" name=""/>
           <p:cNvSpPr/>
           <p:nvPr/>
         </p:nvSpPr>
         <p:spPr>
           <a:xfrm>
-            <a:off x="432360" y="1728360"/>
-            <a:ext cx="2520000" cy="344160"/>
+            <a:off x="432000" y="1728000"/>
+            <a:ext cx="2519280" cy="343440"/>
           </a:xfrm>
           <a:prstGeom prst="roundRect">
             <a:avLst>
@@ -4779,7 +5327,7 @@
             </a:avLst>
           </a:prstGeom>
           <a:solidFill>
-            <a:srgbClr val="729fcf"/>
+            <a:srgbClr val="0369a3"/>
           </a:solidFill>
           <a:ln w="0">
             <a:solidFill>
@@ -4805,6 +5353,9 @@
               <a:spcBef>
                 <a:spcPts val="1417"/>
               </a:spcBef>
+              <a:tabLst>
+                <a:tab algn="l" pos="408240"/>
+              </a:tabLst>
             </a:pPr>
             <a:r>
               <a:rPr b="0" lang="en-US" sz="1800" strike="noStrike" u="none">
@@ -4813,12 +5364,13 @@
                 </a:solidFill>
                 <a:uFillTx/>
                 <a:latin typeface="Arial"/>
+                <a:ea typeface="DejaVu Sans"/>
               </a:rPr>
               <a:t>Communication</a:t>
             </a:r>
             <a:endParaRPr b="0" lang="en-US" sz="1800" strike="noStrike" u="none">
               <a:solidFill>
-                <a:srgbClr val="000000"/>
+                <a:srgbClr val="ffffff"/>
               </a:solidFill>
               <a:uFillTx/>
               <a:latin typeface="Arial"/>
@@ -4828,14 +5380,14 @@
       </p:sp>
       <p:sp>
         <p:nvSpPr>
-          <p:cNvPr id="49" name=""/>
+          <p:cNvPr id="59" name=""/>
           <p:cNvSpPr/>
           <p:nvPr/>
         </p:nvSpPr>
         <p:spPr>
           <a:xfrm>
-            <a:off x="6984360" y="1728360"/>
-            <a:ext cx="2520000" cy="344160"/>
+            <a:off x="6984000" y="1728000"/>
+            <a:ext cx="2519280" cy="343440"/>
           </a:xfrm>
           <a:prstGeom prst="roundRect">
             <a:avLst>
@@ -4843,7 +5395,7 @@
             </a:avLst>
           </a:prstGeom>
           <a:solidFill>
-            <a:srgbClr val="729fcf"/>
+            <a:srgbClr val="0369a3"/>
           </a:solidFill>
           <a:ln w="0">
             <a:solidFill>
@@ -4869,6 +5421,9 @@
               <a:spcBef>
                 <a:spcPts val="1417"/>
               </a:spcBef>
+              <a:tabLst>
+                <a:tab algn="l" pos="408240"/>
+              </a:tabLst>
             </a:pPr>
             <a:r>
               <a:rPr b="0" lang="en-US" sz="1800" strike="noStrike" u="none">
@@ -4877,12 +5432,13 @@
                 </a:solidFill>
                 <a:uFillTx/>
                 <a:latin typeface="Arial"/>
-              </a:rPr>
-              <a:t>Scalability</a:t>
+                <a:ea typeface="DejaVu Sans"/>
+              </a:rPr>
+              <a:t>Expansion</a:t>
             </a:r>
             <a:endParaRPr b="0" lang="en-US" sz="1800" strike="noStrike" u="none">
               <a:solidFill>
-                <a:srgbClr val="000000"/>
+                <a:srgbClr val="ffffff"/>
               </a:solidFill>
               <a:uFillTx/>
               <a:latin typeface="Arial"/>
@@ -4892,14 +5448,14 @@
       </p:sp>
       <p:sp>
         <p:nvSpPr>
-          <p:cNvPr id="50" name=""/>
+          <p:cNvPr id="60" name=""/>
           <p:cNvSpPr/>
           <p:nvPr/>
         </p:nvSpPr>
         <p:spPr>
           <a:xfrm>
-            <a:off x="3672360" y="1728360"/>
-            <a:ext cx="2520000" cy="344160"/>
+            <a:off x="3672000" y="1728000"/>
+            <a:ext cx="2519280" cy="343440"/>
           </a:xfrm>
           <a:prstGeom prst="roundRect">
             <a:avLst>
@@ -4907,7 +5463,7 @@
             </a:avLst>
           </a:prstGeom>
           <a:solidFill>
-            <a:srgbClr val="729fcf"/>
+            <a:srgbClr val="ff860d"/>
           </a:solidFill>
           <a:ln w="0">
             <a:solidFill>
@@ -4933,6 +5489,9 @@
               <a:spcBef>
                 <a:spcPts val="1417"/>
               </a:spcBef>
+              <a:tabLst>
+                <a:tab algn="l" pos="408240"/>
+              </a:tabLst>
             </a:pPr>
             <a:r>
               <a:rPr b="0" lang="en-US" sz="1800" strike="noStrike" u="none">
@@ -4941,12 +5500,13 @@
                 </a:solidFill>
                 <a:uFillTx/>
                 <a:latin typeface="Arial"/>
+                <a:ea typeface="DejaVu Sans"/>
               </a:rPr>
               <a:t>Concurrent Tasks</a:t>
             </a:r>
             <a:endParaRPr b="0" lang="en-US" sz="1800" strike="noStrike" u="none">
               <a:solidFill>
-                <a:srgbClr val="000000"/>
+                <a:srgbClr val="ffffff"/>
               </a:solidFill>
               <a:uFillTx/>
               <a:latin typeface="Arial"/>
@@ -4954,6 +5514,535 @@
           </a:p>
         </p:txBody>
       </p:sp>
+      <p:pic>
+        <p:nvPicPr>
+          <p:cNvPr id="61" name="" descr=""/>
+          <p:cNvPicPr/>
+          <p:nvPr/>
+        </p:nvPicPr>
+        <p:blipFill>
+          <a:blip r:embed="rId1"/>
+          <a:stretch/>
+        </p:blipFill>
+        <p:spPr>
+          <a:xfrm>
+            <a:off x="0" y="5746680"/>
+            <a:ext cx="10079640" cy="1078920"/>
+          </a:xfrm>
+          <a:prstGeom prst="rect">
+            <a:avLst/>
+          </a:prstGeom>
+          <a:ln w="0">
+            <a:noFill/>
+          </a:ln>
+        </p:spPr>
+      </p:pic>
+      <p:sp>
+        <p:nvSpPr>
+          <p:cNvPr id="62" name=""/>
+          <p:cNvSpPr/>
+          <p:nvPr/>
+        </p:nvSpPr>
+        <p:spPr>
+          <a:xfrm>
+            <a:off x="360000" y="2343240"/>
+            <a:ext cx="9359280" cy="536760"/>
+          </a:xfrm>
+          <a:prstGeom prst="rect">
+            <a:avLst/>
+          </a:prstGeom>
+          <a:noFill/>
+          <a:ln w="0">
+            <a:noFill/>
+          </a:ln>
+        </p:spPr>
+        <p:style>
+          <a:lnRef idx="0"/>
+          <a:fillRef idx="0"/>
+          <a:effectRef idx="0"/>
+          <a:fontRef idx="minor"/>
+        </p:style>
+        <p:txBody>
+          <a:bodyPr lIns="90000" rIns="90000" tIns="45000" bIns="45000" anchor="t">
+            <a:noAutofit/>
+          </a:bodyPr>
+          <a:p>
+            <a:pPr marL="216000" indent="-216000">
+              <a:lnSpc>
+                <a:spcPct val="100000"/>
+              </a:lnSpc>
+              <a:buClr>
+                <a:srgbClr val="000000"/>
+              </a:buClr>
+              <a:buSzPct val="45000"/>
+              <a:buFont typeface="Wingdings" charset="2"/>
+              <a:buChar char=""/>
+              <a:tabLst>
+                <a:tab algn="l" pos="408240"/>
+              </a:tabLst>
+            </a:pPr>
+            <a:r>
+              <a:rPr b="0" lang="en-US" sz="2000" strike="noStrike" u="none">
+                <a:solidFill>
+                  <a:srgbClr val="000000"/>
+                </a:solidFill>
+                <a:uFillTx/>
+                <a:latin typeface="Arial"/>
+                <a:ea typeface="DejaVu Sans"/>
+              </a:rPr>
+              <a:t>  </a:t>
+            </a:r>
+            <a:r>
+              <a:rPr b="0" lang="en-US" sz="2000" strike="noStrike" u="none">
+                <a:solidFill>
+                  <a:srgbClr val="000000"/>
+                </a:solidFill>
+                <a:uFillTx/>
+                <a:latin typeface="Arial"/>
+                <a:ea typeface="DejaVu Sans"/>
+              </a:rPr>
+              <a:t>Problem: Multiple modules, complex calls, high coupling</a:t>
+            </a:r>
+            <a:endParaRPr b="0" lang="en-US" sz="2000" strike="noStrike" u="none">
+              <a:solidFill>
+                <a:srgbClr val="000000"/>
+              </a:solidFill>
+              <a:uFillTx/>
+              <a:latin typeface="Arial"/>
+            </a:endParaRPr>
+          </a:p>
+        </p:txBody>
+      </p:sp>
+      <p:sp>
+        <p:nvSpPr>
+          <p:cNvPr id="63" name=""/>
+          <p:cNvSpPr/>
+          <p:nvPr/>
+        </p:nvSpPr>
+        <p:spPr>
+          <a:xfrm>
+            <a:off x="457200" y="492120"/>
+            <a:ext cx="8276400" cy="1023480"/>
+          </a:xfrm>
+          <a:prstGeom prst="rect">
+            <a:avLst/>
+          </a:prstGeom>
+          <a:noFill/>
+          <a:ln w="0">
+            <a:noFill/>
+          </a:ln>
+        </p:spPr>
+        <p:style>
+          <a:lnRef idx="0"/>
+          <a:fillRef idx="0"/>
+          <a:effectRef idx="0"/>
+          <a:fontRef idx="minor"/>
+        </p:style>
+        <p:txBody>
+          <a:bodyPr lIns="0" rIns="0" tIns="0" bIns="0" anchor="ctr">
+            <a:noAutofit/>
+          </a:bodyPr>
+          <a:p>
+            <a:pPr>
+              <a:lnSpc>
+                <a:spcPct val="100000"/>
+              </a:lnSpc>
+              <a:tabLst>
+                <a:tab algn="l" pos="408240"/>
+              </a:tabLst>
+            </a:pPr>
+            <a:r>
+              <a:rPr b="0" lang="en-US" sz="3600" strike="noStrike" u="none">
+                <a:solidFill>
+                  <a:srgbClr val="000000"/>
+                </a:solidFill>
+                <a:uFillTx/>
+                <a:latin typeface="Arial"/>
+                <a:ea typeface="Noto Sans SC"/>
+              </a:rPr>
+              <a:t>System Architecture - Implementation </a:t>
+            </a:r>
+            <a:endParaRPr b="0" lang="en-US" sz="3600" strike="noStrike" u="none">
+              <a:solidFill>
+                <a:srgbClr val="000000"/>
+              </a:solidFill>
+              <a:uFillTx/>
+              <a:latin typeface="Arial"/>
+            </a:endParaRPr>
+          </a:p>
+        </p:txBody>
+      </p:sp>
+      <p:pic>
+        <p:nvPicPr>
+          <p:cNvPr id="64" name="" descr=""/>
+          <p:cNvPicPr/>
+          <p:nvPr/>
+        </p:nvPicPr>
+        <p:blipFill>
+          <a:blip r:embed="rId2"/>
+          <a:stretch/>
+        </p:blipFill>
+        <p:spPr>
+          <a:xfrm>
+            <a:off x="7056000" y="3312000"/>
+            <a:ext cx="2879280" cy="2159280"/>
+          </a:xfrm>
+          <a:prstGeom prst="rect">
+            <a:avLst/>
+          </a:prstGeom>
+          <a:ln w="0">
+            <a:noFill/>
+          </a:ln>
+        </p:spPr>
+      </p:pic>
+      <p:pic>
+        <p:nvPicPr>
+          <p:cNvPr id="65" name="" descr=""/>
+          <p:cNvPicPr/>
+          <p:nvPr/>
+        </p:nvPicPr>
+        <p:blipFill>
+          <a:blip r:embed="rId3"/>
+          <a:stretch/>
+        </p:blipFill>
+        <p:spPr>
+          <a:xfrm>
+            <a:off x="7380000" y="2235240"/>
+            <a:ext cx="824760" cy="824760"/>
+          </a:xfrm>
+          <a:prstGeom prst="rect">
+            <a:avLst/>
+          </a:prstGeom>
+          <a:ln w="0">
+            <a:noFill/>
+          </a:ln>
+        </p:spPr>
+      </p:pic>
+      <p:grpSp>
+        <p:nvGrpSpPr>
+          <p:cNvPr id="66" name=""/>
+          <p:cNvGrpSpPr/>
+          <p:nvPr/>
+        </p:nvGrpSpPr>
+        <p:grpSpPr>
+          <a:xfrm>
+            <a:off x="3600000" y="4500000"/>
+            <a:ext cx="3346920" cy="1260000"/>
+            <a:chOff x="3600000" y="4500000"/>
+            <a:chExt cx="3346920" cy="1260000"/>
+          </a:xfrm>
+        </p:grpSpPr>
+        <p:pic>
+          <p:nvPicPr>
+            <p:cNvPr id="67" name="" descr=""/>
+            <p:cNvPicPr/>
+            <p:nvPr/>
+          </p:nvPicPr>
+          <p:blipFill>
+            <a:blip r:embed="rId4"/>
+            <a:stretch/>
+          </p:blipFill>
+          <p:spPr>
+            <a:xfrm>
+              <a:off x="4824000" y="4500000"/>
+              <a:ext cx="900000" cy="900000"/>
+            </a:xfrm>
+            <a:prstGeom prst="rect">
+              <a:avLst/>
+            </a:prstGeom>
+            <a:ln w="0">
+              <a:noFill/>
+            </a:ln>
+          </p:spPr>
+        </p:pic>
+        <p:pic>
+          <p:nvPicPr>
+            <p:cNvPr id="68" name="" descr=""/>
+            <p:cNvPicPr/>
+            <p:nvPr/>
+          </p:nvPicPr>
+          <p:blipFill>
+            <a:blip r:embed="rId5"/>
+            <a:stretch/>
+          </p:blipFill>
+          <p:spPr>
+            <a:xfrm>
+              <a:off x="3600000" y="4536000"/>
+              <a:ext cx="864000" cy="864000"/>
+            </a:xfrm>
+            <a:prstGeom prst="rect">
+              <a:avLst/>
+            </a:prstGeom>
+            <a:ln w="0">
+              <a:noFill/>
+            </a:ln>
+          </p:spPr>
+        </p:pic>
+        <p:pic>
+          <p:nvPicPr>
+            <p:cNvPr id="69" name="" descr=""/>
+            <p:cNvPicPr/>
+            <p:nvPr/>
+          </p:nvPicPr>
+          <p:blipFill>
+            <a:blip r:embed="rId6"/>
+            <a:stretch/>
+          </p:blipFill>
+          <p:spPr>
+            <a:xfrm>
+              <a:off x="6084360" y="4537440"/>
+              <a:ext cx="862560" cy="862560"/>
+            </a:xfrm>
+            <a:prstGeom prst="rect">
+              <a:avLst/>
+            </a:prstGeom>
+            <a:ln w="0">
+              <a:noFill/>
+            </a:ln>
+          </p:spPr>
+        </p:pic>
+        <p:sp>
+          <p:nvSpPr>
+            <p:cNvPr id="70" name=""/>
+            <p:cNvSpPr/>
+            <p:nvPr/>
+          </p:nvSpPr>
+          <p:spPr>
+            <a:xfrm>
+              <a:off x="5724000" y="4860000"/>
+              <a:ext cx="360000" cy="0"/>
+            </a:xfrm>
+            <a:prstGeom prst="line">
+              <a:avLst/>
+            </a:prstGeom>
+            <a:ln w="38160">
+              <a:solidFill>
+                <a:srgbClr val="1296db"/>
+              </a:solidFill>
+              <a:round/>
+              <a:tailEnd len="med" type="triangle" w="med"/>
+            </a:ln>
+          </p:spPr>
+          <p:style>
+            <a:lnRef idx="0"/>
+            <a:fillRef idx="0"/>
+            <a:effectRef idx="0"/>
+            <a:fontRef idx="minor"/>
+          </p:style>
+          <p:txBody>
+            <a:bodyPr lIns="108720" rIns="108720" tIns="-63720" bIns="-63720" anchor="ctr">
+              <a:noAutofit/>
+            </a:bodyPr>
+            <a:p>
+              <a:endParaRPr b="0" lang="en-US" sz="1800" strike="noStrike" u="none">
+                <a:solidFill>
+                  <a:srgbClr val="000000"/>
+                </a:solidFill>
+                <a:uFillTx/>
+                <a:latin typeface="Arial"/>
+              </a:endParaRPr>
+            </a:p>
+          </p:txBody>
+        </p:sp>
+        <p:sp>
+          <p:nvSpPr>
+            <p:cNvPr id="71" name=""/>
+            <p:cNvSpPr/>
+            <p:nvPr/>
+          </p:nvSpPr>
+          <p:spPr>
+            <a:xfrm flipH="1">
+              <a:off x="4464000" y="4860000"/>
+              <a:ext cx="360000" cy="0"/>
+            </a:xfrm>
+            <a:prstGeom prst="line">
+              <a:avLst/>
+            </a:prstGeom>
+            <a:ln w="38160">
+              <a:solidFill>
+                <a:srgbClr val="1296db"/>
+              </a:solidFill>
+              <a:round/>
+              <a:tailEnd len="med" type="triangle" w="med"/>
+            </a:ln>
+          </p:spPr>
+          <p:style>
+            <a:lnRef idx="0"/>
+            <a:fillRef idx="0"/>
+            <a:effectRef idx="0"/>
+            <a:fontRef idx="minor"/>
+          </p:style>
+          <p:txBody>
+            <a:bodyPr lIns="108720" rIns="108720" tIns="-63720" bIns="-63720" anchor="ctr">
+              <a:noAutofit/>
+            </a:bodyPr>
+            <a:p>
+              <a:endParaRPr b="0" lang="en-US" sz="1800" strike="noStrike" u="none">
+                <a:solidFill>
+                  <a:srgbClr val="000000"/>
+                </a:solidFill>
+                <a:uFillTx/>
+                <a:latin typeface="Arial"/>
+              </a:endParaRPr>
+            </a:p>
+          </p:txBody>
+        </p:sp>
+        <p:sp>
+          <p:nvSpPr>
+            <p:cNvPr id="72" name=""/>
+            <p:cNvSpPr txBox="1"/>
+            <p:nvPr/>
+          </p:nvSpPr>
+          <p:spPr>
+            <a:xfrm>
+              <a:off x="4644000" y="5400000"/>
+              <a:ext cx="1440000" cy="346320"/>
+            </a:xfrm>
+            <a:prstGeom prst="rect">
+              <a:avLst/>
+            </a:prstGeom>
+            <a:noFill/>
+            <a:ln w="0">
+              <a:noFill/>
+            </a:ln>
+          </p:spPr>
+          <p:txBody>
+            <a:bodyPr lIns="90000" rIns="90000" tIns="45000" bIns="45000" anchor="t">
+              <a:noAutofit/>
+            </a:bodyPr>
+            <a:p>
+              <a:r>
+                <a:rPr b="0" lang="en-US" sz="1800" strike="noStrike" u="none">
+                  <a:solidFill>
+                    <a:srgbClr val="1296db"/>
+                  </a:solidFill>
+                  <a:uFillTx/>
+                  <a:latin typeface="Arial"/>
+                </a:rPr>
+                <a:t>Signal.emit</a:t>
+              </a:r>
+              <a:endParaRPr b="0" lang="en-US" sz="1800" strike="noStrike" u="none">
+                <a:solidFill>
+                  <a:srgbClr val="1296db"/>
+                </a:solidFill>
+                <a:uFillTx/>
+                <a:latin typeface="Arial"/>
+              </a:endParaRPr>
+            </a:p>
+          </p:txBody>
+        </p:sp>
+        <p:sp>
+          <p:nvSpPr>
+            <p:cNvPr id="73" name=""/>
+            <p:cNvSpPr txBox="1"/>
+            <p:nvPr/>
+          </p:nvSpPr>
+          <p:spPr>
+            <a:xfrm>
+              <a:off x="3672000" y="5400000"/>
+              <a:ext cx="720000" cy="360000"/>
+            </a:xfrm>
+            <a:prstGeom prst="rect">
+              <a:avLst/>
+            </a:prstGeom>
+            <a:noFill/>
+            <a:ln w="0">
+              <a:noFill/>
+            </a:ln>
+          </p:spPr>
+          <p:txBody>
+            <a:bodyPr lIns="90000" rIns="90000" tIns="45000" bIns="45000" anchor="t">
+              <a:noAutofit/>
+            </a:bodyPr>
+            <a:p>
+              <a:r>
+                <a:rPr b="0" lang="en-US" sz="1800" strike="noStrike" u="none">
+                  <a:solidFill>
+                    <a:srgbClr val="1296db"/>
+                  </a:solidFill>
+                  <a:uFillTx/>
+                  <a:latin typeface="Arial"/>
+                </a:rPr>
+                <a:t>Func</a:t>
+              </a:r>
+              <a:endParaRPr b="0" lang="en-US" sz="1800" strike="noStrike" u="none">
+                <a:solidFill>
+                  <a:srgbClr val="1296db"/>
+                </a:solidFill>
+                <a:uFillTx/>
+                <a:latin typeface="Arial"/>
+              </a:endParaRPr>
+            </a:p>
+          </p:txBody>
+        </p:sp>
+        <p:sp>
+          <p:nvSpPr>
+            <p:cNvPr id="74" name=""/>
+            <p:cNvSpPr txBox="1"/>
+            <p:nvPr/>
+          </p:nvSpPr>
+          <p:spPr>
+            <a:xfrm>
+              <a:off x="6192000" y="5400000"/>
+              <a:ext cx="720000" cy="360000"/>
+            </a:xfrm>
+            <a:prstGeom prst="rect">
+              <a:avLst/>
+            </a:prstGeom>
+            <a:noFill/>
+            <a:ln w="0">
+              <a:noFill/>
+            </a:ln>
+          </p:spPr>
+          <p:txBody>
+            <a:bodyPr lIns="90000" rIns="90000" tIns="45000" bIns="45000" anchor="t">
+              <a:noAutofit/>
+            </a:bodyPr>
+            <a:p>
+              <a:r>
+                <a:rPr b="0" lang="en-US" sz="1800" strike="noStrike" u="none">
+                  <a:solidFill>
+                    <a:srgbClr val="1296db"/>
+                  </a:solidFill>
+                  <a:uFillTx/>
+                  <a:latin typeface="Arial"/>
+                </a:rPr>
+                <a:t>Func</a:t>
+              </a:r>
+              <a:endParaRPr b="0" lang="en-US" sz="1800" strike="noStrike" u="none">
+                <a:solidFill>
+                  <a:srgbClr val="1296db"/>
+                </a:solidFill>
+                <a:uFillTx/>
+                <a:latin typeface="Arial"/>
+              </a:endParaRPr>
+            </a:p>
+          </p:txBody>
+        </p:sp>
+      </p:grpSp>
+      <p:pic>
+        <p:nvPicPr>
+          <p:cNvPr id="75" name="" descr=""/>
+          <p:cNvPicPr/>
+          <p:nvPr/>
+        </p:nvPicPr>
+        <p:blipFill>
+          <a:blip r:embed="rId7"/>
+          <a:stretch/>
+        </p:blipFill>
+        <p:spPr>
+          <a:xfrm>
+            <a:off x="180000" y="3420000"/>
+            <a:ext cx="569160" cy="569160"/>
+          </a:xfrm>
+          <a:prstGeom prst="rect">
+            <a:avLst/>
+          </a:prstGeom>
+          <a:ln w="0">
+            <a:noFill/>
+          </a:ln>
+        </p:spPr>
+      </p:pic>
     </p:spTree>
   </p:cSld>
   <mc:AlternateContent>
@@ -4984,9 +6073,487 @@
           <a:chExt cx="0" cy="0"/>
         </a:xfrm>
       </p:grpSpPr>
+      <p:sp>
+        <p:nvSpPr>
+          <p:cNvPr id="76" name="PlaceHolder 1"/>
+          <p:cNvSpPr>
+            <a:spLocks noGrp="1"/>
+          </p:cNvSpPr>
+          <p:nvPr>
+            <p:ph/>
+          </p:nvPr>
+        </p:nvSpPr>
+        <p:spPr>
+          <a:xfrm>
+            <a:off x="432000" y="2229120"/>
+            <a:ext cx="9467280" cy="4790880"/>
+          </a:xfrm>
+          <a:prstGeom prst="rect">
+            <a:avLst/>
+          </a:prstGeom>
+          <a:noFill/>
+          <a:ln w="0">
+            <a:noFill/>
+          </a:ln>
+        </p:spPr>
+        <p:txBody>
+          <a:bodyPr lIns="0" rIns="0" tIns="0" bIns="0" anchor="t">
+            <a:normAutofit/>
+          </a:bodyPr>
+          <a:p>
+            <a:pPr marL="432000" indent="-324000">
+              <a:lnSpc>
+                <a:spcPct val="100000"/>
+              </a:lnSpc>
+              <a:spcBef>
+                <a:spcPts val="1417"/>
+              </a:spcBef>
+              <a:buClr>
+                <a:srgbClr val="000000"/>
+              </a:buClr>
+              <a:buSzPct val="45000"/>
+              <a:buFont typeface="Wingdings" charset="2"/>
+              <a:buChar char=""/>
+            </a:pPr>
+            <a:r>
+              <a:rPr b="0" lang="en-US" sz="2800" strike="noStrike" u="none">
+                <a:solidFill>
+                  <a:srgbClr val="000000"/>
+                </a:solidFill>
+                <a:uFillTx/>
+                <a:latin typeface="Arial"/>
+                <a:ea typeface="Noto Sans SC"/>
+              </a:rPr>
+              <a:t>System Expansion</a:t>
+            </a:r>
+            <a:endParaRPr b="0" lang="en-US" sz="2800" strike="noStrike" u="none">
+              <a:solidFill>
+                <a:srgbClr val="000000"/>
+              </a:solidFill>
+              <a:uFillTx/>
+              <a:latin typeface="Arial"/>
+            </a:endParaRPr>
+          </a:p>
+          <a:p>
+            <a:pPr lvl="1" marL="864000" indent="-324000">
+              <a:lnSpc>
+                <a:spcPct val="100000"/>
+              </a:lnSpc>
+              <a:spcBef>
+                <a:spcPts val="2324"/>
+              </a:spcBef>
+              <a:spcAft>
+                <a:spcPts val="2126"/>
+              </a:spcAft>
+              <a:buClr>
+                <a:srgbClr val="000000"/>
+              </a:buClr>
+              <a:buSzPct val="75000"/>
+              <a:buFont typeface="Symbol" charset="2"/>
+              <a:buChar char=""/>
+            </a:pPr>
+            <a:r>
+              <a:rPr b="0" lang="en-US" sz="2400" strike="noStrike" u="none">
+                <a:solidFill>
+                  <a:srgbClr val="000000"/>
+                </a:solidFill>
+                <a:uFillTx/>
+                <a:latin typeface="Arial"/>
+                <a:ea typeface="Noto Sans SC"/>
+              </a:rPr>
+              <a:t>Database Support: the foundation for data storage and analysis </a:t>
+            </a:r>
+            <a:endParaRPr b="0" lang="en-US" sz="2400" strike="noStrike" u="none">
+              <a:solidFill>
+                <a:srgbClr val="000000"/>
+              </a:solidFill>
+              <a:uFillTx/>
+              <a:latin typeface="Arial"/>
+              <a:ea typeface="Noto Sans SC"/>
+            </a:endParaRPr>
+          </a:p>
+          <a:p>
+            <a:pPr lvl="1" marL="864000" indent="-324000">
+              <a:lnSpc>
+                <a:spcPct val="100000"/>
+              </a:lnSpc>
+              <a:spcBef>
+                <a:spcPts val="2324"/>
+              </a:spcBef>
+              <a:spcAft>
+                <a:spcPts val="2126"/>
+              </a:spcAft>
+              <a:buClr>
+                <a:srgbClr val="000000"/>
+              </a:buClr>
+              <a:buSzPct val="75000"/>
+              <a:buFont typeface="Symbol" charset="2"/>
+              <a:buChar char=""/>
+            </a:pPr>
+            <a:r>
+              <a:rPr b="0" lang="en-US" sz="2400" strike="noStrike" u="none">
+                <a:solidFill>
+                  <a:srgbClr val="000000"/>
+                </a:solidFill>
+                <a:uFillTx/>
+                <a:latin typeface="Arial"/>
+                <a:ea typeface="Noto Sans SC"/>
+              </a:rPr>
+              <a:t>Support for Multiple Devices (EVSEs, Shellys): Flexible hardware integration </a:t>
+            </a:r>
+            <a:endParaRPr b="0" lang="en-US" sz="2400" strike="noStrike" u="none">
+              <a:solidFill>
+                <a:srgbClr val="000000"/>
+              </a:solidFill>
+              <a:uFillTx/>
+              <a:latin typeface="Arial"/>
+              <a:ea typeface="Noto Sans SC"/>
+            </a:endParaRPr>
+          </a:p>
+          <a:p>
+            <a:pPr lvl="1" marL="864000" indent="-324000">
+              <a:lnSpc>
+                <a:spcPct val="100000"/>
+              </a:lnSpc>
+              <a:spcBef>
+                <a:spcPts val="2324"/>
+              </a:spcBef>
+              <a:spcAft>
+                <a:spcPts val="2126"/>
+              </a:spcAft>
+              <a:buClr>
+                <a:srgbClr val="000000"/>
+              </a:buClr>
+              <a:buSzPct val="75000"/>
+              <a:buFont typeface="Symbol" charset="2"/>
+              <a:buChar char=""/>
+            </a:pPr>
+            <a:r>
+              <a:rPr b="0" lang="en-US" sz="2400" strike="noStrike" u="none">
+                <a:solidFill>
+                  <a:srgbClr val="000000"/>
+                </a:solidFill>
+                <a:uFillTx/>
+                <a:latin typeface="Arial"/>
+                <a:ea typeface="Noto Sans SC"/>
+              </a:rPr>
+              <a:t>Modular Architecture Design: Easy to combine and expand</a:t>
+            </a:r>
+            <a:endParaRPr b="0" lang="en-US" sz="2400" strike="noStrike" u="none">
+              <a:solidFill>
+                <a:srgbClr val="000000"/>
+              </a:solidFill>
+              <a:uFillTx/>
+              <a:latin typeface="Arial"/>
+              <a:ea typeface="Noto Sans SC"/>
+            </a:endParaRPr>
+          </a:p>
+          <a:p>
+            <a:pPr lvl="1" marL="864000" indent="-324000">
+              <a:lnSpc>
+                <a:spcPct val="100000"/>
+              </a:lnSpc>
+              <a:spcBef>
+                <a:spcPts val="2324"/>
+              </a:spcBef>
+              <a:spcAft>
+                <a:spcPts val="2126"/>
+              </a:spcAft>
+              <a:buClr>
+                <a:srgbClr val="000000"/>
+              </a:buClr>
+              <a:buSzPct val="75000"/>
+              <a:buFont typeface="Symbol" charset="2"/>
+              <a:buChar char=""/>
+            </a:pPr>
+            <a:r>
+              <a:rPr b="0" lang="en-US" sz="2400" strike="noStrike" u="none">
+                <a:solidFill>
+                  <a:srgbClr val="000000"/>
+                </a:solidFill>
+                <a:uFillTx/>
+                <a:latin typeface="Arial"/>
+                <a:ea typeface="Noto Sans SC"/>
+              </a:rPr>
+              <a:t>Multi-Platform GUI Control Support: Unified Control </a:t>
+            </a:r>
+            <a:endParaRPr b="0" lang="en-US" sz="2400" strike="noStrike" u="none">
+              <a:solidFill>
+                <a:srgbClr val="000000"/>
+              </a:solidFill>
+              <a:uFillTx/>
+              <a:latin typeface="Arial"/>
+              <a:ea typeface="Noto Sans SC"/>
+            </a:endParaRPr>
+          </a:p>
+        </p:txBody>
+      </p:sp>
+      <p:sp>
+        <p:nvSpPr>
+          <p:cNvPr id="77" name=""/>
+          <p:cNvSpPr/>
+          <p:nvPr/>
+        </p:nvSpPr>
+        <p:spPr>
+          <a:xfrm>
+            <a:off x="457200" y="492120"/>
+            <a:ext cx="8276400" cy="1023480"/>
+          </a:xfrm>
+          <a:prstGeom prst="rect">
+            <a:avLst/>
+          </a:prstGeom>
+          <a:noFill/>
+          <a:ln w="0">
+            <a:noFill/>
+          </a:ln>
+        </p:spPr>
+        <p:style>
+          <a:lnRef idx="0"/>
+          <a:fillRef idx="0"/>
+          <a:effectRef idx="0"/>
+          <a:fontRef idx="minor"/>
+        </p:style>
+        <p:txBody>
+          <a:bodyPr lIns="0" rIns="0" tIns="0" bIns="0" anchor="ctr">
+            <a:noAutofit/>
+          </a:bodyPr>
+          <a:p>
+            <a:pPr>
+              <a:lnSpc>
+                <a:spcPct val="100000"/>
+              </a:lnSpc>
+              <a:tabLst>
+                <a:tab algn="l" pos="408240"/>
+              </a:tabLst>
+            </a:pPr>
+            <a:r>
+              <a:rPr b="0" lang="en-US" sz="3600" strike="noStrike" u="none">
+                <a:solidFill>
+                  <a:srgbClr val="000000"/>
+                </a:solidFill>
+                <a:uFillTx/>
+                <a:latin typeface="Arial"/>
+                <a:ea typeface="Noto Sans SC"/>
+              </a:rPr>
+              <a:t>System Architecture - Implementation </a:t>
+            </a:r>
+            <a:endParaRPr b="0" lang="en-US" sz="3600" strike="noStrike" u="none">
+              <a:solidFill>
+                <a:srgbClr val="000000"/>
+              </a:solidFill>
+              <a:uFillTx/>
+              <a:latin typeface="Arial"/>
+            </a:endParaRPr>
+          </a:p>
+        </p:txBody>
+      </p:sp>
+      <p:sp>
+        <p:nvSpPr>
+          <p:cNvPr id="78" name=""/>
+          <p:cNvSpPr/>
+          <p:nvPr/>
+        </p:nvSpPr>
+        <p:spPr>
+          <a:xfrm>
+            <a:off x="432360" y="1728360"/>
+            <a:ext cx="2519280" cy="343440"/>
+          </a:xfrm>
+          <a:prstGeom prst="roundRect">
+            <a:avLst>
+              <a:gd name="adj" fmla="val 16667"/>
+            </a:avLst>
+          </a:prstGeom>
+          <a:solidFill>
+            <a:srgbClr val="0369a3"/>
+          </a:solidFill>
+          <a:ln w="0">
+            <a:solidFill>
+              <a:srgbClr val="3465a4"/>
+            </a:solidFill>
+          </a:ln>
+        </p:spPr>
+        <p:style>
+          <a:lnRef idx="0"/>
+          <a:fillRef idx="0"/>
+          <a:effectRef idx="0"/>
+          <a:fontRef idx="minor"/>
+        </p:style>
+        <p:txBody>
+          <a:bodyPr lIns="90000" rIns="90000" tIns="45000" bIns="45000" anchor="ctr">
+            <a:noAutofit/>
+          </a:bodyPr>
+          <a:p>
+            <a:pPr algn="ctr">
+              <a:lnSpc>
+                <a:spcPct val="100000"/>
+              </a:lnSpc>
+              <a:spcBef>
+                <a:spcPts val="1417"/>
+              </a:spcBef>
+              <a:tabLst>
+                <a:tab algn="l" pos="408240"/>
+              </a:tabLst>
+            </a:pPr>
+            <a:r>
+              <a:rPr b="0" lang="en-US" sz="1800" strike="noStrike" u="none">
+                <a:solidFill>
+                  <a:srgbClr val="000000"/>
+                </a:solidFill>
+                <a:uFillTx/>
+                <a:latin typeface="Arial"/>
+                <a:ea typeface="DejaVu Sans"/>
+              </a:rPr>
+              <a:t>Communication</a:t>
+            </a:r>
+            <a:endParaRPr b="0" lang="en-US" sz="1800" strike="noStrike" u="none">
+              <a:solidFill>
+                <a:srgbClr val="ffffff"/>
+              </a:solidFill>
+              <a:uFillTx/>
+              <a:latin typeface="Arial"/>
+            </a:endParaRPr>
+          </a:p>
+        </p:txBody>
+      </p:sp>
+      <p:sp>
+        <p:nvSpPr>
+          <p:cNvPr id="79" name=""/>
+          <p:cNvSpPr/>
+          <p:nvPr/>
+        </p:nvSpPr>
+        <p:spPr>
+          <a:xfrm>
+            <a:off x="6984360" y="1728360"/>
+            <a:ext cx="2519280" cy="343440"/>
+          </a:xfrm>
+          <a:prstGeom prst="roundRect">
+            <a:avLst>
+              <a:gd name="adj" fmla="val 16667"/>
+            </a:avLst>
+          </a:prstGeom>
+          <a:solidFill>
+            <a:srgbClr val="ff860d"/>
+          </a:solidFill>
+          <a:ln w="0">
+            <a:solidFill>
+              <a:srgbClr val="3465a4"/>
+            </a:solidFill>
+          </a:ln>
+        </p:spPr>
+        <p:style>
+          <a:lnRef idx="0"/>
+          <a:fillRef idx="0"/>
+          <a:effectRef idx="0"/>
+          <a:fontRef idx="minor"/>
+        </p:style>
+        <p:txBody>
+          <a:bodyPr lIns="90000" rIns="90000" tIns="45000" bIns="45000" anchor="ctr">
+            <a:noAutofit/>
+          </a:bodyPr>
+          <a:p>
+            <a:pPr algn="ctr">
+              <a:lnSpc>
+                <a:spcPct val="100000"/>
+              </a:lnSpc>
+              <a:spcBef>
+                <a:spcPts val="1417"/>
+              </a:spcBef>
+              <a:tabLst>
+                <a:tab algn="l" pos="408240"/>
+              </a:tabLst>
+            </a:pPr>
+            <a:r>
+              <a:rPr b="0" lang="en-US" sz="1800" strike="noStrike" u="none">
+                <a:solidFill>
+                  <a:srgbClr val="000000"/>
+                </a:solidFill>
+                <a:uFillTx/>
+                <a:latin typeface="Arial"/>
+                <a:ea typeface="DejaVu Sans"/>
+              </a:rPr>
+              <a:t>Expansion</a:t>
+            </a:r>
+            <a:endParaRPr b="0" lang="en-US" sz="1800" strike="noStrike" u="none">
+              <a:solidFill>
+                <a:srgbClr val="ffffff"/>
+              </a:solidFill>
+              <a:uFillTx/>
+              <a:latin typeface="Arial"/>
+            </a:endParaRPr>
+          </a:p>
+        </p:txBody>
+      </p:sp>
+      <p:sp>
+        <p:nvSpPr>
+          <p:cNvPr id="80" name=""/>
+          <p:cNvSpPr/>
+          <p:nvPr/>
+        </p:nvSpPr>
+        <p:spPr>
+          <a:xfrm>
+            <a:off x="3672360" y="1728360"/>
+            <a:ext cx="2519280" cy="343440"/>
+          </a:xfrm>
+          <a:prstGeom prst="roundRect">
+            <a:avLst>
+              <a:gd name="adj" fmla="val 16667"/>
+            </a:avLst>
+          </a:prstGeom>
+          <a:solidFill>
+            <a:srgbClr val="0369a3"/>
+          </a:solidFill>
+          <a:ln w="0">
+            <a:solidFill>
+              <a:srgbClr val="3465a4"/>
+            </a:solidFill>
+          </a:ln>
+        </p:spPr>
+        <p:style>
+          <a:lnRef idx="0"/>
+          <a:fillRef idx="0"/>
+          <a:effectRef idx="0"/>
+          <a:fontRef idx="minor"/>
+        </p:style>
+        <p:txBody>
+          <a:bodyPr lIns="90000" rIns="90000" tIns="45000" bIns="45000" anchor="ctr">
+            <a:noAutofit/>
+          </a:bodyPr>
+          <a:p>
+            <a:pPr algn="ctr">
+              <a:lnSpc>
+                <a:spcPct val="100000"/>
+              </a:lnSpc>
+              <a:spcBef>
+                <a:spcPts val="1417"/>
+              </a:spcBef>
+              <a:tabLst>
+                <a:tab algn="l" pos="408240"/>
+              </a:tabLst>
+            </a:pPr>
+            <a:r>
+              <a:rPr b="0" lang="en-US" sz="1800" strike="noStrike" u="none">
+                <a:solidFill>
+                  <a:srgbClr val="000000"/>
+                </a:solidFill>
+                <a:uFillTx/>
+                <a:latin typeface="Arial"/>
+                <a:ea typeface="DejaVu Sans"/>
+              </a:rPr>
+              <a:t>Concurrent Tasks</a:t>
+            </a:r>
+            <a:endParaRPr b="0" lang="en-US" sz="1800" strike="noStrike" u="none">
+              <a:solidFill>
+                <a:srgbClr val="ffffff"/>
+              </a:solidFill>
+              <a:uFillTx/>
+              <a:latin typeface="Arial"/>
+            </a:endParaRPr>
+          </a:p>
+        </p:txBody>
+      </p:sp>
       <p:pic>
         <p:nvPicPr>
-          <p:cNvPr id="51" name="" descr=""/>
+          <p:cNvPr id="81" name="" descr=""/>
           <p:cNvPicPr/>
           <p:nvPr/>
         </p:nvPicPr>
@@ -4996,8 +6563,8 @@
         </p:blipFill>
         <p:spPr>
           <a:xfrm>
-            <a:off x="360" y="1871280"/>
-            <a:ext cx="10080360" cy="5040000"/>
+            <a:off x="180000" y="3919320"/>
+            <a:ext cx="760680" cy="760680"/>
           </a:xfrm>
           <a:prstGeom prst="rect">
             <a:avLst/>
@@ -5007,61 +6574,75 @@
           </a:ln>
         </p:spPr>
       </p:pic>
-      <p:sp>
-        <p:nvSpPr>
-          <p:cNvPr id="52" name=""/>
-          <p:cNvSpPr txBox="1"/>
+      <p:pic>
+        <p:nvPicPr>
+          <p:cNvPr id="82" name="" descr=""/>
+          <p:cNvPicPr/>
           <p:nvPr/>
-        </p:nvSpPr>
-        <p:spPr>
-          <a:xfrm>
-            <a:off x="457200" y="492480"/>
-            <a:ext cx="8277120" cy="1024200"/>
+        </p:nvPicPr>
+        <p:blipFill>
+          <a:blip r:embed="rId2"/>
+          <a:stretch/>
+        </p:blipFill>
+        <p:spPr>
+          <a:xfrm>
+            <a:off x="180000" y="2880000"/>
+            <a:ext cx="720000" cy="720000"/>
           </a:xfrm>
           <a:prstGeom prst="rect">
             <a:avLst/>
           </a:prstGeom>
-          <a:noFill/>
           <a:ln w="0">
             <a:noFill/>
           </a:ln>
         </p:spPr>
-        <p:txBody>
-          <a:bodyPr lIns="0" rIns="0" tIns="0" bIns="0" anchor="ctr">
-            <a:noAutofit/>
-          </a:bodyPr>
-          <a:p>
-            <a:r>
-              <a:rPr b="0" lang="en-US" sz="3600" strike="noStrike" u="none">
-                <a:solidFill>
-                  <a:srgbClr val="000000"/>
-                </a:solidFill>
-                <a:uFillTx/>
-                <a:latin typeface="Arial"/>
-                <a:ea typeface="Noto Sans SC"/>
-              </a:rPr>
-              <a:t>System Architecture –</a:t>
-            </a:r>
-            <a:r>
-              <a:rPr b="0" lang="en-US" sz="3600" strike="noStrike" u="none">
-                <a:solidFill>
-                  <a:srgbClr val="000000"/>
-                </a:solidFill>
-                <a:uFillTx/>
-                <a:latin typeface="Arial"/>
-              </a:rPr>
-              <a:t> Charge Point </a:t>
-            </a:r>
-            <a:endParaRPr b="0" lang="en-US" sz="3600" strike="noStrike" u="none">
-              <a:solidFill>
-                <a:srgbClr val="000000"/>
-              </a:solidFill>
-              <a:uFillTx/>
-              <a:latin typeface="Arial"/>
-            </a:endParaRPr>
-          </a:p>
-        </p:txBody>
-      </p:sp>
+      </p:pic>
+      <p:pic>
+        <p:nvPicPr>
+          <p:cNvPr id="83" name="" descr=""/>
+          <p:cNvPicPr/>
+          <p:nvPr/>
+        </p:nvPicPr>
+        <p:blipFill>
+          <a:blip r:embed="rId3"/>
+          <a:stretch/>
+        </p:blipFill>
+        <p:spPr>
+          <a:xfrm>
+            <a:off x="180000" y="5040000"/>
+            <a:ext cx="720000" cy="720000"/>
+          </a:xfrm>
+          <a:prstGeom prst="rect">
+            <a:avLst/>
+          </a:prstGeom>
+          <a:ln w="0">
+            <a:noFill/>
+          </a:ln>
+        </p:spPr>
+      </p:pic>
+      <p:pic>
+        <p:nvPicPr>
+          <p:cNvPr id="84" name="" descr=""/>
+          <p:cNvPicPr/>
+          <p:nvPr/>
+        </p:nvPicPr>
+        <p:blipFill>
+          <a:blip r:embed="rId4"/>
+          <a:stretch/>
+        </p:blipFill>
+        <p:spPr>
+          <a:xfrm>
+            <a:off x="180000" y="6012000"/>
+            <a:ext cx="720000" cy="720000"/>
+          </a:xfrm>
+          <a:prstGeom prst="rect">
+            <a:avLst/>
+          </a:prstGeom>
+          <a:ln w="0">
+            <a:noFill/>
+          </a:ln>
+        </p:spPr>
+      </p:pic>
     </p:spTree>
   </p:cSld>
   <mc:AlternateContent>
@@ -5094,7 +6675,7 @@
       </p:grpSpPr>
       <p:pic>
         <p:nvPicPr>
-          <p:cNvPr id="53" name="" descr=""/>
+          <p:cNvPr id="85" name="" descr=""/>
           <p:cNvPicPr/>
           <p:nvPr/>
         </p:nvPicPr>
@@ -5104,8 +6685,8 @@
         </p:blipFill>
         <p:spPr>
           <a:xfrm>
-            <a:off x="360" y="1956240"/>
-            <a:ext cx="10080360" cy="3440520"/>
+            <a:off x="360" y="1871280"/>
+            <a:ext cx="10079640" cy="5039280"/>
           </a:xfrm>
           <a:prstGeom prst="rect">
             <a:avLst/>
@@ -5117,14 +6698,14 @@
       </p:pic>
       <p:sp>
         <p:nvSpPr>
-          <p:cNvPr id="54" name=""/>
-          <p:cNvSpPr txBox="1"/>
+          <p:cNvPr id="86" name=""/>
+          <p:cNvSpPr/>
           <p:nvPr/>
         </p:nvSpPr>
         <p:spPr>
           <a:xfrm>
             <a:off x="457200" y="492480"/>
-            <a:ext cx="8277120" cy="1024200"/>
+            <a:ext cx="8276400" cy="1023480"/>
           </a:xfrm>
           <a:prstGeom prst="rect">
             <a:avLst/>
@@ -5134,11 +6715,25 @@
             <a:noFill/>
           </a:ln>
         </p:spPr>
+        <p:style>
+          <a:lnRef idx="0"/>
+          <a:fillRef idx="0"/>
+          <a:effectRef idx="0"/>
+          <a:fontRef idx="minor"/>
+        </p:style>
         <p:txBody>
           <a:bodyPr lIns="0" rIns="0" tIns="0" bIns="0" anchor="ctr">
             <a:noAutofit/>
           </a:bodyPr>
           <a:p>
+            <a:pPr>
+              <a:lnSpc>
+                <a:spcPct val="100000"/>
+              </a:lnSpc>
+              <a:tabLst>
+                <a:tab algn="l" pos="408240"/>
+              </a:tabLst>
+            </a:pPr>
             <a:r>
               <a:rPr b="0" lang="en-US" sz="3600" strike="noStrike" u="none">
                 <a:solidFill>
@@ -5148,8 +6743,109 @@
                 <a:latin typeface="Arial"/>
                 <a:ea typeface="Noto Sans SC"/>
               </a:rPr>
-              <a:t>System Architecture -</a:t>
-            </a:r>
+              <a:t>System Architecture – Charge Point </a:t>
+            </a:r>
+            <a:endParaRPr b="0" lang="en-US" sz="3600" strike="noStrike" u="none">
+              <a:solidFill>
+                <a:srgbClr val="000000"/>
+              </a:solidFill>
+              <a:uFillTx/>
+              <a:latin typeface="Arial"/>
+            </a:endParaRPr>
+          </a:p>
+        </p:txBody>
+      </p:sp>
+    </p:spTree>
+  </p:cSld>
+  <mc:AlternateContent>
+    <mc:Choice Requires="p14">
+      <p:transition spd="slow" p14:dur="2000"/>
+    </mc:Choice>
+    <mc:Fallback>
+      <p:transition spd="slow"/>
+    </mc:Fallback>
+  </mc:AlternateContent>
+</p:sld>
+</file>
+
+<file path=ppt/slides/slide9.xml><?xml version="1.0" encoding="utf-8"?>
+<p:sld xmlns:a="http://schemas.openxmlformats.org/drawingml/2006/main" xmlns:p="http://schemas.openxmlformats.org/presentationml/2006/main" xmlns:r="http://schemas.openxmlformats.org/officeDocument/2006/relationships" xmlns:p14="http://schemas.microsoft.com/office/powerpoint/2010/main" xmlns:p15="http://schemas.microsoft.com/office/powerpoint/2012/main" xmlns:mc="http://schemas.openxmlformats.org/markup-compatibility/2006">
+  <p:cSld>
+    <p:spTree>
+      <p:nvGrpSpPr>
+        <p:cNvPr id="1" name=""/>
+        <p:cNvGrpSpPr/>
+        <p:nvPr/>
+      </p:nvGrpSpPr>
+      <p:grpSpPr>
+        <a:xfrm>
+          <a:off x="0" y="0"/>
+          <a:ext cx="0" cy="0"/>
+          <a:chOff x="0" y="0"/>
+          <a:chExt cx="0" cy="0"/>
+        </a:xfrm>
+      </p:grpSpPr>
+      <p:pic>
+        <p:nvPicPr>
+          <p:cNvPr id="87" name="" descr=""/>
+          <p:cNvPicPr/>
+          <p:nvPr/>
+        </p:nvPicPr>
+        <p:blipFill>
+          <a:blip r:embed="rId1"/>
+          <a:stretch/>
+        </p:blipFill>
+        <p:spPr>
+          <a:xfrm>
+            <a:off x="360" y="1956240"/>
+            <a:ext cx="10079640" cy="3439800"/>
+          </a:xfrm>
+          <a:prstGeom prst="rect">
+            <a:avLst/>
+          </a:prstGeom>
+          <a:ln w="0">
+            <a:noFill/>
+          </a:ln>
+        </p:spPr>
+      </p:pic>
+      <p:sp>
+        <p:nvSpPr>
+          <p:cNvPr id="88" name=""/>
+          <p:cNvSpPr/>
+          <p:nvPr/>
+        </p:nvSpPr>
+        <p:spPr>
+          <a:xfrm>
+            <a:off x="457200" y="492480"/>
+            <a:ext cx="8276400" cy="1023480"/>
+          </a:xfrm>
+          <a:prstGeom prst="rect">
+            <a:avLst/>
+          </a:prstGeom>
+          <a:noFill/>
+          <a:ln w="0">
+            <a:noFill/>
+          </a:ln>
+        </p:spPr>
+        <p:style>
+          <a:lnRef idx="0"/>
+          <a:fillRef idx="0"/>
+          <a:effectRef idx="0"/>
+          <a:fontRef idx="minor"/>
+        </p:style>
+        <p:txBody>
+          <a:bodyPr lIns="0" rIns="0" tIns="0" bIns="0" anchor="ctr">
+            <a:noAutofit/>
+          </a:bodyPr>
+          <a:p>
+            <a:pPr>
+              <a:lnSpc>
+                <a:spcPct val="100000"/>
+              </a:lnSpc>
+              <a:tabLst>
+                <a:tab algn="l" pos="408240"/>
+              </a:tabLst>
+            </a:pPr>
             <a:r>
               <a:rPr b="0" lang="en-US" sz="3600" strike="noStrike" u="none">
                 <a:solidFill>
@@ -5157,8 +6853,9 @@
                 </a:solidFill>
                 <a:uFillTx/>
                 <a:latin typeface="Arial"/>
-              </a:rPr>
-              <a:t> Project</a:t>
+                <a:ea typeface="Noto Sans SC"/>
+              </a:rPr>
+              <a:t>System Architecture - Project</a:t>
             </a:r>
             <a:endParaRPr b="0" lang="en-US" sz="3600" strike="noStrike" u="none">
               <a:solidFill>

--- a/ppt/Jin_Junfan.pptx
+++ b/ppt/Jin_Junfan.pptx
@@ -363,7 +363,7 @@
             <a:pPr indent="0" algn="r">
               <a:buNone/>
             </a:pPr>
-            <a:fld id="{C86ED6D0-7EC7-4BA0-92D2-2CE7915C7171}" type="slidenum">
+            <a:fld id="{E4CA6405-C800-457A-904C-51E67069012F}" type="slidenum">
               <a:rPr b="0" lang="en-US" sz="1400" strike="noStrike" u="none">
                 <a:solidFill>
                   <a:srgbClr val="000000"/>
@@ -419,7 +419,7 @@
         <p:spPr>
           <a:xfrm>
             <a:off x="216000" y="812520"/>
-            <a:ext cx="7126560" cy="4008240"/>
+            <a:ext cx="7126200" cy="4007880"/>
           </a:xfrm>
           <a:prstGeom prst="rect">
             <a:avLst/>
@@ -442,7 +442,7 @@
         <p:spPr>
           <a:xfrm>
             <a:off x="720000" y="5089680"/>
-            <a:ext cx="6046920" cy="4810320"/>
+            <a:ext cx="6046560" cy="4809960"/>
           </a:xfrm>
           <a:prstGeom prst="rect">
             <a:avLst/>
@@ -577,7 +577,7 @@
         <p:spPr>
           <a:xfrm>
             <a:off x="216000" y="812520"/>
-            <a:ext cx="7127280" cy="4008960"/>
+            <a:ext cx="7126920" cy="4008600"/>
           </a:xfrm>
           <a:prstGeom prst="rect">
             <a:avLst/>
@@ -600,7 +600,7 @@
         <p:spPr>
           <a:xfrm>
             <a:off x="756000" y="5078520"/>
-            <a:ext cx="6047640" cy="4811040"/>
+            <a:ext cx="6047280" cy="4810680"/>
           </a:xfrm>
           <a:prstGeom prst="rect">
             <a:avLst/>
@@ -616,7 +616,13 @@
           </a:bodyPr>
           <a:p>
             <a:pPr marL="216000" indent="-216000">
+              <a:lnSpc>
+                <a:spcPct val="100000"/>
+              </a:lnSpc>
               <a:buNone/>
+              <a:tabLst>
+                <a:tab algn="l" pos="0"/>
+              </a:tabLst>
             </a:pPr>
             <a:r>
               <a:rPr b="0" lang="en-US" sz="2000" strike="noStrike" u="none">
@@ -673,7 +679,7 @@
         <p:spPr>
           <a:xfrm>
             <a:off x="216000" y="812520"/>
-            <a:ext cx="7127280" cy="4008960"/>
+            <a:ext cx="7126920" cy="4008600"/>
           </a:xfrm>
           <a:prstGeom prst="rect">
             <a:avLst/>
@@ -696,7 +702,7 @@
         <p:spPr>
           <a:xfrm>
             <a:off x="756000" y="5078520"/>
-            <a:ext cx="6047640" cy="4811040"/>
+            <a:ext cx="6047280" cy="4810680"/>
           </a:xfrm>
           <a:prstGeom prst="rect">
             <a:avLst/>
@@ -712,7 +718,13 @@
           </a:bodyPr>
           <a:p>
             <a:pPr marL="216000" indent="-216000">
+              <a:lnSpc>
+                <a:spcPct val="100000"/>
+              </a:lnSpc>
               <a:buNone/>
+              <a:tabLst>
+                <a:tab algn="l" pos="0"/>
+              </a:tabLst>
             </a:pPr>
             <a:r>
               <a:rPr b="0" lang="en-US" sz="2000" strike="noStrike" u="none">
@@ -734,7 +746,13 @@
           </a:p>
           <a:p>
             <a:pPr marL="216000" indent="-216000">
+              <a:lnSpc>
+                <a:spcPct val="100000"/>
+              </a:lnSpc>
               <a:buNone/>
+              <a:tabLst>
+                <a:tab algn="l" pos="0"/>
+              </a:tabLst>
             </a:pPr>
             <a:endParaRPr b="0" lang="en-US" sz="2000" strike="noStrike" u="none">
               <a:solidFill>
@@ -781,7 +799,7 @@
         <p:spPr>
           <a:xfrm>
             <a:off x="216000" y="812520"/>
-            <a:ext cx="7127280" cy="4008960"/>
+            <a:ext cx="7126920" cy="4008600"/>
           </a:xfrm>
           <a:prstGeom prst="rect">
             <a:avLst/>
@@ -804,7 +822,7 @@
         <p:spPr>
           <a:xfrm>
             <a:off x="756000" y="5078520"/>
-            <a:ext cx="6047640" cy="4811040"/>
+            <a:ext cx="6047280" cy="4810680"/>
           </a:xfrm>
           <a:prstGeom prst="rect">
             <a:avLst/>
@@ -820,7 +838,13 @@
           </a:bodyPr>
           <a:p>
             <a:pPr marL="216000" indent="-216000">
+              <a:lnSpc>
+                <a:spcPct val="100000"/>
+              </a:lnSpc>
               <a:buNone/>
+              <a:tabLst>
+                <a:tab algn="l" pos="0"/>
+              </a:tabLst>
             </a:pPr>
             <a:r>
               <a:rPr b="0" lang="en-US" sz="2000" strike="noStrike" u="none">
@@ -877,7 +901,7 @@
         <p:spPr>
           <a:xfrm>
             <a:off x="216000" y="812520"/>
-            <a:ext cx="7126560" cy="4008240"/>
+            <a:ext cx="7126200" cy="4007880"/>
           </a:xfrm>
           <a:prstGeom prst="rect">
             <a:avLst/>
@@ -900,7 +924,7 @@
         <p:spPr>
           <a:xfrm>
             <a:off x="756000" y="5078520"/>
-            <a:ext cx="6046920" cy="5099400"/>
+            <a:ext cx="6046560" cy="5099040"/>
           </a:xfrm>
           <a:prstGeom prst="rect">
             <a:avLst/>
@@ -1067,7 +1091,7 @@
         <p:spPr>
           <a:xfrm>
             <a:off x="216000" y="812520"/>
-            <a:ext cx="7126560" cy="4008240"/>
+            <a:ext cx="7126200" cy="4007880"/>
           </a:xfrm>
           <a:prstGeom prst="rect">
             <a:avLst/>
@@ -1090,7 +1114,7 @@
         <p:spPr>
           <a:xfrm>
             <a:off x="756000" y="5078520"/>
-            <a:ext cx="6046920" cy="4810320"/>
+            <a:ext cx="6046560" cy="4809960"/>
           </a:xfrm>
           <a:prstGeom prst="rect">
             <a:avLst/>
@@ -1175,7 +1199,7 @@
         <p:spPr>
           <a:xfrm>
             <a:off x="216000" y="812520"/>
-            <a:ext cx="7127280" cy="4008960"/>
+            <a:ext cx="7126920" cy="4008600"/>
           </a:xfrm>
           <a:prstGeom prst="rect">
             <a:avLst/>
@@ -1198,7 +1222,7 @@
         <p:spPr>
           <a:xfrm>
             <a:off x="756000" y="5078520"/>
-            <a:ext cx="6047640" cy="4811040"/>
+            <a:ext cx="6047280" cy="4810680"/>
           </a:xfrm>
           <a:prstGeom prst="rect">
             <a:avLst/>
@@ -1214,7 +1238,13 @@
           </a:bodyPr>
           <a:p>
             <a:pPr marL="216000" indent="-216000">
+              <a:lnSpc>
+                <a:spcPct val="100000"/>
+              </a:lnSpc>
               <a:buNone/>
+              <a:tabLst>
+                <a:tab algn="l" pos="0"/>
+              </a:tabLst>
             </a:pPr>
             <a:r>
               <a:rPr b="0" lang="en-US" sz="2000" strike="noStrike" u="none">
@@ -1271,7 +1301,7 @@
         <p:spPr>
           <a:xfrm>
             <a:off x="216000" y="812520"/>
-            <a:ext cx="7127280" cy="4008960"/>
+            <a:ext cx="7126920" cy="4008600"/>
           </a:xfrm>
           <a:prstGeom prst="rect">
             <a:avLst/>
@@ -1294,7 +1324,7 @@
         <p:spPr>
           <a:xfrm>
             <a:off x="756000" y="5078520"/>
-            <a:ext cx="6047640" cy="4811040"/>
+            <a:ext cx="6047280" cy="4810680"/>
           </a:xfrm>
           <a:prstGeom prst="rect">
             <a:avLst/>
@@ -1310,7 +1340,19 @@
           </a:bodyPr>
           <a:p>
             <a:pPr marL="216000" indent="-216000">
+              <a:lnSpc>
+                <a:spcPct val="100000"/>
+              </a:lnSpc>
+              <a:spcBef>
+                <a:spcPts val="1191"/>
+              </a:spcBef>
+              <a:spcAft>
+                <a:spcPts val="992"/>
+              </a:spcAft>
               <a:buNone/>
+              <a:tabLst>
+                <a:tab algn="l" pos="0"/>
+              </a:tabLst>
             </a:pPr>
             <a:r>
               <a:rPr b="0" lang="en-US" sz="2000" strike="noStrike" u="none">
@@ -1320,7 +1362,17 @@
                 <a:uFillTx/>
                 <a:latin typeface="Arial"/>
               </a:rPr>
-              <a:t>For concurrent task scheduling, we implemented a Signal class referencing the Qt Signal mechanism to decouple the system. We only need to connect functions to signals externally, and when a signal is emitted, the function is called. Compared to callback functions, this method is more flexible and has lower coupling.</a:t>
+              <a:t>  </a:t>
+            </a:r>
+            <a:r>
+              <a:rPr b="0" lang="en-US" sz="2000" strike="noStrike" u="none">
+                <a:solidFill>
+                  <a:srgbClr val="000000"/>
+                </a:solidFill>
+                <a:uFillTx/>
+                <a:latin typeface="Arial"/>
+              </a:rPr>
+              <a:t>Because the system has many modules and complex function calls. So, we needed a way to reduce the coupling. we implemented a Signal class referencing the Qt Signal mechanism to decouple the system. We only need to connect functions to signals externally, and when a signal is emitted, the function is called. Compared to callback functions, this method is more flexible and has lower coupling.</a:t>
             </a:r>
             <a:endParaRPr b="0" lang="en-US" sz="2000" strike="noStrike" u="none">
               <a:solidFill>
@@ -1367,7 +1419,7 @@
         <p:spPr>
           <a:xfrm>
             <a:off x="216000" y="812520"/>
-            <a:ext cx="7127280" cy="4008960"/>
+            <a:ext cx="7126920" cy="4008600"/>
           </a:xfrm>
           <a:prstGeom prst="rect">
             <a:avLst/>
@@ -1390,7 +1442,7 @@
         <p:spPr>
           <a:xfrm>
             <a:off x="756000" y="5078520"/>
-            <a:ext cx="6047640" cy="4811040"/>
+            <a:ext cx="6047280" cy="4810680"/>
           </a:xfrm>
           <a:prstGeom prst="rect">
             <a:avLst/>
@@ -1406,7 +1458,13 @@
           </a:bodyPr>
           <a:p>
             <a:pPr marL="216000" indent="-216000">
+              <a:lnSpc>
+                <a:spcPct val="100000"/>
+              </a:lnSpc>
               <a:buNone/>
+              <a:tabLst>
+                <a:tab algn="l" pos="0"/>
+              </a:tabLst>
             </a:pPr>
             <a:r>
               <a:rPr b="0" lang="en-US" sz="2000" strike="noStrike" u="none">
@@ -1463,7 +1521,7 @@
         <p:spPr>
           <a:xfrm>
             <a:off x="216000" y="812520"/>
-            <a:ext cx="7127280" cy="4008960"/>
+            <a:ext cx="7126920" cy="4008600"/>
           </a:xfrm>
           <a:prstGeom prst="rect">
             <a:avLst/>
@@ -1486,7 +1544,7 @@
         <p:spPr>
           <a:xfrm>
             <a:off x="756000" y="5078520"/>
-            <a:ext cx="6047640" cy="4811040"/>
+            <a:ext cx="6047280" cy="4810680"/>
           </a:xfrm>
           <a:prstGeom prst="rect">
             <a:avLst/>
@@ -1502,7 +1560,13 @@
           </a:bodyPr>
           <a:p>
             <a:pPr marL="216000" indent="-216000">
+              <a:lnSpc>
+                <a:spcPct val="100000"/>
+              </a:lnSpc>
               <a:buNone/>
+              <a:tabLst>
+                <a:tab algn="l" pos="0"/>
+              </a:tabLst>
             </a:pPr>
             <a:r>
               <a:rPr b="0" lang="en-US" sz="2000" strike="noStrike" u="none">
@@ -1521,7 +1585,6 @@
               </a:solidFill>
               <a:uFillTx/>
               <a:latin typeface="Arial"/>
-              <a:ea typeface="Noto Sans SC"/>
             </a:endParaRPr>
           </a:p>
         </p:txBody>
@@ -1561,7 +1624,7 @@
         <p:spPr>
           <a:xfrm>
             <a:off x="216000" y="812520"/>
-            <a:ext cx="7127280" cy="4008960"/>
+            <a:ext cx="7126920" cy="4008600"/>
           </a:xfrm>
           <a:prstGeom prst="rect">
             <a:avLst/>
@@ -1584,7 +1647,7 @@
         <p:spPr>
           <a:xfrm>
             <a:off x="756000" y="5078520"/>
-            <a:ext cx="6047640" cy="4811040"/>
+            <a:ext cx="6047280" cy="4810680"/>
           </a:xfrm>
           <a:prstGeom prst="rect">
             <a:avLst/>
@@ -1600,7 +1663,13 @@
           </a:bodyPr>
           <a:p>
             <a:pPr marL="216000" indent="-216000">
+              <a:lnSpc>
+                <a:spcPct val="100000"/>
+              </a:lnSpc>
               <a:buNone/>
+              <a:tabLst>
+                <a:tab algn="l" pos="0"/>
+              </a:tabLst>
             </a:pPr>
             <a:r>
               <a:rPr b="0" lang="en-US" sz="2000" strike="noStrike" u="none">
@@ -1622,7 +1691,13 @@
           </a:p>
           <a:p>
             <a:pPr marL="216000" indent="-216000">
+              <a:lnSpc>
+                <a:spcPct val="100000"/>
+              </a:lnSpc>
               <a:buNone/>
+              <a:tabLst>
+                <a:tab algn="l" pos="0"/>
+              </a:tabLst>
             </a:pPr>
             <a:endParaRPr b="0" lang="en-US" sz="2000" strike="noStrike" u="none">
               <a:solidFill>
@@ -1634,7 +1709,13 @@
           </a:p>
           <a:p>
             <a:pPr marL="216000" indent="-216000">
+              <a:lnSpc>
+                <a:spcPct val="100000"/>
+              </a:lnSpc>
               <a:buNone/>
+              <a:tabLst>
+                <a:tab algn="l" pos="0"/>
+              </a:tabLst>
             </a:pPr>
             <a:endParaRPr b="0" lang="en-US" sz="2000" strike="noStrike" u="none">
               <a:solidFill>
@@ -1646,7 +1727,13 @@
           </a:p>
           <a:p>
             <a:pPr marL="216000" indent="-216000">
+              <a:lnSpc>
+                <a:spcPct val="100000"/>
+              </a:lnSpc>
               <a:buNone/>
+              <a:tabLst>
+                <a:tab algn="l" pos="0"/>
+              </a:tabLst>
             </a:pPr>
             <a:r>
               <a:rPr b="0" lang="en-US" sz="2000" strike="noStrike" u="none">
@@ -1703,7 +1790,7 @@
         <p:spPr>
           <a:xfrm>
             <a:off x="216000" y="812520"/>
-            <a:ext cx="7126560" cy="4008240"/>
+            <a:ext cx="7126200" cy="4007880"/>
           </a:xfrm>
           <a:prstGeom prst="rect">
             <a:avLst/>
@@ -1726,7 +1813,7 @@
         <p:spPr>
           <a:xfrm>
             <a:off x="756000" y="5078520"/>
-            <a:ext cx="6046920" cy="4810320"/>
+            <a:ext cx="6046560" cy="4809960"/>
           </a:xfrm>
           <a:prstGeom prst="rect">
             <a:avLst/>
@@ -1811,7 +1898,7 @@
         <p:spPr>
           <a:xfrm>
             <a:off x="456840" y="549000"/>
-            <a:ext cx="7309080" cy="908280"/>
+            <a:ext cx="7308720" cy="907920"/>
           </a:xfrm>
           <a:prstGeom prst="rect">
             <a:avLst/>
@@ -1852,7 +1939,7 @@
         <p:spPr>
           <a:xfrm>
             <a:off x="456840" y="1828440"/>
-            <a:ext cx="9137880" cy="4565880"/>
+            <a:ext cx="9137520" cy="4565520"/>
           </a:xfrm>
           <a:prstGeom prst="rect">
             <a:avLst/>
@@ -1920,8 +2007,8 @@
         </p:nvSpPr>
         <p:spPr>
           <a:xfrm flipV="1">
-            <a:off x="236520" y="200160"/>
-            <a:ext cx="9537840" cy="151200"/>
+            <a:off x="236520" y="199080"/>
+            <a:ext cx="9537480" cy="150840"/>
           </a:xfrm>
           <a:prstGeom prst="rect">
             <a:avLst/>
@@ -1981,7 +2068,7 @@
         <p:spPr>
           <a:xfrm>
             <a:off x="5943600" y="7077600"/>
-            <a:ext cx="692280" cy="254160"/>
+            <a:ext cx="691920" cy="253800"/>
           </a:xfrm>
           <a:prstGeom prst="rect">
             <a:avLst/>
@@ -2016,7 +2103,7 @@
                 <a:tab algn="l" pos="0"/>
               </a:tabLst>
             </a:pPr>
-            <a:fld id="{10ED0E23-ED3F-4F55-906B-C06F8BE88B17}" type="slidenum">
+            <a:fld id="{F2437B67-19B0-4D5C-AA21-6BBF1F40AACB}" type="slidenum">
               <a:rPr b="0" lang="en-US" sz="1200" strike="noStrike" u="none">
                 <a:solidFill>
                   <a:srgbClr val="000000"/>
@@ -2136,7 +2223,7 @@
         <p:spPr>
           <a:xfrm>
             <a:off x="7365960" y="7116840"/>
-            <a:ext cx="2356200" cy="376560"/>
+            <a:ext cx="2355840" cy="376200"/>
           </a:xfrm>
           <a:prstGeom prst="rect">
             <a:avLst/>
@@ -2159,7 +2246,7 @@
         <p:spPr>
           <a:xfrm>
             <a:off x="7845480" y="541440"/>
-            <a:ext cx="2217960" cy="914760"/>
+            <a:ext cx="2217600" cy="914400"/>
           </a:xfrm>
           <a:prstGeom prst="rect">
             <a:avLst/>
@@ -2178,7 +2265,7 @@
         <p:spPr>
           <a:xfrm>
             <a:off x="260280" y="7078680"/>
-            <a:ext cx="1081440" cy="263880"/>
+            <a:ext cx="1081080" cy="263520"/>
           </a:xfrm>
           <a:prstGeom prst="rect">
             <a:avLst/>
@@ -2267,7 +2354,7 @@
         <p:spPr>
           <a:xfrm>
             <a:off x="1158840" y="7078680"/>
-            <a:ext cx="3623040" cy="433800"/>
+            <a:ext cx="3622680" cy="433440"/>
           </a:xfrm>
           <a:prstGeom prst="rect">
             <a:avLst/>
@@ -2345,7 +2432,7 @@
         <p:spPr>
           <a:xfrm>
             <a:off x="3620880" y="7077600"/>
-            <a:ext cx="1970640" cy="416160"/>
+            <a:ext cx="1970280" cy="415800"/>
           </a:xfrm>
           <a:prstGeom prst="rect">
             <a:avLst/>
@@ -2528,7 +2615,7 @@
         <p:spPr>
           <a:xfrm>
             <a:off x="456840" y="549000"/>
-            <a:ext cx="7309080" cy="908280"/>
+            <a:ext cx="7308720" cy="907920"/>
           </a:xfrm>
           <a:prstGeom prst="rect">
             <a:avLst/>
@@ -2579,7 +2666,7 @@
         <p:spPr>
           <a:xfrm>
             <a:off x="456840" y="1828440"/>
-            <a:ext cx="9137880" cy="4565880"/>
+            <a:ext cx="9137520" cy="4565520"/>
           </a:xfrm>
           <a:prstGeom prst="rect">
             <a:avLst/>
@@ -2844,7 +2931,7 @@
         <p:spPr>
           <a:xfrm>
             <a:off x="456840" y="548640"/>
-            <a:ext cx="7309080" cy="908280"/>
+            <a:ext cx="7308720" cy="907920"/>
           </a:xfrm>
           <a:prstGeom prst="rect">
             <a:avLst/>
@@ -2920,7 +3007,7 @@
         <p:spPr>
           <a:xfrm>
             <a:off x="0" y="1691280"/>
-            <a:ext cx="10078920" cy="5283000"/>
+            <a:ext cx="10078560" cy="5282640"/>
           </a:xfrm>
           <a:prstGeom prst="rect">
             <a:avLst/>
@@ -2969,7 +3056,7 @@
         <p:spPr>
           <a:xfrm>
             <a:off x="540000" y="2592000"/>
-            <a:ext cx="5040000" cy="1439280"/>
+            <a:ext cx="5039640" cy="1438920"/>
           </a:xfrm>
           <a:prstGeom prst="roundRect">
             <a:avLst>
@@ -3341,7 +3428,7 @@
         <p:spPr>
           <a:xfrm>
             <a:off x="456840" y="2185560"/>
-            <a:ext cx="3862440" cy="621720"/>
+            <a:ext cx="3862080" cy="621360"/>
           </a:xfrm>
           <a:prstGeom prst="rect">
             <a:avLst/>
@@ -3399,7 +3486,7 @@
         <p:spPr>
           <a:xfrm>
             <a:off x="638280" y="4229280"/>
-            <a:ext cx="6821280" cy="344880"/>
+            <a:ext cx="6820920" cy="344520"/>
           </a:xfrm>
           <a:prstGeom prst="rect">
             <a:avLst/>
@@ -3502,7 +3589,7 @@
         <p:spPr>
           <a:xfrm>
             <a:off x="2714760" y="4905360"/>
-            <a:ext cx="7320240" cy="1335960"/>
+            <a:ext cx="7319880" cy="1335600"/>
           </a:xfrm>
           <a:prstGeom prst="rect">
             <a:avLst/>
@@ -3693,7 +3780,7 @@
         <p:spPr>
           <a:xfrm>
             <a:off x="457200" y="492120"/>
-            <a:ext cx="8275680" cy="1022760"/>
+            <a:ext cx="8275320" cy="1022400"/>
           </a:xfrm>
           <a:prstGeom prst="rect">
             <a:avLst/>
@@ -3791,7 +3878,7 @@
         <p:spPr>
           <a:xfrm>
             <a:off x="432360" y="1728360"/>
-            <a:ext cx="2518560" cy="342720"/>
+            <a:ext cx="2518200" cy="342360"/>
           </a:xfrm>
           <a:prstGeom prst="roundRect">
             <a:avLst>
@@ -3859,7 +3946,7 @@
         <p:spPr>
           <a:xfrm>
             <a:off x="6984360" y="1728360"/>
-            <a:ext cx="2518560" cy="342720"/>
+            <a:ext cx="2518200" cy="342360"/>
           </a:xfrm>
           <a:prstGeom prst="roundRect">
             <a:avLst>
@@ -3927,7 +4014,7 @@
         <p:spPr>
           <a:xfrm>
             <a:off x="3672360" y="1728360"/>
-            <a:ext cx="2518560" cy="342720"/>
+            <a:ext cx="2518200" cy="342360"/>
           </a:xfrm>
           <a:prstGeom prst="roundRect">
             <a:avLst>
@@ -3999,7 +4086,7 @@
         <p:spPr>
           <a:xfrm>
             <a:off x="1080000" y="4932000"/>
-            <a:ext cx="539280" cy="539280"/>
+            <a:ext cx="538920" cy="538920"/>
           </a:xfrm>
           <a:prstGeom prst="rect">
             <a:avLst/>
@@ -4052,7 +4139,7 @@
         <p:spPr>
           <a:xfrm>
             <a:off x="-360" y="2520000"/>
-            <a:ext cx="10079640" cy="4033440"/>
+            <a:ext cx="10079280" cy="4033080"/>
           </a:xfrm>
           <a:prstGeom prst="rect">
             <a:avLst/>
@@ -4071,7 +4158,7 @@
         <p:spPr>
           <a:xfrm>
             <a:off x="628920" y="6610320"/>
-            <a:ext cx="3457800" cy="344880"/>
+            <a:ext cx="3457440" cy="344520"/>
           </a:xfrm>
           <a:prstGeom prst="rect">
             <a:avLst/>
@@ -4130,7 +4217,7 @@
         <p:spPr>
           <a:xfrm>
             <a:off x="457200" y="492120"/>
-            <a:ext cx="8275680" cy="1022760"/>
+            <a:ext cx="8275320" cy="1022400"/>
           </a:xfrm>
           <a:prstGeom prst="rect">
             <a:avLst/>
@@ -4228,7 +4315,7 @@
         <p:spPr>
           <a:xfrm>
             <a:off x="432720" y="1728720"/>
-            <a:ext cx="2518560" cy="342720"/>
+            <a:ext cx="2518200" cy="342360"/>
           </a:xfrm>
           <a:prstGeom prst="roundRect">
             <a:avLst>
@@ -4296,7 +4383,7 @@
         <p:spPr>
           <a:xfrm>
             <a:off x="6984720" y="1728720"/>
-            <a:ext cx="2518560" cy="342720"/>
+            <a:ext cx="2518200" cy="342360"/>
           </a:xfrm>
           <a:prstGeom prst="roundRect">
             <a:avLst>
@@ -4364,7 +4451,7 @@
         <p:spPr>
           <a:xfrm>
             <a:off x="3672720" y="1728720"/>
-            <a:ext cx="2518560" cy="342720"/>
+            <a:ext cx="2518200" cy="342360"/>
           </a:xfrm>
           <a:prstGeom prst="roundRect">
             <a:avLst>
@@ -4432,7 +4519,7 @@
         <p:spPr>
           <a:xfrm>
             <a:off x="457200" y="2157120"/>
-            <a:ext cx="3862080" cy="722160"/>
+            <a:ext cx="3861720" cy="721800"/>
           </a:xfrm>
           <a:prstGeom prst="rect">
             <a:avLst/>
@@ -4531,7 +4618,7 @@
         <p:spPr>
           <a:xfrm>
             <a:off x="360000" y="3060000"/>
-            <a:ext cx="9137880" cy="2332080"/>
+            <a:ext cx="9137520" cy="2331720"/>
           </a:xfrm>
           <a:prstGeom prst="rect">
             <a:avLst/>
@@ -4734,7 +4821,7 @@
         <p:spPr>
           <a:xfrm>
             <a:off x="432000" y="1728000"/>
-            <a:ext cx="2518560" cy="342720"/>
+            <a:ext cx="2518200" cy="342360"/>
           </a:xfrm>
           <a:prstGeom prst="roundRect">
             <a:avLst>
@@ -4802,7 +4889,7 @@
         <p:spPr>
           <a:xfrm>
             <a:off x="6984000" y="1728000"/>
-            <a:ext cx="2518560" cy="342720"/>
+            <a:ext cx="2518200" cy="342360"/>
           </a:xfrm>
           <a:prstGeom prst="roundRect">
             <a:avLst>
@@ -4870,7 +4957,7 @@
         <p:spPr>
           <a:xfrm>
             <a:off x="3672000" y="1728000"/>
-            <a:ext cx="2518560" cy="342720"/>
+            <a:ext cx="2518200" cy="342360"/>
           </a:xfrm>
           <a:prstGeom prst="roundRect">
             <a:avLst>
@@ -4942,7 +5029,7 @@
         <p:spPr>
           <a:xfrm>
             <a:off x="0" y="5746680"/>
-            <a:ext cx="10078920" cy="1078200"/>
+            <a:ext cx="10078560" cy="1077840"/>
           </a:xfrm>
           <a:prstGeom prst="rect">
             <a:avLst/>
@@ -4961,7 +5048,7 @@
         <p:spPr>
           <a:xfrm>
             <a:off x="360000" y="2343240"/>
-            <a:ext cx="9358560" cy="536040"/>
+            <a:ext cx="9358200" cy="535680"/>
           </a:xfrm>
           <a:prstGeom prst="rect">
             <a:avLst/>
@@ -5037,7 +5124,7 @@
         <p:spPr>
           <a:xfrm>
             <a:off x="457200" y="492120"/>
-            <a:ext cx="8275680" cy="1022760"/>
+            <a:ext cx="8275320" cy="1022400"/>
           </a:xfrm>
           <a:prstGeom prst="rect">
             <a:avLst/>
@@ -5139,7 +5226,7 @@
         <p:spPr>
           <a:xfrm>
             <a:off x="7056000" y="3312000"/>
-            <a:ext cx="2878560" cy="2158560"/>
+            <a:ext cx="2878200" cy="2158200"/>
           </a:xfrm>
           <a:prstGeom prst="rect">
             <a:avLst/>
@@ -5162,7 +5249,7 @@
         <p:spPr>
           <a:xfrm>
             <a:off x="7380000" y="2235240"/>
-            <a:ext cx="824040" cy="824040"/>
+            <a:ext cx="823680" cy="823680"/>
           </a:xfrm>
           <a:prstGeom prst="rect">
             <a:avLst/>
@@ -5181,9 +5268,9 @@
         <p:grpSpPr>
           <a:xfrm>
             <a:off x="3600000" y="4500000"/>
-            <a:ext cx="3346200" cy="1259280"/>
+            <a:ext cx="3345840" cy="1258920"/>
             <a:chOff x="3600000" y="4500000"/>
-            <a:chExt cx="3346200" cy="1259280"/>
+            <a:chExt cx="3345840" cy="1258920"/>
           </a:xfrm>
         </p:grpSpPr>
         <p:pic>
@@ -5199,7 +5286,7 @@
           <p:spPr>
             <a:xfrm>
               <a:off x="4824000" y="4500000"/>
-              <a:ext cx="899280" cy="899280"/>
+              <a:ext cx="898920" cy="898920"/>
             </a:xfrm>
             <a:prstGeom prst="rect">
               <a:avLst/>
@@ -5222,7 +5309,7 @@
           <p:spPr>
             <a:xfrm>
               <a:off x="3600000" y="4536000"/>
-              <a:ext cx="863280" cy="863280"/>
+              <a:ext cx="862920" cy="862920"/>
             </a:xfrm>
             <a:prstGeom prst="rect">
               <a:avLst/>
@@ -5245,7 +5332,7 @@
           <p:spPr>
             <a:xfrm>
               <a:off x="6084360" y="4537440"/>
-              <a:ext cx="861840" cy="861840"/>
+              <a:ext cx="861480" cy="861480"/>
             </a:xfrm>
             <a:prstGeom prst="rect">
               <a:avLst/>
@@ -5352,7 +5439,7 @@
           <p:spPr>
             <a:xfrm>
               <a:off x="4644000" y="5400000"/>
-              <a:ext cx="1439280" cy="345600"/>
+              <a:ext cx="1438920" cy="345240"/>
             </a:xfrm>
             <a:prstGeom prst="rect">
               <a:avLst/>
@@ -5408,7 +5495,7 @@
           <p:spPr>
             <a:xfrm>
               <a:off x="3672000" y="5400000"/>
-              <a:ext cx="719280" cy="359280"/>
+              <a:ext cx="718920" cy="358920"/>
             </a:xfrm>
             <a:prstGeom prst="rect">
               <a:avLst/>
@@ -5464,7 +5551,7 @@
           <p:spPr>
             <a:xfrm>
               <a:off x="6192000" y="5400000"/>
-              <a:ext cx="719280" cy="359280"/>
+              <a:ext cx="718920" cy="358920"/>
             </a:xfrm>
             <a:prstGeom prst="rect">
               <a:avLst/>
@@ -5525,7 +5612,7 @@
         <p:spPr>
           <a:xfrm>
             <a:off x="180000" y="3420000"/>
-            <a:ext cx="568440" cy="568440"/>
+            <a:ext cx="568080" cy="568080"/>
           </a:xfrm>
           <a:prstGeom prst="rect">
             <a:avLst/>
@@ -5574,7 +5661,7 @@
         <p:spPr>
           <a:xfrm>
             <a:off x="6815160" y="2016000"/>
-            <a:ext cx="2904120" cy="4823640"/>
+            <a:ext cx="2903760" cy="4823280"/>
           </a:xfrm>
           <a:prstGeom prst="rect">
             <a:avLst/>
@@ -5625,7 +5712,7 @@
         <p:spPr>
           <a:xfrm>
             <a:off x="3420000" y="2016000"/>
-            <a:ext cx="3240000" cy="4823640"/>
+            <a:ext cx="3239640" cy="4823280"/>
           </a:xfrm>
           <a:prstGeom prst="rect">
             <a:avLst/>
@@ -5676,7 +5763,7 @@
         <p:spPr>
           <a:xfrm>
             <a:off x="360000" y="2016000"/>
-            <a:ext cx="2904120" cy="4823640"/>
+            <a:ext cx="2903760" cy="4823280"/>
           </a:xfrm>
           <a:prstGeom prst="rect">
             <a:avLst/>
@@ -5740,7 +5827,7 @@
         <p:spPr>
           <a:xfrm>
             <a:off x="457200" y="550800"/>
-            <a:ext cx="7799400" cy="941760"/>
+            <a:ext cx="7799040" cy="941400"/>
           </a:xfrm>
           <a:prstGeom prst="rect">
             <a:avLst/>
@@ -5814,7 +5901,7 @@
         <p:spPr>
           <a:xfrm>
             <a:off x="677880" y="1764000"/>
-            <a:ext cx="2274120" cy="539280"/>
+            <a:ext cx="2273760" cy="538920"/>
           </a:xfrm>
           <a:prstGeom prst="roundRect">
             <a:avLst>
@@ -5866,7 +5953,7 @@
               </a:rPr>
               <a:t>Communication Protocol</a:t>
             </a:r>
-            <a:endParaRPr b="1" lang="en-US" sz="1800" strike="noStrike" u="none">
+            <a:endParaRPr b="0" lang="en-US" sz="1800" strike="noStrike" u="none">
               <a:solidFill>
                 <a:srgbClr val="ffffff"/>
               </a:solidFill>
@@ -5885,7 +5972,7 @@
         <p:spPr>
           <a:xfrm>
             <a:off x="3905280" y="1764000"/>
-            <a:ext cx="2286720" cy="539280"/>
+            <a:ext cx="2286360" cy="538920"/>
           </a:xfrm>
           <a:prstGeom prst="roundRect">
             <a:avLst>
@@ -5937,7 +6024,7 @@
               </a:rPr>
               <a:t>Concurrent Tasks Scheduling</a:t>
             </a:r>
-            <a:endParaRPr b="1" lang="en-US" sz="1800" strike="noStrike" u="none">
+            <a:endParaRPr b="0" lang="en-US" sz="1800" strike="noStrike" u="none">
               <a:solidFill>
                 <a:srgbClr val="ffffff"/>
               </a:solidFill>
@@ -5956,7 +6043,7 @@
         <p:spPr>
           <a:xfrm>
             <a:off x="7133040" y="1764000"/>
-            <a:ext cx="2298960" cy="539280"/>
+            <a:ext cx="2298600" cy="538920"/>
           </a:xfrm>
           <a:prstGeom prst="roundRect">
             <a:avLst>
@@ -6008,7 +6095,7 @@
               </a:rPr>
               <a:t>System Expansion </a:t>
             </a:r>
-            <a:endParaRPr b="1" lang="en-US" sz="1800" strike="noStrike" u="none">
+            <a:endParaRPr b="0" lang="en-US" sz="1800" strike="noStrike" u="none">
               <a:solidFill>
                 <a:srgbClr val="ffffff"/>
               </a:solidFill>
@@ -6027,7 +6114,7 @@
         <p:spPr>
           <a:xfrm>
             <a:off x="720000" y="2556000"/>
-            <a:ext cx="2159280" cy="3959280"/>
+            <a:ext cx="2158920" cy="3958920"/>
           </a:xfrm>
           <a:prstGeom prst="rect">
             <a:avLst/>
@@ -6138,7 +6225,7 @@
         <p:spPr>
           <a:xfrm>
             <a:off x="3420000" y="2520000"/>
-            <a:ext cx="3240000" cy="4319640"/>
+            <a:ext cx="3239640" cy="4319280"/>
           </a:xfrm>
           <a:prstGeom prst="rect">
             <a:avLst/>
@@ -6196,7 +6283,6 @@
               </a:solidFill>
               <a:uFillTx/>
               <a:latin typeface="Arial"/>
-              <a:ea typeface="Noto Sans SC"/>
             </a:endParaRPr>
           </a:p>
           <a:p>
@@ -6237,7 +6323,6 @@
               </a:solidFill>
               <a:uFillTx/>
               <a:latin typeface="Arial"/>
-              <a:ea typeface="Noto Sans SC"/>
             </a:endParaRPr>
           </a:p>
           <a:p>
@@ -6278,7 +6363,6 @@
               </a:solidFill>
               <a:uFillTx/>
               <a:latin typeface="Arial"/>
-              <a:ea typeface="Noto Sans SC"/>
             </a:endParaRPr>
           </a:p>
           <a:p>
@@ -6319,7 +6403,6 @@
               </a:solidFill>
               <a:uFillTx/>
               <a:latin typeface="Arial"/>
-              <a:ea typeface="Noto Sans SC"/>
             </a:endParaRPr>
           </a:p>
           <a:p>
@@ -6360,7 +6443,6 @@
               </a:solidFill>
               <a:uFillTx/>
               <a:latin typeface="Arial"/>
-              <a:ea typeface="Noto Sans SC"/>
             </a:endParaRPr>
           </a:p>
         </p:txBody>
@@ -6374,7 +6456,7 @@
         <p:spPr>
           <a:xfrm>
             <a:off x="6815160" y="2556000"/>
-            <a:ext cx="2904120" cy="3959280"/>
+            <a:ext cx="2903760" cy="3958920"/>
           </a:xfrm>
           <a:prstGeom prst="rect">
             <a:avLst/>
@@ -6529,7 +6611,7 @@
         <p:spPr>
           <a:xfrm>
             <a:off x="7812000" y="5939280"/>
-            <a:ext cx="864000" cy="864000"/>
+            <a:ext cx="863640" cy="863640"/>
           </a:xfrm>
           <a:prstGeom prst="rect">
             <a:avLst/>
@@ -6552,7 +6634,7 @@
         <p:spPr>
           <a:xfrm>
             <a:off x="4572000" y="5939280"/>
-            <a:ext cx="864000" cy="864000"/>
+            <a:ext cx="863640" cy="863640"/>
           </a:xfrm>
           <a:prstGeom prst="rect">
             <a:avLst/>
@@ -6575,7 +6657,7 @@
         <p:spPr>
           <a:xfrm>
             <a:off x="1296000" y="5940000"/>
-            <a:ext cx="1079280" cy="826920"/>
+            <a:ext cx="1078920" cy="826560"/>
           </a:xfrm>
           <a:prstGeom prst="rect">
             <a:avLst/>
@@ -6594,7 +6676,7 @@
         <p:spPr>
           <a:xfrm>
             <a:off x="6815160" y="2556000"/>
-            <a:ext cx="2904120" cy="3959280"/>
+            <a:ext cx="2903760" cy="3958920"/>
           </a:xfrm>
           <a:prstGeom prst="rect">
             <a:avLst/>
@@ -6779,7 +6861,7 @@
         <p:spPr>
           <a:xfrm>
             <a:off x="457200" y="491760"/>
-            <a:ext cx="8275680" cy="1022760"/>
+            <a:ext cx="8275320" cy="1022400"/>
           </a:xfrm>
           <a:prstGeom prst="rect">
             <a:avLst/>
@@ -6868,7 +6950,7 @@
         <p:spPr>
           <a:xfrm>
             <a:off x="456840" y="2185560"/>
-            <a:ext cx="3682440" cy="441720"/>
+            <a:ext cx="3682080" cy="441360"/>
           </a:xfrm>
           <a:prstGeom prst="rect">
             <a:avLst/>
@@ -6926,7 +7008,7 @@
         <p:spPr>
           <a:xfrm>
             <a:off x="828000" y="2700000"/>
-            <a:ext cx="3542400" cy="3600000"/>
+            <a:ext cx="3542040" cy="3599640"/>
           </a:xfrm>
           <a:prstGeom prst="rect">
             <a:avLst/>
@@ -7006,7 +7088,6 @@
               </a:solidFill>
               <a:uFillTx/>
               <a:latin typeface="Arial"/>
-              <a:ea typeface="Noto Sans SC"/>
             </a:endParaRPr>
           </a:p>
           <a:p>
@@ -7058,7 +7139,6 @@
               </a:solidFill>
               <a:uFillTx/>
               <a:latin typeface="Arial"/>
-              <a:ea typeface="Noto Sans SC"/>
             </a:endParaRPr>
           </a:p>
           <a:p>
@@ -7132,7 +7212,6 @@
               </a:solidFill>
               <a:uFillTx/>
               <a:latin typeface="Arial"/>
-              <a:ea typeface="Noto Sans SC"/>
             </a:endParaRPr>
           </a:p>
         </p:txBody>
@@ -7146,7 +7225,7 @@
         <p:spPr>
           <a:xfrm>
             <a:off x="432360" y="1728360"/>
-            <a:ext cx="2518560" cy="342720"/>
+            <a:ext cx="2518200" cy="342360"/>
           </a:xfrm>
           <a:prstGeom prst="roundRect">
             <a:avLst>
@@ -7195,7 +7274,7 @@
               </a:rPr>
               <a:t>Communication</a:t>
             </a:r>
-            <a:endParaRPr b="1" lang="en-US" sz="2000" strike="noStrike" u="none">
+            <a:endParaRPr b="0" lang="en-US" sz="2000" strike="noStrike" u="none">
               <a:solidFill>
                 <a:srgbClr val="ffffff"/>
               </a:solidFill>
@@ -7214,7 +7293,7 @@
         <p:spPr>
           <a:xfrm>
             <a:off x="6984360" y="1728360"/>
-            <a:ext cx="2518560" cy="342720"/>
+            <a:ext cx="2518200" cy="342360"/>
           </a:xfrm>
           <a:prstGeom prst="roundRect">
             <a:avLst>
@@ -7282,7 +7361,7 @@
         <p:spPr>
           <a:xfrm>
             <a:off x="3672360" y="1728360"/>
-            <a:ext cx="2518560" cy="342720"/>
+            <a:ext cx="2518200" cy="342360"/>
           </a:xfrm>
           <a:prstGeom prst="roundRect">
             <a:avLst>
@@ -7354,7 +7433,7 @@
         <p:spPr>
           <a:xfrm>
             <a:off x="5040000" y="2222640"/>
-            <a:ext cx="4058280" cy="3717360"/>
+            <a:ext cx="4057920" cy="3717000"/>
           </a:xfrm>
           <a:prstGeom prst="rect">
             <a:avLst/>
@@ -7377,7 +7456,7 @@
         <p:spPr>
           <a:xfrm>
             <a:off x="842400" y="5580000"/>
-            <a:ext cx="957600" cy="957600"/>
+            <a:ext cx="957240" cy="957240"/>
           </a:xfrm>
           <a:prstGeom prst="rect">
             <a:avLst/>
@@ -7430,7 +7509,7 @@
         <p:spPr>
           <a:xfrm>
             <a:off x="456840" y="2185560"/>
-            <a:ext cx="3862440" cy="334440"/>
+            <a:ext cx="3862080" cy="334080"/>
           </a:xfrm>
           <a:prstGeom prst="rect">
             <a:avLst/>
@@ -7488,7 +7567,7 @@
         <p:spPr>
           <a:xfrm>
             <a:off x="831960" y="2589480"/>
-            <a:ext cx="3848040" cy="722520"/>
+            <a:ext cx="3847680" cy="722160"/>
           </a:xfrm>
           <a:prstGeom prst="rect">
             <a:avLst/>
@@ -7597,7 +7676,7 @@
         <p:spPr>
           <a:xfrm>
             <a:off x="579960" y="3489480"/>
-            <a:ext cx="4260240" cy="2821320"/>
+            <a:ext cx="4259880" cy="2820960"/>
           </a:xfrm>
           <a:prstGeom prst="rect">
             <a:avLst/>
@@ -7688,7 +7767,6 @@
               </a:solidFill>
               <a:uFillTx/>
               <a:latin typeface="Arial"/>
-              <a:ea typeface="Noto Sans SC"/>
             </a:endParaRPr>
           </a:p>
           <a:p>
@@ -7740,7 +7818,6 @@
               </a:solidFill>
               <a:uFillTx/>
               <a:latin typeface="Arial"/>
-              <a:ea typeface="Noto Sans SC"/>
             </a:endParaRPr>
           </a:p>
           <a:p>
@@ -7781,11 +7858,10 @@
               </a:solidFill>
               <a:uFillTx/>
               <a:latin typeface="Arial"/>
-              <a:ea typeface="Noto Sans SC"/>
-            </a:endParaRPr>
-          </a:p>
-          <a:p>
-            <a:pPr marL="216000" indent="-216000">
+            </a:endParaRPr>
+          </a:p>
+          <a:p>
+            <a:pPr>
               <a:lnSpc>
                 <a:spcPct val="100000"/>
               </a:lnSpc>
@@ -7795,12 +7871,6 @@
               <a:spcAft>
                 <a:spcPts val="850"/>
               </a:spcAft>
-              <a:buClr>
-                <a:srgbClr val="000000"/>
-              </a:buClr>
-              <a:buSzPct val="45000"/>
-              <a:buFont typeface="Wingdings" charset="2"/>
-              <a:buChar char=""/>
               <a:tabLst>
                 <a:tab algn="l" pos="408240"/>
               </a:tabLst>
@@ -7811,7 +7881,6 @@
               </a:solidFill>
               <a:uFillTx/>
               <a:latin typeface="Arial"/>
-              <a:ea typeface="Noto Sans SC"/>
             </a:endParaRPr>
           </a:p>
         </p:txBody>
@@ -7825,7 +7894,7 @@
         <p:spPr>
           <a:xfrm>
             <a:off x="457200" y="492120"/>
-            <a:ext cx="8275680" cy="1022760"/>
+            <a:ext cx="8275320" cy="1022400"/>
           </a:xfrm>
           <a:prstGeom prst="rect">
             <a:avLst/>
@@ -7923,7 +7992,7 @@
         <p:spPr>
           <a:xfrm>
             <a:off x="432360" y="1728360"/>
-            <a:ext cx="2518560" cy="342720"/>
+            <a:ext cx="2518200" cy="342360"/>
           </a:xfrm>
           <a:prstGeom prst="roundRect">
             <a:avLst>
@@ -7972,7 +8041,7 @@
               </a:rPr>
               <a:t>Communication</a:t>
             </a:r>
-            <a:endParaRPr b="1" lang="en-US" sz="2000" strike="noStrike" u="none">
+            <a:endParaRPr b="0" lang="en-US" sz="2000" strike="noStrike" u="none">
               <a:solidFill>
                 <a:srgbClr val="ffffff"/>
               </a:solidFill>
@@ -7991,7 +8060,7 @@
         <p:spPr>
           <a:xfrm>
             <a:off x="6984360" y="1728360"/>
-            <a:ext cx="2518560" cy="342720"/>
+            <a:ext cx="2518200" cy="342360"/>
           </a:xfrm>
           <a:prstGeom prst="roundRect">
             <a:avLst>
@@ -8059,7 +8128,7 @@
         <p:spPr>
           <a:xfrm>
             <a:off x="3672360" y="1728360"/>
-            <a:ext cx="2518560" cy="342720"/>
+            <a:ext cx="2518200" cy="342360"/>
           </a:xfrm>
           <a:prstGeom prst="roundRect">
             <a:avLst>
@@ -8108,7 +8177,7 @@
               </a:rPr>
               <a:t>Concurrent Tasks</a:t>
             </a:r>
-            <a:endParaRPr b="1" lang="en-US" sz="1600" strike="noStrike" u="none">
+            <a:endParaRPr b="0" lang="en-US" sz="1600" strike="noStrike" u="none">
               <a:solidFill>
                 <a:srgbClr val="ffffff"/>
               </a:solidFill>
@@ -8131,7 +8200,7 @@
         <p:spPr>
           <a:xfrm>
             <a:off x="900000" y="5652000"/>
-            <a:ext cx="828000" cy="828000"/>
+            <a:ext cx="827640" cy="827640"/>
           </a:xfrm>
           <a:prstGeom prst="rect">
             <a:avLst/>
@@ -8154,7 +8223,7 @@
         <p:spPr>
           <a:xfrm>
             <a:off x="5038200" y="2221920"/>
-            <a:ext cx="4060080" cy="3246120"/>
+            <a:ext cx="4059720" cy="3245760"/>
           </a:xfrm>
           <a:prstGeom prst="rect">
             <a:avLst/>
@@ -8207,7 +8276,7 @@
         <p:spPr>
           <a:xfrm>
             <a:off x="4320000" y="2527920"/>
-            <a:ext cx="5580000" cy="2332080"/>
+            <a:ext cx="5579640" cy="2331720"/>
           </a:xfrm>
           <a:prstGeom prst="rect">
             <a:avLst/>
@@ -8462,7 +8531,7 @@
         <p:spPr>
           <a:xfrm>
             <a:off x="432000" y="1728000"/>
-            <a:ext cx="2518560" cy="342720"/>
+            <a:ext cx="2518200" cy="342360"/>
           </a:xfrm>
           <a:prstGeom prst="roundRect">
             <a:avLst>
@@ -8530,7 +8599,7 @@
         <p:spPr>
           <a:xfrm>
             <a:off x="6984000" y="1728000"/>
-            <a:ext cx="2518560" cy="342720"/>
+            <a:ext cx="2518200" cy="342360"/>
           </a:xfrm>
           <a:prstGeom prst="roundRect">
             <a:avLst>
@@ -8598,7 +8667,7 @@
         <p:spPr>
           <a:xfrm>
             <a:off x="3672000" y="1728000"/>
-            <a:ext cx="2518560" cy="342720"/>
+            <a:ext cx="2518200" cy="342360"/>
           </a:xfrm>
           <a:prstGeom prst="roundRect">
             <a:avLst>
@@ -8647,7 +8716,7 @@
               </a:rPr>
               <a:t>Concurrent Tasks</a:t>
             </a:r>
-            <a:endParaRPr b="1" lang="en-US" sz="2000" strike="noStrike" u="none">
+            <a:endParaRPr b="0" lang="en-US" sz="2000" strike="noStrike" u="none">
               <a:solidFill>
                 <a:srgbClr val="ffffff"/>
               </a:solidFill>
@@ -8666,7 +8735,7 @@
         <p:spPr>
           <a:xfrm>
             <a:off x="457200" y="492120"/>
-            <a:ext cx="8275680" cy="1022760"/>
+            <a:ext cx="8275320" cy="1022400"/>
           </a:xfrm>
           <a:prstGeom prst="rect">
             <a:avLst/>
@@ -8768,7 +8837,7 @@
         <p:spPr>
           <a:xfrm>
             <a:off x="615960" y="4320000"/>
-            <a:ext cx="824040" cy="824040"/>
+            <a:ext cx="823680" cy="823680"/>
           </a:xfrm>
           <a:prstGeom prst="rect">
             <a:avLst/>
@@ -8787,9 +8856,9 @@
         <p:grpSpPr>
           <a:xfrm>
             <a:off x="4302000" y="5190840"/>
-            <a:ext cx="5261400" cy="1980000"/>
+            <a:ext cx="5261040" cy="1979640"/>
             <a:chOff x="4302000" y="5190840"/>
-            <a:chExt cx="5261400" cy="1980000"/>
+            <a:chExt cx="5261040" cy="1979640"/>
           </a:xfrm>
         </p:grpSpPr>
         <p:pic>
@@ -8805,7 +8874,7 @@
           <p:spPr>
             <a:xfrm>
               <a:off x="6226560" y="5190840"/>
-              <a:ext cx="1414080" cy="1414080"/>
+              <a:ext cx="1413720" cy="1413720"/>
             </a:xfrm>
             <a:prstGeom prst="rect">
               <a:avLst/>
@@ -8828,7 +8897,7 @@
           <p:spPr>
             <a:xfrm>
               <a:off x="4302000" y="5247360"/>
-              <a:ext cx="1357200" cy="1357560"/>
+              <a:ext cx="1356840" cy="1357200"/>
             </a:xfrm>
             <a:prstGeom prst="rect">
               <a:avLst/>
@@ -8851,7 +8920,7 @@
           <p:spPr>
             <a:xfrm>
               <a:off x="8208360" y="5249880"/>
-              <a:ext cx="1355040" cy="1355040"/>
+              <a:ext cx="1354680" cy="1354680"/>
             </a:xfrm>
             <a:prstGeom prst="rect">
               <a:avLst/>
@@ -8958,7 +9027,7 @@
           <p:spPr>
             <a:xfrm>
               <a:off x="5943600" y="6606000"/>
-              <a:ext cx="2262960" cy="543240"/>
+              <a:ext cx="2262600" cy="542880"/>
             </a:xfrm>
             <a:prstGeom prst="rect">
               <a:avLst/>
@@ -9014,7 +9083,7 @@
           <p:spPr>
             <a:xfrm>
               <a:off x="4415040" y="6606000"/>
-              <a:ext cx="1131120" cy="564840"/>
+              <a:ext cx="1130760" cy="564480"/>
             </a:xfrm>
             <a:prstGeom prst="rect">
               <a:avLst/>
@@ -9070,7 +9139,7 @@
           <p:spPr>
             <a:xfrm>
               <a:off x="8377560" y="6606000"/>
-              <a:ext cx="1130760" cy="564840"/>
+              <a:ext cx="1130400" cy="564480"/>
             </a:xfrm>
             <a:prstGeom prst="rect">
               <a:avLst/>
@@ -9131,7 +9200,7 @@
         <p:spPr>
           <a:xfrm>
             <a:off x="4500000" y="4320000"/>
-            <a:ext cx="720000" cy="720000"/>
+            <a:ext cx="719640" cy="719640"/>
           </a:xfrm>
           <a:prstGeom prst="rect">
             <a:avLst/>
@@ -9144,13 +9213,13 @@
       <p:sp>
         <p:nvSpPr>
           <p:cNvPr id="69" name="PlaceHolder 10"/>
-          <p:cNvSpPr txBox="1"/>
+          <p:cNvSpPr/>
           <p:nvPr/>
         </p:nvSpPr>
         <p:spPr>
           <a:xfrm>
             <a:off x="615960" y="2520000"/>
-            <a:ext cx="2984040" cy="1800000"/>
+            <a:ext cx="2983680" cy="1799640"/>
           </a:xfrm>
           <a:prstGeom prst="rect">
             <a:avLst/>
@@ -9160,6 +9229,12 @@
             <a:noFill/>
           </a:ln>
         </p:spPr>
+        <p:style>
+          <a:lnRef idx="0"/>
+          <a:fillRef idx="0"/>
+          <a:effectRef idx="0"/>
+          <a:fontRef idx="minor"/>
+        </p:style>
         <p:txBody>
           <a:bodyPr lIns="0" rIns="0" tIns="0" bIns="0" anchor="t">
             <a:normAutofit/>
@@ -9354,7 +9429,7 @@
         <p:spPr>
           <a:xfrm>
             <a:off x="432000" y="2229120"/>
-            <a:ext cx="9466560" cy="4790160"/>
+            <a:ext cx="9466200" cy="4789800"/>
           </a:xfrm>
           <a:prstGeom prst="rect">
             <a:avLst/>
@@ -9466,18 +9541,7 @@
                 <a:latin typeface="Arial"/>
                 <a:ea typeface="Noto Sans SC"/>
               </a:rPr>
-              <a:t>Support for </a:t>
-            </a:r>
-            <a:r>
-              <a:rPr b="0" lang="en-US" sz="2400" strike="noStrike" u="none">
-                <a:solidFill>
-                  <a:srgbClr val="000000"/>
-                </a:solidFill>
-                <a:uFillTx/>
-                <a:latin typeface="Arial"/>
-                <a:ea typeface="Noto Sans SC"/>
-              </a:rPr>
-              <a:t>multiple charging ports for testing: </a:t>
+              <a:t>Support for multiple charging ports for testing: </a:t>
             </a:r>
             <a:br>
               <a:rPr sz="2400"/>
@@ -9586,7 +9650,7 @@
         <p:spPr>
           <a:xfrm>
             <a:off x="457200" y="492120"/>
-            <a:ext cx="8275680" cy="1022760"/>
+            <a:ext cx="8275320" cy="1022400"/>
           </a:xfrm>
           <a:prstGeom prst="rect">
             <a:avLst/>
@@ -9684,7 +9748,7 @@
         <p:spPr>
           <a:xfrm>
             <a:off x="432360" y="1728360"/>
-            <a:ext cx="2518560" cy="342720"/>
+            <a:ext cx="2518200" cy="342360"/>
           </a:xfrm>
           <a:prstGeom prst="roundRect">
             <a:avLst>
@@ -9752,7 +9816,7 @@
         <p:spPr>
           <a:xfrm>
             <a:off x="6984360" y="1728360"/>
-            <a:ext cx="2518560" cy="342720"/>
+            <a:ext cx="2518200" cy="342360"/>
           </a:xfrm>
           <a:prstGeom prst="roundRect">
             <a:avLst>
@@ -9801,7 +9865,7 @@
               </a:rPr>
               <a:t>Expansion</a:t>
             </a:r>
-            <a:endParaRPr b="1" lang="en-US" sz="2000" strike="noStrike" u="none">
+            <a:endParaRPr b="0" lang="en-US" sz="2000" strike="noStrike" u="none">
               <a:solidFill>
                 <a:srgbClr val="ffffff"/>
               </a:solidFill>
@@ -9820,7 +9884,7 @@
         <p:spPr>
           <a:xfrm>
             <a:off x="3672360" y="1728360"/>
-            <a:ext cx="2518560" cy="342720"/>
+            <a:ext cx="2518200" cy="342360"/>
           </a:xfrm>
           <a:prstGeom prst="roundRect">
             <a:avLst>
@@ -9892,7 +9956,7 @@
         <p:spPr>
           <a:xfrm>
             <a:off x="180000" y="3919320"/>
-            <a:ext cx="759960" cy="759960"/>
+            <a:ext cx="759600" cy="759600"/>
           </a:xfrm>
           <a:prstGeom prst="rect">
             <a:avLst/>
@@ -9915,7 +9979,7 @@
         <p:spPr>
           <a:xfrm>
             <a:off x="180000" y="2880000"/>
-            <a:ext cx="719280" cy="719280"/>
+            <a:ext cx="718920" cy="718920"/>
           </a:xfrm>
           <a:prstGeom prst="rect">
             <a:avLst/>
@@ -9938,7 +10002,7 @@
         <p:spPr>
           <a:xfrm>
             <a:off x="180000" y="5040000"/>
-            <a:ext cx="719280" cy="719280"/>
+            <a:ext cx="718920" cy="718920"/>
           </a:xfrm>
           <a:prstGeom prst="rect">
             <a:avLst/>
@@ -9961,7 +10025,7 @@
         <p:spPr>
           <a:xfrm>
             <a:off x="180000" y="6012000"/>
-            <a:ext cx="719280" cy="719280"/>
+            <a:ext cx="718920" cy="718920"/>
           </a:xfrm>
           <a:prstGeom prst="rect">
             <a:avLst/>
@@ -10014,7 +10078,7 @@
         <p:spPr>
           <a:xfrm>
             <a:off x="360" y="1871280"/>
-            <a:ext cx="10078920" cy="5038560"/>
+            <a:ext cx="10078560" cy="5038200"/>
           </a:xfrm>
           <a:prstGeom prst="rect">
             <a:avLst/>
@@ -10033,7 +10097,7 @@
         <p:spPr>
           <a:xfrm>
             <a:off x="457200" y="492480"/>
-            <a:ext cx="8275680" cy="1022760"/>
+            <a:ext cx="8275320" cy="1022400"/>
           </a:xfrm>
           <a:prstGeom prst="rect">
             <a:avLst/>
@@ -10165,7 +10229,7 @@
         <p:spPr>
           <a:xfrm>
             <a:off x="360" y="1956240"/>
-            <a:ext cx="10078920" cy="3439080"/>
+            <a:ext cx="10078560" cy="3438720"/>
           </a:xfrm>
           <a:prstGeom prst="rect">
             <a:avLst/>
@@ -10184,7 +10248,7 @@
         <p:spPr>
           <a:xfrm>
             <a:off x="457200" y="492480"/>
-            <a:ext cx="8275680" cy="1022760"/>
+            <a:ext cx="8275320" cy="1022400"/>
           </a:xfrm>
           <a:prstGeom prst="rect">
             <a:avLst/>
@@ -10301,7 +10365,7 @@
         <p:spPr>
           <a:xfrm>
             <a:off x="456840" y="2484000"/>
-            <a:ext cx="4679280" cy="4499280"/>
+            <a:ext cx="4678920" cy="4498920"/>
           </a:xfrm>
           <a:prstGeom prst="roundRect">
             <a:avLst>
@@ -11050,7 +11114,7 @@
         <p:spPr>
           <a:xfrm>
             <a:off x="457200" y="491760"/>
-            <a:ext cx="8275680" cy="1022760"/>
+            <a:ext cx="8275320" cy="1022400"/>
           </a:xfrm>
           <a:prstGeom prst="rect">
             <a:avLst/>
@@ -11139,7 +11203,7 @@
         <p:spPr>
           <a:xfrm>
             <a:off x="456840" y="2185560"/>
-            <a:ext cx="3682440" cy="441720"/>
+            <a:ext cx="3682080" cy="441360"/>
           </a:xfrm>
           <a:prstGeom prst="rect">
             <a:avLst/>
@@ -11197,7 +11261,7 @@
         <p:spPr>
           <a:xfrm>
             <a:off x="432360" y="1728360"/>
-            <a:ext cx="2518560" cy="342720"/>
+            <a:ext cx="2518200" cy="342360"/>
           </a:xfrm>
           <a:prstGeom prst="roundRect">
             <a:avLst>
@@ -11265,7 +11329,7 @@
         <p:spPr>
           <a:xfrm>
             <a:off x="6984360" y="1728360"/>
-            <a:ext cx="2518560" cy="342720"/>
+            <a:ext cx="2518200" cy="342360"/>
           </a:xfrm>
           <a:prstGeom prst="roundRect">
             <a:avLst>
@@ -11333,7 +11397,7 @@
         <p:spPr>
           <a:xfrm>
             <a:off x="3672360" y="1728360"/>
-            <a:ext cx="2518560" cy="342720"/>
+            <a:ext cx="2518200" cy="342360"/>
           </a:xfrm>
           <a:prstGeom prst="roundRect">
             <a:avLst>
@@ -11401,7 +11465,7 @@
         <p:spPr>
           <a:xfrm>
             <a:off x="5220000" y="2484000"/>
-            <a:ext cx="4679280" cy="4499280"/>
+            <a:ext cx="4678920" cy="4498920"/>
           </a:xfrm>
           <a:prstGeom prst="roundRect">
             <a:avLst>
@@ -11450,7 +11514,6 @@
               </a:solidFill>
               <a:uFillTx/>
               <a:latin typeface="Arial"/>
-              <a:ea typeface="Noto Sans SC"/>
             </a:endParaRPr>
           </a:p>
           <a:p>
@@ -11473,7 +11536,7 @@
             <a:r>
               <a:rPr b="0" lang="en-US" sz="1200" strike="noStrike" u="none">
                 <a:solidFill>
-                  <a:srgbClr val="000000"/>
+                  <a:srgbClr val="0000ee"/>
                 </a:solidFill>
                 <a:uFillTx/>
                 <a:latin typeface="Arial"/>
@@ -11499,7 +11562,6 @@
               </a:solidFill>
               <a:uFillTx/>
               <a:latin typeface="Arial"/>
-              <a:ea typeface="Noto Sans SC"/>
             </a:endParaRPr>
           </a:p>
           <a:p>
@@ -11525,7 +11587,6 @@
               </a:solidFill>
               <a:uFillTx/>
               <a:latin typeface="Arial"/>
-              <a:ea typeface="Noto Sans SC"/>
             </a:endParaRPr>
           </a:p>
           <a:p>
@@ -11551,7 +11612,6 @@
               </a:solidFill>
               <a:uFillTx/>
               <a:latin typeface="Arial"/>
-              <a:ea typeface="Noto Sans SC"/>
             </a:endParaRPr>
           </a:p>
           <a:p>
@@ -11577,7 +11637,6 @@
               </a:solidFill>
               <a:uFillTx/>
               <a:latin typeface="Arial"/>
-              <a:ea typeface="Noto Sans SC"/>
             </a:endParaRPr>
           </a:p>
           <a:p>
@@ -11614,7 +11673,6 @@
               </a:solidFill>
               <a:uFillTx/>
               <a:latin typeface="Arial"/>
-              <a:ea typeface="Noto Sans SC"/>
             </a:endParaRPr>
           </a:p>
           <a:p>
@@ -11651,7 +11709,6 @@
               </a:solidFill>
               <a:uFillTx/>
               <a:latin typeface="Arial"/>
-              <a:ea typeface="Noto Sans SC"/>
             </a:endParaRPr>
           </a:p>
           <a:p>
@@ -11688,7 +11745,6 @@
               </a:solidFill>
               <a:uFillTx/>
               <a:latin typeface="Arial"/>
-              <a:ea typeface="Noto Sans SC"/>
             </a:endParaRPr>
           </a:p>
           <a:p>
@@ -11706,6 +11762,366 @@
                 <a:latin typeface="Arial"/>
                 <a:ea typeface="Noto Sans SC"/>
               </a:rPr>
+              <a:t>          </a:t>
+            </a:r>
+            <a:r>
+              <a:rPr b="0" lang="en-US" sz="1200" strike="noStrike" u="none">
+                <a:solidFill>
+                  <a:srgbClr val="000000"/>
+                </a:solidFill>
+                <a:uFillTx/>
+                <a:latin typeface="Arial"/>
+                <a:ea typeface="Noto Sans SC"/>
+              </a:rPr>
+              <a:t>"customData": {</a:t>
+            </a:r>
+            <a:endParaRPr b="0" lang="en-US" sz="1200" strike="noStrike" u="none">
+              <a:solidFill>
+                <a:srgbClr val="000000"/>
+              </a:solidFill>
+              <a:uFillTx/>
+              <a:latin typeface="Arial"/>
+            </a:endParaRPr>
+          </a:p>
+          <a:p>
+            <a:pPr>
+              <a:lnSpc>
+                <a:spcPct val="100000"/>
+              </a:lnSpc>
+            </a:pPr>
+            <a:r>
+              <a:rPr b="0" lang="en-US" sz="1200" strike="noStrike" u="none">
+                <a:solidFill>
+                  <a:srgbClr val="000000"/>
+                </a:solidFill>
+                <a:uFillTx/>
+                <a:latin typeface="Arial"/>
+                <a:ea typeface="Noto Sans SC"/>
+              </a:rPr>
+              <a:t>          </a:t>
+            </a:r>
+            <a:r>
+              <a:rPr b="0" lang="en-US" sz="1200" strike="noStrike" u="none">
+                <a:solidFill>
+                  <a:srgbClr val="000000"/>
+                </a:solidFill>
+                <a:uFillTx/>
+                <a:latin typeface="Arial"/>
+                <a:ea typeface="Noto Sans SC"/>
+              </a:rPr>
+              <a:t>"$ref": "#/definitions/CustomDataType" </a:t>
+            </a:r>
+            <a:endParaRPr b="0" lang="en-US" sz="1200" strike="noStrike" u="none">
+              <a:solidFill>
+                <a:srgbClr val="000000"/>
+              </a:solidFill>
+              <a:uFillTx/>
+              <a:latin typeface="Arial"/>
+            </a:endParaRPr>
+          </a:p>
+          <a:p>
+            <a:pPr>
+              <a:lnSpc>
+                <a:spcPct val="100000"/>
+              </a:lnSpc>
+            </a:pPr>
+            <a:r>
+              <a:rPr b="0" lang="en-US" sz="1200" strike="noStrike" u="none">
+                <a:solidFill>
+                  <a:srgbClr val="000000"/>
+                </a:solidFill>
+                <a:uFillTx/>
+                <a:latin typeface="Arial"/>
+                <a:ea typeface="Noto Sans SC"/>
+              </a:rPr>
+              <a:t>          </a:t>
+            </a:r>
+            <a:r>
+              <a:rPr b="0" lang="en-US" sz="1200" strike="noStrike" u="none">
+                <a:solidFill>
+                  <a:srgbClr val="000000"/>
+                </a:solidFill>
+                <a:uFillTx/>
+                <a:latin typeface="Arial"/>
+                <a:ea typeface="Noto Sans SC"/>
+              </a:rPr>
+              <a:t>},</a:t>
+            </a:r>
+            <a:endParaRPr b="0" lang="en-US" sz="1200" strike="noStrike" u="none">
+              <a:solidFill>
+                <a:srgbClr val="000000"/>
+              </a:solidFill>
+              <a:uFillTx/>
+              <a:latin typeface="Arial"/>
+            </a:endParaRPr>
+          </a:p>
+          <a:p>
+            <a:pPr>
+              <a:lnSpc>
+                <a:spcPct val="100000"/>
+              </a:lnSpc>
+            </a:pPr>
+            <a:r>
+              <a:rPr b="0" lang="en-US" sz="1200" strike="noStrike" u="none">
+                <a:solidFill>
+                  <a:srgbClr val="000000"/>
+                </a:solidFill>
+                <a:uFillTx/>
+                <a:latin typeface="Arial"/>
+                <a:ea typeface="Noto Sans SC"/>
+              </a:rPr>
+              <a:t>          </a:t>
+            </a:r>
+            <a:r>
+              <a:rPr b="0" lang="en-US" sz="1200" strike="noStrike" u="none">
+                <a:solidFill>
+                  <a:srgbClr val="000000"/>
+                </a:solidFill>
+                <a:uFillTx/>
+                <a:latin typeface="Arial"/>
+                <a:ea typeface="Noto Sans SC"/>
+              </a:rPr>
+              <a:t>"evseId": {</a:t>
+            </a:r>
+            <a:endParaRPr b="0" lang="en-US" sz="1200" strike="noStrike" u="none">
+              <a:solidFill>
+                <a:srgbClr val="000000"/>
+              </a:solidFill>
+              <a:uFillTx/>
+              <a:latin typeface="Arial"/>
+            </a:endParaRPr>
+          </a:p>
+          <a:p>
+            <a:pPr>
+              <a:lnSpc>
+                <a:spcPct val="100000"/>
+              </a:lnSpc>
+            </a:pPr>
+            <a:r>
+              <a:rPr b="0" lang="en-US" sz="1200" strike="noStrike" u="none">
+                <a:solidFill>
+                  <a:srgbClr val="000000"/>
+                </a:solidFill>
+                <a:uFillTx/>
+                <a:latin typeface="Arial"/>
+                <a:ea typeface="Noto Sans SC"/>
+              </a:rPr>
+              <a:t>               </a:t>
+            </a:r>
+            <a:r>
+              <a:rPr b="0" lang="en-US" sz="1200" strike="noStrike" u="none">
+                <a:solidFill>
+                  <a:srgbClr val="000000"/>
+                </a:solidFill>
+                <a:uFillTx/>
+                <a:latin typeface="Arial"/>
+                <a:ea typeface="Noto Sans SC"/>
+              </a:rPr>
+              <a:t>"description": "...",</a:t>
+            </a:r>
+            <a:endParaRPr b="0" lang="en-US" sz="1200" strike="noStrike" u="none">
+              <a:solidFill>
+                <a:srgbClr val="000000"/>
+              </a:solidFill>
+              <a:uFillTx/>
+              <a:latin typeface="Arial"/>
+            </a:endParaRPr>
+          </a:p>
+          <a:p>
+            <a:pPr>
+              <a:lnSpc>
+                <a:spcPct val="100000"/>
+              </a:lnSpc>
+            </a:pPr>
+            <a:r>
+              <a:rPr b="0" lang="en-US" sz="1200" strike="noStrike" u="none">
+                <a:solidFill>
+                  <a:srgbClr val="000000"/>
+                </a:solidFill>
+                <a:uFillTx/>
+                <a:latin typeface="Arial"/>
+                <a:ea typeface="Noto Sans SC"/>
+              </a:rPr>
+              <a:t>               </a:t>
+            </a:r>
+            <a:r>
+              <a:rPr b="0" lang="en-US" sz="1200" strike="noStrike" u="none">
+                <a:solidFill>
+                  <a:srgbClr val="000000"/>
+                </a:solidFill>
+                <a:uFillTx/>
+                <a:latin typeface="Arial"/>
+                <a:ea typeface="Noto Sans SC"/>
+              </a:rPr>
+              <a:t>"type": "integer"</a:t>
+            </a:r>
+            <a:endParaRPr b="0" lang="en-US" sz="1200" strike="noStrike" u="none">
+              <a:solidFill>
+                <a:srgbClr val="000000"/>
+              </a:solidFill>
+              <a:uFillTx/>
+              <a:latin typeface="Arial"/>
+            </a:endParaRPr>
+          </a:p>
+          <a:p>
+            <a:pPr>
+              <a:lnSpc>
+                <a:spcPct val="100000"/>
+              </a:lnSpc>
+            </a:pPr>
+            <a:r>
+              <a:rPr b="0" lang="en-US" sz="1200" strike="noStrike" u="none">
+                <a:solidFill>
+                  <a:srgbClr val="000000"/>
+                </a:solidFill>
+                <a:uFillTx/>
+                <a:latin typeface="Arial"/>
+                <a:ea typeface="Noto Sans SC"/>
+              </a:rPr>
+              <a:t>          </a:t>
+            </a:r>
+            <a:r>
+              <a:rPr b="0" lang="en-US" sz="1200" strike="noStrike" u="none">
+                <a:solidFill>
+                  <a:srgbClr val="000000"/>
+                </a:solidFill>
+                <a:uFillTx/>
+                <a:latin typeface="Arial"/>
+                <a:ea typeface="Noto Sans SC"/>
+              </a:rPr>
+              <a:t>},</a:t>
+            </a:r>
+            <a:endParaRPr b="0" lang="en-US" sz="1200" strike="noStrike" u="none">
+              <a:solidFill>
+                <a:srgbClr val="000000"/>
+              </a:solidFill>
+              <a:uFillTx/>
+              <a:latin typeface="Arial"/>
+            </a:endParaRPr>
+          </a:p>
+          <a:p>
+            <a:pPr>
+              <a:lnSpc>
+                <a:spcPct val="100000"/>
+              </a:lnSpc>
+            </a:pPr>
+            <a:r>
+              <a:rPr b="0" lang="en-US" sz="1200" strike="noStrike" u="none">
+                <a:solidFill>
+                  <a:srgbClr val="000000"/>
+                </a:solidFill>
+                <a:uFillTx/>
+                <a:latin typeface="Arial"/>
+                <a:ea typeface="Noto Sans SC"/>
+              </a:rPr>
+              <a:t>          </a:t>
+            </a:r>
+            <a:r>
+              <a:rPr b="0" lang="en-US" sz="1200" strike="noStrike" u="none">
+                <a:solidFill>
+                  <a:srgbClr val="000000"/>
+                </a:solidFill>
+                <a:uFillTx/>
+                <a:latin typeface="Arial"/>
+                <a:ea typeface="Noto Sans SC"/>
+              </a:rPr>
+              <a:t>"chargingProfile": {</a:t>
+            </a:r>
+            <a:endParaRPr b="0" lang="en-US" sz="1200" strike="noStrike" u="none">
+              <a:solidFill>
+                <a:srgbClr val="000000"/>
+              </a:solidFill>
+              <a:uFillTx/>
+              <a:latin typeface="Arial"/>
+            </a:endParaRPr>
+          </a:p>
+          <a:p>
+            <a:pPr>
+              <a:lnSpc>
+                <a:spcPct val="100000"/>
+              </a:lnSpc>
+            </a:pPr>
+            <a:r>
+              <a:rPr b="0" lang="en-US" sz="1200" strike="noStrike" u="none">
+                <a:solidFill>
+                  <a:srgbClr val="000000"/>
+                </a:solidFill>
+                <a:uFillTx/>
+                <a:latin typeface="Arial"/>
+                <a:ea typeface="Noto Sans SC"/>
+              </a:rPr>
+              <a:t>               </a:t>
+            </a:r>
+            <a:r>
+              <a:rPr b="0" lang="en-US" sz="1200" strike="noStrike" u="none">
+                <a:solidFill>
+                  <a:srgbClr val="000000"/>
+                </a:solidFill>
+                <a:uFillTx/>
+                <a:latin typeface="Arial"/>
+                <a:ea typeface="Noto Sans SC"/>
+              </a:rPr>
+              <a:t>"$ref": "#/definitions/ChargingProfileType"</a:t>
+            </a:r>
+            <a:endParaRPr b="0" lang="en-US" sz="1200" strike="noStrike" u="none">
+              <a:solidFill>
+                <a:srgbClr val="000000"/>
+              </a:solidFill>
+              <a:uFillTx/>
+              <a:latin typeface="Arial"/>
+            </a:endParaRPr>
+          </a:p>
+          <a:p>
+            <a:pPr>
+              <a:lnSpc>
+                <a:spcPct val="100000"/>
+              </a:lnSpc>
+            </a:pPr>
+            <a:r>
+              <a:rPr b="0" lang="en-US" sz="1200" strike="noStrike" u="none">
+                <a:solidFill>
+                  <a:srgbClr val="000000"/>
+                </a:solidFill>
+                <a:uFillTx/>
+                <a:latin typeface="Arial"/>
+                <a:ea typeface="Noto Sans SC"/>
+              </a:rPr>
+              <a:t>          </a:t>
+            </a:r>
+            <a:r>
+              <a:rPr b="0" lang="en-US" sz="1200" strike="noStrike" u="none">
+                <a:solidFill>
+                  <a:srgbClr val="000000"/>
+                </a:solidFill>
+                <a:uFillTx/>
+                <a:latin typeface="Arial"/>
+                <a:ea typeface="Noto Sans SC"/>
+              </a:rPr>
+              <a:t>}</a:t>
+            </a:r>
+            <a:endParaRPr b="0" lang="en-US" sz="1200" strike="noStrike" u="none">
+              <a:solidFill>
+                <a:srgbClr val="000000"/>
+              </a:solidFill>
+              <a:uFillTx/>
+              <a:latin typeface="Arial"/>
+            </a:endParaRPr>
+          </a:p>
+          <a:p>
+            <a:pPr>
+              <a:lnSpc>
+                <a:spcPct val="100000"/>
+              </a:lnSpc>
+            </a:pPr>
+            <a:r>
+              <a:rPr b="0" lang="en-US" sz="1200" strike="noStrike" u="none">
+                <a:solidFill>
+                  <a:srgbClr val="000000"/>
+                </a:solidFill>
+                <a:uFillTx/>
+                <a:latin typeface="Arial"/>
+                <a:ea typeface="Noto Sans SC"/>
+              </a:rPr>
               <a:t>     </a:t>
             </a:r>
             <a:r>
@@ -11717,6 +12133,56 @@
                 <a:latin typeface="Arial"/>
                 <a:ea typeface="Noto Sans SC"/>
               </a:rPr>
+              <a:t>},   </a:t>
+            </a:r>
+            <a:endParaRPr b="0" lang="en-US" sz="1200" strike="noStrike" u="none">
+              <a:solidFill>
+                <a:srgbClr val="000000"/>
+              </a:solidFill>
+              <a:uFillTx/>
+              <a:latin typeface="Arial"/>
+            </a:endParaRPr>
+          </a:p>
+          <a:p>
+            <a:pPr>
+              <a:lnSpc>
+                <a:spcPct val="100000"/>
+              </a:lnSpc>
+            </a:pPr>
+            <a:r>
+              <a:rPr b="0" lang="en-US" sz="1200" strike="noStrike" u="none">
+                <a:solidFill>
+                  <a:srgbClr val="000000"/>
+                </a:solidFill>
+                <a:uFillTx/>
+                <a:latin typeface="Arial"/>
+                <a:ea typeface="Noto Sans SC"/>
+              </a:rPr>
+              <a:t>"required": [</a:t>
+            </a:r>
+            <a:endParaRPr b="0" lang="en-US" sz="1200" strike="noStrike" u="none">
+              <a:solidFill>
+                <a:srgbClr val="000000"/>
+              </a:solidFill>
+              <a:uFillTx/>
+              <a:latin typeface="Arial"/>
+            </a:endParaRPr>
+          </a:p>
+          <a:p>
+            <a:pPr>
+              <a:lnSpc>
+                <a:spcPct val="100000"/>
+              </a:lnSpc>
+            </a:pPr>
+            <a:r>
+              <a:rPr b="0" lang="en-US" sz="1200" strike="noStrike" u="none">
+                <a:solidFill>
+                  <a:srgbClr val="000000"/>
+                </a:solidFill>
+                <a:uFillTx/>
+                <a:latin typeface="Arial"/>
+                <a:ea typeface="Noto Sans SC"/>
+              </a:rPr>
               <a:t>     </a:t>
             </a:r>
             <a:r>
@@ -11728,7 +12194,7 @@
                 <a:latin typeface="Arial"/>
                 <a:ea typeface="Noto Sans SC"/>
               </a:rPr>
-              <a:t>"customData": {</a:t>
+              <a:t>"evseId",</a:t>
             </a:r>
             <a:endParaRPr b="0" lang="en-US" sz="1200" strike="noStrike" u="none">
               <a:solidFill>
@@ -11736,7 +12202,6 @@
               </a:solidFill>
               <a:uFillTx/>
               <a:latin typeface="Arial"/>
-              <a:ea typeface="Noto Sans SC"/>
             </a:endParaRPr>
           </a:p>
           <a:p>
@@ -11765,8 +12230,22 @@
                 <a:latin typeface="Arial"/>
                 <a:ea typeface="Noto Sans SC"/>
               </a:rPr>
-              <a:t>     </a:t>
-            </a:r>
+              <a:t>"chargingProfile"</a:t>
+            </a:r>
+            <a:endParaRPr b="0" lang="en-US" sz="1200" strike="noStrike" u="none">
+              <a:solidFill>
+                <a:srgbClr val="000000"/>
+              </a:solidFill>
+              <a:uFillTx/>
+              <a:latin typeface="Arial"/>
+            </a:endParaRPr>
+          </a:p>
+          <a:p>
+            <a:pPr>
+              <a:lnSpc>
+                <a:spcPct val="100000"/>
+              </a:lnSpc>
+            </a:pPr>
             <a:r>
               <a:rPr b="0" lang="en-US" sz="1200" strike="noStrike" u="none">
                 <a:solidFill>
@@ -11776,7 +12255,7 @@
                 <a:latin typeface="Arial"/>
                 <a:ea typeface="Noto Sans SC"/>
               </a:rPr>
-              <a:t>"$ref": "#/definitions/CustomDataType" </a:t>
+              <a:t>]</a:t>
             </a:r>
             <a:endParaRPr b="0" lang="en-US" sz="1200" strike="noStrike" u="none">
               <a:solidFill>
@@ -11784,7 +12263,6 @@
               </a:solidFill>
               <a:uFillTx/>
               <a:latin typeface="Arial"/>
-              <a:ea typeface="Noto Sans SC"/>
             </a:endParaRPr>
           </a:p>
           <a:p>
@@ -11802,29 +12280,7 @@
                 <a:latin typeface="Arial"/>
                 <a:ea typeface="Noto Sans SC"/>
               </a:rPr>
-              <a:t>     </a:t>
-            </a:r>
-            <a:r>
-              <a:rPr b="0" lang="en-US" sz="1200" strike="noStrike" u="none">
-                <a:solidFill>
-                  <a:srgbClr val="000000"/>
-                </a:solidFill>
-                <a:uFillTx/>
-                <a:latin typeface="Arial"/>
-                <a:ea typeface="Noto Sans SC"/>
-              </a:rPr>
-              <a:t>     </a:t>
-            </a:r>
-            <a:r>
-              <a:rPr b="0" lang="en-US" sz="1200" strike="noStrike" u="none">
-                <a:solidFill>
-                  <a:srgbClr val="000000"/>
-                </a:solidFill>
-                <a:uFillTx/>
-                <a:latin typeface="Arial"/>
-                <a:ea typeface="Noto Sans SC"/>
-              </a:rPr>
-              <a:t>},</a:t>
+              <a:t>} </a:t>
             </a:r>
             <a:endParaRPr b="0" lang="en-US" sz="1200" strike="noStrike" u="none">
               <a:solidFill>
@@ -11832,532 +12288,6 @@
               </a:solidFill>
               <a:uFillTx/>
               <a:latin typeface="Arial"/>
-              <a:ea typeface="Noto Sans SC"/>
-            </a:endParaRPr>
-          </a:p>
-          <a:p>
-            <a:pPr>
-              <a:lnSpc>
-                <a:spcPct val="100000"/>
-              </a:lnSpc>
-            </a:pPr>
-            <a:r>
-              <a:rPr b="0" lang="en-US" sz="1200" strike="noStrike" u="none">
-                <a:solidFill>
-                  <a:srgbClr val="000000"/>
-                </a:solidFill>
-                <a:uFillTx/>
-                <a:latin typeface="Arial"/>
-                <a:ea typeface="Noto Sans SC"/>
-              </a:rPr>
-              <a:t>     </a:t>
-            </a:r>
-            <a:r>
-              <a:rPr b="0" lang="en-US" sz="1200" strike="noStrike" u="none">
-                <a:solidFill>
-                  <a:srgbClr val="000000"/>
-                </a:solidFill>
-                <a:uFillTx/>
-                <a:latin typeface="Arial"/>
-                <a:ea typeface="Noto Sans SC"/>
-              </a:rPr>
-              <a:t>     </a:t>
-            </a:r>
-            <a:r>
-              <a:rPr b="0" lang="en-US" sz="1200" strike="noStrike" u="none">
-                <a:solidFill>
-                  <a:srgbClr val="000000"/>
-                </a:solidFill>
-                <a:uFillTx/>
-                <a:latin typeface="Arial"/>
-                <a:ea typeface="Noto Sans SC"/>
-              </a:rPr>
-              <a:t>"evseId": {</a:t>
-            </a:r>
-            <a:endParaRPr b="0" lang="en-US" sz="1200" strike="noStrike" u="none">
-              <a:solidFill>
-                <a:srgbClr val="000000"/>
-              </a:solidFill>
-              <a:uFillTx/>
-              <a:latin typeface="Arial"/>
-              <a:ea typeface="Noto Sans SC"/>
-            </a:endParaRPr>
-          </a:p>
-          <a:p>
-            <a:pPr>
-              <a:lnSpc>
-                <a:spcPct val="100000"/>
-              </a:lnSpc>
-            </a:pPr>
-            <a:r>
-              <a:rPr b="0" lang="en-US" sz="1200" strike="noStrike" u="none">
-                <a:solidFill>
-                  <a:srgbClr val="000000"/>
-                </a:solidFill>
-                <a:uFillTx/>
-                <a:latin typeface="Arial"/>
-                <a:ea typeface="Noto Sans SC"/>
-              </a:rPr>
-              <a:t>          </a:t>
-            </a:r>
-            <a:r>
-              <a:rPr b="0" lang="en-US" sz="1200" strike="noStrike" u="none">
-                <a:solidFill>
-                  <a:srgbClr val="000000"/>
-                </a:solidFill>
-                <a:uFillTx/>
-                <a:latin typeface="Arial"/>
-                <a:ea typeface="Noto Sans SC"/>
-              </a:rPr>
-              <a:t>     </a:t>
-            </a:r>
-            <a:r>
-              <a:rPr b="0" lang="en-US" sz="1200" strike="noStrike" u="none">
-                <a:solidFill>
-                  <a:srgbClr val="000000"/>
-                </a:solidFill>
-                <a:uFillTx/>
-                <a:latin typeface="Arial"/>
-                <a:ea typeface="Noto Sans SC"/>
-              </a:rPr>
-              <a:t>"description": "...",</a:t>
-            </a:r>
-            <a:endParaRPr b="0" lang="en-US" sz="1200" strike="noStrike" u="none">
-              <a:solidFill>
-                <a:srgbClr val="000000"/>
-              </a:solidFill>
-              <a:uFillTx/>
-              <a:latin typeface="Arial"/>
-              <a:ea typeface="Noto Sans SC"/>
-            </a:endParaRPr>
-          </a:p>
-          <a:p>
-            <a:pPr>
-              <a:lnSpc>
-                <a:spcPct val="100000"/>
-              </a:lnSpc>
-            </a:pPr>
-            <a:r>
-              <a:rPr b="0" lang="en-US" sz="1200" strike="noStrike" u="none">
-                <a:solidFill>
-                  <a:srgbClr val="000000"/>
-                </a:solidFill>
-                <a:uFillTx/>
-                <a:latin typeface="Arial"/>
-                <a:ea typeface="Noto Sans SC"/>
-              </a:rPr>
-              <a:t>          </a:t>
-            </a:r>
-            <a:r>
-              <a:rPr b="0" lang="en-US" sz="1200" strike="noStrike" u="none">
-                <a:solidFill>
-                  <a:srgbClr val="000000"/>
-                </a:solidFill>
-                <a:uFillTx/>
-                <a:latin typeface="Arial"/>
-                <a:ea typeface="Noto Sans SC"/>
-              </a:rPr>
-              <a:t>     </a:t>
-            </a:r>
-            <a:r>
-              <a:rPr b="0" lang="en-US" sz="1200" strike="noStrike" u="none">
-                <a:solidFill>
-                  <a:srgbClr val="000000"/>
-                </a:solidFill>
-                <a:uFillTx/>
-                <a:latin typeface="Arial"/>
-                <a:ea typeface="Noto Sans SC"/>
-              </a:rPr>
-              <a:t>"type": "integer"</a:t>
-            </a:r>
-            <a:endParaRPr b="0" lang="en-US" sz="1200" strike="noStrike" u="none">
-              <a:solidFill>
-                <a:srgbClr val="000000"/>
-              </a:solidFill>
-              <a:uFillTx/>
-              <a:latin typeface="Arial"/>
-              <a:ea typeface="Noto Sans SC"/>
-            </a:endParaRPr>
-          </a:p>
-          <a:p>
-            <a:pPr>
-              <a:lnSpc>
-                <a:spcPct val="100000"/>
-              </a:lnSpc>
-            </a:pPr>
-            <a:r>
-              <a:rPr b="0" lang="en-US" sz="1200" strike="noStrike" u="none">
-                <a:solidFill>
-                  <a:srgbClr val="000000"/>
-                </a:solidFill>
-                <a:uFillTx/>
-                <a:latin typeface="Arial"/>
-                <a:ea typeface="Noto Sans SC"/>
-              </a:rPr>
-              <a:t>     </a:t>
-            </a:r>
-            <a:r>
-              <a:rPr b="0" lang="en-US" sz="1200" strike="noStrike" u="none">
-                <a:solidFill>
-                  <a:srgbClr val="000000"/>
-                </a:solidFill>
-                <a:uFillTx/>
-                <a:latin typeface="Arial"/>
-                <a:ea typeface="Noto Sans SC"/>
-              </a:rPr>
-              <a:t>     </a:t>
-            </a:r>
-            <a:r>
-              <a:rPr b="0" lang="en-US" sz="1200" strike="noStrike" u="none">
-                <a:solidFill>
-                  <a:srgbClr val="000000"/>
-                </a:solidFill>
-                <a:uFillTx/>
-                <a:latin typeface="Arial"/>
-                <a:ea typeface="Noto Sans SC"/>
-              </a:rPr>
-              <a:t>},</a:t>
-            </a:r>
-            <a:endParaRPr b="0" lang="en-US" sz="1200" strike="noStrike" u="none">
-              <a:solidFill>
-                <a:srgbClr val="000000"/>
-              </a:solidFill>
-              <a:uFillTx/>
-              <a:latin typeface="Arial"/>
-              <a:ea typeface="Noto Sans SC"/>
-            </a:endParaRPr>
-          </a:p>
-          <a:p>
-            <a:pPr>
-              <a:lnSpc>
-                <a:spcPct val="100000"/>
-              </a:lnSpc>
-            </a:pPr>
-            <a:r>
-              <a:rPr b="0" lang="en-US" sz="1200" strike="noStrike" u="none">
-                <a:solidFill>
-                  <a:srgbClr val="000000"/>
-                </a:solidFill>
-                <a:uFillTx/>
-                <a:latin typeface="Arial"/>
-                <a:ea typeface="Noto Sans SC"/>
-              </a:rPr>
-              <a:t>     </a:t>
-            </a:r>
-            <a:r>
-              <a:rPr b="0" lang="en-US" sz="1200" strike="noStrike" u="none">
-                <a:solidFill>
-                  <a:srgbClr val="000000"/>
-                </a:solidFill>
-                <a:uFillTx/>
-                <a:latin typeface="Arial"/>
-                <a:ea typeface="Noto Sans SC"/>
-              </a:rPr>
-              <a:t>     </a:t>
-            </a:r>
-            <a:r>
-              <a:rPr b="0" lang="en-US" sz="1200" strike="noStrike" u="none">
-                <a:solidFill>
-                  <a:srgbClr val="000000"/>
-                </a:solidFill>
-                <a:uFillTx/>
-                <a:latin typeface="Arial"/>
-                <a:ea typeface="Noto Sans SC"/>
-              </a:rPr>
-              <a:t>"chargingProfile": {</a:t>
-            </a:r>
-            <a:endParaRPr b="0" lang="en-US" sz="1200" strike="noStrike" u="none">
-              <a:solidFill>
-                <a:srgbClr val="000000"/>
-              </a:solidFill>
-              <a:uFillTx/>
-              <a:latin typeface="Arial"/>
-              <a:ea typeface="Noto Sans SC"/>
-            </a:endParaRPr>
-          </a:p>
-          <a:p>
-            <a:pPr>
-              <a:lnSpc>
-                <a:spcPct val="100000"/>
-              </a:lnSpc>
-            </a:pPr>
-            <a:r>
-              <a:rPr b="0" lang="en-US" sz="1200" strike="noStrike" u="none">
-                <a:solidFill>
-                  <a:srgbClr val="000000"/>
-                </a:solidFill>
-                <a:uFillTx/>
-                <a:latin typeface="Arial"/>
-                <a:ea typeface="Noto Sans SC"/>
-              </a:rPr>
-              <a:t>          </a:t>
-            </a:r>
-            <a:r>
-              <a:rPr b="0" lang="en-US" sz="1200" strike="noStrike" u="none">
-                <a:solidFill>
-                  <a:srgbClr val="000000"/>
-                </a:solidFill>
-                <a:uFillTx/>
-                <a:latin typeface="Arial"/>
-                <a:ea typeface="Noto Sans SC"/>
-              </a:rPr>
-              <a:t>     </a:t>
-            </a:r>
-            <a:r>
-              <a:rPr b="0" lang="en-US" sz="1200" strike="noStrike" u="none">
-                <a:solidFill>
-                  <a:srgbClr val="000000"/>
-                </a:solidFill>
-                <a:uFillTx/>
-                <a:latin typeface="Arial"/>
-                <a:ea typeface="Noto Sans SC"/>
-              </a:rPr>
-              <a:t>"$ref": "#/definitions/ChargingProfileType"</a:t>
-            </a:r>
-            <a:endParaRPr b="0" lang="en-US" sz="1200" strike="noStrike" u="none">
-              <a:solidFill>
-                <a:srgbClr val="000000"/>
-              </a:solidFill>
-              <a:uFillTx/>
-              <a:latin typeface="Arial"/>
-              <a:ea typeface="Noto Sans SC"/>
-            </a:endParaRPr>
-          </a:p>
-          <a:p>
-            <a:pPr>
-              <a:lnSpc>
-                <a:spcPct val="100000"/>
-              </a:lnSpc>
-            </a:pPr>
-            <a:r>
-              <a:rPr b="0" lang="en-US" sz="1200" strike="noStrike" u="none">
-                <a:solidFill>
-                  <a:srgbClr val="000000"/>
-                </a:solidFill>
-                <a:uFillTx/>
-                <a:latin typeface="Arial"/>
-                <a:ea typeface="Noto Sans SC"/>
-              </a:rPr>
-              <a:t>     </a:t>
-            </a:r>
-            <a:r>
-              <a:rPr b="0" lang="en-US" sz="1200" strike="noStrike" u="none">
-                <a:solidFill>
-                  <a:srgbClr val="000000"/>
-                </a:solidFill>
-                <a:uFillTx/>
-                <a:latin typeface="Arial"/>
-                <a:ea typeface="Noto Sans SC"/>
-              </a:rPr>
-              <a:t>     </a:t>
-            </a:r>
-            <a:r>
-              <a:rPr b="0" lang="en-US" sz="1200" strike="noStrike" u="none">
-                <a:solidFill>
-                  <a:srgbClr val="000000"/>
-                </a:solidFill>
-                <a:uFillTx/>
-                <a:latin typeface="Arial"/>
-                <a:ea typeface="Noto Sans SC"/>
-              </a:rPr>
-              <a:t>}</a:t>
-            </a:r>
-            <a:endParaRPr b="0" lang="en-US" sz="1200" strike="noStrike" u="none">
-              <a:solidFill>
-                <a:srgbClr val="000000"/>
-              </a:solidFill>
-              <a:uFillTx/>
-              <a:latin typeface="Arial"/>
-              <a:ea typeface="Noto Sans SC"/>
-            </a:endParaRPr>
-          </a:p>
-          <a:p>
-            <a:pPr>
-              <a:lnSpc>
-                <a:spcPct val="100000"/>
-              </a:lnSpc>
-            </a:pPr>
-            <a:r>
-              <a:rPr b="0" lang="en-US" sz="1200" strike="noStrike" u="none">
-                <a:solidFill>
-                  <a:srgbClr val="000000"/>
-                </a:solidFill>
-                <a:uFillTx/>
-                <a:latin typeface="Arial"/>
-                <a:ea typeface="Noto Sans SC"/>
-              </a:rPr>
-              <a:t>     </a:t>
-            </a:r>
-            <a:r>
-              <a:rPr b="0" lang="en-US" sz="1200" strike="noStrike" u="none">
-                <a:solidFill>
-                  <a:srgbClr val="000000"/>
-                </a:solidFill>
-                <a:uFillTx/>
-                <a:latin typeface="Arial"/>
-                <a:ea typeface="Noto Sans SC"/>
-              </a:rPr>
-              <a:t>},   </a:t>
-            </a:r>
-            <a:endParaRPr b="0" lang="en-US" sz="1200" strike="noStrike" u="none">
-              <a:solidFill>
-                <a:srgbClr val="000000"/>
-              </a:solidFill>
-              <a:uFillTx/>
-              <a:latin typeface="Arial"/>
-              <a:ea typeface="Noto Sans SC"/>
-            </a:endParaRPr>
-          </a:p>
-          <a:p>
-            <a:pPr>
-              <a:lnSpc>
-                <a:spcPct val="100000"/>
-              </a:lnSpc>
-            </a:pPr>
-            <a:r>
-              <a:rPr b="0" lang="en-US" sz="1200" strike="noStrike" u="none">
-                <a:solidFill>
-                  <a:srgbClr val="000000"/>
-                </a:solidFill>
-                <a:uFillTx/>
-                <a:latin typeface="Arial"/>
-                <a:ea typeface="Noto Sans SC"/>
-              </a:rPr>
-              <a:t>"required": [</a:t>
-            </a:r>
-            <a:endParaRPr b="0" lang="en-US" sz="1200" strike="noStrike" u="none">
-              <a:solidFill>
-                <a:srgbClr val="000000"/>
-              </a:solidFill>
-              <a:uFillTx/>
-              <a:latin typeface="Arial"/>
-              <a:ea typeface="Noto Sans SC"/>
-            </a:endParaRPr>
-          </a:p>
-          <a:p>
-            <a:pPr>
-              <a:lnSpc>
-                <a:spcPct val="100000"/>
-              </a:lnSpc>
-            </a:pPr>
-            <a:r>
-              <a:rPr b="0" lang="en-US" sz="1200" strike="noStrike" u="none">
-                <a:solidFill>
-                  <a:srgbClr val="000000"/>
-                </a:solidFill>
-                <a:uFillTx/>
-                <a:latin typeface="Arial"/>
-                <a:ea typeface="Noto Sans SC"/>
-              </a:rPr>
-              <a:t>     </a:t>
-            </a:r>
-            <a:r>
-              <a:rPr b="0" lang="en-US" sz="1200" strike="noStrike" u="none">
-                <a:solidFill>
-                  <a:srgbClr val="000000"/>
-                </a:solidFill>
-                <a:uFillTx/>
-                <a:latin typeface="Arial"/>
-                <a:ea typeface="Noto Sans SC"/>
-              </a:rPr>
-              <a:t>"evseId",</a:t>
-            </a:r>
-            <a:endParaRPr b="0" lang="en-US" sz="1200" strike="noStrike" u="none">
-              <a:solidFill>
-                <a:srgbClr val="000000"/>
-              </a:solidFill>
-              <a:uFillTx/>
-              <a:latin typeface="Arial"/>
-              <a:ea typeface="Noto Sans SC"/>
-            </a:endParaRPr>
-          </a:p>
-          <a:p>
-            <a:pPr>
-              <a:lnSpc>
-                <a:spcPct val="100000"/>
-              </a:lnSpc>
-            </a:pPr>
-            <a:r>
-              <a:rPr b="0" lang="en-US" sz="1200" strike="noStrike" u="none">
-                <a:solidFill>
-                  <a:srgbClr val="000000"/>
-                </a:solidFill>
-                <a:uFillTx/>
-                <a:latin typeface="Arial"/>
-                <a:ea typeface="Noto Sans SC"/>
-              </a:rPr>
-              <a:t>     </a:t>
-            </a:r>
-            <a:r>
-              <a:rPr b="0" lang="en-US" sz="1200" strike="noStrike" u="none">
-                <a:solidFill>
-                  <a:srgbClr val="000000"/>
-                </a:solidFill>
-                <a:uFillTx/>
-                <a:latin typeface="Arial"/>
-                <a:ea typeface="Noto Sans SC"/>
-              </a:rPr>
-              <a:t>"chargingProfile"</a:t>
-            </a:r>
-            <a:endParaRPr b="0" lang="en-US" sz="1200" strike="noStrike" u="none">
-              <a:solidFill>
-                <a:srgbClr val="000000"/>
-              </a:solidFill>
-              <a:uFillTx/>
-              <a:latin typeface="Arial"/>
-              <a:ea typeface="Noto Sans SC"/>
-            </a:endParaRPr>
-          </a:p>
-          <a:p>
-            <a:pPr>
-              <a:lnSpc>
-                <a:spcPct val="100000"/>
-              </a:lnSpc>
-            </a:pPr>
-            <a:r>
-              <a:rPr b="0" lang="en-US" sz="1200" strike="noStrike" u="none">
-                <a:solidFill>
-                  <a:srgbClr val="000000"/>
-                </a:solidFill>
-                <a:uFillTx/>
-                <a:latin typeface="Arial"/>
-                <a:ea typeface="Noto Sans SC"/>
-              </a:rPr>
-              <a:t>]</a:t>
-            </a:r>
-            <a:endParaRPr b="0" lang="en-US" sz="1200" strike="noStrike" u="none">
-              <a:solidFill>
-                <a:srgbClr val="000000"/>
-              </a:solidFill>
-              <a:uFillTx/>
-              <a:latin typeface="Arial"/>
-              <a:ea typeface="Noto Sans SC"/>
-            </a:endParaRPr>
-          </a:p>
-          <a:p>
-            <a:pPr>
-              <a:lnSpc>
-                <a:spcPct val="100000"/>
-              </a:lnSpc>
-            </a:pPr>
-            <a:r>
-              <a:rPr b="0" lang="en-US" sz="1200" strike="noStrike" u="none">
-                <a:solidFill>
-                  <a:srgbClr val="000000"/>
-                </a:solidFill>
-                <a:uFillTx/>
-                <a:latin typeface="Arial"/>
-                <a:ea typeface="Noto Sans SC"/>
-              </a:rPr>
-              <a:t>} </a:t>
-            </a:r>
-            <a:endParaRPr b="0" lang="en-US" sz="1200" strike="noStrike" u="none">
-              <a:solidFill>
-                <a:srgbClr val="000000"/>
-              </a:solidFill>
-              <a:uFillTx/>
-              <a:latin typeface="Arial"/>
-              <a:ea typeface="Noto Sans SC"/>
             </a:endParaRPr>
           </a:p>
         </p:txBody>

--- a/ppt/Jin_Junfan.pptx
+++ b/ppt/Jin_Junfan.pptx
@@ -363,7 +363,7 @@
             <a:pPr indent="0" algn="r">
               <a:buNone/>
             </a:pPr>
-            <a:fld id="{E4CA6405-C800-457A-904C-51E67069012F}" type="slidenum">
+            <a:fld id="{0CBEB226-5286-4902-9F6F-F95E6D4FC99F}" type="slidenum">
               <a:rPr b="0" lang="en-US" sz="1400" strike="noStrike" u="none">
                 <a:solidFill>
                   <a:srgbClr val="000000"/>
@@ -419,7 +419,7 @@
         <p:spPr>
           <a:xfrm>
             <a:off x="216000" y="812520"/>
-            <a:ext cx="7126200" cy="4007880"/>
+            <a:ext cx="7125840" cy="4007520"/>
           </a:xfrm>
           <a:prstGeom prst="rect">
             <a:avLst/>
@@ -442,7 +442,7 @@
         <p:spPr>
           <a:xfrm>
             <a:off x="720000" y="5089680"/>
-            <a:ext cx="6046560" cy="4809960"/>
+            <a:ext cx="6046200" cy="4809600"/>
           </a:xfrm>
           <a:prstGeom prst="rect">
             <a:avLst/>
@@ -577,7 +577,7 @@
         <p:spPr>
           <a:xfrm>
             <a:off x="216000" y="812520"/>
-            <a:ext cx="7126920" cy="4008600"/>
+            <a:ext cx="7126560" cy="4008240"/>
           </a:xfrm>
           <a:prstGeom prst="rect">
             <a:avLst/>
@@ -600,7 +600,7 @@
         <p:spPr>
           <a:xfrm>
             <a:off x="756000" y="5078520"/>
-            <a:ext cx="6047280" cy="4810680"/>
+            <a:ext cx="6046920" cy="4810320"/>
           </a:xfrm>
           <a:prstGeom prst="rect">
             <a:avLst/>
@@ -679,7 +679,7 @@
         <p:spPr>
           <a:xfrm>
             <a:off x="216000" y="812520"/>
-            <a:ext cx="7126920" cy="4008600"/>
+            <a:ext cx="7126560" cy="4008240"/>
           </a:xfrm>
           <a:prstGeom prst="rect">
             <a:avLst/>
@@ -702,7 +702,7 @@
         <p:spPr>
           <a:xfrm>
             <a:off x="756000" y="5078520"/>
-            <a:ext cx="6047280" cy="4810680"/>
+            <a:ext cx="6046920" cy="4810320"/>
           </a:xfrm>
           <a:prstGeom prst="rect">
             <a:avLst/>
@@ -799,7 +799,7 @@
         <p:spPr>
           <a:xfrm>
             <a:off x="216000" y="812520"/>
-            <a:ext cx="7126920" cy="4008600"/>
+            <a:ext cx="7126560" cy="4008240"/>
           </a:xfrm>
           <a:prstGeom prst="rect">
             <a:avLst/>
@@ -822,7 +822,7 @@
         <p:spPr>
           <a:xfrm>
             <a:off x="756000" y="5078520"/>
-            <a:ext cx="6047280" cy="4810680"/>
+            <a:ext cx="6046920" cy="4810320"/>
           </a:xfrm>
           <a:prstGeom prst="rect">
             <a:avLst/>
@@ -901,7 +901,7 @@
         <p:spPr>
           <a:xfrm>
             <a:off x="216000" y="812520"/>
-            <a:ext cx="7126200" cy="4007880"/>
+            <a:ext cx="7125840" cy="4007520"/>
           </a:xfrm>
           <a:prstGeom prst="rect">
             <a:avLst/>
@@ -924,7 +924,7 @@
         <p:spPr>
           <a:xfrm>
             <a:off x="756000" y="5078520"/>
-            <a:ext cx="6046560" cy="5099040"/>
+            <a:ext cx="6046200" cy="5098680"/>
           </a:xfrm>
           <a:prstGeom prst="rect">
             <a:avLst/>
@@ -1091,7 +1091,7 @@
         <p:spPr>
           <a:xfrm>
             <a:off x="216000" y="812520"/>
-            <a:ext cx="7126200" cy="4007880"/>
+            <a:ext cx="7125840" cy="4007520"/>
           </a:xfrm>
           <a:prstGeom prst="rect">
             <a:avLst/>
@@ -1114,7 +1114,7 @@
         <p:spPr>
           <a:xfrm>
             <a:off x="756000" y="5078520"/>
-            <a:ext cx="6046560" cy="4809960"/>
+            <a:ext cx="6046200" cy="4809600"/>
           </a:xfrm>
           <a:prstGeom prst="rect">
             <a:avLst/>
@@ -1199,7 +1199,7 @@
         <p:spPr>
           <a:xfrm>
             <a:off x="216000" y="812520"/>
-            <a:ext cx="7126920" cy="4008600"/>
+            <a:ext cx="7126560" cy="4008240"/>
           </a:xfrm>
           <a:prstGeom prst="rect">
             <a:avLst/>
@@ -1222,7 +1222,7 @@
         <p:spPr>
           <a:xfrm>
             <a:off x="756000" y="5078520"/>
-            <a:ext cx="6047280" cy="4810680"/>
+            <a:ext cx="6046920" cy="4810320"/>
           </a:xfrm>
           <a:prstGeom prst="rect">
             <a:avLst/>
@@ -1301,7 +1301,7 @@
         <p:spPr>
           <a:xfrm>
             <a:off x="216000" y="812520"/>
-            <a:ext cx="7126920" cy="4008600"/>
+            <a:ext cx="7126560" cy="4008240"/>
           </a:xfrm>
           <a:prstGeom prst="rect">
             <a:avLst/>
@@ -1324,7 +1324,7 @@
         <p:spPr>
           <a:xfrm>
             <a:off x="756000" y="5078520"/>
-            <a:ext cx="6047280" cy="4810680"/>
+            <a:ext cx="6046920" cy="4810320"/>
           </a:xfrm>
           <a:prstGeom prst="rect">
             <a:avLst/>
@@ -1419,7 +1419,7 @@
         <p:spPr>
           <a:xfrm>
             <a:off x="216000" y="812520"/>
-            <a:ext cx="7126920" cy="4008600"/>
+            <a:ext cx="7126560" cy="4008240"/>
           </a:xfrm>
           <a:prstGeom prst="rect">
             <a:avLst/>
@@ -1442,7 +1442,7 @@
         <p:spPr>
           <a:xfrm>
             <a:off x="756000" y="5078520"/>
-            <a:ext cx="6047280" cy="4810680"/>
+            <a:ext cx="6046920" cy="4810320"/>
           </a:xfrm>
           <a:prstGeom prst="rect">
             <a:avLst/>
@@ -1521,7 +1521,7 @@
         <p:spPr>
           <a:xfrm>
             <a:off x="216000" y="812520"/>
-            <a:ext cx="7126920" cy="4008600"/>
+            <a:ext cx="7126560" cy="4008240"/>
           </a:xfrm>
           <a:prstGeom prst="rect">
             <a:avLst/>
@@ -1544,7 +1544,7 @@
         <p:spPr>
           <a:xfrm>
             <a:off x="756000" y="5078520"/>
-            <a:ext cx="6047280" cy="4810680"/>
+            <a:ext cx="6046920" cy="4810320"/>
           </a:xfrm>
           <a:prstGeom prst="rect">
             <a:avLst/>
@@ -1624,7 +1624,7 @@
         <p:spPr>
           <a:xfrm>
             <a:off x="216000" y="812520"/>
-            <a:ext cx="7126920" cy="4008600"/>
+            <a:ext cx="7126560" cy="4008240"/>
           </a:xfrm>
           <a:prstGeom prst="rect">
             <a:avLst/>
@@ -1647,7 +1647,7 @@
         <p:spPr>
           <a:xfrm>
             <a:off x="756000" y="5078520"/>
-            <a:ext cx="6047280" cy="4810680"/>
+            <a:ext cx="6046920" cy="4810320"/>
           </a:xfrm>
           <a:prstGeom prst="rect">
             <a:avLst/>
@@ -1790,7 +1790,7 @@
         <p:spPr>
           <a:xfrm>
             <a:off x="216000" y="812520"/>
-            <a:ext cx="7126200" cy="4007880"/>
+            <a:ext cx="7125840" cy="4007520"/>
           </a:xfrm>
           <a:prstGeom prst="rect">
             <a:avLst/>
@@ -1813,7 +1813,7 @@
         <p:spPr>
           <a:xfrm>
             <a:off x="756000" y="5078520"/>
-            <a:ext cx="6046560" cy="4809960"/>
+            <a:ext cx="6046200" cy="4809600"/>
           </a:xfrm>
           <a:prstGeom prst="rect">
             <a:avLst/>
@@ -1898,7 +1898,7 @@
         <p:spPr>
           <a:xfrm>
             <a:off x="456840" y="549000"/>
-            <a:ext cx="7308720" cy="907920"/>
+            <a:ext cx="7308360" cy="907560"/>
           </a:xfrm>
           <a:prstGeom prst="rect">
             <a:avLst/>
@@ -1939,7 +1939,7 @@
         <p:spPr>
           <a:xfrm>
             <a:off x="456840" y="1828440"/>
-            <a:ext cx="9137520" cy="4565520"/>
+            <a:ext cx="9137160" cy="4565160"/>
           </a:xfrm>
           <a:prstGeom prst="rect">
             <a:avLst/>
@@ -2007,8 +2007,8 @@
         </p:nvSpPr>
         <p:spPr>
           <a:xfrm flipV="1">
-            <a:off x="236520" y="199080"/>
-            <a:ext cx="9537480" cy="150840"/>
+            <a:off x="236520" y="198720"/>
+            <a:ext cx="9537120" cy="150480"/>
           </a:xfrm>
           <a:prstGeom prst="rect">
             <a:avLst/>
@@ -2068,7 +2068,7 @@
         <p:spPr>
           <a:xfrm>
             <a:off x="5943600" y="7077600"/>
-            <a:ext cx="691920" cy="253800"/>
+            <a:ext cx="691560" cy="253440"/>
           </a:xfrm>
           <a:prstGeom prst="rect">
             <a:avLst/>
@@ -2103,7 +2103,7 @@
                 <a:tab algn="l" pos="0"/>
               </a:tabLst>
             </a:pPr>
-            <a:fld id="{F2437B67-19B0-4D5C-AA21-6BBF1F40AACB}" type="slidenum">
+            <a:fld id="{6CAD5EE6-C636-44BB-89F7-6524B5E10DC4}" type="slidenum">
               <a:rPr b="0" lang="en-US" sz="1200" strike="noStrike" u="none">
                 <a:solidFill>
                   <a:srgbClr val="000000"/>
@@ -2223,7 +2223,7 @@
         <p:spPr>
           <a:xfrm>
             <a:off x="7365960" y="7116840"/>
-            <a:ext cx="2355840" cy="376200"/>
+            <a:ext cx="2355480" cy="375840"/>
           </a:xfrm>
           <a:prstGeom prst="rect">
             <a:avLst/>
@@ -2246,7 +2246,7 @@
         <p:spPr>
           <a:xfrm>
             <a:off x="7845480" y="541440"/>
-            <a:ext cx="2217600" cy="914400"/>
+            <a:ext cx="2217240" cy="914040"/>
           </a:xfrm>
           <a:prstGeom prst="rect">
             <a:avLst/>
@@ -2265,7 +2265,7 @@
         <p:spPr>
           <a:xfrm>
             <a:off x="260280" y="7078680"/>
-            <a:ext cx="1081080" cy="263520"/>
+            <a:ext cx="1080720" cy="263160"/>
           </a:xfrm>
           <a:prstGeom prst="rect">
             <a:avLst/>
@@ -2354,7 +2354,7 @@
         <p:spPr>
           <a:xfrm>
             <a:off x="1158840" y="7078680"/>
-            <a:ext cx="3622680" cy="433440"/>
+            <a:ext cx="3622320" cy="433080"/>
           </a:xfrm>
           <a:prstGeom prst="rect">
             <a:avLst/>
@@ -2432,7 +2432,7 @@
         <p:spPr>
           <a:xfrm>
             <a:off x="3620880" y="7077600"/>
-            <a:ext cx="1970280" cy="415800"/>
+            <a:ext cx="1969920" cy="415440"/>
           </a:xfrm>
           <a:prstGeom prst="rect">
             <a:avLst/>
@@ -2615,7 +2615,7 @@
         <p:spPr>
           <a:xfrm>
             <a:off x="456840" y="549000"/>
-            <a:ext cx="7308720" cy="907920"/>
+            <a:ext cx="7308360" cy="907560"/>
           </a:xfrm>
           <a:prstGeom prst="rect">
             <a:avLst/>
@@ -2666,7 +2666,7 @@
         <p:spPr>
           <a:xfrm>
             <a:off x="456840" y="1828440"/>
-            <a:ext cx="9137520" cy="4565520"/>
+            <a:ext cx="9137160" cy="4565160"/>
           </a:xfrm>
           <a:prstGeom prst="rect">
             <a:avLst/>
@@ -2931,7 +2931,7 @@
         <p:spPr>
           <a:xfrm>
             <a:off x="456840" y="548640"/>
-            <a:ext cx="7308720" cy="907920"/>
+            <a:ext cx="7308360" cy="907560"/>
           </a:xfrm>
           <a:prstGeom prst="rect">
             <a:avLst/>
@@ -3007,7 +3007,7 @@
         <p:spPr>
           <a:xfrm>
             <a:off x="0" y="1691280"/>
-            <a:ext cx="10078560" cy="5282640"/>
+            <a:ext cx="10078200" cy="5282280"/>
           </a:xfrm>
           <a:prstGeom prst="rect">
             <a:avLst/>
@@ -3056,7 +3056,7 @@
         <p:spPr>
           <a:xfrm>
             <a:off x="540000" y="2592000"/>
-            <a:ext cx="5039640" cy="1438920"/>
+            <a:ext cx="5039280" cy="1438560"/>
           </a:xfrm>
           <a:prstGeom prst="roundRect">
             <a:avLst>
@@ -3428,7 +3428,7 @@
         <p:spPr>
           <a:xfrm>
             <a:off x="456840" y="2185560"/>
-            <a:ext cx="3862080" cy="621360"/>
+            <a:ext cx="3861720" cy="621000"/>
           </a:xfrm>
           <a:prstGeom prst="rect">
             <a:avLst/>
@@ -3486,7 +3486,7 @@
         <p:spPr>
           <a:xfrm>
             <a:off x="638280" y="4229280"/>
-            <a:ext cx="6820920" cy="344520"/>
+            <a:ext cx="6820560" cy="344160"/>
           </a:xfrm>
           <a:prstGeom prst="rect">
             <a:avLst/>
@@ -3589,7 +3589,7 @@
         <p:spPr>
           <a:xfrm>
             <a:off x="2714760" y="4905360"/>
-            <a:ext cx="7319880" cy="1335600"/>
+            <a:ext cx="7319520" cy="1335240"/>
           </a:xfrm>
           <a:prstGeom prst="rect">
             <a:avLst/>
@@ -3780,7 +3780,7 @@
         <p:spPr>
           <a:xfrm>
             <a:off x="457200" y="492120"/>
-            <a:ext cx="8275320" cy="1022400"/>
+            <a:ext cx="8274960" cy="1022040"/>
           </a:xfrm>
           <a:prstGeom prst="rect">
             <a:avLst/>
@@ -3878,7 +3878,7 @@
         <p:spPr>
           <a:xfrm>
             <a:off x="432360" y="1728360"/>
-            <a:ext cx="2518200" cy="342360"/>
+            <a:ext cx="2517840" cy="342000"/>
           </a:xfrm>
           <a:prstGeom prst="roundRect">
             <a:avLst>
@@ -3946,7 +3946,7 @@
         <p:spPr>
           <a:xfrm>
             <a:off x="6984360" y="1728360"/>
-            <a:ext cx="2518200" cy="342360"/>
+            <a:ext cx="2517840" cy="342000"/>
           </a:xfrm>
           <a:prstGeom prst="roundRect">
             <a:avLst>
@@ -4014,7 +4014,7 @@
         <p:spPr>
           <a:xfrm>
             <a:off x="3672360" y="1728360"/>
-            <a:ext cx="2518200" cy="342360"/>
+            <a:ext cx="2517840" cy="342000"/>
           </a:xfrm>
           <a:prstGeom prst="roundRect">
             <a:avLst>
@@ -4086,7 +4086,7 @@
         <p:spPr>
           <a:xfrm>
             <a:off x="1080000" y="4932000"/>
-            <a:ext cx="538920" cy="538920"/>
+            <a:ext cx="538560" cy="538560"/>
           </a:xfrm>
           <a:prstGeom prst="rect">
             <a:avLst/>
@@ -4139,7 +4139,7 @@
         <p:spPr>
           <a:xfrm>
             <a:off x="-360" y="2520000"/>
-            <a:ext cx="10079280" cy="4033080"/>
+            <a:ext cx="10078920" cy="4032720"/>
           </a:xfrm>
           <a:prstGeom prst="rect">
             <a:avLst/>
@@ -4158,7 +4158,7 @@
         <p:spPr>
           <a:xfrm>
             <a:off x="628920" y="6610320"/>
-            <a:ext cx="3457440" cy="344520"/>
+            <a:ext cx="3457080" cy="344160"/>
           </a:xfrm>
           <a:prstGeom prst="rect">
             <a:avLst/>
@@ -4217,7 +4217,7 @@
         <p:spPr>
           <a:xfrm>
             <a:off x="457200" y="492120"/>
-            <a:ext cx="8275320" cy="1022400"/>
+            <a:ext cx="8274960" cy="1022040"/>
           </a:xfrm>
           <a:prstGeom prst="rect">
             <a:avLst/>
@@ -4315,7 +4315,7 @@
         <p:spPr>
           <a:xfrm>
             <a:off x="432720" y="1728720"/>
-            <a:ext cx="2518200" cy="342360"/>
+            <a:ext cx="2517840" cy="342000"/>
           </a:xfrm>
           <a:prstGeom prst="roundRect">
             <a:avLst>
@@ -4383,7 +4383,7 @@
         <p:spPr>
           <a:xfrm>
             <a:off x="6984720" y="1728720"/>
-            <a:ext cx="2518200" cy="342360"/>
+            <a:ext cx="2517840" cy="342000"/>
           </a:xfrm>
           <a:prstGeom prst="roundRect">
             <a:avLst>
@@ -4451,7 +4451,7 @@
         <p:spPr>
           <a:xfrm>
             <a:off x="3672720" y="1728720"/>
-            <a:ext cx="2518200" cy="342360"/>
+            <a:ext cx="2517840" cy="342000"/>
           </a:xfrm>
           <a:prstGeom prst="roundRect">
             <a:avLst>
@@ -4519,7 +4519,7 @@
         <p:spPr>
           <a:xfrm>
             <a:off x="457200" y="2157120"/>
-            <a:ext cx="3861720" cy="721800"/>
+            <a:ext cx="3861360" cy="721440"/>
           </a:xfrm>
           <a:prstGeom prst="rect">
             <a:avLst/>
@@ -4618,7 +4618,7 @@
         <p:spPr>
           <a:xfrm>
             <a:off x="360000" y="3060000"/>
-            <a:ext cx="9137520" cy="2331720"/>
+            <a:ext cx="9137160" cy="2331360"/>
           </a:xfrm>
           <a:prstGeom prst="rect">
             <a:avLst/>
@@ -4821,7 +4821,7 @@
         <p:spPr>
           <a:xfrm>
             <a:off x="432000" y="1728000"/>
-            <a:ext cx="2518200" cy="342360"/>
+            <a:ext cx="2517840" cy="342000"/>
           </a:xfrm>
           <a:prstGeom prst="roundRect">
             <a:avLst>
@@ -4889,7 +4889,7 @@
         <p:spPr>
           <a:xfrm>
             <a:off x="6984000" y="1728000"/>
-            <a:ext cx="2518200" cy="342360"/>
+            <a:ext cx="2517840" cy="342000"/>
           </a:xfrm>
           <a:prstGeom prst="roundRect">
             <a:avLst>
@@ -4957,7 +4957,7 @@
         <p:spPr>
           <a:xfrm>
             <a:off x="3672000" y="1728000"/>
-            <a:ext cx="2518200" cy="342360"/>
+            <a:ext cx="2517840" cy="342000"/>
           </a:xfrm>
           <a:prstGeom prst="roundRect">
             <a:avLst>
@@ -5029,7 +5029,7 @@
         <p:spPr>
           <a:xfrm>
             <a:off x="0" y="5746680"/>
-            <a:ext cx="10078560" cy="1077840"/>
+            <a:ext cx="10078200" cy="1077480"/>
           </a:xfrm>
           <a:prstGeom prst="rect">
             <a:avLst/>
@@ -5048,7 +5048,7 @@
         <p:spPr>
           <a:xfrm>
             <a:off x="360000" y="2343240"/>
-            <a:ext cx="9358200" cy="535680"/>
+            <a:ext cx="9357840" cy="535320"/>
           </a:xfrm>
           <a:prstGeom prst="rect">
             <a:avLst/>
@@ -5124,7 +5124,7 @@
         <p:spPr>
           <a:xfrm>
             <a:off x="457200" y="492120"/>
-            <a:ext cx="8275320" cy="1022400"/>
+            <a:ext cx="8274960" cy="1022040"/>
           </a:xfrm>
           <a:prstGeom prst="rect">
             <a:avLst/>
@@ -5226,7 +5226,7 @@
         <p:spPr>
           <a:xfrm>
             <a:off x="7056000" y="3312000"/>
-            <a:ext cx="2878200" cy="2158200"/>
+            <a:ext cx="2877840" cy="2157840"/>
           </a:xfrm>
           <a:prstGeom prst="rect">
             <a:avLst/>
@@ -5249,7 +5249,7 @@
         <p:spPr>
           <a:xfrm>
             <a:off x="7380000" y="2235240"/>
-            <a:ext cx="823680" cy="823680"/>
+            <a:ext cx="823320" cy="823320"/>
           </a:xfrm>
           <a:prstGeom prst="rect">
             <a:avLst/>
@@ -5268,9 +5268,9 @@
         <p:grpSpPr>
           <a:xfrm>
             <a:off x="3600000" y="4500000"/>
-            <a:ext cx="3345840" cy="1258920"/>
+            <a:ext cx="3345480" cy="1258560"/>
             <a:chOff x="3600000" y="4500000"/>
-            <a:chExt cx="3345840" cy="1258920"/>
+            <a:chExt cx="3345480" cy="1258560"/>
           </a:xfrm>
         </p:grpSpPr>
         <p:pic>
@@ -5286,7 +5286,7 @@
           <p:spPr>
             <a:xfrm>
               <a:off x="4824000" y="4500000"/>
-              <a:ext cx="898920" cy="898920"/>
+              <a:ext cx="898560" cy="898560"/>
             </a:xfrm>
             <a:prstGeom prst="rect">
               <a:avLst/>
@@ -5309,7 +5309,7 @@
           <p:spPr>
             <a:xfrm>
               <a:off x="3600000" y="4536000"/>
-              <a:ext cx="862920" cy="862920"/>
+              <a:ext cx="862560" cy="862560"/>
             </a:xfrm>
             <a:prstGeom prst="rect">
               <a:avLst/>
@@ -5332,7 +5332,7 @@
           <p:spPr>
             <a:xfrm>
               <a:off x="6084360" y="4537440"/>
-              <a:ext cx="861480" cy="861480"/>
+              <a:ext cx="861120" cy="861120"/>
             </a:xfrm>
             <a:prstGeom prst="rect">
               <a:avLst/>
@@ -5439,7 +5439,7 @@
           <p:spPr>
             <a:xfrm>
               <a:off x="4644000" y="5400000"/>
-              <a:ext cx="1438920" cy="345240"/>
+              <a:ext cx="1438560" cy="344880"/>
             </a:xfrm>
             <a:prstGeom prst="rect">
               <a:avLst/>
@@ -5495,7 +5495,7 @@
           <p:spPr>
             <a:xfrm>
               <a:off x="3672000" y="5400000"/>
-              <a:ext cx="718920" cy="358920"/>
+              <a:ext cx="718560" cy="358560"/>
             </a:xfrm>
             <a:prstGeom prst="rect">
               <a:avLst/>
@@ -5551,7 +5551,7 @@
           <p:spPr>
             <a:xfrm>
               <a:off x="6192000" y="5400000"/>
-              <a:ext cx="718920" cy="358920"/>
+              <a:ext cx="718560" cy="358560"/>
             </a:xfrm>
             <a:prstGeom prst="rect">
               <a:avLst/>
@@ -5612,7 +5612,7 @@
         <p:spPr>
           <a:xfrm>
             <a:off x="180000" y="3420000"/>
-            <a:ext cx="568080" cy="568080"/>
+            <a:ext cx="567720" cy="567720"/>
           </a:xfrm>
           <a:prstGeom prst="rect">
             <a:avLst/>
@@ -5661,7 +5661,7 @@
         <p:spPr>
           <a:xfrm>
             <a:off x="6815160" y="2016000"/>
-            <a:ext cx="2903760" cy="4823280"/>
+            <a:ext cx="2903400" cy="4822920"/>
           </a:xfrm>
           <a:prstGeom prst="rect">
             <a:avLst/>
@@ -5712,7 +5712,7 @@
         <p:spPr>
           <a:xfrm>
             <a:off x="3420000" y="2016000"/>
-            <a:ext cx="3239640" cy="4823280"/>
+            <a:ext cx="3239280" cy="4822920"/>
           </a:xfrm>
           <a:prstGeom prst="rect">
             <a:avLst/>
@@ -5763,7 +5763,7 @@
         <p:spPr>
           <a:xfrm>
             <a:off x="360000" y="2016000"/>
-            <a:ext cx="2903760" cy="4823280"/>
+            <a:ext cx="2903400" cy="4822920"/>
           </a:xfrm>
           <a:prstGeom prst="rect">
             <a:avLst/>
@@ -5827,7 +5827,7 @@
         <p:spPr>
           <a:xfrm>
             <a:off x="457200" y="550800"/>
-            <a:ext cx="7799040" cy="941400"/>
+            <a:ext cx="7798680" cy="941040"/>
           </a:xfrm>
           <a:prstGeom prst="rect">
             <a:avLst/>
@@ -5901,7 +5901,7 @@
         <p:spPr>
           <a:xfrm>
             <a:off x="677880" y="1764000"/>
-            <a:ext cx="2273760" cy="538920"/>
+            <a:ext cx="2273400" cy="538560"/>
           </a:xfrm>
           <a:prstGeom prst="roundRect">
             <a:avLst>
@@ -5972,7 +5972,7 @@
         <p:spPr>
           <a:xfrm>
             <a:off x="3905280" y="1764000"/>
-            <a:ext cx="2286360" cy="538920"/>
+            <a:ext cx="2286000" cy="538560"/>
           </a:xfrm>
           <a:prstGeom prst="roundRect">
             <a:avLst>
@@ -6043,7 +6043,7 @@
         <p:spPr>
           <a:xfrm>
             <a:off x="7133040" y="1764000"/>
-            <a:ext cx="2298600" cy="538920"/>
+            <a:ext cx="2298240" cy="538560"/>
           </a:xfrm>
           <a:prstGeom prst="roundRect">
             <a:avLst>
@@ -6114,7 +6114,7 @@
         <p:spPr>
           <a:xfrm>
             <a:off x="720000" y="2556000"/>
-            <a:ext cx="2158920" cy="3958920"/>
+            <a:ext cx="2158560" cy="3958560"/>
           </a:xfrm>
           <a:prstGeom prst="rect">
             <a:avLst/>
@@ -6225,7 +6225,7 @@
         <p:spPr>
           <a:xfrm>
             <a:off x="3420000" y="2520000"/>
-            <a:ext cx="3239640" cy="4319280"/>
+            <a:ext cx="3239280" cy="4318920"/>
           </a:xfrm>
           <a:prstGeom prst="rect">
             <a:avLst/>
@@ -6355,7 +6355,7 @@
                 <a:latin typeface="Arial"/>
                 <a:ea typeface="Noto Sans SC"/>
               </a:rPr>
-              <a:t>Real-time Data Collection</a:t>
+              <a:t>Data Collection</a:t>
             </a:r>
             <a:endParaRPr b="0" lang="en-US" sz="1800" strike="noStrike" u="none">
               <a:solidFill>
@@ -6456,7 +6456,7 @@
         <p:spPr>
           <a:xfrm>
             <a:off x="6815160" y="2556000"/>
-            <a:ext cx="2903760" cy="3958920"/>
+            <a:ext cx="2903400" cy="3958560"/>
           </a:xfrm>
           <a:prstGeom prst="rect">
             <a:avLst/>
@@ -6611,7 +6611,7 @@
         <p:spPr>
           <a:xfrm>
             <a:off x="7812000" y="5939280"/>
-            <a:ext cx="863640" cy="863640"/>
+            <a:ext cx="863280" cy="863280"/>
           </a:xfrm>
           <a:prstGeom prst="rect">
             <a:avLst/>
@@ -6634,7 +6634,7 @@
         <p:spPr>
           <a:xfrm>
             <a:off x="4572000" y="5939280"/>
-            <a:ext cx="863640" cy="863640"/>
+            <a:ext cx="863280" cy="863280"/>
           </a:xfrm>
           <a:prstGeom prst="rect">
             <a:avLst/>
@@ -6657,7 +6657,7 @@
         <p:spPr>
           <a:xfrm>
             <a:off x="1296000" y="5940000"/>
-            <a:ext cx="1078920" cy="826560"/>
+            <a:ext cx="1078560" cy="826200"/>
           </a:xfrm>
           <a:prstGeom prst="rect">
             <a:avLst/>
@@ -6676,7 +6676,7 @@
         <p:spPr>
           <a:xfrm>
             <a:off x="6815160" y="2556000"/>
-            <a:ext cx="2903760" cy="3958920"/>
+            <a:ext cx="2903400" cy="3958560"/>
           </a:xfrm>
           <a:prstGeom prst="rect">
             <a:avLst/>
@@ -6861,7 +6861,7 @@
         <p:spPr>
           <a:xfrm>
             <a:off x="457200" y="491760"/>
-            <a:ext cx="8275320" cy="1022400"/>
+            <a:ext cx="8274960" cy="1022040"/>
           </a:xfrm>
           <a:prstGeom prst="rect">
             <a:avLst/>
@@ -6950,7 +6950,7 @@
         <p:spPr>
           <a:xfrm>
             <a:off x="456840" y="2185560"/>
-            <a:ext cx="3682080" cy="441360"/>
+            <a:ext cx="3681720" cy="441000"/>
           </a:xfrm>
           <a:prstGeom prst="rect">
             <a:avLst/>
@@ -7008,7 +7008,7 @@
         <p:spPr>
           <a:xfrm>
             <a:off x="828000" y="2700000"/>
-            <a:ext cx="3542040" cy="3599640"/>
+            <a:ext cx="3541680" cy="3599280"/>
           </a:xfrm>
           <a:prstGeom prst="rect">
             <a:avLst/>
@@ -7225,7 +7225,7 @@
         <p:spPr>
           <a:xfrm>
             <a:off x="432360" y="1728360"/>
-            <a:ext cx="2518200" cy="342360"/>
+            <a:ext cx="2517840" cy="342000"/>
           </a:xfrm>
           <a:prstGeom prst="roundRect">
             <a:avLst>
@@ -7293,7 +7293,7 @@
         <p:spPr>
           <a:xfrm>
             <a:off x="6984360" y="1728360"/>
-            <a:ext cx="2518200" cy="342360"/>
+            <a:ext cx="2517840" cy="342000"/>
           </a:xfrm>
           <a:prstGeom prst="roundRect">
             <a:avLst>
@@ -7361,7 +7361,7 @@
         <p:spPr>
           <a:xfrm>
             <a:off x="3672360" y="1728360"/>
-            <a:ext cx="2518200" cy="342360"/>
+            <a:ext cx="2517840" cy="342000"/>
           </a:xfrm>
           <a:prstGeom prst="roundRect">
             <a:avLst>
@@ -7433,7 +7433,7 @@
         <p:spPr>
           <a:xfrm>
             <a:off x="5040000" y="2222640"/>
-            <a:ext cx="4057920" cy="3717000"/>
+            <a:ext cx="4057560" cy="3716640"/>
           </a:xfrm>
           <a:prstGeom prst="rect">
             <a:avLst/>
@@ -7456,7 +7456,7 @@
         <p:spPr>
           <a:xfrm>
             <a:off x="842400" y="5580000"/>
-            <a:ext cx="957240" cy="957240"/>
+            <a:ext cx="956880" cy="956880"/>
           </a:xfrm>
           <a:prstGeom prst="rect">
             <a:avLst/>
@@ -7509,7 +7509,7 @@
         <p:spPr>
           <a:xfrm>
             <a:off x="456840" y="2185560"/>
-            <a:ext cx="3862080" cy="334080"/>
+            <a:ext cx="3861720" cy="333720"/>
           </a:xfrm>
           <a:prstGeom prst="rect">
             <a:avLst/>
@@ -7567,7 +7567,7 @@
         <p:spPr>
           <a:xfrm>
             <a:off x="831960" y="2589480"/>
-            <a:ext cx="3847680" cy="722160"/>
+            <a:ext cx="3847320" cy="721800"/>
           </a:xfrm>
           <a:prstGeom prst="rect">
             <a:avLst/>
@@ -7676,7 +7676,7 @@
         <p:spPr>
           <a:xfrm>
             <a:off x="579960" y="3489480"/>
-            <a:ext cx="4259880" cy="2820960"/>
+            <a:ext cx="4259520" cy="2820600"/>
           </a:xfrm>
           <a:prstGeom prst="rect">
             <a:avLst/>
@@ -7894,7 +7894,7 @@
         <p:spPr>
           <a:xfrm>
             <a:off x="457200" y="492120"/>
-            <a:ext cx="8275320" cy="1022400"/>
+            <a:ext cx="8274960" cy="1022040"/>
           </a:xfrm>
           <a:prstGeom prst="rect">
             <a:avLst/>
@@ -7992,7 +7992,7 @@
         <p:spPr>
           <a:xfrm>
             <a:off x="432360" y="1728360"/>
-            <a:ext cx="2518200" cy="342360"/>
+            <a:ext cx="2517840" cy="342000"/>
           </a:xfrm>
           <a:prstGeom prst="roundRect">
             <a:avLst>
@@ -8060,7 +8060,7 @@
         <p:spPr>
           <a:xfrm>
             <a:off x="6984360" y="1728360"/>
-            <a:ext cx="2518200" cy="342360"/>
+            <a:ext cx="2517840" cy="342000"/>
           </a:xfrm>
           <a:prstGeom prst="roundRect">
             <a:avLst>
@@ -8128,7 +8128,7 @@
         <p:spPr>
           <a:xfrm>
             <a:off x="3672360" y="1728360"/>
-            <a:ext cx="2518200" cy="342360"/>
+            <a:ext cx="2517840" cy="342000"/>
           </a:xfrm>
           <a:prstGeom prst="roundRect">
             <a:avLst>
@@ -8200,7 +8200,7 @@
         <p:spPr>
           <a:xfrm>
             <a:off x="900000" y="5652000"/>
-            <a:ext cx="827640" cy="827640"/>
+            <a:ext cx="827280" cy="827280"/>
           </a:xfrm>
           <a:prstGeom prst="rect">
             <a:avLst/>
@@ -8223,7 +8223,7 @@
         <p:spPr>
           <a:xfrm>
             <a:off x="5038200" y="2221920"/>
-            <a:ext cx="4059720" cy="3245760"/>
+            <a:ext cx="4059360" cy="3245400"/>
           </a:xfrm>
           <a:prstGeom prst="rect">
             <a:avLst/>
@@ -8276,7 +8276,7 @@
         <p:spPr>
           <a:xfrm>
             <a:off x="4320000" y="2527920"/>
-            <a:ext cx="5579640" cy="2331720"/>
+            <a:ext cx="5579280" cy="2331360"/>
           </a:xfrm>
           <a:prstGeom prst="rect">
             <a:avLst/>
@@ -8408,7 +8408,7 @@
                 <a:uFillTx/>
                 <a:latin typeface="Arial"/>
               </a:rPr>
-              <a:t>Less</a:t>
+              <a:t>Lower</a:t>
             </a:r>
             <a:r>
               <a:rPr b="0" lang="en-US" sz="1800" strike="noStrike" u="none">
@@ -8531,7 +8531,7 @@
         <p:spPr>
           <a:xfrm>
             <a:off x="432000" y="1728000"/>
-            <a:ext cx="2518200" cy="342360"/>
+            <a:ext cx="2517840" cy="342000"/>
           </a:xfrm>
           <a:prstGeom prst="roundRect">
             <a:avLst>
@@ -8599,7 +8599,7 @@
         <p:spPr>
           <a:xfrm>
             <a:off x="6984000" y="1728000"/>
-            <a:ext cx="2518200" cy="342360"/>
+            <a:ext cx="2517840" cy="342000"/>
           </a:xfrm>
           <a:prstGeom prst="roundRect">
             <a:avLst>
@@ -8667,7 +8667,7 @@
         <p:spPr>
           <a:xfrm>
             <a:off x="3672000" y="1728000"/>
-            <a:ext cx="2518200" cy="342360"/>
+            <a:ext cx="2517840" cy="342000"/>
           </a:xfrm>
           <a:prstGeom prst="roundRect">
             <a:avLst>
@@ -8735,7 +8735,7 @@
         <p:spPr>
           <a:xfrm>
             <a:off x="457200" y="492120"/>
-            <a:ext cx="8275320" cy="1022400"/>
+            <a:ext cx="8274960" cy="1022040"/>
           </a:xfrm>
           <a:prstGeom prst="rect">
             <a:avLst/>
@@ -8837,7 +8837,7 @@
         <p:spPr>
           <a:xfrm>
             <a:off x="615960" y="4320000"/>
-            <a:ext cx="823680" cy="823680"/>
+            <a:ext cx="823320" cy="823320"/>
           </a:xfrm>
           <a:prstGeom prst="rect">
             <a:avLst/>
@@ -8856,9 +8856,9 @@
         <p:grpSpPr>
           <a:xfrm>
             <a:off x="4302000" y="5190840"/>
-            <a:ext cx="5261040" cy="1979640"/>
+            <a:ext cx="5260680" cy="1979280"/>
             <a:chOff x="4302000" y="5190840"/>
-            <a:chExt cx="5261040" cy="1979640"/>
+            <a:chExt cx="5260680" cy="1979280"/>
           </a:xfrm>
         </p:grpSpPr>
         <p:pic>
@@ -8874,7 +8874,7 @@
           <p:spPr>
             <a:xfrm>
               <a:off x="6226560" y="5190840"/>
-              <a:ext cx="1413720" cy="1413720"/>
+              <a:ext cx="1413360" cy="1413360"/>
             </a:xfrm>
             <a:prstGeom prst="rect">
               <a:avLst/>
@@ -8897,7 +8897,7 @@
           <p:spPr>
             <a:xfrm>
               <a:off x="4302000" y="5247360"/>
-              <a:ext cx="1356840" cy="1357200"/>
+              <a:ext cx="1356480" cy="1356840"/>
             </a:xfrm>
             <a:prstGeom prst="rect">
               <a:avLst/>
@@ -8920,7 +8920,7 @@
           <p:spPr>
             <a:xfrm>
               <a:off x="8208360" y="5249880"/>
-              <a:ext cx="1354680" cy="1354680"/>
+              <a:ext cx="1354320" cy="1354320"/>
             </a:xfrm>
             <a:prstGeom prst="rect">
               <a:avLst/>
@@ -9027,7 +9027,7 @@
           <p:spPr>
             <a:xfrm>
               <a:off x="5943600" y="6606000"/>
-              <a:ext cx="2262600" cy="542880"/>
+              <a:ext cx="2262240" cy="542520"/>
             </a:xfrm>
             <a:prstGeom prst="rect">
               <a:avLst/>
@@ -9083,7 +9083,7 @@
           <p:spPr>
             <a:xfrm>
               <a:off x="4415040" y="6606000"/>
-              <a:ext cx="1130760" cy="564480"/>
+              <a:ext cx="1130400" cy="564120"/>
             </a:xfrm>
             <a:prstGeom prst="rect">
               <a:avLst/>
@@ -9139,7 +9139,7 @@
           <p:spPr>
             <a:xfrm>
               <a:off x="8377560" y="6606000"/>
-              <a:ext cx="1130400" cy="564480"/>
+              <a:ext cx="1130040" cy="564120"/>
             </a:xfrm>
             <a:prstGeom prst="rect">
               <a:avLst/>
@@ -9200,7 +9200,7 @@
         <p:spPr>
           <a:xfrm>
             <a:off x="4500000" y="4320000"/>
-            <a:ext cx="719640" cy="719640"/>
+            <a:ext cx="719280" cy="719280"/>
           </a:xfrm>
           <a:prstGeom prst="rect">
             <a:avLst/>
@@ -9219,7 +9219,7 @@
         <p:spPr>
           <a:xfrm>
             <a:off x="615960" y="2520000"/>
-            <a:ext cx="2983680" cy="1799640"/>
+            <a:ext cx="2983320" cy="1799280"/>
           </a:xfrm>
           <a:prstGeom prst="rect">
             <a:avLst/>
@@ -9429,7 +9429,7 @@
         <p:spPr>
           <a:xfrm>
             <a:off x="432000" y="2229120"/>
-            <a:ext cx="9466200" cy="4789800"/>
+            <a:ext cx="9465840" cy="4789440"/>
           </a:xfrm>
           <a:prstGeom prst="rect">
             <a:avLst/>
@@ -9541,7 +9541,7 @@
                 <a:latin typeface="Arial"/>
                 <a:ea typeface="Noto Sans SC"/>
               </a:rPr>
-              <a:t>Support for multiple charging ports for testing: </a:t>
+              <a:t>Suppor multiple charging ports for testing: </a:t>
             </a:r>
             <a:br>
               <a:rPr sz="2400"/>
@@ -9650,7 +9650,7 @@
         <p:spPr>
           <a:xfrm>
             <a:off x="457200" y="492120"/>
-            <a:ext cx="8275320" cy="1022400"/>
+            <a:ext cx="8274960" cy="1022040"/>
           </a:xfrm>
           <a:prstGeom prst="rect">
             <a:avLst/>
@@ -9748,7 +9748,7 @@
         <p:spPr>
           <a:xfrm>
             <a:off x="432360" y="1728360"/>
-            <a:ext cx="2518200" cy="342360"/>
+            <a:ext cx="2517840" cy="342000"/>
           </a:xfrm>
           <a:prstGeom prst="roundRect">
             <a:avLst>
@@ -9816,7 +9816,7 @@
         <p:spPr>
           <a:xfrm>
             <a:off x="6984360" y="1728360"/>
-            <a:ext cx="2518200" cy="342360"/>
+            <a:ext cx="2517840" cy="342000"/>
           </a:xfrm>
           <a:prstGeom prst="roundRect">
             <a:avLst>
@@ -9884,7 +9884,7 @@
         <p:spPr>
           <a:xfrm>
             <a:off x="3672360" y="1728360"/>
-            <a:ext cx="2518200" cy="342360"/>
+            <a:ext cx="2517840" cy="342000"/>
           </a:xfrm>
           <a:prstGeom prst="roundRect">
             <a:avLst>
@@ -9956,7 +9956,7 @@
         <p:spPr>
           <a:xfrm>
             <a:off x="180000" y="3919320"/>
-            <a:ext cx="759600" cy="759600"/>
+            <a:ext cx="759240" cy="759240"/>
           </a:xfrm>
           <a:prstGeom prst="rect">
             <a:avLst/>
@@ -9979,7 +9979,7 @@
         <p:spPr>
           <a:xfrm>
             <a:off x="180000" y="2880000"/>
-            <a:ext cx="718920" cy="718920"/>
+            <a:ext cx="718560" cy="718560"/>
           </a:xfrm>
           <a:prstGeom prst="rect">
             <a:avLst/>
@@ -10002,7 +10002,7 @@
         <p:spPr>
           <a:xfrm>
             <a:off x="180000" y="5040000"/>
-            <a:ext cx="718920" cy="718920"/>
+            <a:ext cx="718560" cy="718560"/>
           </a:xfrm>
           <a:prstGeom prst="rect">
             <a:avLst/>
@@ -10025,7 +10025,7 @@
         <p:spPr>
           <a:xfrm>
             <a:off x="180000" y="6012000"/>
-            <a:ext cx="718920" cy="718920"/>
+            <a:ext cx="718560" cy="718560"/>
           </a:xfrm>
           <a:prstGeom prst="rect">
             <a:avLst/>
@@ -10078,7 +10078,7 @@
         <p:spPr>
           <a:xfrm>
             <a:off x="360" y="1871280"/>
-            <a:ext cx="10078560" cy="5038200"/>
+            <a:ext cx="10078200" cy="5037840"/>
           </a:xfrm>
           <a:prstGeom prst="rect">
             <a:avLst/>
@@ -10097,7 +10097,7 @@
         <p:spPr>
           <a:xfrm>
             <a:off x="457200" y="492480"/>
-            <a:ext cx="8275320" cy="1022400"/>
+            <a:ext cx="8274960" cy="1022040"/>
           </a:xfrm>
           <a:prstGeom prst="rect">
             <a:avLst/>
@@ -10229,7 +10229,7 @@
         <p:spPr>
           <a:xfrm>
             <a:off x="360" y="1956240"/>
-            <a:ext cx="10078560" cy="3438720"/>
+            <a:ext cx="10078200" cy="3438360"/>
           </a:xfrm>
           <a:prstGeom prst="rect">
             <a:avLst/>
@@ -10248,7 +10248,7 @@
         <p:spPr>
           <a:xfrm>
             <a:off x="457200" y="492480"/>
-            <a:ext cx="8275320" cy="1022400"/>
+            <a:ext cx="8274960" cy="1022040"/>
           </a:xfrm>
           <a:prstGeom prst="rect">
             <a:avLst/>
@@ -10365,7 +10365,7 @@
         <p:spPr>
           <a:xfrm>
             <a:off x="456840" y="2484000"/>
-            <a:ext cx="4678920" cy="4498920"/>
+            <a:ext cx="4678560" cy="4498560"/>
           </a:xfrm>
           <a:prstGeom prst="roundRect">
             <a:avLst>
@@ -11114,7 +11114,7 @@
         <p:spPr>
           <a:xfrm>
             <a:off x="457200" y="491760"/>
-            <a:ext cx="8275320" cy="1022400"/>
+            <a:ext cx="8274960" cy="1022040"/>
           </a:xfrm>
           <a:prstGeom prst="rect">
             <a:avLst/>
@@ -11203,7 +11203,7 @@
         <p:spPr>
           <a:xfrm>
             <a:off x="456840" y="2185560"/>
-            <a:ext cx="3682080" cy="441360"/>
+            <a:ext cx="3681720" cy="441000"/>
           </a:xfrm>
           <a:prstGeom prst="rect">
             <a:avLst/>
@@ -11261,7 +11261,7 @@
         <p:spPr>
           <a:xfrm>
             <a:off x="432360" y="1728360"/>
-            <a:ext cx="2518200" cy="342360"/>
+            <a:ext cx="2517840" cy="342000"/>
           </a:xfrm>
           <a:prstGeom prst="roundRect">
             <a:avLst>
@@ -11329,7 +11329,7 @@
         <p:spPr>
           <a:xfrm>
             <a:off x="6984360" y="1728360"/>
-            <a:ext cx="2518200" cy="342360"/>
+            <a:ext cx="2517840" cy="342000"/>
           </a:xfrm>
           <a:prstGeom prst="roundRect">
             <a:avLst>
@@ -11397,7 +11397,7 @@
         <p:spPr>
           <a:xfrm>
             <a:off x="3672360" y="1728360"/>
-            <a:ext cx="2518200" cy="342360"/>
+            <a:ext cx="2517840" cy="342000"/>
           </a:xfrm>
           <a:prstGeom prst="roundRect">
             <a:avLst>
@@ -11465,7 +11465,7 @@
         <p:spPr>
           <a:xfrm>
             <a:off x="5220000" y="2484000"/>
-            <a:ext cx="4678920" cy="4498920"/>
+            <a:ext cx="4678560" cy="4498560"/>
           </a:xfrm>
           <a:prstGeom prst="roundRect">
             <a:avLst>

--- a/ppt/Jin_Junfan.pptx
+++ b/ppt/Jin_Junfan.pptx
@@ -363,7 +363,7 @@
             <a:pPr indent="0" algn="r">
               <a:buNone/>
             </a:pPr>
-            <a:fld id="{0CBEB226-5286-4902-9F6F-F95E6D4FC99F}" type="slidenum">
+            <a:fld id="{921588E3-8742-4524-8446-602932CEF8D0}" type="slidenum">
               <a:rPr b="0" lang="en-US" sz="1400" strike="noStrike" u="none">
                 <a:solidFill>
                   <a:srgbClr val="000000"/>
@@ -1152,7 +1152,7 @@
                 <a:uFillTx/>
                 <a:latin typeface="Arial"/>
               </a:rPr>
-              <a:t>The first challenge is learning and using the OCPP protocol. The OCPP 2.0.1 message structure is complex, and there are many references in the standard document. Just like in this picture, it connects from one place to another, and then continues to another place. This means we often need to look up the standard, and writing the messages manually can result in errors.</a:t>
+              <a:t>The first challenge is learning and using the OCPP protocol. The OCPP 2.0.1 message structure is complex, and there are many reference links in the standard document. Just like in this picture, it connects from one place to another, and then continues to another place. This means we often need to look up the standard. Writing the messages manually can also result in errors.</a:t>
             </a:r>
             <a:endParaRPr b="0" lang="en-US" sz="2000" strike="noStrike" u="none">
               <a:solidFill>
@@ -1241,6 +1241,12 @@
               <a:lnSpc>
                 <a:spcPct val="100000"/>
               </a:lnSpc>
+              <a:spcBef>
+                <a:spcPts val="1191"/>
+              </a:spcBef>
+              <a:spcAft>
+                <a:spcPts val="992"/>
+              </a:spcAft>
               <a:buNone/>
               <a:tabLst>
                 <a:tab algn="l" pos="0"/>
@@ -1254,7 +1260,7 @@
                 <a:uFillTx/>
                 <a:latin typeface="Arial"/>
               </a:rPr>
-              <a:t>To solve this, we designed a message generator. It works by passing parameters through functions to build the OCPP messages step by step, reducing errors and making it easier for developers to understand and use.</a:t>
+              <a:t>To solve this, we designed a message generator. It works by passing parameters through functions to build the OCPP messages step by step like a production line. It can reduce errors and make it easier for developers to understand and use.</a:t>
             </a:r>
             <a:endParaRPr b="0" lang="en-US" sz="2000" strike="noStrike" u="none">
               <a:solidFill>
@@ -1372,7 +1378,7 @@
                 <a:uFillTx/>
                 <a:latin typeface="Arial"/>
               </a:rPr>
-              <a:t>Because the system has many modules and complex function calls. So, we needed a way to reduce the coupling. we implemented a Signal class referencing the Qt Signal mechanism to decouple the system. We only need to connect functions to signals externally, and when a signal is emitted, the function is called. Compared to callback functions, this method is more flexible and has lower coupling.</a:t>
+              <a:t>Because the system has many modules and complex function calls. So, we needed a way to reduce the coupling. we implemented a Signal class referencing the Qt Signal to decouple the system. We only need to connect functions to signals externally. When a signal is emitted, the function will be called. Compared to callback functions, this method is more flexible and has lower coupling.</a:t>
             </a:r>
             <a:endParaRPr b="0" lang="en-US" sz="2000" strike="noStrike" u="none">
               <a:solidFill>
@@ -2103,7 +2109,7 @@
                 <a:tab algn="l" pos="0"/>
               </a:tabLst>
             </a:pPr>
-            <a:fld id="{6CAD5EE6-C636-44BB-89F7-6524B5E10DC4}" type="slidenum">
+            <a:fld id="{EF76EE04-03E5-4EB0-8F89-210D220F65F6}" type="slidenum">
               <a:rPr b="0" lang="en-US" sz="1200" strike="noStrike" u="none">
                 <a:solidFill>
                   <a:srgbClr val="000000"/>
@@ -9504,7 +9510,7 @@
                 <a:latin typeface="Arial"/>
                 <a:ea typeface="Noto Sans SC"/>
               </a:rPr>
-              <a:t>Database Support: the foundation for data storage and analysis </a:t>
+              <a:t>Database Support: the foundation for Database</a:t>
             </a:r>
             <a:endParaRPr b="0" lang="en-US" sz="2400" strike="noStrike" u="none">
               <a:solidFill>
@@ -9541,7 +9547,7 @@
                 <a:latin typeface="Arial"/>
                 <a:ea typeface="Noto Sans SC"/>
               </a:rPr>
-              <a:t>Suppor multiple charging ports for testing: </a:t>
+              <a:t>Support multiple charging ports for testing: </a:t>
             </a:r>
             <a:br>
               <a:rPr sz="2400"/>

--- a/ppt/Jin_Junfan.pptx
+++ b/ppt/Jin_Junfan.pptx
@@ -363,7 +363,7 @@
             <a:pPr indent="0" algn="r">
               <a:buNone/>
             </a:pPr>
-            <a:fld id="{921588E3-8742-4524-8446-602932CEF8D0}" type="slidenum">
+            <a:fld id="{044B1C6F-68D1-485C-9761-F3F1FBAF1217}" type="slidenum">
               <a:rPr b="0" lang="en-US" sz="1400" strike="noStrike" u="none">
                 <a:solidFill>
                   <a:srgbClr val="000000"/>
@@ -1584,6 +1584,71 @@
                 <a:ea typeface="Noto Sans SC"/>
               </a:rPr>
               <a:t>This is the internal structure of the charging station. The pink parts are coroutines, and the green parts are threads. All modules connect to the Central Processor, which manages the scheduling.</a:t>
+            </a:r>
+            <a:endParaRPr b="0" lang="en-US" sz="2000" strike="noStrike" u="none">
+              <a:solidFill>
+                <a:srgbClr val="000000"/>
+              </a:solidFill>
+              <a:uFillTx/>
+              <a:latin typeface="Arial"/>
+            </a:endParaRPr>
+          </a:p>
+          <a:p>
+            <a:pPr marL="216000" indent="-216000">
+              <a:lnSpc>
+                <a:spcPct val="100000"/>
+              </a:lnSpc>
+              <a:buNone/>
+              <a:tabLst>
+                <a:tab algn="l" pos="0"/>
+              </a:tabLst>
+            </a:pPr>
+            <a:endParaRPr b="0" lang="en-US" sz="2000" strike="noStrike" u="none">
+              <a:solidFill>
+                <a:srgbClr val="000000"/>
+              </a:solidFill>
+              <a:uFillTx/>
+              <a:latin typeface="Arial"/>
+            </a:endParaRPr>
+          </a:p>
+          <a:p>
+            <a:pPr marL="216000" indent="-216000">
+              <a:lnSpc>
+                <a:spcPct val="100000"/>
+              </a:lnSpc>
+              <a:buNone/>
+              <a:tabLst>
+                <a:tab algn="l" pos="0"/>
+              </a:tabLst>
+            </a:pPr>
+            <a:endParaRPr b="0" lang="en-US" sz="2000" strike="noStrike" u="none">
+              <a:solidFill>
+                <a:srgbClr val="000000"/>
+              </a:solidFill>
+              <a:uFillTx/>
+              <a:latin typeface="Arial"/>
+            </a:endParaRPr>
+          </a:p>
+          <a:p>
+            <a:pPr marL="216000" indent="-216000">
+              <a:lnSpc>
+                <a:spcPct val="100000"/>
+              </a:lnSpc>
+              <a:buNone/>
+              <a:tabLst>
+                <a:tab algn="l" pos="0"/>
+              </a:tabLst>
+            </a:pPr>
+            <a:r>
+              <a:rPr b="0" lang="en-US" sz="2000" strike="noStrike" u="none">
+                <a:solidFill>
+                  <a:srgbClr val="000000"/>
+                </a:solidFill>
+                <a:uFillTx/>
+                <a:latin typeface="Arial"/>
+                <a:ea typeface="Noto Sans SC"/>
+              </a:rPr>
+              <a:t>Next, Yunan will explain the charging logic part.</a:t>
             </a:r>
             <a:endParaRPr b="0" lang="en-US" sz="2000" strike="noStrike" u="none">
               <a:solidFill>
@@ -2109,7 +2174,7 @@
                 <a:tab algn="l" pos="0"/>
               </a:tabLst>
             </a:pPr>
-            <a:fld id="{EF76EE04-03E5-4EB0-8F89-210D220F65F6}" type="slidenum">
+            <a:fld id="{4F355FDB-CF7A-492B-BDB1-162EE63D14AE}" type="slidenum">
               <a:rPr b="0" lang="en-US" sz="1200" strike="noStrike" u="none">
                 <a:solidFill>
                   <a:srgbClr val="000000"/>
@@ -2118,7 +2183,7 @@
                 <a:latin typeface="Arial"/>
                 <a:ea typeface="DejaVu Sans"/>
               </a:rPr>
-              <a:t>&lt;编号&gt;</a:t>
+              <a:t>7</a:t>
             </a:fld>
             <a:endParaRPr b="0" lang="en-US" sz="1200" strike="noStrike" u="none">
               <a:solidFill>
